--- a/phaser/ohhman/assets/screenshots/screenshots.pptx
+++ b/phaser/ohhman/assets/screenshots/screenshots.pptx
@@ -306,7 +306,7 @@
           <a:p>
             <a:fld id="{93945A38-A22D-409E-8801-20D8F8211029}" type="datetimeFigureOut">
               <a:rPr lang="pt-BR" smtClean="0"/>
-              <a:t>02/04/2014</a:t>
+              <a:t>03/04/2014</a:t>
             </a:fld>
             <a:endParaRPr lang="pt-BR"/>
           </a:p>
@@ -476,7 +476,7 @@
           <a:p>
             <a:fld id="{93945A38-A22D-409E-8801-20D8F8211029}" type="datetimeFigureOut">
               <a:rPr lang="pt-BR" smtClean="0"/>
-              <a:t>02/04/2014</a:t>
+              <a:t>03/04/2014</a:t>
             </a:fld>
             <a:endParaRPr lang="pt-BR"/>
           </a:p>
@@ -656,7 +656,7 @@
           <a:p>
             <a:fld id="{93945A38-A22D-409E-8801-20D8F8211029}" type="datetimeFigureOut">
               <a:rPr lang="pt-BR" smtClean="0"/>
-              <a:t>02/04/2014</a:t>
+              <a:t>03/04/2014</a:t>
             </a:fld>
             <a:endParaRPr lang="pt-BR"/>
           </a:p>
@@ -826,7 +826,7 @@
           <a:p>
             <a:fld id="{93945A38-A22D-409E-8801-20D8F8211029}" type="datetimeFigureOut">
               <a:rPr lang="pt-BR" smtClean="0"/>
-              <a:t>02/04/2014</a:t>
+              <a:t>03/04/2014</a:t>
             </a:fld>
             <a:endParaRPr lang="pt-BR"/>
           </a:p>
@@ -1072,7 +1072,7 @@
           <a:p>
             <a:fld id="{93945A38-A22D-409E-8801-20D8F8211029}" type="datetimeFigureOut">
               <a:rPr lang="pt-BR" smtClean="0"/>
-              <a:t>02/04/2014</a:t>
+              <a:t>03/04/2014</a:t>
             </a:fld>
             <a:endParaRPr lang="pt-BR"/>
           </a:p>
@@ -1360,7 +1360,7 @@
           <a:p>
             <a:fld id="{93945A38-A22D-409E-8801-20D8F8211029}" type="datetimeFigureOut">
               <a:rPr lang="pt-BR" smtClean="0"/>
-              <a:t>02/04/2014</a:t>
+              <a:t>03/04/2014</a:t>
             </a:fld>
             <a:endParaRPr lang="pt-BR"/>
           </a:p>
@@ -1782,7 +1782,7 @@
           <a:p>
             <a:fld id="{93945A38-A22D-409E-8801-20D8F8211029}" type="datetimeFigureOut">
               <a:rPr lang="pt-BR" smtClean="0"/>
-              <a:t>02/04/2014</a:t>
+              <a:t>03/04/2014</a:t>
             </a:fld>
             <a:endParaRPr lang="pt-BR"/>
           </a:p>
@@ -1900,7 +1900,7 @@
           <a:p>
             <a:fld id="{93945A38-A22D-409E-8801-20D8F8211029}" type="datetimeFigureOut">
               <a:rPr lang="pt-BR" smtClean="0"/>
-              <a:t>02/04/2014</a:t>
+              <a:t>03/04/2014</a:t>
             </a:fld>
             <a:endParaRPr lang="pt-BR"/>
           </a:p>
@@ -1995,7 +1995,7 @@
           <a:p>
             <a:fld id="{93945A38-A22D-409E-8801-20D8F8211029}" type="datetimeFigureOut">
               <a:rPr lang="pt-BR" smtClean="0"/>
-              <a:t>02/04/2014</a:t>
+              <a:t>03/04/2014</a:t>
             </a:fld>
             <a:endParaRPr lang="pt-BR"/>
           </a:p>
@@ -2272,7 +2272,7 @@
           <a:p>
             <a:fld id="{93945A38-A22D-409E-8801-20D8F8211029}" type="datetimeFigureOut">
               <a:rPr lang="pt-BR" smtClean="0"/>
-              <a:t>02/04/2014</a:t>
+              <a:t>03/04/2014</a:t>
             </a:fld>
             <a:endParaRPr lang="pt-BR"/>
           </a:p>
@@ -2525,7 +2525,7 @@
           <a:p>
             <a:fld id="{93945A38-A22D-409E-8801-20D8F8211029}" type="datetimeFigureOut">
               <a:rPr lang="pt-BR" smtClean="0"/>
-              <a:t>02/04/2014</a:t>
+              <a:t>03/04/2014</a:t>
             </a:fld>
             <a:endParaRPr lang="pt-BR"/>
           </a:p>
@@ -2738,7 +2738,7 @@
           <a:p>
             <a:fld id="{93945A38-A22D-409E-8801-20D8F8211029}" type="datetimeFigureOut">
               <a:rPr lang="pt-BR" smtClean="0"/>
-              <a:t>02/04/2014</a:t>
+              <a:t>03/04/2014</a:t>
             </a:fld>
             <a:endParaRPr lang="pt-BR"/>
           </a:p>
@@ -6098,28 +6098,10 @@
             <a:p>
               <a:pPr algn="ctr"/>
               <a:r>
-                <a:rPr lang="pt-BR" sz="4000" dirty="0" err="1" smtClean="0">
-                  <a:latin typeface="Andy" panose="03080602030302030203" pitchFamily="66" charset="0"/>
-                </a:rPr>
-                <a:t>How</a:t>
-              </a:r>
-              <a:r>
                 <a:rPr lang="pt-BR" sz="4000" dirty="0" smtClean="0">
                   <a:latin typeface="Andy" panose="03080602030302030203" pitchFamily="66" charset="0"/>
                 </a:rPr>
-                <a:t> </a:t>
-              </a:r>
-              <a:r>
-                <a:rPr lang="pt-BR" sz="4000" dirty="0" err="1" smtClean="0">
-                  <a:latin typeface="Andy" panose="03080602030302030203" pitchFamily="66" charset="0"/>
-                </a:rPr>
-                <a:t>to</a:t>
-              </a:r>
-              <a:r>
-                <a:rPr lang="pt-BR" sz="4000" dirty="0" smtClean="0">
-                  <a:latin typeface="Andy" panose="03080602030302030203" pitchFamily="66" charset="0"/>
-                </a:rPr>
-                <a:t> Play</a:t>
+                <a:t>How to Play</a:t>
               </a:r>
               <a:endParaRPr lang="pt-BR" sz="4000" dirty="0">
                 <a:latin typeface="Andy" panose="03080602030302030203" pitchFamily="66" charset="0"/>
@@ -7513,28 +7495,10 @@
             <a:p>
               <a:pPr algn="ctr"/>
               <a:r>
-                <a:rPr lang="pt-BR" sz="4000" dirty="0" err="1" smtClean="0">
-                  <a:latin typeface="Andy" panose="03080602030302030203" pitchFamily="66" charset="0"/>
-                </a:rPr>
-                <a:t>How</a:t>
-              </a:r>
-              <a:r>
                 <a:rPr lang="pt-BR" sz="4000" dirty="0" smtClean="0">
                   <a:latin typeface="Andy" panose="03080602030302030203" pitchFamily="66" charset="0"/>
                 </a:rPr>
-                <a:t> </a:t>
-              </a:r>
-              <a:r>
-                <a:rPr lang="pt-BR" sz="4000" dirty="0" err="1" smtClean="0">
-                  <a:latin typeface="Andy" panose="03080602030302030203" pitchFamily="66" charset="0"/>
-                </a:rPr>
-                <a:t>to</a:t>
-              </a:r>
-              <a:r>
-                <a:rPr lang="pt-BR" sz="4000" dirty="0" smtClean="0">
-                  <a:latin typeface="Andy" panose="03080602030302030203" pitchFamily="66" charset="0"/>
-                </a:rPr>
-                <a:t> Play</a:t>
+                <a:t>How to Play</a:t>
               </a:r>
               <a:endParaRPr lang="pt-BR" sz="4000" dirty="0">
                 <a:latin typeface="Andy" panose="03080602030302030203" pitchFamily="66" charset="0"/>
@@ -13458,28 +13422,10 @@
             <a:p>
               <a:pPr algn="ctr"/>
               <a:r>
-                <a:rPr lang="pt-BR" sz="4000" dirty="0" err="1" smtClean="0">
-                  <a:latin typeface="Andy" panose="03080602030302030203" pitchFamily="66" charset="0"/>
-                </a:rPr>
-                <a:t>How</a:t>
-              </a:r>
-              <a:r>
                 <a:rPr lang="pt-BR" sz="4000" dirty="0" smtClean="0">
                   <a:latin typeface="Andy" panose="03080602030302030203" pitchFamily="66" charset="0"/>
                 </a:rPr>
-                <a:t> </a:t>
-              </a:r>
-              <a:r>
-                <a:rPr lang="pt-BR" sz="4000" dirty="0" err="1" smtClean="0">
-                  <a:latin typeface="Andy" panose="03080602030302030203" pitchFamily="66" charset="0"/>
-                </a:rPr>
-                <a:t>to</a:t>
-              </a:r>
-              <a:r>
-                <a:rPr lang="pt-BR" sz="4000" dirty="0" smtClean="0">
-                  <a:latin typeface="Andy" panose="03080602030302030203" pitchFamily="66" charset="0"/>
-                </a:rPr>
-                <a:t> Play</a:t>
+                <a:t>How to Play</a:t>
               </a:r>
               <a:endParaRPr lang="pt-BR" sz="4000" dirty="0">
                 <a:latin typeface="Andy" panose="03080602030302030203" pitchFamily="66" charset="0"/>
@@ -15128,28 +15074,10 @@
             <a:p>
               <a:pPr algn="ctr"/>
               <a:r>
-                <a:rPr lang="pt-BR" sz="4000" dirty="0" err="1" smtClean="0">
-                  <a:latin typeface="Andy" panose="03080602030302030203" pitchFamily="66" charset="0"/>
-                </a:rPr>
-                <a:t>How</a:t>
-              </a:r>
-              <a:r>
                 <a:rPr lang="pt-BR" sz="4000" dirty="0" smtClean="0">
                   <a:latin typeface="Andy" panose="03080602030302030203" pitchFamily="66" charset="0"/>
                 </a:rPr>
-                <a:t> </a:t>
-              </a:r>
-              <a:r>
-                <a:rPr lang="pt-BR" sz="4000" dirty="0" err="1" smtClean="0">
-                  <a:latin typeface="Andy" panose="03080602030302030203" pitchFamily="66" charset="0"/>
-                </a:rPr>
-                <a:t>to</a:t>
-              </a:r>
-              <a:r>
-                <a:rPr lang="pt-BR" sz="4000" dirty="0" smtClean="0">
-                  <a:latin typeface="Andy" panose="03080602030302030203" pitchFamily="66" charset="0"/>
-                </a:rPr>
-                <a:t> Play</a:t>
+                <a:t>How to Play</a:t>
               </a:r>
               <a:endParaRPr lang="pt-BR" sz="4000" dirty="0">
                 <a:latin typeface="Andy" panose="03080602030302030203" pitchFamily="66" charset="0"/>

--- a/phaser/ohhman/assets/screenshots/screenshots.pptx
+++ b/phaser/ohhman/assets/screenshots/screenshots.pptx
@@ -11,19 +11,21 @@
     <p:sldId id="288" r:id="rId5"/>
     <p:sldId id="300" r:id="rId6"/>
     <p:sldId id="290" r:id="rId7"/>
-    <p:sldId id="280" r:id="rId8"/>
-    <p:sldId id="282" r:id="rId9"/>
-    <p:sldId id="285" r:id="rId10"/>
-    <p:sldId id="301" r:id="rId11"/>
-    <p:sldId id="302" r:id="rId12"/>
-    <p:sldId id="305" r:id="rId13"/>
-    <p:sldId id="298" r:id="rId14"/>
-    <p:sldId id="297" r:id="rId15"/>
-    <p:sldId id="303" r:id="rId16"/>
-    <p:sldId id="295" r:id="rId17"/>
-    <p:sldId id="296" r:id="rId18"/>
-    <p:sldId id="294" r:id="rId19"/>
-    <p:sldId id="293" r:id="rId20"/>
+    <p:sldId id="306" r:id="rId8"/>
+    <p:sldId id="280" r:id="rId9"/>
+    <p:sldId id="282" r:id="rId10"/>
+    <p:sldId id="285" r:id="rId11"/>
+    <p:sldId id="301" r:id="rId12"/>
+    <p:sldId id="302" r:id="rId13"/>
+    <p:sldId id="305" r:id="rId14"/>
+    <p:sldId id="298" r:id="rId15"/>
+    <p:sldId id="297" r:id="rId16"/>
+    <p:sldId id="303" r:id="rId17"/>
+    <p:sldId id="295" r:id="rId18"/>
+    <p:sldId id="307" r:id="rId19"/>
+    <p:sldId id="296" r:id="rId20"/>
+    <p:sldId id="294" r:id="rId21"/>
+    <p:sldId id="293" r:id="rId22"/>
   </p:sldIdLst>
   <p:sldSz cx="9144000" cy="6858000" type="screen4x3"/>
   <p:notesSz cx="6858000" cy="9144000"/>
@@ -306,7 +308,7 @@
           <a:p>
             <a:fld id="{93945A38-A22D-409E-8801-20D8F8211029}" type="datetimeFigureOut">
               <a:rPr lang="pt-BR" smtClean="0"/>
-              <a:t>03/04/2014</a:t>
+              <a:t>11/04/2014</a:t>
             </a:fld>
             <a:endParaRPr lang="pt-BR"/>
           </a:p>
@@ -476,7 +478,7 @@
           <a:p>
             <a:fld id="{93945A38-A22D-409E-8801-20D8F8211029}" type="datetimeFigureOut">
               <a:rPr lang="pt-BR" smtClean="0"/>
-              <a:t>03/04/2014</a:t>
+              <a:t>11/04/2014</a:t>
             </a:fld>
             <a:endParaRPr lang="pt-BR"/>
           </a:p>
@@ -656,7 +658,7 @@
           <a:p>
             <a:fld id="{93945A38-A22D-409E-8801-20D8F8211029}" type="datetimeFigureOut">
               <a:rPr lang="pt-BR" smtClean="0"/>
-              <a:t>03/04/2014</a:t>
+              <a:t>11/04/2014</a:t>
             </a:fld>
             <a:endParaRPr lang="pt-BR"/>
           </a:p>
@@ -826,7 +828,7 @@
           <a:p>
             <a:fld id="{93945A38-A22D-409E-8801-20D8F8211029}" type="datetimeFigureOut">
               <a:rPr lang="pt-BR" smtClean="0"/>
-              <a:t>03/04/2014</a:t>
+              <a:t>11/04/2014</a:t>
             </a:fld>
             <a:endParaRPr lang="pt-BR"/>
           </a:p>
@@ -1072,7 +1074,7 @@
           <a:p>
             <a:fld id="{93945A38-A22D-409E-8801-20D8F8211029}" type="datetimeFigureOut">
               <a:rPr lang="pt-BR" smtClean="0"/>
-              <a:t>03/04/2014</a:t>
+              <a:t>11/04/2014</a:t>
             </a:fld>
             <a:endParaRPr lang="pt-BR"/>
           </a:p>
@@ -1360,7 +1362,7 @@
           <a:p>
             <a:fld id="{93945A38-A22D-409E-8801-20D8F8211029}" type="datetimeFigureOut">
               <a:rPr lang="pt-BR" smtClean="0"/>
-              <a:t>03/04/2014</a:t>
+              <a:t>11/04/2014</a:t>
             </a:fld>
             <a:endParaRPr lang="pt-BR"/>
           </a:p>
@@ -1782,7 +1784,7 @@
           <a:p>
             <a:fld id="{93945A38-A22D-409E-8801-20D8F8211029}" type="datetimeFigureOut">
               <a:rPr lang="pt-BR" smtClean="0"/>
-              <a:t>03/04/2014</a:t>
+              <a:t>11/04/2014</a:t>
             </a:fld>
             <a:endParaRPr lang="pt-BR"/>
           </a:p>
@@ -1900,7 +1902,7 @@
           <a:p>
             <a:fld id="{93945A38-A22D-409E-8801-20D8F8211029}" type="datetimeFigureOut">
               <a:rPr lang="pt-BR" smtClean="0"/>
-              <a:t>03/04/2014</a:t>
+              <a:t>11/04/2014</a:t>
             </a:fld>
             <a:endParaRPr lang="pt-BR"/>
           </a:p>
@@ -1995,7 +1997,7 @@
           <a:p>
             <a:fld id="{93945A38-A22D-409E-8801-20D8F8211029}" type="datetimeFigureOut">
               <a:rPr lang="pt-BR" smtClean="0"/>
-              <a:t>03/04/2014</a:t>
+              <a:t>11/04/2014</a:t>
             </a:fld>
             <a:endParaRPr lang="pt-BR"/>
           </a:p>
@@ -2272,7 +2274,7 @@
           <a:p>
             <a:fld id="{93945A38-A22D-409E-8801-20D8F8211029}" type="datetimeFigureOut">
               <a:rPr lang="pt-BR" smtClean="0"/>
-              <a:t>03/04/2014</a:t>
+              <a:t>11/04/2014</a:t>
             </a:fld>
             <a:endParaRPr lang="pt-BR"/>
           </a:p>
@@ -2525,7 +2527,7 @@
           <a:p>
             <a:fld id="{93945A38-A22D-409E-8801-20D8F8211029}" type="datetimeFigureOut">
               <a:rPr lang="pt-BR" smtClean="0"/>
-              <a:t>03/04/2014</a:t>
+              <a:t>11/04/2014</a:t>
             </a:fld>
             <a:endParaRPr lang="pt-BR"/>
           </a:p>
@@ -2738,7 +2740,7 @@
           <a:p>
             <a:fld id="{93945A38-A22D-409E-8801-20D8F8211029}" type="datetimeFigureOut">
               <a:rPr lang="pt-BR" smtClean="0"/>
-              <a:t>03/04/2014</a:t>
+              <a:t>11/04/2014</a:t>
             </a:fld>
             <a:endParaRPr lang="pt-BR"/>
           </a:p>
@@ -3515,6 +3517,1061 @@
       </p:grpSpPr>
       <p:pic>
         <p:nvPicPr>
+          <p:cNvPr id="5" name="Imagem 4"/>
+          <p:cNvPicPr>
+            <a:picLocks noChangeAspect="1"/>
+          </p:cNvPicPr>
+          <p:nvPr/>
+        </p:nvPicPr>
+        <p:blipFill>
+          <a:blip r:embed="rId2">
+            <a:extLst>
+              <a:ext uri="{BEBA8EAE-BF5A-486C-A8C5-ECC9F3942E4B}">
+                <a14:imgProps xmlns:a14="http://schemas.microsoft.com/office/drawing/2010/main">
+                  <a14:imgLayer r:embed="rId3">
+                    <a14:imgEffect>
+                      <a14:brightnessContrast bright="-50000" contrast="30000"/>
+                    </a14:imgEffect>
+                  </a14:imgLayer>
+                </a14:imgProps>
+              </a:ext>
+              <a:ext uri="{28A0092B-C50C-407E-A947-70E740481C1C}">
+                <a14:useLocalDpi xmlns:a14="http://schemas.microsoft.com/office/drawing/2010/main" val="0"/>
+              </a:ext>
+            </a:extLst>
+          </a:blip>
+          <a:stretch>
+            <a:fillRect/>
+          </a:stretch>
+        </p:blipFill>
+        <p:spPr>
+          <a:xfrm>
+            <a:off x="0" y="0"/>
+            <a:ext cx="9144000" cy="6845942"/>
+          </a:xfrm>
+          <a:prstGeom prst="rect">
+            <a:avLst/>
+          </a:prstGeom>
+        </p:spPr>
+      </p:pic>
+      <p:grpSp>
+        <p:nvGrpSpPr>
+          <p:cNvPr id="43" name="Grupo 42"/>
+          <p:cNvGrpSpPr/>
+          <p:nvPr/>
+        </p:nvGrpSpPr>
+        <p:grpSpPr>
+          <a:xfrm>
+            <a:off x="3662475" y="4094252"/>
+            <a:ext cx="1819580" cy="342860"/>
+            <a:chOff x="3662475" y="3789036"/>
+            <a:chExt cx="1819580" cy="342860"/>
+          </a:xfrm>
+        </p:grpSpPr>
+        <p:pic>
+          <p:nvPicPr>
+            <p:cNvPr id="44" name="Imagem 43"/>
+            <p:cNvPicPr>
+              <a:picLocks noChangeAspect="1"/>
+            </p:cNvPicPr>
+            <p:nvPr/>
+          </p:nvPicPr>
+          <p:blipFill>
+            <a:blip r:embed="rId4">
+              <a:extLst>
+                <a:ext uri="{28A0092B-C50C-407E-A947-70E740481C1C}">
+                  <a14:useLocalDpi xmlns:a14="http://schemas.microsoft.com/office/drawing/2010/main" val="0"/>
+                </a:ext>
+              </a:extLst>
+            </a:blip>
+            <a:stretch>
+              <a:fillRect/>
+            </a:stretch>
+          </p:blipFill>
+          <p:spPr>
+            <a:xfrm>
+              <a:off x="5139198" y="3789036"/>
+              <a:ext cx="342857" cy="342857"/>
+            </a:xfrm>
+            <a:prstGeom prst="rect">
+              <a:avLst/>
+            </a:prstGeom>
+          </p:spPr>
+        </p:pic>
+        <p:pic>
+          <p:nvPicPr>
+            <p:cNvPr id="45" name="Imagem 44"/>
+            <p:cNvPicPr>
+              <a:picLocks noChangeAspect="1"/>
+            </p:cNvPicPr>
+            <p:nvPr/>
+          </p:nvPicPr>
+          <p:blipFill>
+            <a:blip r:embed="rId5">
+              <a:extLst>
+                <a:ext uri="{28A0092B-C50C-407E-A947-70E740481C1C}">
+                  <a14:useLocalDpi xmlns:a14="http://schemas.microsoft.com/office/drawing/2010/main" val="0"/>
+                </a:ext>
+              </a:extLst>
+            </a:blip>
+            <a:stretch>
+              <a:fillRect/>
+            </a:stretch>
+          </p:blipFill>
+          <p:spPr>
+            <a:xfrm>
+              <a:off x="4646780" y="3789037"/>
+              <a:ext cx="342857" cy="342857"/>
+            </a:xfrm>
+            <a:prstGeom prst="rect">
+              <a:avLst/>
+            </a:prstGeom>
+          </p:spPr>
+        </p:pic>
+        <p:pic>
+          <p:nvPicPr>
+            <p:cNvPr id="46" name="Imagem 45"/>
+            <p:cNvPicPr>
+              <a:picLocks noChangeAspect="1"/>
+            </p:cNvPicPr>
+            <p:nvPr/>
+          </p:nvPicPr>
+          <p:blipFill>
+            <a:blip r:embed="rId6">
+              <a:extLst>
+                <a:ext uri="{28A0092B-C50C-407E-A947-70E740481C1C}">
+                  <a14:useLocalDpi xmlns:a14="http://schemas.microsoft.com/office/drawing/2010/main" val="0"/>
+                </a:ext>
+              </a:extLst>
+            </a:blip>
+            <a:stretch>
+              <a:fillRect/>
+            </a:stretch>
+          </p:blipFill>
+          <p:spPr>
+            <a:xfrm>
+              <a:off x="4154362" y="3789038"/>
+              <a:ext cx="342857" cy="342857"/>
+            </a:xfrm>
+            <a:prstGeom prst="rect">
+              <a:avLst/>
+            </a:prstGeom>
+          </p:spPr>
+        </p:pic>
+        <p:pic>
+          <p:nvPicPr>
+            <p:cNvPr id="47" name="Imagem 46"/>
+            <p:cNvPicPr>
+              <a:picLocks noChangeAspect="1"/>
+            </p:cNvPicPr>
+            <p:nvPr/>
+          </p:nvPicPr>
+          <p:blipFill>
+            <a:blip r:embed="rId7">
+              <a:extLst>
+                <a:ext uri="{28A0092B-C50C-407E-A947-70E740481C1C}">
+                  <a14:useLocalDpi xmlns:a14="http://schemas.microsoft.com/office/drawing/2010/main" val="0"/>
+                </a:ext>
+              </a:extLst>
+            </a:blip>
+            <a:stretch>
+              <a:fillRect/>
+            </a:stretch>
+          </p:blipFill>
+          <p:spPr>
+            <a:xfrm>
+              <a:off x="3662475" y="3789039"/>
+              <a:ext cx="342857" cy="342857"/>
+            </a:xfrm>
+            <a:prstGeom prst="rect">
+              <a:avLst/>
+            </a:prstGeom>
+          </p:spPr>
+        </p:pic>
+      </p:grpSp>
+      <p:sp>
+        <p:nvSpPr>
+          <p:cNvPr id="18" name="CaixaDeTexto 17"/>
+          <p:cNvSpPr txBox="1"/>
+          <p:nvPr/>
+        </p:nvSpPr>
+        <p:spPr>
+          <a:xfrm rot="19008857">
+            <a:off x="3121" y="720379"/>
+            <a:ext cx="1983662" cy="553998"/>
+          </a:xfrm>
+          <a:prstGeom prst="rect">
+            <a:avLst/>
+          </a:prstGeom>
+          <a:noFill/>
+        </p:spPr>
+        <p:txBody>
+          <a:bodyPr wrap="square" rtlCol="0">
+            <a:spAutoFit/>
+          </a:bodyPr>
+          <a:lstStyle/>
+          <a:p>
+            <a:r>
+              <a:rPr lang="pt-BR" sz="3000" dirty="0" smtClean="0">
+                <a:solidFill>
+                  <a:srgbClr val="FFFF00"/>
+                </a:solidFill>
+                <a:latin typeface="SAF" pitchFamily="50" charset="0"/>
+              </a:rPr>
+              <a:t>OHH</a:t>
+            </a:r>
+            <a:r>
+              <a:rPr lang="pt-BR" sz="3000" dirty="0" smtClean="0">
+                <a:solidFill>
+                  <a:schemeClr val="bg1">
+                    <a:lumMod val="50000"/>
+                    <a:lumOff val="50000"/>
+                  </a:schemeClr>
+                </a:solidFill>
+                <a:latin typeface="SAF" pitchFamily="50" charset="0"/>
+              </a:rPr>
+              <a:t>MAN!</a:t>
+            </a:r>
+          </a:p>
+        </p:txBody>
+      </p:sp>
+      <p:sp>
+        <p:nvSpPr>
+          <p:cNvPr id="29" name="CaixaDeTexto 28"/>
+          <p:cNvSpPr txBox="1"/>
+          <p:nvPr/>
+        </p:nvSpPr>
+        <p:spPr>
+          <a:xfrm>
+            <a:off x="7372338" y="6247064"/>
+            <a:ext cx="1760876" cy="600164"/>
+          </a:xfrm>
+          <a:prstGeom prst="rect">
+            <a:avLst/>
+          </a:prstGeom>
+          <a:noFill/>
+        </p:spPr>
+        <p:txBody>
+          <a:bodyPr wrap="square" rtlCol="0">
+            <a:spAutoFit/>
+          </a:bodyPr>
+          <a:lstStyle/>
+          <a:p>
+            <a:pPr algn="ctr">
+              <a:lnSpc>
+                <a:spcPct val="110000"/>
+              </a:lnSpc>
+            </a:pPr>
+            <a:r>
+              <a:rPr lang="pt-BR" sz="3000" dirty="0" smtClean="0">
+                <a:solidFill>
+                  <a:schemeClr val="bg1">
+                    <a:lumMod val="50000"/>
+                    <a:lumOff val="50000"/>
+                  </a:schemeClr>
+                </a:solidFill>
+                <a:latin typeface="SAF" pitchFamily="50" charset="0"/>
+              </a:rPr>
+              <a:t>Go</a:t>
+            </a:r>
+            <a:r>
+              <a:rPr lang="pt-BR" sz="3000" dirty="0" smtClean="0">
+                <a:solidFill>
+                  <a:schemeClr val="bg1">
+                    <a:lumMod val="50000"/>
+                    <a:lumOff val="50000"/>
+                  </a:schemeClr>
+                </a:solidFill>
+                <a:latin typeface="Adobe Gothic Std B" pitchFamily="34" charset="-128"/>
+                <a:ea typeface="Adobe Gothic Std B" pitchFamily="34" charset="-128"/>
+              </a:rPr>
+              <a:t>-</a:t>
+            </a:r>
+            <a:r>
+              <a:rPr lang="pt-BR" sz="3000" dirty="0" err="1" smtClean="0">
+                <a:solidFill>
+                  <a:schemeClr val="bg1">
+                    <a:lumMod val="50000"/>
+                    <a:lumOff val="50000"/>
+                  </a:schemeClr>
+                </a:solidFill>
+                <a:latin typeface="SAF" pitchFamily="50" charset="0"/>
+              </a:rPr>
+              <a:t>Ohh</a:t>
+            </a:r>
+            <a:r>
+              <a:rPr lang="pt-BR" sz="3000" dirty="0" smtClean="0">
+                <a:solidFill>
+                  <a:schemeClr val="bg1">
+                    <a:lumMod val="50000"/>
+                    <a:lumOff val="50000"/>
+                  </a:schemeClr>
+                </a:solidFill>
+                <a:latin typeface="SAF" pitchFamily="50" charset="0"/>
+              </a:rPr>
+              <a:t>!</a:t>
+            </a:r>
+            <a:endParaRPr lang="pt-BR" sz="3000" dirty="0">
+              <a:solidFill>
+                <a:schemeClr val="bg1">
+                  <a:lumMod val="50000"/>
+                  <a:lumOff val="50000"/>
+                </a:schemeClr>
+              </a:solidFill>
+              <a:latin typeface="SAF" pitchFamily="50" charset="0"/>
+            </a:endParaRPr>
+          </a:p>
+        </p:txBody>
+      </p:sp>
+      <p:sp>
+        <p:nvSpPr>
+          <p:cNvPr id="36" name="Elipse 35"/>
+          <p:cNvSpPr/>
+          <p:nvPr/>
+        </p:nvSpPr>
+        <p:spPr>
+          <a:xfrm>
+            <a:off x="336420" y="1412776"/>
+            <a:ext cx="216000" cy="216000"/>
+          </a:xfrm>
+          <a:prstGeom prst="ellipse">
+            <a:avLst/>
+          </a:prstGeom>
+          <a:solidFill>
+            <a:srgbClr val="FFFF00"/>
+          </a:solidFill>
+          <a:ln>
+            <a:noFill/>
+          </a:ln>
+        </p:spPr>
+        <p:style>
+          <a:lnRef idx="2">
+            <a:schemeClr val="accent1">
+              <a:shade val="50000"/>
+            </a:schemeClr>
+          </a:lnRef>
+          <a:fillRef idx="1">
+            <a:schemeClr val="accent1"/>
+          </a:fillRef>
+          <a:effectRef idx="0">
+            <a:schemeClr val="accent1"/>
+          </a:effectRef>
+          <a:fontRef idx="minor">
+            <a:schemeClr val="lt1"/>
+          </a:fontRef>
+        </p:style>
+        <p:txBody>
+          <a:bodyPr rtlCol="0" anchor="ctr"/>
+          <a:lstStyle/>
+          <a:p>
+            <a:pPr algn="ctr"/>
+            <a:endParaRPr lang="pt-BR">
+              <a:solidFill>
+                <a:srgbClr val="FFFF66"/>
+              </a:solidFill>
+            </a:endParaRPr>
+          </a:p>
+        </p:txBody>
+      </p:sp>
+      <p:grpSp>
+        <p:nvGrpSpPr>
+          <p:cNvPr id="25" name="Grupo 24"/>
+          <p:cNvGrpSpPr/>
+          <p:nvPr/>
+        </p:nvGrpSpPr>
+        <p:grpSpPr>
+          <a:xfrm>
+            <a:off x="115200" y="6381328"/>
+            <a:ext cx="1216440" cy="331637"/>
+            <a:chOff x="115200" y="6381328"/>
+            <a:chExt cx="1216440" cy="331637"/>
+          </a:xfrm>
+        </p:grpSpPr>
+        <p:pic>
+          <p:nvPicPr>
+            <p:cNvPr id="26" name="Picture 2" descr="C:\Users\Juliane\workspace\html5games\cocos2d\No-Boo\assets\coracao_vazio.png"/>
+            <p:cNvPicPr>
+              <a:picLocks noChangeAspect="1" noChangeArrowheads="1"/>
+            </p:cNvPicPr>
+            <p:nvPr/>
+          </p:nvPicPr>
+          <p:blipFill>
+            <a:blip r:embed="rId8">
+              <a:extLst>
+                <a:ext uri="{28A0092B-C50C-407E-A947-70E740481C1C}">
+                  <a14:useLocalDpi xmlns:a14="http://schemas.microsoft.com/office/drawing/2010/main" val="0"/>
+                </a:ext>
+              </a:extLst>
+            </a:blip>
+            <a:srcRect/>
+            <a:stretch>
+              <a:fillRect/>
+            </a:stretch>
+          </p:blipFill>
+          <p:spPr bwMode="auto">
+            <a:xfrm>
+              <a:off x="115200" y="6381328"/>
+              <a:ext cx="342000" cy="331228"/>
+            </a:xfrm>
+            <a:prstGeom prst="rect">
+              <a:avLst/>
+            </a:prstGeom>
+            <a:noFill/>
+            <a:extLst>
+              <a:ext uri="{909E8E84-426E-40DD-AFC4-6F175D3DCCD1}">
+                <a14:hiddenFill xmlns:a14="http://schemas.microsoft.com/office/drawing/2010/main">
+                  <a:solidFill>
+                    <a:srgbClr val="FFFFFF"/>
+                  </a:solidFill>
+                </a14:hiddenFill>
+              </a:ext>
+            </a:extLst>
+          </p:spPr>
+        </p:pic>
+        <p:pic>
+          <p:nvPicPr>
+            <p:cNvPr id="27" name="Picture 2" descr="C:\Users\Juliane\workspace\html5games\cocos2d\No-Boo\assets\coracao_vazio.png"/>
+            <p:cNvPicPr>
+              <a:picLocks noChangeAspect="1" noChangeArrowheads="1"/>
+            </p:cNvPicPr>
+            <p:nvPr/>
+          </p:nvPicPr>
+          <p:blipFill>
+            <a:blip r:embed="rId8">
+              <a:extLst>
+                <a:ext uri="{28A0092B-C50C-407E-A947-70E740481C1C}">
+                  <a14:useLocalDpi xmlns:a14="http://schemas.microsoft.com/office/drawing/2010/main" val="0"/>
+                </a:ext>
+              </a:extLst>
+            </a:blip>
+            <a:srcRect/>
+            <a:stretch>
+              <a:fillRect/>
+            </a:stretch>
+          </p:blipFill>
+          <p:spPr bwMode="auto">
+            <a:xfrm>
+              <a:off x="552420" y="6381328"/>
+              <a:ext cx="342000" cy="331228"/>
+            </a:xfrm>
+            <a:prstGeom prst="rect">
+              <a:avLst/>
+            </a:prstGeom>
+            <a:noFill/>
+            <a:extLst>
+              <a:ext uri="{909E8E84-426E-40DD-AFC4-6F175D3DCCD1}">
+                <a14:hiddenFill xmlns:a14="http://schemas.microsoft.com/office/drawing/2010/main">
+                  <a:solidFill>
+                    <a:srgbClr val="FFFFFF"/>
+                  </a:solidFill>
+                </a14:hiddenFill>
+              </a:ext>
+            </a:extLst>
+          </p:spPr>
+        </p:pic>
+        <p:pic>
+          <p:nvPicPr>
+            <p:cNvPr id="37" name="Picture 2" descr="C:\Users\Juliane\workspace\html5games\cocos2d\No-Boo\assets\coracao_vazio.png"/>
+            <p:cNvPicPr>
+              <a:picLocks noChangeAspect="1" noChangeArrowheads="1"/>
+            </p:cNvPicPr>
+            <p:nvPr/>
+          </p:nvPicPr>
+          <p:blipFill>
+            <a:blip r:embed="rId8">
+              <a:extLst>
+                <a:ext uri="{28A0092B-C50C-407E-A947-70E740481C1C}">
+                  <a14:useLocalDpi xmlns:a14="http://schemas.microsoft.com/office/drawing/2010/main" val="0"/>
+                </a:ext>
+              </a:extLst>
+            </a:blip>
+            <a:srcRect/>
+            <a:stretch>
+              <a:fillRect/>
+            </a:stretch>
+          </p:blipFill>
+          <p:spPr bwMode="auto">
+            <a:xfrm>
+              <a:off x="989640" y="6381737"/>
+              <a:ext cx="342000" cy="331228"/>
+            </a:xfrm>
+            <a:prstGeom prst="rect">
+              <a:avLst/>
+            </a:prstGeom>
+            <a:noFill/>
+            <a:extLst>
+              <a:ext uri="{909E8E84-426E-40DD-AFC4-6F175D3DCCD1}">
+                <a14:hiddenFill xmlns:a14="http://schemas.microsoft.com/office/drawing/2010/main">
+                  <a:solidFill>
+                    <a:srgbClr val="FFFFFF"/>
+                  </a:solidFill>
+                </a14:hiddenFill>
+              </a:ext>
+            </a:extLst>
+          </p:spPr>
+        </p:pic>
+      </p:grpSp>
+      <p:grpSp>
+        <p:nvGrpSpPr>
+          <p:cNvPr id="2" name="Grupo 1"/>
+          <p:cNvGrpSpPr/>
+          <p:nvPr/>
+        </p:nvGrpSpPr>
+        <p:grpSpPr>
+          <a:xfrm>
+            <a:off x="457200" y="1878124"/>
+            <a:ext cx="8229600" cy="2171535"/>
+            <a:chOff x="457200" y="1878124"/>
+            <a:chExt cx="8229600" cy="2171535"/>
+          </a:xfrm>
+        </p:grpSpPr>
+        <p:sp>
+          <p:nvSpPr>
+            <p:cNvPr id="20" name="Título 5"/>
+            <p:cNvSpPr txBox="1">
+              <a:spLocks/>
+            </p:cNvSpPr>
+            <p:nvPr/>
+          </p:nvSpPr>
+          <p:spPr>
+            <a:xfrm>
+              <a:off x="457200" y="1878124"/>
+              <a:ext cx="8229600" cy="2171535"/>
+            </a:xfrm>
+            <a:prstGeom prst="rect">
+              <a:avLst/>
+            </a:prstGeom>
+          </p:spPr>
+          <p:txBody>
+            <a:bodyPr vert="horz" lIns="91440" tIns="45720" rIns="91440" bIns="45720" rtlCol="0" anchor="ctr">
+              <a:normAutofit lnSpcReduction="10000"/>
+            </a:bodyPr>
+            <a:lstStyle>
+              <a:defPPr>
+                <a:defRPr lang="pt-BR"/>
+              </a:defPPr>
+              <a:lvl1pPr marL="0" algn="l" defTabSz="914400" rtl="0" eaLnBrk="1" latinLnBrk="0" hangingPunct="1">
+                <a:defRPr sz="1800" kern="1200">
+                  <a:solidFill>
+                    <a:schemeClr val="tx1"/>
+                  </a:solidFill>
+                  <a:latin typeface="+mn-lt"/>
+                  <a:ea typeface="+mn-ea"/>
+                  <a:cs typeface="+mn-cs"/>
+                </a:defRPr>
+              </a:lvl1pPr>
+              <a:lvl2pPr marL="457200" algn="l" defTabSz="914400" rtl="0" eaLnBrk="1" latinLnBrk="0" hangingPunct="1">
+                <a:defRPr sz="1800" kern="1200">
+                  <a:solidFill>
+                    <a:schemeClr val="tx1"/>
+                  </a:solidFill>
+                  <a:latin typeface="+mn-lt"/>
+                  <a:ea typeface="+mn-ea"/>
+                  <a:cs typeface="+mn-cs"/>
+                </a:defRPr>
+              </a:lvl2pPr>
+              <a:lvl3pPr marL="914400" algn="l" defTabSz="914400" rtl="0" eaLnBrk="1" latinLnBrk="0" hangingPunct="1">
+                <a:defRPr sz="1800" kern="1200">
+                  <a:solidFill>
+                    <a:schemeClr val="tx1"/>
+                  </a:solidFill>
+                  <a:latin typeface="+mn-lt"/>
+                  <a:ea typeface="+mn-ea"/>
+                  <a:cs typeface="+mn-cs"/>
+                </a:defRPr>
+              </a:lvl3pPr>
+              <a:lvl4pPr marL="1371600" algn="l" defTabSz="914400" rtl="0" eaLnBrk="1" latinLnBrk="0" hangingPunct="1">
+                <a:defRPr sz="1800" kern="1200">
+                  <a:solidFill>
+                    <a:schemeClr val="tx1"/>
+                  </a:solidFill>
+                  <a:latin typeface="+mn-lt"/>
+                  <a:ea typeface="+mn-ea"/>
+                  <a:cs typeface="+mn-cs"/>
+                </a:defRPr>
+              </a:lvl4pPr>
+              <a:lvl5pPr marL="1828800" algn="l" defTabSz="914400" rtl="0" eaLnBrk="1" latinLnBrk="0" hangingPunct="1">
+                <a:defRPr sz="1800" kern="1200">
+                  <a:solidFill>
+                    <a:schemeClr val="tx1"/>
+                  </a:solidFill>
+                  <a:latin typeface="+mn-lt"/>
+                  <a:ea typeface="+mn-ea"/>
+                  <a:cs typeface="+mn-cs"/>
+                </a:defRPr>
+              </a:lvl5pPr>
+              <a:lvl6pPr marL="2286000" algn="l" defTabSz="914400" rtl="0" eaLnBrk="1" latinLnBrk="0" hangingPunct="1">
+                <a:defRPr sz="1800" kern="1200">
+                  <a:solidFill>
+                    <a:schemeClr val="tx1"/>
+                  </a:solidFill>
+                  <a:latin typeface="+mn-lt"/>
+                  <a:ea typeface="+mn-ea"/>
+                  <a:cs typeface="+mn-cs"/>
+                </a:defRPr>
+              </a:lvl6pPr>
+              <a:lvl7pPr marL="2743200" algn="l" defTabSz="914400" rtl="0" eaLnBrk="1" latinLnBrk="0" hangingPunct="1">
+                <a:defRPr sz="1800" kern="1200">
+                  <a:solidFill>
+                    <a:schemeClr val="tx1"/>
+                  </a:solidFill>
+                  <a:latin typeface="+mn-lt"/>
+                  <a:ea typeface="+mn-ea"/>
+                  <a:cs typeface="+mn-cs"/>
+                </a:defRPr>
+              </a:lvl7pPr>
+              <a:lvl8pPr marL="3200400" algn="l" defTabSz="914400" rtl="0" eaLnBrk="1" latinLnBrk="0" hangingPunct="1">
+                <a:defRPr sz="1800" kern="1200">
+                  <a:solidFill>
+                    <a:schemeClr val="tx1"/>
+                  </a:solidFill>
+                  <a:latin typeface="+mn-lt"/>
+                  <a:ea typeface="+mn-ea"/>
+                  <a:cs typeface="+mn-cs"/>
+                </a:defRPr>
+              </a:lvl8pPr>
+              <a:lvl9pPr marL="3657600" algn="l" defTabSz="914400" rtl="0" eaLnBrk="1" latinLnBrk="0" hangingPunct="1">
+                <a:defRPr sz="1800" kern="1200">
+                  <a:solidFill>
+                    <a:schemeClr val="tx1"/>
+                  </a:solidFill>
+                  <a:latin typeface="+mn-lt"/>
+                  <a:ea typeface="+mn-ea"/>
+                  <a:cs typeface="+mn-cs"/>
+                </a:defRPr>
+              </a:lvl9pPr>
+            </a:lstStyle>
+            <a:p>
+              <a:pPr algn="ctr"/>
+              <a:r>
+                <a:rPr lang="pt-BR" sz="7000" dirty="0" err="1" smtClean="0">
+                  <a:solidFill>
+                    <a:srgbClr val="FFFF00"/>
+                  </a:solidFill>
+                  <a:latin typeface="SAF" pitchFamily="50" charset="0"/>
+                </a:rPr>
+                <a:t>ÔôÔH</a:t>
+              </a:r>
+              <a:r>
+                <a:rPr lang="pt-BR" sz="7000" dirty="0" smtClean="0">
+                  <a:solidFill>
+                    <a:srgbClr val="FFFF00"/>
+                  </a:solidFill>
+                  <a:latin typeface="SAF" pitchFamily="50" charset="0"/>
+                </a:rPr>
+                <a:t>... O</a:t>
+              </a:r>
+              <a:r>
+                <a:rPr lang="pt-BR" sz="7000" dirty="0">
+                  <a:solidFill>
+                    <a:srgbClr val="FFFF00"/>
+                  </a:solidFill>
+                  <a:latin typeface="SAF" pitchFamily="50" charset="0"/>
+                </a:rPr>
+                <a:t>(</a:t>
+              </a:r>
+              <a:endParaRPr lang="pt-BR" sz="7000" dirty="0" smtClean="0">
+                <a:solidFill>
+                  <a:srgbClr val="FFFF00"/>
+                </a:solidFill>
+                <a:latin typeface="SAF" pitchFamily="50" charset="0"/>
+              </a:endParaRPr>
+            </a:p>
+            <a:p>
+              <a:pPr algn="ctr"/>
+              <a:r>
+                <a:rPr lang="pt-BR" sz="7000" dirty="0" err="1" smtClean="0">
+                  <a:solidFill>
+                    <a:srgbClr val="FFD44B"/>
+                  </a:solidFill>
+                  <a:latin typeface="SAF" pitchFamily="50" charset="0"/>
+                </a:rPr>
+                <a:t>Try</a:t>
+              </a:r>
+              <a:r>
+                <a:rPr lang="pt-BR" sz="7000" dirty="0" smtClean="0">
+                  <a:solidFill>
+                    <a:srgbClr val="FFD44B"/>
+                  </a:solidFill>
+                  <a:latin typeface="SAF" pitchFamily="50" charset="0"/>
+                </a:rPr>
+                <a:t> </a:t>
+              </a:r>
+              <a:r>
+                <a:rPr lang="pt-BR" sz="7000" dirty="0" err="1" smtClean="0">
+                  <a:solidFill>
+                    <a:srgbClr val="FFD44B"/>
+                  </a:solidFill>
+                  <a:latin typeface="SAF" pitchFamily="50" charset="0"/>
+                </a:rPr>
+                <a:t>again</a:t>
+              </a:r>
+              <a:r>
+                <a:rPr lang="pt-BR" sz="7000" dirty="0" smtClean="0">
+                  <a:solidFill>
+                    <a:srgbClr val="FFD44B"/>
+                  </a:solidFill>
+                  <a:latin typeface="SAF" pitchFamily="50" charset="0"/>
+                </a:rPr>
+                <a:t>!</a:t>
+              </a:r>
+              <a:endParaRPr lang="pt-BR" sz="7000" dirty="0">
+                <a:solidFill>
+                  <a:srgbClr val="FFD44B"/>
+                </a:solidFill>
+                <a:latin typeface="SAF" pitchFamily="50" charset="0"/>
+              </a:endParaRPr>
+            </a:p>
+          </p:txBody>
+        </p:sp>
+        <p:sp>
+          <p:nvSpPr>
+            <p:cNvPr id="33" name="Elipse 32"/>
+            <p:cNvSpPr/>
+            <p:nvPr/>
+          </p:nvSpPr>
+          <p:spPr>
+            <a:xfrm>
+              <a:off x="2483768" y="2204864"/>
+              <a:ext cx="360040" cy="446705"/>
+            </a:xfrm>
+            <a:prstGeom prst="ellipse">
+              <a:avLst/>
+            </a:prstGeom>
+            <a:solidFill>
+              <a:srgbClr val="FFFF00"/>
+            </a:solidFill>
+            <a:ln>
+              <a:noFill/>
+            </a:ln>
+          </p:spPr>
+          <p:style>
+            <a:lnRef idx="2">
+              <a:schemeClr val="accent1">
+                <a:shade val="50000"/>
+              </a:schemeClr>
+            </a:lnRef>
+            <a:fillRef idx="1">
+              <a:schemeClr val="accent1"/>
+            </a:fillRef>
+            <a:effectRef idx="0">
+              <a:schemeClr val="accent1"/>
+            </a:effectRef>
+            <a:fontRef idx="minor">
+              <a:schemeClr val="lt1"/>
+            </a:fontRef>
+          </p:style>
+          <p:txBody>
+            <a:bodyPr rtlCol="0" anchor="ctr"/>
+            <a:lstStyle/>
+            <a:p>
+              <a:pPr algn="ctr"/>
+              <a:r>
+                <a:rPr lang="pt-BR" dirty="0" smtClean="0">
+                  <a:solidFill>
+                    <a:srgbClr val="FFFF66"/>
+                  </a:solidFill>
+                </a:rPr>
+                <a:t>V</a:t>
+              </a:r>
+              <a:endParaRPr lang="pt-BR" dirty="0">
+                <a:solidFill>
+                  <a:srgbClr val="FFFF66"/>
+                </a:solidFill>
+              </a:endParaRPr>
+            </a:p>
+          </p:txBody>
+        </p:sp>
+        <p:sp>
+          <p:nvSpPr>
+            <p:cNvPr id="34" name="Elipse 33"/>
+            <p:cNvSpPr/>
+            <p:nvPr/>
+          </p:nvSpPr>
+          <p:spPr>
+            <a:xfrm>
+              <a:off x="3096641" y="2204864"/>
+              <a:ext cx="360040" cy="446705"/>
+            </a:xfrm>
+            <a:prstGeom prst="ellipse">
+              <a:avLst/>
+            </a:prstGeom>
+            <a:solidFill>
+              <a:srgbClr val="FFFF00"/>
+            </a:solidFill>
+            <a:ln>
+              <a:noFill/>
+            </a:ln>
+          </p:spPr>
+          <p:style>
+            <a:lnRef idx="2">
+              <a:schemeClr val="accent1">
+                <a:shade val="50000"/>
+              </a:schemeClr>
+            </a:lnRef>
+            <a:fillRef idx="1">
+              <a:schemeClr val="accent1"/>
+            </a:fillRef>
+            <a:effectRef idx="0">
+              <a:schemeClr val="accent1"/>
+            </a:effectRef>
+            <a:fontRef idx="minor">
+              <a:schemeClr val="lt1"/>
+            </a:fontRef>
+          </p:style>
+          <p:txBody>
+            <a:bodyPr rtlCol="0" anchor="ctr"/>
+            <a:lstStyle/>
+            <a:p>
+              <a:pPr algn="ctr"/>
+              <a:endParaRPr lang="pt-BR">
+                <a:solidFill>
+                  <a:srgbClr val="FFFF66"/>
+                </a:solidFill>
+              </a:endParaRPr>
+            </a:p>
+          </p:txBody>
+        </p:sp>
+        <p:sp>
+          <p:nvSpPr>
+            <p:cNvPr id="35" name="Elipse 34"/>
+            <p:cNvSpPr/>
+            <p:nvPr/>
+          </p:nvSpPr>
+          <p:spPr>
+            <a:xfrm>
+              <a:off x="3707904" y="2236395"/>
+              <a:ext cx="360040" cy="446705"/>
+            </a:xfrm>
+            <a:prstGeom prst="ellipse">
+              <a:avLst/>
+            </a:prstGeom>
+            <a:solidFill>
+              <a:srgbClr val="FFFF00"/>
+            </a:solidFill>
+            <a:ln>
+              <a:noFill/>
+            </a:ln>
+          </p:spPr>
+          <p:style>
+            <a:lnRef idx="2">
+              <a:schemeClr val="accent1">
+                <a:shade val="50000"/>
+              </a:schemeClr>
+            </a:lnRef>
+            <a:fillRef idx="1">
+              <a:schemeClr val="accent1"/>
+            </a:fillRef>
+            <a:effectRef idx="0">
+              <a:schemeClr val="accent1"/>
+            </a:effectRef>
+            <a:fontRef idx="minor">
+              <a:schemeClr val="lt1"/>
+            </a:fontRef>
+          </p:style>
+          <p:txBody>
+            <a:bodyPr rtlCol="0" anchor="ctr"/>
+            <a:lstStyle/>
+            <a:p>
+              <a:pPr algn="ctr"/>
+              <a:endParaRPr lang="pt-BR">
+                <a:solidFill>
+                  <a:srgbClr val="FFFF66"/>
+                </a:solidFill>
+              </a:endParaRPr>
+            </a:p>
+          </p:txBody>
+        </p:sp>
+        <p:sp>
+          <p:nvSpPr>
+            <p:cNvPr id="48" name="Multiplicar 47"/>
+            <p:cNvSpPr/>
+            <p:nvPr/>
+          </p:nvSpPr>
+          <p:spPr>
+            <a:xfrm>
+              <a:off x="2751590" y="2228915"/>
+              <a:ext cx="252000" cy="252000"/>
+            </a:xfrm>
+            <a:prstGeom prst="mathMultiply">
+              <a:avLst/>
+            </a:prstGeom>
+            <a:solidFill>
+              <a:srgbClr val="FF0000"/>
+            </a:solidFill>
+            <a:ln>
+              <a:noFill/>
+            </a:ln>
+          </p:spPr>
+          <p:style>
+            <a:lnRef idx="2">
+              <a:schemeClr val="accent1">
+                <a:shade val="50000"/>
+              </a:schemeClr>
+            </a:lnRef>
+            <a:fillRef idx="1">
+              <a:schemeClr val="accent1"/>
+            </a:fillRef>
+            <a:effectRef idx="0">
+              <a:schemeClr val="accent1"/>
+            </a:effectRef>
+            <a:fontRef idx="minor">
+              <a:schemeClr val="lt1"/>
+            </a:fontRef>
+          </p:style>
+          <p:txBody>
+            <a:bodyPr rtlCol="0" anchor="ctr"/>
+            <a:lstStyle/>
+            <a:p>
+              <a:pPr algn="ctr"/>
+              <a:endParaRPr lang="pt-BR" dirty="0"/>
+            </a:p>
+          </p:txBody>
+        </p:sp>
+        <p:sp>
+          <p:nvSpPr>
+            <p:cNvPr id="49" name="Multiplicar 48"/>
+            <p:cNvSpPr/>
+            <p:nvPr/>
+          </p:nvSpPr>
+          <p:spPr>
+            <a:xfrm>
+              <a:off x="3368935" y="2228915"/>
+              <a:ext cx="252000" cy="252000"/>
+            </a:xfrm>
+            <a:prstGeom prst="mathMultiply">
+              <a:avLst/>
+            </a:prstGeom>
+            <a:solidFill>
+              <a:srgbClr val="FF0000"/>
+            </a:solidFill>
+            <a:ln>
+              <a:noFill/>
+            </a:ln>
+          </p:spPr>
+          <p:style>
+            <a:lnRef idx="2">
+              <a:schemeClr val="accent1">
+                <a:shade val="50000"/>
+              </a:schemeClr>
+            </a:lnRef>
+            <a:fillRef idx="1">
+              <a:schemeClr val="accent1"/>
+            </a:fillRef>
+            <a:effectRef idx="0">
+              <a:schemeClr val="accent1"/>
+            </a:effectRef>
+            <a:fontRef idx="minor">
+              <a:schemeClr val="lt1"/>
+            </a:fontRef>
+          </p:style>
+          <p:txBody>
+            <a:bodyPr rtlCol="0" anchor="ctr"/>
+            <a:lstStyle/>
+            <a:p>
+              <a:pPr algn="ctr"/>
+              <a:endParaRPr lang="pt-BR" dirty="0"/>
+            </a:p>
+          </p:txBody>
+        </p:sp>
+        <p:sp>
+          <p:nvSpPr>
+            <p:cNvPr id="50" name="Multiplicar 49"/>
+            <p:cNvSpPr/>
+            <p:nvPr/>
+          </p:nvSpPr>
+          <p:spPr>
+            <a:xfrm>
+              <a:off x="3975726" y="2204864"/>
+              <a:ext cx="252000" cy="252000"/>
+            </a:xfrm>
+            <a:prstGeom prst="mathMultiply">
+              <a:avLst/>
+            </a:prstGeom>
+            <a:solidFill>
+              <a:srgbClr val="FF0000"/>
+            </a:solidFill>
+            <a:ln>
+              <a:noFill/>
+            </a:ln>
+          </p:spPr>
+          <p:style>
+            <a:lnRef idx="2">
+              <a:schemeClr val="accent1">
+                <a:shade val="50000"/>
+              </a:schemeClr>
+            </a:lnRef>
+            <a:fillRef idx="1">
+              <a:schemeClr val="accent1"/>
+            </a:fillRef>
+            <a:effectRef idx="0">
+              <a:schemeClr val="accent1"/>
+            </a:effectRef>
+            <a:fontRef idx="minor">
+              <a:schemeClr val="lt1"/>
+            </a:fontRef>
+          </p:style>
+          <p:txBody>
+            <a:bodyPr rtlCol="0" anchor="ctr"/>
+            <a:lstStyle/>
+            <a:p>
+              <a:pPr algn="ctr"/>
+              <a:endParaRPr lang="pt-BR" dirty="0"/>
+            </a:p>
+          </p:txBody>
+        </p:sp>
+      </p:grpSp>
+    </p:spTree>
+    <p:extLst>
+      <p:ext uri="{BB962C8B-B14F-4D97-AF65-F5344CB8AC3E}">
+        <p14:creationId xmlns:p14="http://schemas.microsoft.com/office/powerpoint/2010/main" val="1188581568"/>
+      </p:ext>
+    </p:extLst>
+  </p:cSld>
+  <p:clrMapOvr>
+    <a:masterClrMapping/>
+  </p:clrMapOvr>
+  <mc:AlternateContent xmlns:mc="http://schemas.openxmlformats.org/markup-compatibility/2006" xmlns:p14="http://schemas.microsoft.com/office/powerpoint/2010/main">
+    <mc:Choice Requires="p14">
+      <p:transition spd="med" p14:dur="700">
+        <p:fade/>
+      </p:transition>
+    </mc:Choice>
+    <mc:Fallback xmlns="">
+      <p:transition spd="med">
+        <p:fade/>
+      </p:transition>
+    </mc:Fallback>
+  </mc:AlternateContent>
+  <p:timing>
+    <p:tnLst>
+      <p:par>
+        <p:cTn id="1" dur="indefinite" restart="never" nodeType="tmRoot"/>
+      </p:par>
+    </p:tnLst>
+  </p:timing>
+</p:sld>
+</file>
+
+<file path=ppt/slides/slide11.xml><?xml version="1.0" encoding="utf-8"?>
+<p:sld xmlns:a="http://schemas.openxmlformats.org/drawingml/2006/main" xmlns:r="http://schemas.openxmlformats.org/officeDocument/2006/relationships" xmlns:p="http://schemas.openxmlformats.org/presentationml/2006/main">
+  <p:cSld>
+    <p:spTree>
+      <p:nvGrpSpPr>
+        <p:cNvPr id="1" name=""/>
+        <p:cNvGrpSpPr/>
+        <p:nvPr/>
+      </p:nvGrpSpPr>
+      <p:grpSpPr>
+        <a:xfrm>
+          <a:off x="0" y="0"/>
+          <a:ext cx="0" cy="0"/>
+          <a:chOff x="0" y="0"/>
+          <a:chExt cx="0" cy="0"/>
+        </a:xfrm>
+      </p:grpSpPr>
+      <p:pic>
+        <p:nvPicPr>
           <p:cNvPr id="2" name="Imagem 1"/>
           <p:cNvPicPr>
             <a:picLocks noChangeAspect="1"/>
@@ -3873,7 +4930,7 @@
 </p:sld>
 </file>
 
-<file path=ppt/slides/slide11.xml><?xml version="1.0" encoding="utf-8"?>
+<file path=ppt/slides/slide12.xml><?xml version="1.0" encoding="utf-8"?>
 <p:sld xmlns:a="http://schemas.openxmlformats.org/drawingml/2006/main" xmlns:r="http://schemas.openxmlformats.org/officeDocument/2006/relationships" xmlns:p="http://schemas.openxmlformats.org/presentationml/2006/main">
   <p:cSld>
     <p:spTree>
@@ -4505,7 +5562,7 @@
 </p:sld>
 </file>
 
-<file path=ppt/slides/slide12.xml><?xml version="1.0" encoding="utf-8"?>
+<file path=ppt/slides/slide13.xml><?xml version="1.0" encoding="utf-8"?>
 <p:sld xmlns:a="http://schemas.openxmlformats.org/drawingml/2006/main" xmlns:r="http://schemas.openxmlformats.org/officeDocument/2006/relationships" xmlns:p="http://schemas.openxmlformats.org/presentationml/2006/main">
   <p:cSld>
     <p:spTree>
@@ -4996,7 +6053,7 @@
 </p:sld>
 </file>
 
-<file path=ppt/slides/slide13.xml><?xml version="1.0" encoding="utf-8"?>
+<file path=ppt/slides/slide14.xml><?xml version="1.0" encoding="utf-8"?>
 <p:sld xmlns:a="http://schemas.openxmlformats.org/drawingml/2006/main" xmlns:r="http://schemas.openxmlformats.org/officeDocument/2006/relationships" xmlns:p="http://schemas.openxmlformats.org/presentationml/2006/main">
   <p:cSld>
     <p:spTree>
@@ -6348,7 +7405,7 @@
 </p:sld>
 </file>
 
-<file path=ppt/slides/slide14.xml><?xml version="1.0" encoding="utf-8"?>
+<file path=ppt/slides/slide15.xml><?xml version="1.0" encoding="utf-8"?>
 <p:sld xmlns:a="http://schemas.openxmlformats.org/drawingml/2006/main" xmlns:r="http://schemas.openxmlformats.org/officeDocument/2006/relationships" xmlns:p="http://schemas.openxmlformats.org/presentationml/2006/main">
   <p:cSld>
     <p:spTree>
@@ -7760,7 +8817,7 @@
 </p:sld>
 </file>
 
-<file path=ppt/slides/slide15.xml><?xml version="1.0" encoding="utf-8"?>
+<file path=ppt/slides/slide16.xml><?xml version="1.0" encoding="utf-8"?>
 <p:sld xmlns:a="http://schemas.openxmlformats.org/drawingml/2006/main" xmlns:r="http://schemas.openxmlformats.org/officeDocument/2006/relationships" xmlns:p="http://schemas.openxmlformats.org/presentationml/2006/main">
   <p:cSld>
     <p:spTree>
@@ -8456,7 +9513,7 @@
 </p:sld>
 </file>
 
-<file path=ppt/slides/slide16.xml><?xml version="1.0" encoding="utf-8"?>
+<file path=ppt/slides/slide17.xml><?xml version="1.0" encoding="utf-8"?>
 <p:sld xmlns:a="http://schemas.openxmlformats.org/drawingml/2006/main" xmlns:r="http://schemas.openxmlformats.org/officeDocument/2006/relationships" xmlns:p="http://schemas.openxmlformats.org/presentationml/2006/main">
   <p:cSld>
     <p:spTree>
@@ -9285,7 +10342,1013 @@
 </p:sld>
 </file>
 
-<file path=ppt/slides/slide17.xml><?xml version="1.0" encoding="utf-8"?>
+<file path=ppt/slides/slide18.xml><?xml version="1.0" encoding="utf-8"?>
+<p:sld xmlns:a="http://schemas.openxmlformats.org/drawingml/2006/main" xmlns:r="http://schemas.openxmlformats.org/officeDocument/2006/relationships" xmlns:p="http://schemas.openxmlformats.org/presentationml/2006/main">
+  <p:cSld>
+    <p:spTree>
+      <p:nvGrpSpPr>
+        <p:cNvPr id="1" name=""/>
+        <p:cNvGrpSpPr/>
+        <p:nvPr/>
+      </p:nvGrpSpPr>
+      <p:grpSpPr>
+        <a:xfrm>
+          <a:off x="0" y="0"/>
+          <a:ext cx="0" cy="0"/>
+          <a:chOff x="0" y="0"/>
+          <a:chExt cx="0" cy="0"/>
+        </a:xfrm>
+      </p:grpSpPr>
+      <p:pic>
+        <p:nvPicPr>
+          <p:cNvPr id="2" name="Imagem 1"/>
+          <p:cNvPicPr>
+            <a:picLocks noChangeAspect="1"/>
+          </p:cNvPicPr>
+          <p:nvPr/>
+        </p:nvPicPr>
+        <p:blipFill>
+          <a:blip r:embed="rId2">
+            <a:extLst>
+              <a:ext uri="{BEBA8EAE-BF5A-486C-A8C5-ECC9F3942E4B}">
+                <a14:imgProps xmlns:a14="http://schemas.microsoft.com/office/drawing/2010/main">
+                  <a14:imgLayer r:embed="rId3">
+                    <a14:imgEffect>
+                      <a14:brightnessContrast bright="-50000" contrast="30000"/>
+                    </a14:imgEffect>
+                  </a14:imgLayer>
+                </a14:imgProps>
+              </a:ext>
+              <a:ext uri="{28A0092B-C50C-407E-A947-70E740481C1C}">
+                <a14:useLocalDpi xmlns:a14="http://schemas.microsoft.com/office/drawing/2010/main" val="0"/>
+              </a:ext>
+            </a:extLst>
+          </a:blip>
+          <a:stretch>
+            <a:fillRect/>
+          </a:stretch>
+        </p:blipFill>
+        <p:spPr>
+          <a:xfrm>
+            <a:off x="762000" y="571500"/>
+            <a:ext cx="7620000" cy="5715000"/>
+          </a:xfrm>
+          <a:prstGeom prst="rect">
+            <a:avLst/>
+          </a:prstGeom>
+        </p:spPr>
+      </p:pic>
+      <p:sp>
+        <p:nvSpPr>
+          <p:cNvPr id="4" name="CaixaDeTexto 3"/>
+          <p:cNvSpPr txBox="1"/>
+          <p:nvPr/>
+        </p:nvSpPr>
+        <p:spPr>
+          <a:xfrm>
+            <a:off x="6621124" y="5686336"/>
+            <a:ext cx="1760876" cy="600164"/>
+          </a:xfrm>
+          <a:prstGeom prst="rect">
+            <a:avLst/>
+          </a:prstGeom>
+          <a:noFill/>
+        </p:spPr>
+        <p:txBody>
+          <a:bodyPr wrap="square" rtlCol="0">
+            <a:spAutoFit/>
+          </a:bodyPr>
+          <a:lstStyle/>
+          <a:p>
+            <a:pPr algn="ctr">
+              <a:lnSpc>
+                <a:spcPct val="110000"/>
+              </a:lnSpc>
+            </a:pPr>
+            <a:r>
+              <a:rPr lang="pt-BR" sz="3000" dirty="0" smtClean="0">
+                <a:solidFill>
+                  <a:schemeClr val="bg1">
+                    <a:lumMod val="50000"/>
+                    <a:lumOff val="50000"/>
+                  </a:schemeClr>
+                </a:solidFill>
+                <a:latin typeface="SAF" pitchFamily="50" charset="0"/>
+              </a:rPr>
+              <a:t>Go</a:t>
+            </a:r>
+            <a:r>
+              <a:rPr lang="pt-BR" sz="3000" dirty="0" smtClean="0">
+                <a:solidFill>
+                  <a:schemeClr val="bg1">
+                    <a:lumMod val="50000"/>
+                    <a:lumOff val="50000"/>
+                  </a:schemeClr>
+                </a:solidFill>
+                <a:latin typeface="Adobe Gothic Std B" pitchFamily="34" charset="-128"/>
+                <a:ea typeface="Adobe Gothic Std B" pitchFamily="34" charset="-128"/>
+              </a:rPr>
+              <a:t>-</a:t>
+            </a:r>
+            <a:r>
+              <a:rPr lang="pt-BR" sz="3000" dirty="0" err="1" smtClean="0">
+                <a:solidFill>
+                  <a:schemeClr val="bg1">
+                    <a:lumMod val="50000"/>
+                    <a:lumOff val="50000"/>
+                  </a:schemeClr>
+                </a:solidFill>
+                <a:latin typeface="SAF" pitchFamily="50" charset="0"/>
+              </a:rPr>
+              <a:t>Ohh</a:t>
+            </a:r>
+            <a:r>
+              <a:rPr lang="pt-BR" sz="3000" dirty="0" smtClean="0">
+                <a:solidFill>
+                  <a:schemeClr val="bg1">
+                    <a:lumMod val="50000"/>
+                    <a:lumOff val="50000"/>
+                  </a:schemeClr>
+                </a:solidFill>
+                <a:latin typeface="SAF" pitchFamily="50" charset="0"/>
+              </a:rPr>
+              <a:t>!</a:t>
+            </a:r>
+            <a:endParaRPr lang="pt-BR" sz="3000" dirty="0">
+              <a:solidFill>
+                <a:schemeClr val="bg1">
+                  <a:lumMod val="50000"/>
+                  <a:lumOff val="50000"/>
+                </a:schemeClr>
+              </a:solidFill>
+              <a:latin typeface="SAF" pitchFamily="50" charset="0"/>
+            </a:endParaRPr>
+          </a:p>
+        </p:txBody>
+      </p:sp>
+      <p:sp>
+        <p:nvSpPr>
+          <p:cNvPr id="9" name="Elipse 8"/>
+          <p:cNvSpPr/>
+          <p:nvPr/>
+        </p:nvSpPr>
+        <p:spPr>
+          <a:xfrm>
+            <a:off x="842237" y="1765314"/>
+            <a:ext cx="216000" cy="216000"/>
+          </a:xfrm>
+          <a:prstGeom prst="ellipse">
+            <a:avLst/>
+          </a:prstGeom>
+          <a:solidFill>
+            <a:srgbClr val="FFFF00"/>
+          </a:solidFill>
+          <a:ln>
+            <a:noFill/>
+          </a:ln>
+        </p:spPr>
+        <p:style>
+          <a:lnRef idx="2">
+            <a:schemeClr val="accent1">
+              <a:shade val="50000"/>
+            </a:schemeClr>
+          </a:lnRef>
+          <a:fillRef idx="1">
+            <a:schemeClr val="accent1"/>
+          </a:fillRef>
+          <a:effectRef idx="0">
+            <a:schemeClr val="accent1"/>
+          </a:effectRef>
+          <a:fontRef idx="minor">
+            <a:schemeClr val="lt1"/>
+          </a:fontRef>
+        </p:style>
+        <p:txBody>
+          <a:bodyPr rtlCol="0" anchor="ctr"/>
+          <a:lstStyle/>
+          <a:p>
+            <a:pPr algn="ctr"/>
+            <a:endParaRPr lang="pt-BR">
+              <a:solidFill>
+                <a:srgbClr val="FFFF66"/>
+              </a:solidFill>
+            </a:endParaRPr>
+          </a:p>
+        </p:txBody>
+      </p:sp>
+      <p:grpSp>
+        <p:nvGrpSpPr>
+          <p:cNvPr id="24" name="Grupo 23"/>
+          <p:cNvGrpSpPr/>
+          <p:nvPr/>
+        </p:nvGrpSpPr>
+        <p:grpSpPr>
+          <a:xfrm>
+            <a:off x="912324" y="5821008"/>
+            <a:ext cx="1216440" cy="331637"/>
+            <a:chOff x="115200" y="6381328"/>
+            <a:chExt cx="1216440" cy="331637"/>
+          </a:xfrm>
+        </p:grpSpPr>
+        <p:pic>
+          <p:nvPicPr>
+            <p:cNvPr id="25" name="Imagem 24"/>
+            <p:cNvPicPr>
+              <a:picLocks noChangeAspect="1"/>
+            </p:cNvPicPr>
+            <p:nvPr/>
+          </p:nvPicPr>
+          <p:blipFill>
+            <a:blip r:embed="rId4">
+              <a:extLst>
+                <a:ext uri="{28A0092B-C50C-407E-A947-70E740481C1C}">
+                  <a14:useLocalDpi xmlns:a14="http://schemas.microsoft.com/office/drawing/2010/main" val="0"/>
+                </a:ext>
+              </a:extLst>
+            </a:blip>
+            <a:stretch>
+              <a:fillRect/>
+            </a:stretch>
+          </p:blipFill>
+          <p:spPr>
+            <a:xfrm>
+              <a:off x="115200" y="6381328"/>
+              <a:ext cx="342000" cy="331637"/>
+            </a:xfrm>
+            <a:prstGeom prst="rect">
+              <a:avLst/>
+            </a:prstGeom>
+          </p:spPr>
+        </p:pic>
+        <p:pic>
+          <p:nvPicPr>
+            <p:cNvPr id="26" name="Imagem 25"/>
+            <p:cNvPicPr>
+              <a:picLocks noChangeAspect="1"/>
+            </p:cNvPicPr>
+            <p:nvPr/>
+          </p:nvPicPr>
+          <p:blipFill>
+            <a:blip r:embed="rId4">
+              <a:extLst>
+                <a:ext uri="{28A0092B-C50C-407E-A947-70E740481C1C}">
+                  <a14:useLocalDpi xmlns:a14="http://schemas.microsoft.com/office/drawing/2010/main" val="0"/>
+                </a:ext>
+              </a:extLst>
+            </a:blip>
+            <a:stretch>
+              <a:fillRect/>
+            </a:stretch>
+          </p:blipFill>
+          <p:spPr>
+            <a:xfrm>
+              <a:off x="552420" y="6381328"/>
+              <a:ext cx="342000" cy="331637"/>
+            </a:xfrm>
+            <a:prstGeom prst="rect">
+              <a:avLst/>
+            </a:prstGeom>
+          </p:spPr>
+        </p:pic>
+        <p:pic>
+          <p:nvPicPr>
+            <p:cNvPr id="27" name="Imagem 26"/>
+            <p:cNvPicPr>
+              <a:picLocks noChangeAspect="1"/>
+            </p:cNvPicPr>
+            <p:nvPr/>
+          </p:nvPicPr>
+          <p:blipFill>
+            <a:blip r:embed="rId4">
+              <a:extLst>
+                <a:ext uri="{28A0092B-C50C-407E-A947-70E740481C1C}">
+                  <a14:useLocalDpi xmlns:a14="http://schemas.microsoft.com/office/drawing/2010/main" val="0"/>
+                </a:ext>
+              </a:extLst>
+            </a:blip>
+            <a:stretch>
+              <a:fillRect/>
+            </a:stretch>
+          </p:blipFill>
+          <p:spPr>
+            <a:xfrm>
+              <a:off x="989640" y="6381328"/>
+              <a:ext cx="342000" cy="331637"/>
+            </a:xfrm>
+            <a:prstGeom prst="rect">
+              <a:avLst/>
+            </a:prstGeom>
+          </p:spPr>
+        </p:pic>
+      </p:grpSp>
+      <p:sp>
+        <p:nvSpPr>
+          <p:cNvPr id="38" name="Título 5"/>
+          <p:cNvSpPr txBox="1">
+            <a:spLocks/>
+          </p:cNvSpPr>
+          <p:nvPr/>
+        </p:nvSpPr>
+        <p:spPr>
+          <a:xfrm>
+            <a:off x="457200" y="766569"/>
+            <a:ext cx="8229600" cy="1078255"/>
+          </a:xfrm>
+          <a:prstGeom prst="rect">
+            <a:avLst/>
+          </a:prstGeom>
+        </p:spPr>
+        <p:txBody>
+          <a:bodyPr vert="horz" lIns="91440" tIns="45720" rIns="91440" bIns="45720" rtlCol="0" anchor="ctr">
+            <a:normAutofit lnSpcReduction="10000"/>
+          </a:bodyPr>
+          <a:lstStyle>
+            <a:defPPr>
+              <a:defRPr lang="pt-BR"/>
+            </a:defPPr>
+            <a:lvl1pPr marL="0" algn="l" defTabSz="914400" rtl="0" eaLnBrk="1" latinLnBrk="0" hangingPunct="1">
+              <a:defRPr sz="1800" kern="1200">
+                <a:solidFill>
+                  <a:schemeClr val="tx1"/>
+                </a:solidFill>
+                <a:latin typeface="+mn-lt"/>
+                <a:ea typeface="+mn-ea"/>
+                <a:cs typeface="+mn-cs"/>
+              </a:defRPr>
+            </a:lvl1pPr>
+            <a:lvl2pPr marL="457200" algn="l" defTabSz="914400" rtl="0" eaLnBrk="1" latinLnBrk="0" hangingPunct="1">
+              <a:defRPr sz="1800" kern="1200">
+                <a:solidFill>
+                  <a:schemeClr val="tx1"/>
+                </a:solidFill>
+                <a:latin typeface="+mn-lt"/>
+                <a:ea typeface="+mn-ea"/>
+                <a:cs typeface="+mn-cs"/>
+              </a:defRPr>
+            </a:lvl2pPr>
+            <a:lvl3pPr marL="914400" algn="l" defTabSz="914400" rtl="0" eaLnBrk="1" latinLnBrk="0" hangingPunct="1">
+              <a:defRPr sz="1800" kern="1200">
+                <a:solidFill>
+                  <a:schemeClr val="tx1"/>
+                </a:solidFill>
+                <a:latin typeface="+mn-lt"/>
+                <a:ea typeface="+mn-ea"/>
+                <a:cs typeface="+mn-cs"/>
+              </a:defRPr>
+            </a:lvl3pPr>
+            <a:lvl4pPr marL="1371600" algn="l" defTabSz="914400" rtl="0" eaLnBrk="1" latinLnBrk="0" hangingPunct="1">
+              <a:defRPr sz="1800" kern="1200">
+                <a:solidFill>
+                  <a:schemeClr val="tx1"/>
+                </a:solidFill>
+                <a:latin typeface="+mn-lt"/>
+                <a:ea typeface="+mn-ea"/>
+                <a:cs typeface="+mn-cs"/>
+              </a:defRPr>
+            </a:lvl4pPr>
+            <a:lvl5pPr marL="1828800" algn="l" defTabSz="914400" rtl="0" eaLnBrk="1" latinLnBrk="0" hangingPunct="1">
+              <a:defRPr sz="1800" kern="1200">
+                <a:solidFill>
+                  <a:schemeClr val="tx1"/>
+                </a:solidFill>
+                <a:latin typeface="+mn-lt"/>
+                <a:ea typeface="+mn-ea"/>
+                <a:cs typeface="+mn-cs"/>
+              </a:defRPr>
+            </a:lvl5pPr>
+            <a:lvl6pPr marL="2286000" algn="l" defTabSz="914400" rtl="0" eaLnBrk="1" latinLnBrk="0" hangingPunct="1">
+              <a:defRPr sz="1800" kern="1200">
+                <a:solidFill>
+                  <a:schemeClr val="tx1"/>
+                </a:solidFill>
+                <a:latin typeface="+mn-lt"/>
+                <a:ea typeface="+mn-ea"/>
+                <a:cs typeface="+mn-cs"/>
+              </a:defRPr>
+            </a:lvl6pPr>
+            <a:lvl7pPr marL="2743200" algn="l" defTabSz="914400" rtl="0" eaLnBrk="1" latinLnBrk="0" hangingPunct="1">
+              <a:defRPr sz="1800" kern="1200">
+                <a:solidFill>
+                  <a:schemeClr val="tx1"/>
+                </a:solidFill>
+                <a:latin typeface="+mn-lt"/>
+                <a:ea typeface="+mn-ea"/>
+                <a:cs typeface="+mn-cs"/>
+              </a:defRPr>
+            </a:lvl7pPr>
+            <a:lvl8pPr marL="3200400" algn="l" defTabSz="914400" rtl="0" eaLnBrk="1" latinLnBrk="0" hangingPunct="1">
+              <a:defRPr sz="1800" kern="1200">
+                <a:solidFill>
+                  <a:schemeClr val="tx1"/>
+                </a:solidFill>
+                <a:latin typeface="+mn-lt"/>
+                <a:ea typeface="+mn-ea"/>
+                <a:cs typeface="+mn-cs"/>
+              </a:defRPr>
+            </a:lvl8pPr>
+            <a:lvl9pPr marL="3657600" algn="l" defTabSz="914400" rtl="0" eaLnBrk="1" latinLnBrk="0" hangingPunct="1">
+              <a:defRPr sz="1800" kern="1200">
+                <a:solidFill>
+                  <a:schemeClr val="tx1"/>
+                </a:solidFill>
+                <a:latin typeface="+mn-lt"/>
+                <a:ea typeface="+mn-ea"/>
+                <a:cs typeface="+mn-cs"/>
+              </a:defRPr>
+            </a:lvl9pPr>
+          </a:lstStyle>
+          <a:p>
+            <a:pPr algn="ctr"/>
+            <a:r>
+              <a:rPr lang="pt-BR" sz="7000" dirty="0" err="1" smtClean="0">
+                <a:solidFill>
+                  <a:srgbClr val="FFFF00"/>
+                </a:solidFill>
+                <a:latin typeface="SAF" pitchFamily="50" charset="0"/>
+              </a:rPr>
+              <a:t>How</a:t>
+            </a:r>
+            <a:r>
+              <a:rPr lang="pt-BR" sz="7000" dirty="0" smtClean="0">
+                <a:solidFill>
+                  <a:srgbClr val="FFFF00"/>
+                </a:solidFill>
+                <a:latin typeface="SAF" pitchFamily="50" charset="0"/>
+              </a:rPr>
+              <a:t> </a:t>
+            </a:r>
+            <a:r>
+              <a:rPr lang="pt-BR" sz="7000" dirty="0" err="1" smtClean="0">
+                <a:solidFill>
+                  <a:srgbClr val="FFFF00"/>
+                </a:solidFill>
+                <a:latin typeface="SAF" pitchFamily="50" charset="0"/>
+              </a:rPr>
+              <a:t>to</a:t>
+            </a:r>
+            <a:r>
+              <a:rPr lang="pt-BR" sz="7000" dirty="0" smtClean="0">
+                <a:solidFill>
+                  <a:srgbClr val="FFFF00"/>
+                </a:solidFill>
+                <a:latin typeface="SAF" pitchFamily="50" charset="0"/>
+              </a:rPr>
+              <a:t> play</a:t>
+            </a:r>
+            <a:endParaRPr lang="pt-BR" sz="7000" dirty="0">
+              <a:solidFill>
+                <a:srgbClr val="FFFF00"/>
+              </a:solidFill>
+              <a:latin typeface="SAF" pitchFamily="50" charset="0"/>
+            </a:endParaRPr>
+          </a:p>
+        </p:txBody>
+      </p:sp>
+      <p:grpSp>
+        <p:nvGrpSpPr>
+          <p:cNvPr id="42" name="Grupo 41"/>
+          <p:cNvGrpSpPr/>
+          <p:nvPr/>
+        </p:nvGrpSpPr>
+        <p:grpSpPr>
+          <a:xfrm>
+            <a:off x="7594469" y="820210"/>
+            <a:ext cx="342857" cy="789562"/>
+            <a:chOff x="1763688" y="1027965"/>
+            <a:chExt cx="342857" cy="789562"/>
+          </a:xfrm>
+        </p:grpSpPr>
+        <p:pic>
+          <p:nvPicPr>
+            <p:cNvPr id="43" name="Imagem 42"/>
+            <p:cNvPicPr>
+              <a:picLocks noChangeAspect="1"/>
+            </p:cNvPicPr>
+            <p:nvPr/>
+          </p:nvPicPr>
+          <p:blipFill>
+            <a:blip r:embed="rId5">
+              <a:extLst>
+                <a:ext uri="{28A0092B-C50C-407E-A947-70E740481C1C}">
+                  <a14:useLocalDpi xmlns:a14="http://schemas.microsoft.com/office/drawing/2010/main" val="0"/>
+                </a:ext>
+              </a:extLst>
+            </a:blip>
+            <a:stretch>
+              <a:fillRect/>
+            </a:stretch>
+          </p:blipFill>
+          <p:spPr>
+            <a:xfrm>
+              <a:off x="1763688" y="1027965"/>
+              <a:ext cx="342857" cy="342857"/>
+            </a:xfrm>
+            <a:prstGeom prst="rect">
+              <a:avLst/>
+            </a:prstGeom>
+          </p:spPr>
+        </p:pic>
+        <p:pic>
+          <p:nvPicPr>
+            <p:cNvPr id="44" name="Imagem 43"/>
+            <p:cNvPicPr>
+              <a:picLocks noChangeAspect="1"/>
+            </p:cNvPicPr>
+            <p:nvPr/>
+          </p:nvPicPr>
+          <p:blipFill>
+            <a:blip r:embed="rId6">
+              <a:extLst>
+                <a:ext uri="{28A0092B-C50C-407E-A947-70E740481C1C}">
+                  <a14:useLocalDpi xmlns:a14="http://schemas.microsoft.com/office/drawing/2010/main" val="0"/>
+                </a:ext>
+              </a:extLst>
+            </a:blip>
+            <a:stretch>
+              <a:fillRect/>
+            </a:stretch>
+          </p:blipFill>
+          <p:spPr>
+            <a:xfrm>
+              <a:off x="1763688" y="1474670"/>
+              <a:ext cx="342857" cy="342857"/>
+            </a:xfrm>
+            <a:prstGeom prst="rect">
+              <a:avLst/>
+            </a:prstGeom>
+          </p:spPr>
+        </p:pic>
+      </p:grpSp>
+      <p:grpSp>
+        <p:nvGrpSpPr>
+          <p:cNvPr id="45" name="Grupo 44"/>
+          <p:cNvGrpSpPr/>
+          <p:nvPr/>
+        </p:nvGrpSpPr>
+        <p:grpSpPr>
+          <a:xfrm>
+            <a:off x="2471678" y="1988840"/>
+            <a:ext cx="4200644" cy="3785652"/>
+            <a:chOff x="1907704" y="2276872"/>
+            <a:chExt cx="4200644" cy="3785652"/>
+          </a:xfrm>
+        </p:grpSpPr>
+        <p:sp>
+          <p:nvSpPr>
+            <p:cNvPr id="46" name="CaixaDeTexto 45"/>
+            <p:cNvSpPr txBox="1"/>
+            <p:nvPr/>
+          </p:nvSpPr>
+          <p:spPr>
+            <a:xfrm>
+              <a:off x="3035653" y="2276872"/>
+              <a:ext cx="3072695" cy="3785652"/>
+            </a:xfrm>
+            <a:prstGeom prst="rect">
+              <a:avLst/>
+            </a:prstGeom>
+            <a:noFill/>
+          </p:spPr>
+          <p:txBody>
+            <a:bodyPr wrap="square" rtlCol="0">
+              <a:spAutoFit/>
+            </a:bodyPr>
+            <a:lstStyle/>
+            <a:p>
+              <a:pPr>
+                <a:lnSpc>
+                  <a:spcPct val="120000"/>
+                </a:lnSpc>
+              </a:pPr>
+              <a:r>
+                <a:rPr lang="pt-BR" sz="5000" dirty="0" smtClean="0">
+                  <a:latin typeface="Andy" panose="03080602030302030203" pitchFamily="66" charset="0"/>
+                </a:rPr>
+                <a:t>Move </a:t>
+              </a:r>
+              <a:r>
+                <a:rPr lang="pt-BR" sz="5000" dirty="0" err="1" smtClean="0">
+                  <a:latin typeface="Andy" panose="03080602030302030203" pitchFamily="66" charset="0"/>
+                </a:rPr>
+                <a:t>right</a:t>
+              </a:r>
+              <a:endParaRPr lang="pt-BR" sz="5000" dirty="0" smtClean="0">
+                <a:latin typeface="Andy" panose="03080602030302030203" pitchFamily="66" charset="0"/>
+              </a:endParaRPr>
+            </a:p>
+            <a:p>
+              <a:pPr>
+                <a:lnSpc>
+                  <a:spcPct val="120000"/>
+                </a:lnSpc>
+              </a:pPr>
+              <a:r>
+                <a:rPr lang="pt-BR" sz="5000" dirty="0" smtClean="0">
+                  <a:latin typeface="Andy" panose="03080602030302030203" pitchFamily="66" charset="0"/>
+                </a:rPr>
+                <a:t>Move </a:t>
+              </a:r>
+              <a:r>
+                <a:rPr lang="pt-BR" sz="5000" dirty="0" err="1" smtClean="0">
+                  <a:latin typeface="Andy" panose="03080602030302030203" pitchFamily="66" charset="0"/>
+                </a:rPr>
+                <a:t>left</a:t>
+              </a:r>
+              <a:endParaRPr lang="pt-BR" sz="5000" dirty="0" smtClean="0">
+                <a:latin typeface="Andy" panose="03080602030302030203" pitchFamily="66" charset="0"/>
+              </a:endParaRPr>
+            </a:p>
+            <a:p>
+              <a:pPr>
+                <a:lnSpc>
+                  <a:spcPct val="120000"/>
+                </a:lnSpc>
+              </a:pPr>
+              <a:r>
+                <a:rPr lang="pt-BR" sz="5000" dirty="0" smtClean="0">
+                  <a:latin typeface="Andy" panose="03080602030302030203" pitchFamily="66" charset="0"/>
+                </a:rPr>
+                <a:t>Move </a:t>
+              </a:r>
+              <a:r>
+                <a:rPr lang="pt-BR" sz="5000" dirty="0" err="1" smtClean="0">
+                  <a:latin typeface="Andy" panose="03080602030302030203" pitchFamily="66" charset="0"/>
+                </a:rPr>
+                <a:t>up</a:t>
+              </a:r>
+              <a:endParaRPr lang="pt-BR" sz="5000" dirty="0" smtClean="0">
+                <a:latin typeface="Andy" panose="03080602030302030203" pitchFamily="66" charset="0"/>
+              </a:endParaRPr>
+            </a:p>
+            <a:p>
+              <a:pPr>
+                <a:lnSpc>
+                  <a:spcPct val="120000"/>
+                </a:lnSpc>
+              </a:pPr>
+              <a:r>
+                <a:rPr lang="pt-BR" sz="5000" dirty="0" smtClean="0">
+                  <a:latin typeface="Andy" panose="03080602030302030203" pitchFamily="66" charset="0"/>
+                </a:rPr>
+                <a:t>Move </a:t>
+              </a:r>
+              <a:r>
+                <a:rPr lang="pt-BR" sz="5000" dirty="0" err="1" smtClean="0">
+                  <a:latin typeface="Andy" panose="03080602030302030203" pitchFamily="66" charset="0"/>
+                </a:rPr>
+                <a:t>down</a:t>
+              </a:r>
+              <a:endParaRPr lang="pt-BR" sz="5000" dirty="0">
+                <a:latin typeface="Andy" panose="03080602030302030203" pitchFamily="66" charset="0"/>
+              </a:endParaRPr>
+            </a:p>
+          </p:txBody>
+        </p:sp>
+        <p:grpSp>
+          <p:nvGrpSpPr>
+            <p:cNvPr id="47" name="Grupo 46"/>
+            <p:cNvGrpSpPr/>
+            <p:nvPr/>
+          </p:nvGrpSpPr>
+          <p:grpSpPr>
+            <a:xfrm>
+              <a:off x="1907704" y="2592200"/>
+              <a:ext cx="642298" cy="3236818"/>
+              <a:chOff x="1907704" y="2592200"/>
+              <a:chExt cx="642298" cy="3236818"/>
+            </a:xfrm>
+          </p:grpSpPr>
+          <p:pic>
+            <p:nvPicPr>
+              <p:cNvPr id="48" name="Picture 2"/>
+              <p:cNvPicPr>
+                <a:picLocks noChangeAspect="1" noChangeArrowheads="1"/>
+              </p:cNvPicPr>
+              <p:nvPr/>
+            </p:nvPicPr>
+            <p:blipFill>
+              <a:blip r:embed="rId7">
+                <a:extLst>
+                  <a:ext uri="{BEBA8EAE-BF5A-486C-A8C5-ECC9F3942E4B}">
+                    <a14:imgProps xmlns:a14="http://schemas.microsoft.com/office/drawing/2010/main">
+                      <a14:imgLayer r:embed="rId8">
+                        <a14:imgEffect>
+                          <a14:backgroundRemoval t="0" b="98276" l="0" r="96970"/>
+                        </a14:imgEffect>
+                      </a14:imgLayer>
+                    </a14:imgProps>
+                  </a:ext>
+                  <a:ext uri="{28A0092B-C50C-407E-A947-70E740481C1C}">
+                    <a14:useLocalDpi xmlns:a14="http://schemas.microsoft.com/office/drawing/2010/main" val="0"/>
+                  </a:ext>
+                </a:extLst>
+              </a:blip>
+              <a:srcRect/>
+              <a:stretch>
+                <a:fillRect/>
+              </a:stretch>
+            </p:blipFill>
+            <p:spPr bwMode="auto">
+              <a:xfrm>
+                <a:off x="1921352" y="3479741"/>
+                <a:ext cx="628650" cy="552450"/>
+              </a:xfrm>
+              <a:prstGeom prst="rect">
+                <a:avLst/>
+              </a:prstGeom>
+              <a:noFill/>
+              <a:ln>
+                <a:noFill/>
+              </a:ln>
+              <a:extLst>
+                <a:ext uri="{909E8E84-426E-40DD-AFC4-6F175D3DCCD1}">
+                  <a14:hiddenFill xmlns:a14="http://schemas.microsoft.com/office/drawing/2010/main">
+                    <a:solidFill>
+                      <a:schemeClr val="accent1"/>
+                    </a:solidFill>
+                  </a14:hiddenFill>
+                </a:ext>
+                <a:ext uri="{91240B29-F687-4F45-9708-019B960494DF}">
+                  <a14:hiddenLine xmlns:a14="http://schemas.microsoft.com/office/drawing/2010/main" w="9525">
+                    <a:solidFill>
+                      <a:schemeClr val="tx1"/>
+                    </a:solidFill>
+                    <a:miter lim="800000"/>
+                    <a:headEnd/>
+                    <a:tailEnd/>
+                  </a14:hiddenLine>
+                </a:ext>
+              </a:extLst>
+            </p:spPr>
+          </p:pic>
+          <p:pic>
+            <p:nvPicPr>
+              <p:cNvPr id="49" name="Picture 3"/>
+              <p:cNvPicPr>
+                <a:picLocks noChangeAspect="1" noChangeArrowheads="1"/>
+              </p:cNvPicPr>
+              <p:nvPr/>
+            </p:nvPicPr>
+            <p:blipFill rotWithShape="1">
+              <a:blip r:embed="rId9">
+                <a:extLst>
+                  <a:ext uri="{BEBA8EAE-BF5A-486C-A8C5-ECC9F3942E4B}">
+                    <a14:imgProps xmlns:a14="http://schemas.microsoft.com/office/drawing/2010/main">
+                      <a14:imgLayer r:embed="rId10">
+                        <a14:imgEffect>
+                          <a14:backgroundRemoval t="9231" b="95385" l="8065" r="100000"/>
+                        </a14:imgEffect>
+                      </a14:imgLayer>
+                    </a14:imgProps>
+                  </a:ext>
+                  <a:ext uri="{28A0092B-C50C-407E-A947-70E740481C1C}">
+                    <a14:useLocalDpi xmlns:a14="http://schemas.microsoft.com/office/drawing/2010/main" val="0"/>
+                  </a:ext>
+                </a:extLst>
+              </a:blip>
+              <a:srcRect t="11620"/>
+              <a:stretch/>
+            </p:blipFill>
+            <p:spPr bwMode="auto">
+              <a:xfrm>
+                <a:off x="1907704" y="2592200"/>
+                <a:ext cx="590550" cy="547178"/>
+              </a:xfrm>
+              <a:prstGeom prst="rect">
+                <a:avLst/>
+              </a:prstGeom>
+              <a:noFill/>
+              <a:ln>
+                <a:noFill/>
+              </a:ln>
+              <a:extLst>
+                <a:ext uri="{909E8E84-426E-40DD-AFC4-6F175D3DCCD1}">
+                  <a14:hiddenFill xmlns:a14="http://schemas.microsoft.com/office/drawing/2010/main">
+                    <a:solidFill>
+                      <a:schemeClr val="accent1"/>
+                    </a:solidFill>
+                  </a14:hiddenFill>
+                </a:ext>
+                <a:ext uri="{91240B29-F687-4F45-9708-019B960494DF}">
+                  <a14:hiddenLine xmlns:a14="http://schemas.microsoft.com/office/drawing/2010/main" w="9525">
+                    <a:solidFill>
+                      <a:schemeClr val="tx1"/>
+                    </a:solidFill>
+                    <a:miter lim="800000"/>
+                    <a:headEnd/>
+                    <a:tailEnd/>
+                  </a14:hiddenLine>
+                </a:ext>
+              </a:extLst>
+            </p:spPr>
+          </p:pic>
+          <p:pic>
+            <p:nvPicPr>
+              <p:cNvPr id="50" name="Picture 4"/>
+              <p:cNvPicPr>
+                <a:picLocks noChangeAspect="1" noChangeArrowheads="1"/>
+              </p:cNvPicPr>
+              <p:nvPr/>
+            </p:nvPicPr>
+            <p:blipFill>
+              <a:blip r:embed="rId11">
+                <a:extLst>
+                  <a:ext uri="{BEBA8EAE-BF5A-486C-A8C5-ECC9F3942E4B}">
+                    <a14:imgProps xmlns:a14="http://schemas.microsoft.com/office/drawing/2010/main">
+                      <a14:imgLayer r:embed="rId12">
+                        <a14:imgEffect>
+                          <a14:backgroundRemoval t="0" b="89831" l="0" r="100000"/>
+                        </a14:imgEffect>
+                      </a14:imgLayer>
+                    </a14:imgProps>
+                  </a:ext>
+                  <a:ext uri="{28A0092B-C50C-407E-A947-70E740481C1C}">
+                    <a14:useLocalDpi xmlns:a14="http://schemas.microsoft.com/office/drawing/2010/main" val="0"/>
+                  </a:ext>
+                </a:extLst>
+              </a:blip>
+              <a:srcRect/>
+              <a:stretch>
+                <a:fillRect/>
+              </a:stretch>
+            </p:blipFill>
+            <p:spPr bwMode="auto">
+              <a:xfrm>
+                <a:off x="1926114" y="4391251"/>
+                <a:ext cx="581025" cy="561975"/>
+              </a:xfrm>
+              <a:prstGeom prst="rect">
+                <a:avLst/>
+              </a:prstGeom>
+              <a:noFill/>
+              <a:ln>
+                <a:noFill/>
+              </a:ln>
+              <a:extLst>
+                <a:ext uri="{909E8E84-426E-40DD-AFC4-6F175D3DCCD1}">
+                  <a14:hiddenFill xmlns:a14="http://schemas.microsoft.com/office/drawing/2010/main">
+                    <a:solidFill>
+                      <a:schemeClr val="accent1"/>
+                    </a:solidFill>
+                  </a14:hiddenFill>
+                </a:ext>
+                <a:ext uri="{91240B29-F687-4F45-9708-019B960494DF}">
+                  <a14:hiddenLine xmlns:a14="http://schemas.microsoft.com/office/drawing/2010/main" w="9525">
+                    <a:solidFill>
+                      <a:schemeClr val="tx1"/>
+                    </a:solidFill>
+                    <a:miter lim="800000"/>
+                    <a:headEnd/>
+                    <a:tailEnd/>
+                  </a14:hiddenLine>
+                </a:ext>
+              </a:extLst>
+            </p:spPr>
+          </p:pic>
+          <p:pic>
+            <p:nvPicPr>
+              <p:cNvPr id="51" name="Picture 5"/>
+              <p:cNvPicPr>
+                <a:picLocks noChangeAspect="1" noChangeArrowheads="1"/>
+              </p:cNvPicPr>
+              <p:nvPr/>
+            </p:nvPicPr>
+            <p:blipFill>
+              <a:blip r:embed="rId13">
+                <a:extLst>
+                  <a:ext uri="{BEBA8EAE-BF5A-486C-A8C5-ECC9F3942E4B}">
+                    <a14:imgProps xmlns:a14="http://schemas.microsoft.com/office/drawing/2010/main">
+                      <a14:imgLayer r:embed="rId14">
+                        <a14:imgEffect>
+                          <a14:backgroundRemoval t="0" b="100000" l="1852" r="100000"/>
+                        </a14:imgEffect>
+                      </a14:imgLayer>
+                    </a14:imgProps>
+                  </a:ext>
+                  <a:ext uri="{28A0092B-C50C-407E-A947-70E740481C1C}">
+                    <a14:useLocalDpi xmlns:a14="http://schemas.microsoft.com/office/drawing/2010/main" val="0"/>
+                  </a:ext>
+                </a:extLst>
+              </a:blip>
+              <a:srcRect/>
+              <a:stretch>
+                <a:fillRect/>
+              </a:stretch>
+            </p:blipFill>
+            <p:spPr bwMode="auto">
+              <a:xfrm>
+                <a:off x="1935704" y="5295618"/>
+                <a:ext cx="514350" cy="533400"/>
+              </a:xfrm>
+              <a:prstGeom prst="rect">
+                <a:avLst/>
+              </a:prstGeom>
+              <a:noFill/>
+              <a:ln>
+                <a:noFill/>
+              </a:ln>
+              <a:extLst>
+                <a:ext uri="{909E8E84-426E-40DD-AFC4-6F175D3DCCD1}">
+                  <a14:hiddenFill xmlns:a14="http://schemas.microsoft.com/office/drawing/2010/main">
+                    <a:solidFill>
+                      <a:schemeClr val="accent1"/>
+                    </a:solidFill>
+                  </a14:hiddenFill>
+                </a:ext>
+                <a:ext uri="{91240B29-F687-4F45-9708-019B960494DF}">
+                  <a14:hiddenLine xmlns:a14="http://schemas.microsoft.com/office/drawing/2010/main" w="9525">
+                    <a:solidFill>
+                      <a:schemeClr val="tx1"/>
+                    </a:solidFill>
+                    <a:miter lim="800000"/>
+                    <a:headEnd/>
+                    <a:tailEnd/>
+                  </a14:hiddenLine>
+                </a:ext>
+              </a:extLst>
+            </p:spPr>
+          </p:pic>
+        </p:grpSp>
+      </p:grpSp>
+      <p:sp>
+        <p:nvSpPr>
+          <p:cNvPr id="3" name="CaixaDeTexto 2"/>
+          <p:cNvSpPr txBox="1"/>
+          <p:nvPr/>
+        </p:nvSpPr>
+        <p:spPr>
+          <a:xfrm rot="19008857">
+            <a:off x="528713" y="1084187"/>
+            <a:ext cx="1983662" cy="553998"/>
+          </a:xfrm>
+          <a:prstGeom prst="rect">
+            <a:avLst/>
+          </a:prstGeom>
+          <a:noFill/>
+        </p:spPr>
+        <p:txBody>
+          <a:bodyPr wrap="square" rtlCol="0">
+            <a:spAutoFit/>
+          </a:bodyPr>
+          <a:lstStyle/>
+          <a:p>
+            <a:r>
+              <a:rPr lang="pt-BR" sz="3000" dirty="0" smtClean="0">
+                <a:solidFill>
+                  <a:srgbClr val="FFFF00"/>
+                </a:solidFill>
+                <a:latin typeface="SAF" pitchFamily="50" charset="0"/>
+              </a:rPr>
+              <a:t>OHH</a:t>
+            </a:r>
+            <a:r>
+              <a:rPr lang="pt-BR" sz="3000" dirty="0" smtClean="0">
+                <a:solidFill>
+                  <a:schemeClr val="bg1">
+                    <a:lumMod val="50000"/>
+                    <a:lumOff val="50000"/>
+                  </a:schemeClr>
+                </a:solidFill>
+                <a:latin typeface="SAF" pitchFamily="50" charset="0"/>
+              </a:rPr>
+              <a:t>MAN!</a:t>
+            </a:r>
+          </a:p>
+        </p:txBody>
+      </p:sp>
+    </p:spTree>
+    <p:extLst>
+      <p:ext uri="{BB962C8B-B14F-4D97-AF65-F5344CB8AC3E}">
+        <p14:creationId xmlns:p14="http://schemas.microsoft.com/office/powerpoint/2010/main" val="94584127"/>
+      </p:ext>
+    </p:extLst>
+  </p:cSld>
+  <p:clrMapOvr>
+    <a:masterClrMapping/>
+  </p:clrMapOvr>
+  <mc:AlternateContent xmlns:mc="http://schemas.openxmlformats.org/markup-compatibility/2006" xmlns:p14="http://schemas.microsoft.com/office/powerpoint/2010/main">
+    <mc:Choice Requires="p14">
+      <p:transition spd="med" p14:dur="700">
+        <p:fade/>
+      </p:transition>
+    </mc:Choice>
+    <mc:Fallback xmlns="">
+      <p:transition spd="med">
+        <p:fade/>
+      </p:transition>
+    </mc:Fallback>
+  </mc:AlternateContent>
+  <p:timing>
+    <p:tnLst>
+      <p:par>
+        <p:cTn id="1" dur="indefinite" restart="never" nodeType="tmRoot"/>
+      </p:par>
+    </p:tnLst>
+  </p:timing>
+</p:sld>
+</file>
+
+<file path=ppt/slides/slide19.xml><?xml version="1.0" encoding="utf-8"?>
 <p:sld xmlns:a="http://schemas.openxmlformats.org/drawingml/2006/main" xmlns:r="http://schemas.openxmlformats.org/officeDocument/2006/relationships" xmlns:p="http://schemas.openxmlformats.org/presentationml/2006/main">
   <p:cSld>
     <p:spTree>
@@ -10262,7 +12325,548 @@
 </p:sld>
 </file>
 
-<file path=ppt/slides/slide18.xml><?xml version="1.0" encoding="utf-8"?>
+<file path=ppt/slides/slide2.xml><?xml version="1.0" encoding="utf-8"?>
+<p:sld xmlns:a="http://schemas.openxmlformats.org/drawingml/2006/main" xmlns:r="http://schemas.openxmlformats.org/officeDocument/2006/relationships" xmlns:p="http://schemas.openxmlformats.org/presentationml/2006/main">
+  <p:cSld>
+    <p:spTree>
+      <p:nvGrpSpPr>
+        <p:cNvPr id="1" name=""/>
+        <p:cNvGrpSpPr/>
+        <p:nvPr/>
+      </p:nvGrpSpPr>
+      <p:grpSpPr>
+        <a:xfrm>
+          <a:off x="0" y="0"/>
+          <a:ext cx="0" cy="0"/>
+          <a:chOff x="0" y="0"/>
+          <a:chExt cx="0" cy="0"/>
+        </a:xfrm>
+      </p:grpSpPr>
+      <p:pic>
+        <p:nvPicPr>
+          <p:cNvPr id="10" name="Imagem 9"/>
+          <p:cNvPicPr>
+            <a:picLocks noChangeAspect="1"/>
+          </p:cNvPicPr>
+          <p:nvPr/>
+        </p:nvPicPr>
+        <p:blipFill>
+          <a:blip r:embed="rId2">
+            <a:extLst>
+              <a:ext uri="{BEBA8EAE-BF5A-486C-A8C5-ECC9F3942E4B}">
+                <a14:imgProps xmlns:a14="http://schemas.microsoft.com/office/drawing/2010/main">
+                  <a14:imgLayer r:embed="rId3">
+                    <a14:imgEffect>
+                      <a14:brightnessContrast bright="-50000" contrast="30000"/>
+                    </a14:imgEffect>
+                  </a14:imgLayer>
+                </a14:imgProps>
+              </a:ext>
+              <a:ext uri="{28A0092B-C50C-407E-A947-70E740481C1C}">
+                <a14:useLocalDpi xmlns:a14="http://schemas.microsoft.com/office/drawing/2010/main" val="0"/>
+              </a:ext>
+            </a:extLst>
+          </a:blip>
+          <a:stretch>
+            <a:fillRect/>
+          </a:stretch>
+        </p:blipFill>
+        <p:spPr>
+          <a:xfrm>
+            <a:off x="0" y="0"/>
+            <a:ext cx="9144000" cy="6858000"/>
+          </a:xfrm>
+          <a:prstGeom prst="rect">
+            <a:avLst/>
+          </a:prstGeom>
+        </p:spPr>
+      </p:pic>
+      <p:grpSp>
+        <p:nvGrpSpPr>
+          <p:cNvPr id="12" name="Grupo 11"/>
+          <p:cNvGrpSpPr/>
+          <p:nvPr/>
+        </p:nvGrpSpPr>
+        <p:grpSpPr>
+          <a:xfrm>
+            <a:off x="3963780" y="1839157"/>
+            <a:ext cx="1216440" cy="331637"/>
+            <a:chOff x="115200" y="6381328"/>
+            <a:chExt cx="1216440" cy="331637"/>
+          </a:xfrm>
+        </p:grpSpPr>
+        <p:pic>
+          <p:nvPicPr>
+            <p:cNvPr id="13" name="Imagem 12"/>
+            <p:cNvPicPr>
+              <a:picLocks noChangeAspect="1"/>
+            </p:cNvPicPr>
+            <p:nvPr/>
+          </p:nvPicPr>
+          <p:blipFill>
+            <a:blip r:embed="rId4">
+              <a:extLst>
+                <a:ext uri="{28A0092B-C50C-407E-A947-70E740481C1C}">
+                  <a14:useLocalDpi xmlns:a14="http://schemas.microsoft.com/office/drawing/2010/main" val="0"/>
+                </a:ext>
+              </a:extLst>
+            </a:blip>
+            <a:stretch>
+              <a:fillRect/>
+            </a:stretch>
+          </p:blipFill>
+          <p:spPr>
+            <a:xfrm>
+              <a:off x="115200" y="6381328"/>
+              <a:ext cx="342000" cy="331637"/>
+            </a:xfrm>
+            <a:prstGeom prst="rect">
+              <a:avLst/>
+            </a:prstGeom>
+          </p:spPr>
+        </p:pic>
+        <p:pic>
+          <p:nvPicPr>
+            <p:cNvPr id="14" name="Imagem 13"/>
+            <p:cNvPicPr>
+              <a:picLocks noChangeAspect="1"/>
+            </p:cNvPicPr>
+            <p:nvPr/>
+          </p:nvPicPr>
+          <p:blipFill>
+            <a:blip r:embed="rId4">
+              <a:extLst>
+                <a:ext uri="{28A0092B-C50C-407E-A947-70E740481C1C}">
+                  <a14:useLocalDpi xmlns:a14="http://schemas.microsoft.com/office/drawing/2010/main" val="0"/>
+                </a:ext>
+              </a:extLst>
+            </a:blip>
+            <a:stretch>
+              <a:fillRect/>
+            </a:stretch>
+          </p:blipFill>
+          <p:spPr>
+            <a:xfrm>
+              <a:off x="552420" y="6381328"/>
+              <a:ext cx="342000" cy="331637"/>
+            </a:xfrm>
+            <a:prstGeom prst="rect">
+              <a:avLst/>
+            </a:prstGeom>
+          </p:spPr>
+        </p:pic>
+        <p:pic>
+          <p:nvPicPr>
+            <p:cNvPr id="15" name="Imagem 14"/>
+            <p:cNvPicPr>
+              <a:picLocks noChangeAspect="1"/>
+            </p:cNvPicPr>
+            <p:nvPr/>
+          </p:nvPicPr>
+          <p:blipFill>
+            <a:blip r:embed="rId4">
+              <a:extLst>
+                <a:ext uri="{28A0092B-C50C-407E-A947-70E740481C1C}">
+                  <a14:useLocalDpi xmlns:a14="http://schemas.microsoft.com/office/drawing/2010/main" val="0"/>
+                </a:ext>
+              </a:extLst>
+            </a:blip>
+            <a:stretch>
+              <a:fillRect/>
+            </a:stretch>
+          </p:blipFill>
+          <p:spPr>
+            <a:xfrm>
+              <a:off x="989640" y="6381328"/>
+              <a:ext cx="342000" cy="331637"/>
+            </a:xfrm>
+            <a:prstGeom prst="rect">
+              <a:avLst/>
+            </a:prstGeom>
+          </p:spPr>
+        </p:pic>
+      </p:grpSp>
+      <p:sp>
+        <p:nvSpPr>
+          <p:cNvPr id="52" name="Título 5"/>
+          <p:cNvSpPr txBox="1">
+            <a:spLocks/>
+          </p:cNvSpPr>
+          <p:nvPr/>
+        </p:nvSpPr>
+        <p:spPr>
+          <a:xfrm>
+            <a:off x="457200" y="2170794"/>
+            <a:ext cx="8229600" cy="1582311"/>
+          </a:xfrm>
+          <a:prstGeom prst="rect">
+            <a:avLst/>
+          </a:prstGeom>
+        </p:spPr>
+        <p:txBody>
+          <a:bodyPr vert="horz" lIns="91440" tIns="45720" rIns="91440" bIns="45720" rtlCol="0" anchor="ctr">
+            <a:noAutofit/>
+          </a:bodyPr>
+          <a:lstStyle>
+            <a:defPPr>
+              <a:defRPr lang="pt-BR"/>
+            </a:defPPr>
+            <a:lvl1pPr marL="0" algn="l" defTabSz="914400" rtl="0" eaLnBrk="1" latinLnBrk="0" hangingPunct="1">
+              <a:defRPr sz="1800" kern="1200">
+                <a:solidFill>
+                  <a:schemeClr val="tx1"/>
+                </a:solidFill>
+                <a:latin typeface="+mn-lt"/>
+                <a:ea typeface="+mn-ea"/>
+                <a:cs typeface="+mn-cs"/>
+              </a:defRPr>
+            </a:lvl1pPr>
+            <a:lvl2pPr marL="457200" algn="l" defTabSz="914400" rtl="0" eaLnBrk="1" latinLnBrk="0" hangingPunct="1">
+              <a:defRPr sz="1800" kern="1200">
+                <a:solidFill>
+                  <a:schemeClr val="tx1"/>
+                </a:solidFill>
+                <a:latin typeface="+mn-lt"/>
+                <a:ea typeface="+mn-ea"/>
+                <a:cs typeface="+mn-cs"/>
+              </a:defRPr>
+            </a:lvl2pPr>
+            <a:lvl3pPr marL="914400" algn="l" defTabSz="914400" rtl="0" eaLnBrk="1" latinLnBrk="0" hangingPunct="1">
+              <a:defRPr sz="1800" kern="1200">
+                <a:solidFill>
+                  <a:schemeClr val="tx1"/>
+                </a:solidFill>
+                <a:latin typeface="+mn-lt"/>
+                <a:ea typeface="+mn-ea"/>
+                <a:cs typeface="+mn-cs"/>
+              </a:defRPr>
+            </a:lvl3pPr>
+            <a:lvl4pPr marL="1371600" algn="l" defTabSz="914400" rtl="0" eaLnBrk="1" latinLnBrk="0" hangingPunct="1">
+              <a:defRPr sz="1800" kern="1200">
+                <a:solidFill>
+                  <a:schemeClr val="tx1"/>
+                </a:solidFill>
+                <a:latin typeface="+mn-lt"/>
+                <a:ea typeface="+mn-ea"/>
+                <a:cs typeface="+mn-cs"/>
+              </a:defRPr>
+            </a:lvl4pPr>
+            <a:lvl5pPr marL="1828800" algn="l" defTabSz="914400" rtl="0" eaLnBrk="1" latinLnBrk="0" hangingPunct="1">
+              <a:defRPr sz="1800" kern="1200">
+                <a:solidFill>
+                  <a:schemeClr val="tx1"/>
+                </a:solidFill>
+                <a:latin typeface="+mn-lt"/>
+                <a:ea typeface="+mn-ea"/>
+                <a:cs typeface="+mn-cs"/>
+              </a:defRPr>
+            </a:lvl5pPr>
+            <a:lvl6pPr marL="2286000" algn="l" defTabSz="914400" rtl="0" eaLnBrk="1" latinLnBrk="0" hangingPunct="1">
+              <a:defRPr sz="1800" kern="1200">
+                <a:solidFill>
+                  <a:schemeClr val="tx1"/>
+                </a:solidFill>
+                <a:latin typeface="+mn-lt"/>
+                <a:ea typeface="+mn-ea"/>
+                <a:cs typeface="+mn-cs"/>
+              </a:defRPr>
+            </a:lvl6pPr>
+            <a:lvl7pPr marL="2743200" algn="l" defTabSz="914400" rtl="0" eaLnBrk="1" latinLnBrk="0" hangingPunct="1">
+              <a:defRPr sz="1800" kern="1200">
+                <a:solidFill>
+                  <a:schemeClr val="tx1"/>
+                </a:solidFill>
+                <a:latin typeface="+mn-lt"/>
+                <a:ea typeface="+mn-ea"/>
+                <a:cs typeface="+mn-cs"/>
+              </a:defRPr>
+            </a:lvl7pPr>
+            <a:lvl8pPr marL="3200400" algn="l" defTabSz="914400" rtl="0" eaLnBrk="1" latinLnBrk="0" hangingPunct="1">
+              <a:defRPr sz="1800" kern="1200">
+                <a:solidFill>
+                  <a:schemeClr val="tx1"/>
+                </a:solidFill>
+                <a:latin typeface="+mn-lt"/>
+                <a:ea typeface="+mn-ea"/>
+                <a:cs typeface="+mn-cs"/>
+              </a:defRPr>
+            </a:lvl8pPr>
+            <a:lvl9pPr marL="3657600" algn="l" defTabSz="914400" rtl="0" eaLnBrk="1" latinLnBrk="0" hangingPunct="1">
+              <a:defRPr sz="1800" kern="1200">
+                <a:solidFill>
+                  <a:schemeClr val="tx1"/>
+                </a:solidFill>
+                <a:latin typeface="+mn-lt"/>
+                <a:ea typeface="+mn-ea"/>
+                <a:cs typeface="+mn-cs"/>
+              </a:defRPr>
+            </a:lvl9pPr>
+          </a:lstStyle>
+          <a:p>
+            <a:pPr algn="ctr"/>
+            <a:r>
+              <a:rPr lang="pt-BR" sz="10000" dirty="0" err="1" smtClean="0">
+                <a:solidFill>
+                  <a:srgbClr val="FFFF00"/>
+                </a:solidFill>
+                <a:latin typeface="SAF" pitchFamily="50" charset="0"/>
+              </a:rPr>
+              <a:t>OHH</a:t>
+            </a:r>
+            <a:r>
+              <a:rPr lang="pt-BR" sz="10000" dirty="0" err="1" smtClean="0">
+                <a:solidFill>
+                  <a:schemeClr val="bg1">
+                    <a:lumMod val="50000"/>
+                    <a:lumOff val="50000"/>
+                  </a:schemeClr>
+                </a:solidFill>
+                <a:latin typeface="SAF" pitchFamily="50" charset="0"/>
+              </a:rPr>
+              <a:t>Man</a:t>
+            </a:r>
+            <a:r>
+              <a:rPr lang="pt-BR" sz="10000" dirty="0" smtClean="0">
+                <a:solidFill>
+                  <a:schemeClr val="bg1">
+                    <a:lumMod val="50000"/>
+                    <a:lumOff val="50000"/>
+                  </a:schemeClr>
+                </a:solidFill>
+                <a:latin typeface="SAF" pitchFamily="50" charset="0"/>
+              </a:rPr>
+              <a:t>!</a:t>
+            </a:r>
+            <a:endParaRPr lang="pt-BR" sz="10000" dirty="0">
+              <a:solidFill>
+                <a:schemeClr val="bg1">
+                  <a:lumMod val="50000"/>
+                  <a:lumOff val="50000"/>
+                </a:schemeClr>
+              </a:solidFill>
+              <a:latin typeface="SAF" pitchFamily="50" charset="0"/>
+            </a:endParaRPr>
+          </a:p>
+        </p:txBody>
+      </p:sp>
+      <p:grpSp>
+        <p:nvGrpSpPr>
+          <p:cNvPr id="3" name="Grupo 2"/>
+          <p:cNvGrpSpPr/>
+          <p:nvPr/>
+        </p:nvGrpSpPr>
+        <p:grpSpPr>
+          <a:xfrm>
+            <a:off x="3059900" y="4185152"/>
+            <a:ext cx="3024200" cy="612000"/>
+            <a:chOff x="2879880" y="4077152"/>
+            <a:chExt cx="3024200" cy="612000"/>
+          </a:xfrm>
+        </p:grpSpPr>
+        <p:pic>
+          <p:nvPicPr>
+            <p:cNvPr id="54" name="Imagem 53"/>
+            <p:cNvPicPr>
+              <a:picLocks noChangeAspect="1"/>
+            </p:cNvPicPr>
+            <p:nvPr/>
+          </p:nvPicPr>
+          <p:blipFill>
+            <a:blip r:embed="rId5">
+              <a:extLst>
+                <a:ext uri="{28A0092B-C50C-407E-A947-70E740481C1C}">
+                  <a14:useLocalDpi xmlns:a14="http://schemas.microsoft.com/office/drawing/2010/main" val="0"/>
+                </a:ext>
+              </a:extLst>
+            </a:blip>
+            <a:stretch>
+              <a:fillRect/>
+            </a:stretch>
+          </p:blipFill>
+          <p:spPr>
+            <a:xfrm>
+              <a:off x="2879880" y="4077152"/>
+              <a:ext cx="612000" cy="612000"/>
+            </a:xfrm>
+            <a:prstGeom prst="rect">
+              <a:avLst/>
+            </a:prstGeom>
+          </p:spPr>
+        </p:pic>
+        <p:pic>
+          <p:nvPicPr>
+            <p:cNvPr id="55" name="Imagem 54"/>
+            <p:cNvPicPr>
+              <a:picLocks noChangeAspect="1"/>
+            </p:cNvPicPr>
+            <p:nvPr/>
+          </p:nvPicPr>
+          <p:blipFill>
+            <a:blip r:embed="rId6">
+              <a:extLst>
+                <a:ext uri="{28A0092B-C50C-407E-A947-70E740481C1C}">
+                  <a14:useLocalDpi xmlns:a14="http://schemas.microsoft.com/office/drawing/2010/main" val="0"/>
+                </a:ext>
+              </a:extLst>
+            </a:blip>
+            <a:stretch>
+              <a:fillRect/>
+            </a:stretch>
+          </p:blipFill>
+          <p:spPr>
+            <a:xfrm>
+              <a:off x="3683947" y="4077152"/>
+              <a:ext cx="612000" cy="612000"/>
+            </a:xfrm>
+            <a:prstGeom prst="rect">
+              <a:avLst/>
+            </a:prstGeom>
+          </p:spPr>
+        </p:pic>
+        <p:pic>
+          <p:nvPicPr>
+            <p:cNvPr id="57" name="Imagem 56"/>
+            <p:cNvPicPr>
+              <a:picLocks noChangeAspect="1"/>
+            </p:cNvPicPr>
+            <p:nvPr/>
+          </p:nvPicPr>
+          <p:blipFill>
+            <a:blip r:embed="rId7">
+              <a:extLst>
+                <a:ext uri="{28A0092B-C50C-407E-A947-70E740481C1C}">
+                  <a14:useLocalDpi xmlns:a14="http://schemas.microsoft.com/office/drawing/2010/main" val="0"/>
+                </a:ext>
+              </a:extLst>
+            </a:blip>
+            <a:stretch>
+              <a:fillRect/>
+            </a:stretch>
+          </p:blipFill>
+          <p:spPr>
+            <a:xfrm>
+              <a:off x="4488014" y="4077152"/>
+              <a:ext cx="612000" cy="612000"/>
+            </a:xfrm>
+            <a:prstGeom prst="rect">
+              <a:avLst/>
+            </a:prstGeom>
+          </p:spPr>
+        </p:pic>
+        <p:pic>
+          <p:nvPicPr>
+            <p:cNvPr id="58" name="Imagem 57"/>
+            <p:cNvPicPr>
+              <a:picLocks noChangeAspect="1"/>
+            </p:cNvPicPr>
+            <p:nvPr/>
+          </p:nvPicPr>
+          <p:blipFill>
+            <a:blip r:embed="rId8">
+              <a:extLst>
+                <a:ext uri="{28A0092B-C50C-407E-A947-70E740481C1C}">
+                  <a14:useLocalDpi xmlns:a14="http://schemas.microsoft.com/office/drawing/2010/main" val="0"/>
+                </a:ext>
+              </a:extLst>
+            </a:blip>
+            <a:stretch>
+              <a:fillRect/>
+            </a:stretch>
+          </p:blipFill>
+          <p:spPr>
+            <a:xfrm>
+              <a:off x="5292080" y="4077152"/>
+              <a:ext cx="612000" cy="612000"/>
+            </a:xfrm>
+            <a:prstGeom prst="rect">
+              <a:avLst/>
+            </a:prstGeom>
+          </p:spPr>
+        </p:pic>
+      </p:grpSp>
+      <p:sp>
+        <p:nvSpPr>
+          <p:cNvPr id="59" name="Elipse 58"/>
+          <p:cNvSpPr/>
+          <p:nvPr/>
+        </p:nvSpPr>
+        <p:spPr>
+          <a:xfrm>
+            <a:off x="1763688" y="2694263"/>
+            <a:ext cx="504056" cy="446705"/>
+          </a:xfrm>
+          <a:prstGeom prst="ellipse">
+            <a:avLst/>
+          </a:prstGeom>
+          <a:solidFill>
+            <a:srgbClr val="FFFF00"/>
+          </a:solidFill>
+          <a:ln>
+            <a:noFill/>
+          </a:ln>
+        </p:spPr>
+        <p:style>
+          <a:lnRef idx="2">
+            <a:schemeClr val="accent1">
+              <a:shade val="50000"/>
+            </a:schemeClr>
+          </a:lnRef>
+          <a:fillRef idx="1">
+            <a:schemeClr val="accent1"/>
+          </a:fillRef>
+          <a:effectRef idx="0">
+            <a:schemeClr val="accent1"/>
+          </a:effectRef>
+          <a:fontRef idx="minor">
+            <a:schemeClr val="lt1"/>
+          </a:fontRef>
+        </p:style>
+        <p:txBody>
+          <a:bodyPr rtlCol="0" anchor="ctr"/>
+          <a:lstStyle/>
+          <a:p>
+            <a:pPr algn="ctr"/>
+            <a:endParaRPr lang="pt-BR">
+              <a:solidFill>
+                <a:srgbClr val="FFFF66"/>
+              </a:solidFill>
+            </a:endParaRPr>
+          </a:p>
+        </p:txBody>
+      </p:sp>
+    </p:spTree>
+    <p:extLst>
+      <p:ext uri="{BB962C8B-B14F-4D97-AF65-F5344CB8AC3E}">
+        <p14:creationId xmlns:p14="http://schemas.microsoft.com/office/powerpoint/2010/main" val="2607063290"/>
+      </p:ext>
+    </p:extLst>
+  </p:cSld>
+  <p:clrMapOvr>
+    <a:masterClrMapping/>
+  </p:clrMapOvr>
+  <mc:AlternateContent xmlns:mc="http://schemas.openxmlformats.org/markup-compatibility/2006" xmlns:p14="http://schemas.microsoft.com/office/powerpoint/2010/main">
+    <mc:Choice Requires="p14">
+      <p:transition spd="med" p14:dur="700">
+        <p:fade/>
+      </p:transition>
+    </mc:Choice>
+    <mc:Fallback xmlns="">
+      <p:transition spd="med">
+        <p:fade/>
+      </p:transition>
+    </mc:Fallback>
+  </mc:AlternateContent>
+  <p:timing>
+    <p:tnLst>
+      <p:par>
+        <p:cTn id="1" dur="indefinite" restart="never" nodeType="tmRoot"/>
+      </p:par>
+    </p:tnLst>
+  </p:timing>
+</p:sld>
+</file>
+
+<file path=ppt/slides/slide20.xml><?xml version="1.0" encoding="utf-8"?>
 <p:sld xmlns:a="http://schemas.openxmlformats.org/drawingml/2006/main" xmlns:r="http://schemas.openxmlformats.org/officeDocument/2006/relationships" xmlns:p="http://schemas.openxmlformats.org/presentationml/2006/main">
   <p:cSld>
     <p:spTree>
@@ -11154,7 +13758,7 @@
 </p:sld>
 </file>
 
-<file path=ppt/slides/slide19.xml><?xml version="1.0" encoding="utf-8"?>
+<file path=ppt/slides/slide21.xml><?xml version="1.0" encoding="utf-8"?>
 <p:sld xmlns:a="http://schemas.openxmlformats.org/drawingml/2006/main" xmlns:r="http://schemas.openxmlformats.org/officeDocument/2006/relationships" xmlns:p="http://schemas.openxmlformats.org/presentationml/2006/main">
   <p:cSld>
     <p:spTree>
@@ -12148,547 +14752,6 @@
     <p:extLst>
       <p:ext uri="{BB962C8B-B14F-4D97-AF65-F5344CB8AC3E}">
         <p14:creationId xmlns:p14="http://schemas.microsoft.com/office/powerpoint/2010/main" val="1858410795"/>
-      </p:ext>
-    </p:extLst>
-  </p:cSld>
-  <p:clrMapOvr>
-    <a:masterClrMapping/>
-  </p:clrMapOvr>
-  <mc:AlternateContent xmlns:mc="http://schemas.openxmlformats.org/markup-compatibility/2006" xmlns:p14="http://schemas.microsoft.com/office/powerpoint/2010/main">
-    <mc:Choice Requires="p14">
-      <p:transition spd="med" p14:dur="700">
-        <p:fade/>
-      </p:transition>
-    </mc:Choice>
-    <mc:Fallback xmlns="">
-      <p:transition spd="med">
-        <p:fade/>
-      </p:transition>
-    </mc:Fallback>
-  </mc:AlternateContent>
-  <p:timing>
-    <p:tnLst>
-      <p:par>
-        <p:cTn id="1" dur="indefinite" restart="never" nodeType="tmRoot"/>
-      </p:par>
-    </p:tnLst>
-  </p:timing>
-</p:sld>
-</file>
-
-<file path=ppt/slides/slide2.xml><?xml version="1.0" encoding="utf-8"?>
-<p:sld xmlns:a="http://schemas.openxmlformats.org/drawingml/2006/main" xmlns:r="http://schemas.openxmlformats.org/officeDocument/2006/relationships" xmlns:p="http://schemas.openxmlformats.org/presentationml/2006/main">
-  <p:cSld>
-    <p:spTree>
-      <p:nvGrpSpPr>
-        <p:cNvPr id="1" name=""/>
-        <p:cNvGrpSpPr/>
-        <p:nvPr/>
-      </p:nvGrpSpPr>
-      <p:grpSpPr>
-        <a:xfrm>
-          <a:off x="0" y="0"/>
-          <a:ext cx="0" cy="0"/>
-          <a:chOff x="0" y="0"/>
-          <a:chExt cx="0" cy="0"/>
-        </a:xfrm>
-      </p:grpSpPr>
-      <p:pic>
-        <p:nvPicPr>
-          <p:cNvPr id="10" name="Imagem 9"/>
-          <p:cNvPicPr>
-            <a:picLocks noChangeAspect="1"/>
-          </p:cNvPicPr>
-          <p:nvPr/>
-        </p:nvPicPr>
-        <p:blipFill>
-          <a:blip r:embed="rId2">
-            <a:extLst>
-              <a:ext uri="{BEBA8EAE-BF5A-486C-A8C5-ECC9F3942E4B}">
-                <a14:imgProps xmlns:a14="http://schemas.microsoft.com/office/drawing/2010/main">
-                  <a14:imgLayer r:embed="rId3">
-                    <a14:imgEffect>
-                      <a14:brightnessContrast bright="-50000" contrast="30000"/>
-                    </a14:imgEffect>
-                  </a14:imgLayer>
-                </a14:imgProps>
-              </a:ext>
-              <a:ext uri="{28A0092B-C50C-407E-A947-70E740481C1C}">
-                <a14:useLocalDpi xmlns:a14="http://schemas.microsoft.com/office/drawing/2010/main" val="0"/>
-              </a:ext>
-            </a:extLst>
-          </a:blip>
-          <a:stretch>
-            <a:fillRect/>
-          </a:stretch>
-        </p:blipFill>
-        <p:spPr>
-          <a:xfrm>
-            <a:off x="0" y="0"/>
-            <a:ext cx="9144000" cy="6858000"/>
-          </a:xfrm>
-          <a:prstGeom prst="rect">
-            <a:avLst/>
-          </a:prstGeom>
-        </p:spPr>
-      </p:pic>
-      <p:grpSp>
-        <p:nvGrpSpPr>
-          <p:cNvPr id="12" name="Grupo 11"/>
-          <p:cNvGrpSpPr/>
-          <p:nvPr/>
-        </p:nvGrpSpPr>
-        <p:grpSpPr>
-          <a:xfrm>
-            <a:off x="3963780" y="1839157"/>
-            <a:ext cx="1216440" cy="331637"/>
-            <a:chOff x="115200" y="6381328"/>
-            <a:chExt cx="1216440" cy="331637"/>
-          </a:xfrm>
-        </p:grpSpPr>
-        <p:pic>
-          <p:nvPicPr>
-            <p:cNvPr id="13" name="Imagem 12"/>
-            <p:cNvPicPr>
-              <a:picLocks noChangeAspect="1"/>
-            </p:cNvPicPr>
-            <p:nvPr/>
-          </p:nvPicPr>
-          <p:blipFill>
-            <a:blip r:embed="rId4">
-              <a:extLst>
-                <a:ext uri="{28A0092B-C50C-407E-A947-70E740481C1C}">
-                  <a14:useLocalDpi xmlns:a14="http://schemas.microsoft.com/office/drawing/2010/main" val="0"/>
-                </a:ext>
-              </a:extLst>
-            </a:blip>
-            <a:stretch>
-              <a:fillRect/>
-            </a:stretch>
-          </p:blipFill>
-          <p:spPr>
-            <a:xfrm>
-              <a:off x="115200" y="6381328"/>
-              <a:ext cx="342000" cy="331637"/>
-            </a:xfrm>
-            <a:prstGeom prst="rect">
-              <a:avLst/>
-            </a:prstGeom>
-          </p:spPr>
-        </p:pic>
-        <p:pic>
-          <p:nvPicPr>
-            <p:cNvPr id="14" name="Imagem 13"/>
-            <p:cNvPicPr>
-              <a:picLocks noChangeAspect="1"/>
-            </p:cNvPicPr>
-            <p:nvPr/>
-          </p:nvPicPr>
-          <p:blipFill>
-            <a:blip r:embed="rId4">
-              <a:extLst>
-                <a:ext uri="{28A0092B-C50C-407E-A947-70E740481C1C}">
-                  <a14:useLocalDpi xmlns:a14="http://schemas.microsoft.com/office/drawing/2010/main" val="0"/>
-                </a:ext>
-              </a:extLst>
-            </a:blip>
-            <a:stretch>
-              <a:fillRect/>
-            </a:stretch>
-          </p:blipFill>
-          <p:spPr>
-            <a:xfrm>
-              <a:off x="552420" y="6381328"/>
-              <a:ext cx="342000" cy="331637"/>
-            </a:xfrm>
-            <a:prstGeom prst="rect">
-              <a:avLst/>
-            </a:prstGeom>
-          </p:spPr>
-        </p:pic>
-        <p:pic>
-          <p:nvPicPr>
-            <p:cNvPr id="15" name="Imagem 14"/>
-            <p:cNvPicPr>
-              <a:picLocks noChangeAspect="1"/>
-            </p:cNvPicPr>
-            <p:nvPr/>
-          </p:nvPicPr>
-          <p:blipFill>
-            <a:blip r:embed="rId4">
-              <a:extLst>
-                <a:ext uri="{28A0092B-C50C-407E-A947-70E740481C1C}">
-                  <a14:useLocalDpi xmlns:a14="http://schemas.microsoft.com/office/drawing/2010/main" val="0"/>
-                </a:ext>
-              </a:extLst>
-            </a:blip>
-            <a:stretch>
-              <a:fillRect/>
-            </a:stretch>
-          </p:blipFill>
-          <p:spPr>
-            <a:xfrm>
-              <a:off x="989640" y="6381328"/>
-              <a:ext cx="342000" cy="331637"/>
-            </a:xfrm>
-            <a:prstGeom prst="rect">
-              <a:avLst/>
-            </a:prstGeom>
-          </p:spPr>
-        </p:pic>
-      </p:grpSp>
-      <p:sp>
-        <p:nvSpPr>
-          <p:cNvPr id="52" name="Título 5"/>
-          <p:cNvSpPr txBox="1">
-            <a:spLocks/>
-          </p:cNvSpPr>
-          <p:nvPr/>
-        </p:nvSpPr>
-        <p:spPr>
-          <a:xfrm>
-            <a:off x="457200" y="2170794"/>
-            <a:ext cx="8229600" cy="1582311"/>
-          </a:xfrm>
-          <a:prstGeom prst="rect">
-            <a:avLst/>
-          </a:prstGeom>
-        </p:spPr>
-        <p:txBody>
-          <a:bodyPr vert="horz" lIns="91440" tIns="45720" rIns="91440" bIns="45720" rtlCol="0" anchor="ctr">
-            <a:noAutofit/>
-          </a:bodyPr>
-          <a:lstStyle>
-            <a:defPPr>
-              <a:defRPr lang="pt-BR"/>
-            </a:defPPr>
-            <a:lvl1pPr marL="0" algn="l" defTabSz="914400" rtl="0" eaLnBrk="1" latinLnBrk="0" hangingPunct="1">
-              <a:defRPr sz="1800" kern="1200">
-                <a:solidFill>
-                  <a:schemeClr val="tx1"/>
-                </a:solidFill>
-                <a:latin typeface="+mn-lt"/>
-                <a:ea typeface="+mn-ea"/>
-                <a:cs typeface="+mn-cs"/>
-              </a:defRPr>
-            </a:lvl1pPr>
-            <a:lvl2pPr marL="457200" algn="l" defTabSz="914400" rtl="0" eaLnBrk="1" latinLnBrk="0" hangingPunct="1">
-              <a:defRPr sz="1800" kern="1200">
-                <a:solidFill>
-                  <a:schemeClr val="tx1"/>
-                </a:solidFill>
-                <a:latin typeface="+mn-lt"/>
-                <a:ea typeface="+mn-ea"/>
-                <a:cs typeface="+mn-cs"/>
-              </a:defRPr>
-            </a:lvl2pPr>
-            <a:lvl3pPr marL="914400" algn="l" defTabSz="914400" rtl="0" eaLnBrk="1" latinLnBrk="0" hangingPunct="1">
-              <a:defRPr sz="1800" kern="1200">
-                <a:solidFill>
-                  <a:schemeClr val="tx1"/>
-                </a:solidFill>
-                <a:latin typeface="+mn-lt"/>
-                <a:ea typeface="+mn-ea"/>
-                <a:cs typeface="+mn-cs"/>
-              </a:defRPr>
-            </a:lvl3pPr>
-            <a:lvl4pPr marL="1371600" algn="l" defTabSz="914400" rtl="0" eaLnBrk="1" latinLnBrk="0" hangingPunct="1">
-              <a:defRPr sz="1800" kern="1200">
-                <a:solidFill>
-                  <a:schemeClr val="tx1"/>
-                </a:solidFill>
-                <a:latin typeface="+mn-lt"/>
-                <a:ea typeface="+mn-ea"/>
-                <a:cs typeface="+mn-cs"/>
-              </a:defRPr>
-            </a:lvl4pPr>
-            <a:lvl5pPr marL="1828800" algn="l" defTabSz="914400" rtl="0" eaLnBrk="1" latinLnBrk="0" hangingPunct="1">
-              <a:defRPr sz="1800" kern="1200">
-                <a:solidFill>
-                  <a:schemeClr val="tx1"/>
-                </a:solidFill>
-                <a:latin typeface="+mn-lt"/>
-                <a:ea typeface="+mn-ea"/>
-                <a:cs typeface="+mn-cs"/>
-              </a:defRPr>
-            </a:lvl5pPr>
-            <a:lvl6pPr marL="2286000" algn="l" defTabSz="914400" rtl="0" eaLnBrk="1" latinLnBrk="0" hangingPunct="1">
-              <a:defRPr sz="1800" kern="1200">
-                <a:solidFill>
-                  <a:schemeClr val="tx1"/>
-                </a:solidFill>
-                <a:latin typeface="+mn-lt"/>
-                <a:ea typeface="+mn-ea"/>
-                <a:cs typeface="+mn-cs"/>
-              </a:defRPr>
-            </a:lvl6pPr>
-            <a:lvl7pPr marL="2743200" algn="l" defTabSz="914400" rtl="0" eaLnBrk="1" latinLnBrk="0" hangingPunct="1">
-              <a:defRPr sz="1800" kern="1200">
-                <a:solidFill>
-                  <a:schemeClr val="tx1"/>
-                </a:solidFill>
-                <a:latin typeface="+mn-lt"/>
-                <a:ea typeface="+mn-ea"/>
-                <a:cs typeface="+mn-cs"/>
-              </a:defRPr>
-            </a:lvl7pPr>
-            <a:lvl8pPr marL="3200400" algn="l" defTabSz="914400" rtl="0" eaLnBrk="1" latinLnBrk="0" hangingPunct="1">
-              <a:defRPr sz="1800" kern="1200">
-                <a:solidFill>
-                  <a:schemeClr val="tx1"/>
-                </a:solidFill>
-                <a:latin typeface="+mn-lt"/>
-                <a:ea typeface="+mn-ea"/>
-                <a:cs typeface="+mn-cs"/>
-              </a:defRPr>
-            </a:lvl8pPr>
-            <a:lvl9pPr marL="3657600" algn="l" defTabSz="914400" rtl="0" eaLnBrk="1" latinLnBrk="0" hangingPunct="1">
-              <a:defRPr sz="1800" kern="1200">
-                <a:solidFill>
-                  <a:schemeClr val="tx1"/>
-                </a:solidFill>
-                <a:latin typeface="+mn-lt"/>
-                <a:ea typeface="+mn-ea"/>
-                <a:cs typeface="+mn-cs"/>
-              </a:defRPr>
-            </a:lvl9pPr>
-          </a:lstStyle>
-          <a:p>
-            <a:pPr algn="ctr"/>
-            <a:r>
-              <a:rPr lang="pt-BR" sz="10000" dirty="0" err="1" smtClean="0">
-                <a:solidFill>
-                  <a:srgbClr val="FFFF00"/>
-                </a:solidFill>
-                <a:latin typeface="SAF" pitchFamily="50" charset="0"/>
-              </a:rPr>
-              <a:t>OHH</a:t>
-            </a:r>
-            <a:r>
-              <a:rPr lang="pt-BR" sz="10000" dirty="0" err="1" smtClean="0">
-                <a:solidFill>
-                  <a:schemeClr val="bg1">
-                    <a:lumMod val="50000"/>
-                    <a:lumOff val="50000"/>
-                  </a:schemeClr>
-                </a:solidFill>
-                <a:latin typeface="SAF" pitchFamily="50" charset="0"/>
-              </a:rPr>
-              <a:t>Man</a:t>
-            </a:r>
-            <a:r>
-              <a:rPr lang="pt-BR" sz="10000" dirty="0" smtClean="0">
-                <a:solidFill>
-                  <a:schemeClr val="bg1">
-                    <a:lumMod val="50000"/>
-                    <a:lumOff val="50000"/>
-                  </a:schemeClr>
-                </a:solidFill>
-                <a:latin typeface="SAF" pitchFamily="50" charset="0"/>
-              </a:rPr>
-              <a:t>!</a:t>
-            </a:r>
-            <a:endParaRPr lang="pt-BR" sz="10000" dirty="0">
-              <a:solidFill>
-                <a:schemeClr val="bg1">
-                  <a:lumMod val="50000"/>
-                  <a:lumOff val="50000"/>
-                </a:schemeClr>
-              </a:solidFill>
-              <a:latin typeface="SAF" pitchFamily="50" charset="0"/>
-            </a:endParaRPr>
-          </a:p>
-        </p:txBody>
-      </p:sp>
-      <p:grpSp>
-        <p:nvGrpSpPr>
-          <p:cNvPr id="3" name="Grupo 2"/>
-          <p:cNvGrpSpPr/>
-          <p:nvPr/>
-        </p:nvGrpSpPr>
-        <p:grpSpPr>
-          <a:xfrm>
-            <a:off x="3059900" y="4185152"/>
-            <a:ext cx="3024200" cy="612000"/>
-            <a:chOff x="2879880" y="4077152"/>
-            <a:chExt cx="3024200" cy="612000"/>
-          </a:xfrm>
-        </p:grpSpPr>
-        <p:pic>
-          <p:nvPicPr>
-            <p:cNvPr id="54" name="Imagem 53"/>
-            <p:cNvPicPr>
-              <a:picLocks noChangeAspect="1"/>
-            </p:cNvPicPr>
-            <p:nvPr/>
-          </p:nvPicPr>
-          <p:blipFill>
-            <a:blip r:embed="rId5">
-              <a:extLst>
-                <a:ext uri="{28A0092B-C50C-407E-A947-70E740481C1C}">
-                  <a14:useLocalDpi xmlns:a14="http://schemas.microsoft.com/office/drawing/2010/main" val="0"/>
-                </a:ext>
-              </a:extLst>
-            </a:blip>
-            <a:stretch>
-              <a:fillRect/>
-            </a:stretch>
-          </p:blipFill>
-          <p:spPr>
-            <a:xfrm>
-              <a:off x="2879880" y="4077152"/>
-              <a:ext cx="612000" cy="612000"/>
-            </a:xfrm>
-            <a:prstGeom prst="rect">
-              <a:avLst/>
-            </a:prstGeom>
-          </p:spPr>
-        </p:pic>
-        <p:pic>
-          <p:nvPicPr>
-            <p:cNvPr id="55" name="Imagem 54"/>
-            <p:cNvPicPr>
-              <a:picLocks noChangeAspect="1"/>
-            </p:cNvPicPr>
-            <p:nvPr/>
-          </p:nvPicPr>
-          <p:blipFill>
-            <a:blip r:embed="rId6">
-              <a:extLst>
-                <a:ext uri="{28A0092B-C50C-407E-A947-70E740481C1C}">
-                  <a14:useLocalDpi xmlns:a14="http://schemas.microsoft.com/office/drawing/2010/main" val="0"/>
-                </a:ext>
-              </a:extLst>
-            </a:blip>
-            <a:stretch>
-              <a:fillRect/>
-            </a:stretch>
-          </p:blipFill>
-          <p:spPr>
-            <a:xfrm>
-              <a:off x="3683947" y="4077152"/>
-              <a:ext cx="612000" cy="612000"/>
-            </a:xfrm>
-            <a:prstGeom prst="rect">
-              <a:avLst/>
-            </a:prstGeom>
-          </p:spPr>
-        </p:pic>
-        <p:pic>
-          <p:nvPicPr>
-            <p:cNvPr id="57" name="Imagem 56"/>
-            <p:cNvPicPr>
-              <a:picLocks noChangeAspect="1"/>
-            </p:cNvPicPr>
-            <p:nvPr/>
-          </p:nvPicPr>
-          <p:blipFill>
-            <a:blip r:embed="rId7">
-              <a:extLst>
-                <a:ext uri="{28A0092B-C50C-407E-A947-70E740481C1C}">
-                  <a14:useLocalDpi xmlns:a14="http://schemas.microsoft.com/office/drawing/2010/main" val="0"/>
-                </a:ext>
-              </a:extLst>
-            </a:blip>
-            <a:stretch>
-              <a:fillRect/>
-            </a:stretch>
-          </p:blipFill>
-          <p:spPr>
-            <a:xfrm>
-              <a:off x="4488014" y="4077152"/>
-              <a:ext cx="612000" cy="612000"/>
-            </a:xfrm>
-            <a:prstGeom prst="rect">
-              <a:avLst/>
-            </a:prstGeom>
-          </p:spPr>
-        </p:pic>
-        <p:pic>
-          <p:nvPicPr>
-            <p:cNvPr id="58" name="Imagem 57"/>
-            <p:cNvPicPr>
-              <a:picLocks noChangeAspect="1"/>
-            </p:cNvPicPr>
-            <p:nvPr/>
-          </p:nvPicPr>
-          <p:blipFill>
-            <a:blip r:embed="rId8">
-              <a:extLst>
-                <a:ext uri="{28A0092B-C50C-407E-A947-70E740481C1C}">
-                  <a14:useLocalDpi xmlns:a14="http://schemas.microsoft.com/office/drawing/2010/main" val="0"/>
-                </a:ext>
-              </a:extLst>
-            </a:blip>
-            <a:stretch>
-              <a:fillRect/>
-            </a:stretch>
-          </p:blipFill>
-          <p:spPr>
-            <a:xfrm>
-              <a:off x="5292080" y="4077152"/>
-              <a:ext cx="612000" cy="612000"/>
-            </a:xfrm>
-            <a:prstGeom prst="rect">
-              <a:avLst/>
-            </a:prstGeom>
-          </p:spPr>
-        </p:pic>
-      </p:grpSp>
-      <p:sp>
-        <p:nvSpPr>
-          <p:cNvPr id="59" name="Elipse 58"/>
-          <p:cNvSpPr/>
-          <p:nvPr/>
-        </p:nvSpPr>
-        <p:spPr>
-          <a:xfrm>
-            <a:off x="1763688" y="2694263"/>
-            <a:ext cx="504056" cy="446705"/>
-          </a:xfrm>
-          <a:prstGeom prst="ellipse">
-            <a:avLst/>
-          </a:prstGeom>
-          <a:solidFill>
-            <a:srgbClr val="FFFF00"/>
-          </a:solidFill>
-          <a:ln>
-            <a:noFill/>
-          </a:ln>
-        </p:spPr>
-        <p:style>
-          <a:lnRef idx="2">
-            <a:schemeClr val="accent1">
-              <a:shade val="50000"/>
-            </a:schemeClr>
-          </a:lnRef>
-          <a:fillRef idx="1">
-            <a:schemeClr val="accent1"/>
-          </a:fillRef>
-          <a:effectRef idx="0">
-            <a:schemeClr val="accent1"/>
-          </a:effectRef>
-          <a:fontRef idx="minor">
-            <a:schemeClr val="lt1"/>
-          </a:fontRef>
-        </p:style>
-        <p:txBody>
-          <a:bodyPr rtlCol="0" anchor="ctr"/>
-          <a:lstStyle/>
-          <a:p>
-            <a:pPr algn="ctr"/>
-            <a:endParaRPr lang="pt-BR">
-              <a:solidFill>
-                <a:srgbClr val="FFFF66"/>
-              </a:solidFill>
-            </a:endParaRPr>
-          </a:p>
-        </p:txBody>
-      </p:sp>
-    </p:spTree>
-    <p:extLst>
-      <p:ext uri="{BB962C8B-B14F-4D97-AF65-F5344CB8AC3E}">
-        <p14:creationId xmlns:p14="http://schemas.microsoft.com/office/powerpoint/2010/main" val="2607063290"/>
       </p:ext>
     </p:extLst>
   </p:cSld>
@@ -17013,6 +19076,1087 @@
         <p:spPr>
           <a:xfrm>
             <a:off x="0" y="0"/>
+            <a:ext cx="9144000" cy="6845942"/>
+          </a:xfrm>
+          <a:prstGeom prst="rect">
+            <a:avLst/>
+          </a:prstGeom>
+        </p:spPr>
+      </p:pic>
+      <p:sp>
+        <p:nvSpPr>
+          <p:cNvPr id="7" name="Título 5"/>
+          <p:cNvSpPr txBox="1">
+            <a:spLocks/>
+          </p:cNvSpPr>
+          <p:nvPr/>
+        </p:nvSpPr>
+        <p:spPr>
+          <a:xfrm>
+            <a:off x="457200" y="766569"/>
+            <a:ext cx="8229600" cy="1078255"/>
+          </a:xfrm>
+          <a:prstGeom prst="rect">
+            <a:avLst/>
+          </a:prstGeom>
+        </p:spPr>
+        <p:txBody>
+          <a:bodyPr vert="horz" lIns="91440" tIns="45720" rIns="91440" bIns="45720" rtlCol="0" anchor="ctr">
+            <a:normAutofit lnSpcReduction="10000"/>
+          </a:bodyPr>
+          <a:lstStyle>
+            <a:defPPr>
+              <a:defRPr lang="pt-BR"/>
+            </a:defPPr>
+            <a:lvl1pPr marL="0" algn="l" defTabSz="914400" rtl="0" eaLnBrk="1" latinLnBrk="0" hangingPunct="1">
+              <a:defRPr sz="1800" kern="1200">
+                <a:solidFill>
+                  <a:schemeClr val="tx1"/>
+                </a:solidFill>
+                <a:latin typeface="+mn-lt"/>
+                <a:ea typeface="+mn-ea"/>
+                <a:cs typeface="+mn-cs"/>
+              </a:defRPr>
+            </a:lvl1pPr>
+            <a:lvl2pPr marL="457200" algn="l" defTabSz="914400" rtl="0" eaLnBrk="1" latinLnBrk="0" hangingPunct="1">
+              <a:defRPr sz="1800" kern="1200">
+                <a:solidFill>
+                  <a:schemeClr val="tx1"/>
+                </a:solidFill>
+                <a:latin typeface="+mn-lt"/>
+                <a:ea typeface="+mn-ea"/>
+                <a:cs typeface="+mn-cs"/>
+              </a:defRPr>
+            </a:lvl2pPr>
+            <a:lvl3pPr marL="914400" algn="l" defTabSz="914400" rtl="0" eaLnBrk="1" latinLnBrk="0" hangingPunct="1">
+              <a:defRPr sz="1800" kern="1200">
+                <a:solidFill>
+                  <a:schemeClr val="tx1"/>
+                </a:solidFill>
+                <a:latin typeface="+mn-lt"/>
+                <a:ea typeface="+mn-ea"/>
+                <a:cs typeface="+mn-cs"/>
+              </a:defRPr>
+            </a:lvl3pPr>
+            <a:lvl4pPr marL="1371600" algn="l" defTabSz="914400" rtl="0" eaLnBrk="1" latinLnBrk="0" hangingPunct="1">
+              <a:defRPr sz="1800" kern="1200">
+                <a:solidFill>
+                  <a:schemeClr val="tx1"/>
+                </a:solidFill>
+                <a:latin typeface="+mn-lt"/>
+                <a:ea typeface="+mn-ea"/>
+                <a:cs typeface="+mn-cs"/>
+              </a:defRPr>
+            </a:lvl4pPr>
+            <a:lvl5pPr marL="1828800" algn="l" defTabSz="914400" rtl="0" eaLnBrk="1" latinLnBrk="0" hangingPunct="1">
+              <a:defRPr sz="1800" kern="1200">
+                <a:solidFill>
+                  <a:schemeClr val="tx1"/>
+                </a:solidFill>
+                <a:latin typeface="+mn-lt"/>
+                <a:ea typeface="+mn-ea"/>
+                <a:cs typeface="+mn-cs"/>
+              </a:defRPr>
+            </a:lvl5pPr>
+            <a:lvl6pPr marL="2286000" algn="l" defTabSz="914400" rtl="0" eaLnBrk="1" latinLnBrk="0" hangingPunct="1">
+              <a:defRPr sz="1800" kern="1200">
+                <a:solidFill>
+                  <a:schemeClr val="tx1"/>
+                </a:solidFill>
+                <a:latin typeface="+mn-lt"/>
+                <a:ea typeface="+mn-ea"/>
+                <a:cs typeface="+mn-cs"/>
+              </a:defRPr>
+            </a:lvl6pPr>
+            <a:lvl7pPr marL="2743200" algn="l" defTabSz="914400" rtl="0" eaLnBrk="1" latinLnBrk="0" hangingPunct="1">
+              <a:defRPr sz="1800" kern="1200">
+                <a:solidFill>
+                  <a:schemeClr val="tx1"/>
+                </a:solidFill>
+                <a:latin typeface="+mn-lt"/>
+                <a:ea typeface="+mn-ea"/>
+                <a:cs typeface="+mn-cs"/>
+              </a:defRPr>
+            </a:lvl7pPr>
+            <a:lvl8pPr marL="3200400" algn="l" defTabSz="914400" rtl="0" eaLnBrk="1" latinLnBrk="0" hangingPunct="1">
+              <a:defRPr sz="1800" kern="1200">
+                <a:solidFill>
+                  <a:schemeClr val="tx1"/>
+                </a:solidFill>
+                <a:latin typeface="+mn-lt"/>
+                <a:ea typeface="+mn-ea"/>
+                <a:cs typeface="+mn-cs"/>
+              </a:defRPr>
+            </a:lvl8pPr>
+            <a:lvl9pPr marL="3657600" algn="l" defTabSz="914400" rtl="0" eaLnBrk="1" latinLnBrk="0" hangingPunct="1">
+              <a:defRPr sz="1800" kern="1200">
+                <a:solidFill>
+                  <a:schemeClr val="tx1"/>
+                </a:solidFill>
+                <a:latin typeface="+mn-lt"/>
+                <a:ea typeface="+mn-ea"/>
+                <a:cs typeface="+mn-cs"/>
+              </a:defRPr>
+            </a:lvl9pPr>
+          </a:lstStyle>
+          <a:p>
+            <a:pPr algn="ctr"/>
+            <a:r>
+              <a:rPr lang="pt-BR" sz="7000" dirty="0" err="1" smtClean="0">
+                <a:solidFill>
+                  <a:srgbClr val="FFFF00"/>
+                </a:solidFill>
+                <a:latin typeface="SAF" pitchFamily="50" charset="0"/>
+              </a:rPr>
+              <a:t>How</a:t>
+            </a:r>
+            <a:r>
+              <a:rPr lang="pt-BR" sz="7000" dirty="0" smtClean="0">
+                <a:solidFill>
+                  <a:srgbClr val="FFFF00"/>
+                </a:solidFill>
+                <a:latin typeface="SAF" pitchFamily="50" charset="0"/>
+              </a:rPr>
+              <a:t> </a:t>
+            </a:r>
+            <a:r>
+              <a:rPr lang="pt-BR" sz="7000" dirty="0" err="1" smtClean="0">
+                <a:solidFill>
+                  <a:srgbClr val="FFFF00"/>
+                </a:solidFill>
+                <a:latin typeface="SAF" pitchFamily="50" charset="0"/>
+              </a:rPr>
+              <a:t>to</a:t>
+            </a:r>
+            <a:r>
+              <a:rPr lang="pt-BR" sz="7000" dirty="0" smtClean="0">
+                <a:solidFill>
+                  <a:srgbClr val="FFFF00"/>
+                </a:solidFill>
+                <a:latin typeface="SAF" pitchFamily="50" charset="0"/>
+              </a:rPr>
+              <a:t> play</a:t>
+            </a:r>
+            <a:endParaRPr lang="pt-BR" sz="7000" dirty="0">
+              <a:solidFill>
+                <a:srgbClr val="FFFF00"/>
+              </a:solidFill>
+              <a:latin typeface="SAF" pitchFamily="50" charset="0"/>
+            </a:endParaRPr>
+          </a:p>
+        </p:txBody>
+      </p:sp>
+      <p:sp>
+        <p:nvSpPr>
+          <p:cNvPr id="18" name="CaixaDeTexto 17"/>
+          <p:cNvSpPr txBox="1"/>
+          <p:nvPr/>
+        </p:nvSpPr>
+        <p:spPr>
+          <a:xfrm rot="19008857">
+            <a:off x="3121" y="720379"/>
+            <a:ext cx="1983662" cy="553998"/>
+          </a:xfrm>
+          <a:prstGeom prst="rect">
+            <a:avLst/>
+          </a:prstGeom>
+          <a:noFill/>
+        </p:spPr>
+        <p:txBody>
+          <a:bodyPr wrap="square" rtlCol="0">
+            <a:spAutoFit/>
+          </a:bodyPr>
+          <a:lstStyle/>
+          <a:p>
+            <a:r>
+              <a:rPr lang="pt-BR" sz="3000" dirty="0" smtClean="0">
+                <a:solidFill>
+                  <a:srgbClr val="FFFF00"/>
+                </a:solidFill>
+                <a:latin typeface="SAF" pitchFamily="50" charset="0"/>
+              </a:rPr>
+              <a:t>OHH</a:t>
+            </a:r>
+            <a:r>
+              <a:rPr lang="pt-BR" sz="3000" dirty="0" smtClean="0">
+                <a:solidFill>
+                  <a:schemeClr val="bg1">
+                    <a:lumMod val="50000"/>
+                    <a:lumOff val="50000"/>
+                  </a:schemeClr>
+                </a:solidFill>
+                <a:latin typeface="SAF" pitchFamily="50" charset="0"/>
+              </a:rPr>
+              <a:t>MAN!</a:t>
+            </a:r>
+          </a:p>
+        </p:txBody>
+      </p:sp>
+      <p:grpSp>
+        <p:nvGrpSpPr>
+          <p:cNvPr id="22" name="Grupo 21"/>
+          <p:cNvGrpSpPr/>
+          <p:nvPr/>
+        </p:nvGrpSpPr>
+        <p:grpSpPr>
+          <a:xfrm>
+            <a:off x="1237480" y="820210"/>
+            <a:ext cx="342857" cy="789562"/>
+            <a:chOff x="2267744" y="1027966"/>
+            <a:chExt cx="342857" cy="789562"/>
+          </a:xfrm>
+        </p:grpSpPr>
+        <p:pic>
+          <p:nvPicPr>
+            <p:cNvPr id="23" name="Imagem 22"/>
+            <p:cNvPicPr>
+              <a:picLocks noChangeAspect="1"/>
+            </p:cNvPicPr>
+            <p:nvPr/>
+          </p:nvPicPr>
+          <p:blipFill>
+            <a:blip r:embed="rId4">
+              <a:extLst>
+                <a:ext uri="{28A0092B-C50C-407E-A947-70E740481C1C}">
+                  <a14:useLocalDpi xmlns:a14="http://schemas.microsoft.com/office/drawing/2010/main" val="0"/>
+                </a:ext>
+              </a:extLst>
+            </a:blip>
+            <a:stretch>
+              <a:fillRect/>
+            </a:stretch>
+          </p:blipFill>
+          <p:spPr>
+            <a:xfrm>
+              <a:off x="2267744" y="1027966"/>
+              <a:ext cx="342857" cy="342857"/>
+            </a:xfrm>
+            <a:prstGeom prst="rect">
+              <a:avLst/>
+            </a:prstGeom>
+          </p:spPr>
+        </p:pic>
+        <p:pic>
+          <p:nvPicPr>
+            <p:cNvPr id="24" name="Imagem 23"/>
+            <p:cNvPicPr>
+              <a:picLocks noChangeAspect="1"/>
+            </p:cNvPicPr>
+            <p:nvPr/>
+          </p:nvPicPr>
+          <p:blipFill>
+            <a:blip r:embed="rId5">
+              <a:extLst>
+                <a:ext uri="{28A0092B-C50C-407E-A947-70E740481C1C}">
+                  <a14:useLocalDpi xmlns:a14="http://schemas.microsoft.com/office/drawing/2010/main" val="0"/>
+                </a:ext>
+              </a:extLst>
+            </a:blip>
+            <a:stretch>
+              <a:fillRect/>
+            </a:stretch>
+          </p:blipFill>
+          <p:spPr>
+            <a:xfrm>
+              <a:off x="2267744" y="1474671"/>
+              <a:ext cx="342857" cy="342857"/>
+            </a:xfrm>
+            <a:prstGeom prst="rect">
+              <a:avLst/>
+            </a:prstGeom>
+          </p:spPr>
+        </p:pic>
+      </p:grpSp>
+      <p:grpSp>
+        <p:nvGrpSpPr>
+          <p:cNvPr id="25" name="Grupo 24"/>
+          <p:cNvGrpSpPr/>
+          <p:nvPr/>
+        </p:nvGrpSpPr>
+        <p:grpSpPr>
+          <a:xfrm>
+            <a:off x="7594469" y="820210"/>
+            <a:ext cx="342857" cy="789562"/>
+            <a:chOff x="1763688" y="1027965"/>
+            <a:chExt cx="342857" cy="789562"/>
+          </a:xfrm>
+        </p:grpSpPr>
+        <p:pic>
+          <p:nvPicPr>
+            <p:cNvPr id="26" name="Imagem 25"/>
+            <p:cNvPicPr>
+              <a:picLocks noChangeAspect="1"/>
+            </p:cNvPicPr>
+            <p:nvPr/>
+          </p:nvPicPr>
+          <p:blipFill>
+            <a:blip r:embed="rId6">
+              <a:extLst>
+                <a:ext uri="{28A0092B-C50C-407E-A947-70E740481C1C}">
+                  <a14:useLocalDpi xmlns:a14="http://schemas.microsoft.com/office/drawing/2010/main" val="0"/>
+                </a:ext>
+              </a:extLst>
+            </a:blip>
+            <a:stretch>
+              <a:fillRect/>
+            </a:stretch>
+          </p:blipFill>
+          <p:spPr>
+            <a:xfrm>
+              <a:off x="1763688" y="1027965"/>
+              <a:ext cx="342857" cy="342857"/>
+            </a:xfrm>
+            <a:prstGeom prst="rect">
+              <a:avLst/>
+            </a:prstGeom>
+          </p:spPr>
+        </p:pic>
+        <p:pic>
+          <p:nvPicPr>
+            <p:cNvPr id="27" name="Imagem 26"/>
+            <p:cNvPicPr>
+              <a:picLocks noChangeAspect="1"/>
+            </p:cNvPicPr>
+            <p:nvPr/>
+          </p:nvPicPr>
+          <p:blipFill>
+            <a:blip r:embed="rId7">
+              <a:extLst>
+                <a:ext uri="{28A0092B-C50C-407E-A947-70E740481C1C}">
+                  <a14:useLocalDpi xmlns:a14="http://schemas.microsoft.com/office/drawing/2010/main" val="0"/>
+                </a:ext>
+              </a:extLst>
+            </a:blip>
+            <a:stretch>
+              <a:fillRect/>
+            </a:stretch>
+          </p:blipFill>
+          <p:spPr>
+            <a:xfrm>
+              <a:off x="1763688" y="1474670"/>
+              <a:ext cx="342857" cy="342857"/>
+            </a:xfrm>
+            <a:prstGeom prst="rect">
+              <a:avLst/>
+            </a:prstGeom>
+          </p:spPr>
+        </p:pic>
+      </p:grpSp>
+      <p:grpSp>
+        <p:nvGrpSpPr>
+          <p:cNvPr id="3" name="Grupo 2"/>
+          <p:cNvGrpSpPr/>
+          <p:nvPr/>
+        </p:nvGrpSpPr>
+        <p:grpSpPr>
+          <a:xfrm>
+            <a:off x="115200" y="6381328"/>
+            <a:ext cx="1216440" cy="331637"/>
+            <a:chOff x="115200" y="6381328"/>
+            <a:chExt cx="1216440" cy="331637"/>
+          </a:xfrm>
+        </p:grpSpPr>
+        <p:pic>
+          <p:nvPicPr>
+            <p:cNvPr id="2" name="Imagem 1"/>
+            <p:cNvPicPr>
+              <a:picLocks noChangeAspect="1"/>
+            </p:cNvPicPr>
+            <p:nvPr/>
+          </p:nvPicPr>
+          <p:blipFill>
+            <a:blip r:embed="rId8">
+              <a:extLst>
+                <a:ext uri="{28A0092B-C50C-407E-A947-70E740481C1C}">
+                  <a14:useLocalDpi xmlns:a14="http://schemas.microsoft.com/office/drawing/2010/main" val="0"/>
+                </a:ext>
+              </a:extLst>
+            </a:blip>
+            <a:stretch>
+              <a:fillRect/>
+            </a:stretch>
+          </p:blipFill>
+          <p:spPr>
+            <a:xfrm>
+              <a:off x="115200" y="6381328"/>
+              <a:ext cx="342000" cy="331637"/>
+            </a:xfrm>
+            <a:prstGeom prst="rect">
+              <a:avLst/>
+            </a:prstGeom>
+          </p:spPr>
+        </p:pic>
+        <p:pic>
+          <p:nvPicPr>
+            <p:cNvPr id="16" name="Imagem 15"/>
+            <p:cNvPicPr>
+              <a:picLocks noChangeAspect="1"/>
+            </p:cNvPicPr>
+            <p:nvPr/>
+          </p:nvPicPr>
+          <p:blipFill>
+            <a:blip r:embed="rId8">
+              <a:extLst>
+                <a:ext uri="{28A0092B-C50C-407E-A947-70E740481C1C}">
+                  <a14:useLocalDpi xmlns:a14="http://schemas.microsoft.com/office/drawing/2010/main" val="0"/>
+                </a:ext>
+              </a:extLst>
+            </a:blip>
+            <a:stretch>
+              <a:fillRect/>
+            </a:stretch>
+          </p:blipFill>
+          <p:spPr>
+            <a:xfrm>
+              <a:off x="552420" y="6381328"/>
+              <a:ext cx="342000" cy="331637"/>
+            </a:xfrm>
+            <a:prstGeom prst="rect">
+              <a:avLst/>
+            </a:prstGeom>
+          </p:spPr>
+        </p:pic>
+        <p:pic>
+          <p:nvPicPr>
+            <p:cNvPr id="17" name="Imagem 16"/>
+            <p:cNvPicPr>
+              <a:picLocks noChangeAspect="1"/>
+            </p:cNvPicPr>
+            <p:nvPr/>
+          </p:nvPicPr>
+          <p:blipFill>
+            <a:blip r:embed="rId8">
+              <a:extLst>
+                <a:ext uri="{28A0092B-C50C-407E-A947-70E740481C1C}">
+                  <a14:useLocalDpi xmlns:a14="http://schemas.microsoft.com/office/drawing/2010/main" val="0"/>
+                </a:ext>
+              </a:extLst>
+            </a:blip>
+            <a:stretch>
+              <a:fillRect/>
+            </a:stretch>
+          </p:blipFill>
+          <p:spPr>
+            <a:xfrm>
+              <a:off x="989640" y="6381328"/>
+              <a:ext cx="342000" cy="331637"/>
+            </a:xfrm>
+            <a:prstGeom prst="rect">
+              <a:avLst/>
+            </a:prstGeom>
+          </p:spPr>
+        </p:pic>
+      </p:grpSp>
+      <p:sp>
+        <p:nvSpPr>
+          <p:cNvPr id="29" name="CaixaDeTexto 28"/>
+          <p:cNvSpPr txBox="1"/>
+          <p:nvPr/>
+        </p:nvSpPr>
+        <p:spPr>
+          <a:xfrm>
+            <a:off x="7372338" y="6247064"/>
+            <a:ext cx="1760876" cy="600164"/>
+          </a:xfrm>
+          <a:prstGeom prst="rect">
+            <a:avLst/>
+          </a:prstGeom>
+          <a:noFill/>
+        </p:spPr>
+        <p:txBody>
+          <a:bodyPr wrap="square" rtlCol="0">
+            <a:spAutoFit/>
+          </a:bodyPr>
+          <a:lstStyle/>
+          <a:p>
+            <a:pPr algn="ctr">
+              <a:lnSpc>
+                <a:spcPct val="110000"/>
+              </a:lnSpc>
+            </a:pPr>
+            <a:r>
+              <a:rPr lang="pt-BR" sz="3000" dirty="0" smtClean="0">
+                <a:solidFill>
+                  <a:schemeClr val="bg1">
+                    <a:lumMod val="50000"/>
+                    <a:lumOff val="50000"/>
+                  </a:schemeClr>
+                </a:solidFill>
+                <a:latin typeface="SAF" pitchFamily="50" charset="0"/>
+              </a:rPr>
+              <a:t>Go</a:t>
+            </a:r>
+            <a:r>
+              <a:rPr lang="pt-BR" sz="3000" dirty="0" smtClean="0">
+                <a:solidFill>
+                  <a:schemeClr val="bg1">
+                    <a:lumMod val="50000"/>
+                    <a:lumOff val="50000"/>
+                  </a:schemeClr>
+                </a:solidFill>
+                <a:latin typeface="Adobe Gothic Std B" pitchFamily="34" charset="-128"/>
+                <a:ea typeface="Adobe Gothic Std B" pitchFamily="34" charset="-128"/>
+              </a:rPr>
+              <a:t>-</a:t>
+            </a:r>
+            <a:r>
+              <a:rPr lang="pt-BR" sz="3000" dirty="0" err="1" smtClean="0">
+                <a:solidFill>
+                  <a:schemeClr val="bg1">
+                    <a:lumMod val="50000"/>
+                    <a:lumOff val="50000"/>
+                  </a:schemeClr>
+                </a:solidFill>
+                <a:latin typeface="SAF" pitchFamily="50" charset="0"/>
+              </a:rPr>
+              <a:t>Ohh</a:t>
+            </a:r>
+            <a:r>
+              <a:rPr lang="pt-BR" sz="3000" dirty="0" smtClean="0">
+                <a:solidFill>
+                  <a:schemeClr val="bg1">
+                    <a:lumMod val="50000"/>
+                    <a:lumOff val="50000"/>
+                  </a:schemeClr>
+                </a:solidFill>
+                <a:latin typeface="SAF" pitchFamily="50" charset="0"/>
+              </a:rPr>
+              <a:t>!</a:t>
+            </a:r>
+            <a:endParaRPr lang="pt-BR" sz="3000" dirty="0">
+              <a:solidFill>
+                <a:schemeClr val="bg1">
+                  <a:lumMod val="50000"/>
+                  <a:lumOff val="50000"/>
+                </a:schemeClr>
+              </a:solidFill>
+              <a:latin typeface="SAF" pitchFamily="50" charset="0"/>
+            </a:endParaRPr>
+          </a:p>
+        </p:txBody>
+      </p:sp>
+      <p:sp>
+        <p:nvSpPr>
+          <p:cNvPr id="19" name="Elipse 18"/>
+          <p:cNvSpPr/>
+          <p:nvPr/>
+        </p:nvSpPr>
+        <p:spPr>
+          <a:xfrm>
+            <a:off x="336420" y="1412776"/>
+            <a:ext cx="216000" cy="216000"/>
+          </a:xfrm>
+          <a:prstGeom prst="ellipse">
+            <a:avLst/>
+          </a:prstGeom>
+          <a:solidFill>
+            <a:srgbClr val="FFFF00"/>
+          </a:solidFill>
+          <a:ln>
+            <a:noFill/>
+          </a:ln>
+        </p:spPr>
+        <p:style>
+          <a:lnRef idx="2">
+            <a:schemeClr val="accent1">
+              <a:shade val="50000"/>
+            </a:schemeClr>
+          </a:lnRef>
+          <a:fillRef idx="1">
+            <a:schemeClr val="accent1"/>
+          </a:fillRef>
+          <a:effectRef idx="0">
+            <a:schemeClr val="accent1"/>
+          </a:effectRef>
+          <a:fontRef idx="minor">
+            <a:schemeClr val="lt1"/>
+          </a:fontRef>
+        </p:style>
+        <p:txBody>
+          <a:bodyPr rtlCol="0" anchor="ctr"/>
+          <a:lstStyle/>
+          <a:p>
+            <a:pPr algn="ctr"/>
+            <a:endParaRPr lang="pt-BR">
+              <a:solidFill>
+                <a:srgbClr val="FFFF66"/>
+              </a:solidFill>
+            </a:endParaRPr>
+          </a:p>
+        </p:txBody>
+      </p:sp>
+      <p:grpSp>
+        <p:nvGrpSpPr>
+          <p:cNvPr id="12" name="Grupo 11"/>
+          <p:cNvGrpSpPr/>
+          <p:nvPr/>
+        </p:nvGrpSpPr>
+        <p:grpSpPr>
+          <a:xfrm>
+            <a:off x="2471678" y="2276872"/>
+            <a:ext cx="4200644" cy="3785652"/>
+            <a:chOff x="1907704" y="2276872"/>
+            <a:chExt cx="4200644" cy="3785652"/>
+          </a:xfrm>
+        </p:grpSpPr>
+        <p:sp>
+          <p:nvSpPr>
+            <p:cNvPr id="15" name="CaixaDeTexto 14"/>
+            <p:cNvSpPr txBox="1"/>
+            <p:nvPr/>
+          </p:nvSpPr>
+          <p:spPr>
+            <a:xfrm>
+              <a:off x="3035653" y="2276872"/>
+              <a:ext cx="3072695" cy="3785652"/>
+            </a:xfrm>
+            <a:prstGeom prst="rect">
+              <a:avLst/>
+            </a:prstGeom>
+            <a:noFill/>
+          </p:spPr>
+          <p:txBody>
+            <a:bodyPr wrap="square" rtlCol="0">
+              <a:spAutoFit/>
+            </a:bodyPr>
+            <a:lstStyle/>
+            <a:p>
+              <a:pPr>
+                <a:lnSpc>
+                  <a:spcPct val="120000"/>
+                </a:lnSpc>
+              </a:pPr>
+              <a:r>
+                <a:rPr lang="pt-BR" sz="5000" dirty="0" smtClean="0">
+                  <a:latin typeface="Andy" panose="03080602030302030203" pitchFamily="66" charset="0"/>
+                </a:rPr>
+                <a:t>Move </a:t>
+              </a:r>
+              <a:r>
+                <a:rPr lang="pt-BR" sz="5000" dirty="0" err="1" smtClean="0">
+                  <a:latin typeface="Andy" panose="03080602030302030203" pitchFamily="66" charset="0"/>
+                </a:rPr>
+                <a:t>right</a:t>
+              </a:r>
+              <a:endParaRPr lang="pt-BR" sz="5000" dirty="0" smtClean="0">
+                <a:latin typeface="Andy" panose="03080602030302030203" pitchFamily="66" charset="0"/>
+              </a:endParaRPr>
+            </a:p>
+            <a:p>
+              <a:pPr>
+                <a:lnSpc>
+                  <a:spcPct val="120000"/>
+                </a:lnSpc>
+              </a:pPr>
+              <a:r>
+                <a:rPr lang="pt-BR" sz="5000" dirty="0" smtClean="0">
+                  <a:latin typeface="Andy" panose="03080602030302030203" pitchFamily="66" charset="0"/>
+                </a:rPr>
+                <a:t>Move </a:t>
+              </a:r>
+              <a:r>
+                <a:rPr lang="pt-BR" sz="5000" dirty="0" err="1" smtClean="0">
+                  <a:latin typeface="Andy" panose="03080602030302030203" pitchFamily="66" charset="0"/>
+                </a:rPr>
+                <a:t>left</a:t>
+              </a:r>
+              <a:endParaRPr lang="pt-BR" sz="5000" dirty="0" smtClean="0">
+                <a:latin typeface="Andy" panose="03080602030302030203" pitchFamily="66" charset="0"/>
+              </a:endParaRPr>
+            </a:p>
+            <a:p>
+              <a:pPr>
+                <a:lnSpc>
+                  <a:spcPct val="120000"/>
+                </a:lnSpc>
+              </a:pPr>
+              <a:r>
+                <a:rPr lang="pt-BR" sz="5000" dirty="0" smtClean="0">
+                  <a:latin typeface="Andy" panose="03080602030302030203" pitchFamily="66" charset="0"/>
+                </a:rPr>
+                <a:t>Move </a:t>
+              </a:r>
+              <a:r>
+                <a:rPr lang="pt-BR" sz="5000" dirty="0" err="1" smtClean="0">
+                  <a:latin typeface="Andy" panose="03080602030302030203" pitchFamily="66" charset="0"/>
+                </a:rPr>
+                <a:t>up</a:t>
+              </a:r>
+              <a:endParaRPr lang="pt-BR" sz="5000" dirty="0" smtClean="0">
+                <a:latin typeface="Andy" panose="03080602030302030203" pitchFamily="66" charset="0"/>
+              </a:endParaRPr>
+            </a:p>
+            <a:p>
+              <a:pPr>
+                <a:lnSpc>
+                  <a:spcPct val="120000"/>
+                </a:lnSpc>
+              </a:pPr>
+              <a:r>
+                <a:rPr lang="pt-BR" sz="5000" dirty="0" smtClean="0">
+                  <a:latin typeface="Andy" panose="03080602030302030203" pitchFamily="66" charset="0"/>
+                </a:rPr>
+                <a:t>Move </a:t>
+              </a:r>
+              <a:r>
+                <a:rPr lang="pt-BR" sz="5000" dirty="0" err="1" smtClean="0">
+                  <a:latin typeface="Andy" panose="03080602030302030203" pitchFamily="66" charset="0"/>
+                </a:rPr>
+                <a:t>down</a:t>
+              </a:r>
+              <a:endParaRPr lang="pt-BR" sz="5000" dirty="0">
+                <a:latin typeface="Andy" panose="03080602030302030203" pitchFamily="66" charset="0"/>
+              </a:endParaRPr>
+            </a:p>
+          </p:txBody>
+        </p:sp>
+        <p:grpSp>
+          <p:nvGrpSpPr>
+            <p:cNvPr id="11" name="Grupo 10"/>
+            <p:cNvGrpSpPr/>
+            <p:nvPr/>
+          </p:nvGrpSpPr>
+          <p:grpSpPr>
+            <a:xfrm>
+              <a:off x="1907704" y="2592200"/>
+              <a:ext cx="642298" cy="3236818"/>
+              <a:chOff x="1907704" y="2592200"/>
+              <a:chExt cx="642298" cy="3236818"/>
+            </a:xfrm>
+          </p:grpSpPr>
+          <p:pic>
+            <p:nvPicPr>
+              <p:cNvPr id="1026" name="Picture 2"/>
+              <p:cNvPicPr>
+                <a:picLocks noChangeAspect="1" noChangeArrowheads="1"/>
+              </p:cNvPicPr>
+              <p:nvPr/>
+            </p:nvPicPr>
+            <p:blipFill>
+              <a:blip r:embed="rId9">
+                <a:extLst>
+                  <a:ext uri="{BEBA8EAE-BF5A-486C-A8C5-ECC9F3942E4B}">
+                    <a14:imgProps xmlns:a14="http://schemas.microsoft.com/office/drawing/2010/main">
+                      <a14:imgLayer r:embed="rId10">
+                        <a14:imgEffect>
+                          <a14:backgroundRemoval t="0" b="98276" l="0" r="96970"/>
+                        </a14:imgEffect>
+                      </a14:imgLayer>
+                    </a14:imgProps>
+                  </a:ext>
+                  <a:ext uri="{28A0092B-C50C-407E-A947-70E740481C1C}">
+                    <a14:useLocalDpi xmlns:a14="http://schemas.microsoft.com/office/drawing/2010/main" val="0"/>
+                  </a:ext>
+                </a:extLst>
+              </a:blip>
+              <a:srcRect/>
+              <a:stretch>
+                <a:fillRect/>
+              </a:stretch>
+            </p:blipFill>
+            <p:spPr bwMode="auto">
+              <a:xfrm>
+                <a:off x="1921352" y="3479741"/>
+                <a:ext cx="628650" cy="552450"/>
+              </a:xfrm>
+              <a:prstGeom prst="rect">
+                <a:avLst/>
+              </a:prstGeom>
+              <a:noFill/>
+              <a:ln>
+                <a:noFill/>
+              </a:ln>
+              <a:extLst>
+                <a:ext uri="{909E8E84-426E-40DD-AFC4-6F175D3DCCD1}">
+                  <a14:hiddenFill xmlns:a14="http://schemas.microsoft.com/office/drawing/2010/main">
+                    <a:solidFill>
+                      <a:schemeClr val="accent1"/>
+                    </a:solidFill>
+                  </a14:hiddenFill>
+                </a:ext>
+                <a:ext uri="{91240B29-F687-4F45-9708-019B960494DF}">
+                  <a14:hiddenLine xmlns:a14="http://schemas.microsoft.com/office/drawing/2010/main" w="9525">
+                    <a:solidFill>
+                      <a:schemeClr val="tx1"/>
+                    </a:solidFill>
+                    <a:miter lim="800000"/>
+                    <a:headEnd/>
+                    <a:tailEnd/>
+                  </a14:hiddenLine>
+                </a:ext>
+              </a:extLst>
+            </p:spPr>
+          </p:pic>
+          <p:pic>
+            <p:nvPicPr>
+              <p:cNvPr id="1027" name="Picture 3"/>
+              <p:cNvPicPr>
+                <a:picLocks noChangeAspect="1" noChangeArrowheads="1"/>
+              </p:cNvPicPr>
+              <p:nvPr/>
+            </p:nvPicPr>
+            <p:blipFill rotWithShape="1">
+              <a:blip r:embed="rId11">
+                <a:extLst>
+                  <a:ext uri="{BEBA8EAE-BF5A-486C-A8C5-ECC9F3942E4B}">
+                    <a14:imgProps xmlns:a14="http://schemas.microsoft.com/office/drawing/2010/main">
+                      <a14:imgLayer r:embed="rId12">
+                        <a14:imgEffect>
+                          <a14:backgroundRemoval t="9231" b="95385" l="8065" r="100000"/>
+                        </a14:imgEffect>
+                      </a14:imgLayer>
+                    </a14:imgProps>
+                  </a:ext>
+                  <a:ext uri="{28A0092B-C50C-407E-A947-70E740481C1C}">
+                    <a14:useLocalDpi xmlns:a14="http://schemas.microsoft.com/office/drawing/2010/main" val="0"/>
+                  </a:ext>
+                </a:extLst>
+              </a:blip>
+              <a:srcRect t="11620"/>
+              <a:stretch/>
+            </p:blipFill>
+            <p:spPr bwMode="auto">
+              <a:xfrm>
+                <a:off x="1907704" y="2592200"/>
+                <a:ext cx="590550" cy="547178"/>
+              </a:xfrm>
+              <a:prstGeom prst="rect">
+                <a:avLst/>
+              </a:prstGeom>
+              <a:noFill/>
+              <a:ln>
+                <a:noFill/>
+              </a:ln>
+              <a:extLst>
+                <a:ext uri="{909E8E84-426E-40DD-AFC4-6F175D3DCCD1}">
+                  <a14:hiddenFill xmlns:a14="http://schemas.microsoft.com/office/drawing/2010/main">
+                    <a:solidFill>
+                      <a:schemeClr val="accent1"/>
+                    </a:solidFill>
+                  </a14:hiddenFill>
+                </a:ext>
+                <a:ext uri="{91240B29-F687-4F45-9708-019B960494DF}">
+                  <a14:hiddenLine xmlns:a14="http://schemas.microsoft.com/office/drawing/2010/main" w="9525">
+                    <a:solidFill>
+                      <a:schemeClr val="tx1"/>
+                    </a:solidFill>
+                    <a:miter lim="800000"/>
+                    <a:headEnd/>
+                    <a:tailEnd/>
+                  </a14:hiddenLine>
+                </a:ext>
+              </a:extLst>
+            </p:spPr>
+          </p:pic>
+          <p:pic>
+            <p:nvPicPr>
+              <p:cNvPr id="1028" name="Picture 4"/>
+              <p:cNvPicPr>
+                <a:picLocks noChangeAspect="1" noChangeArrowheads="1"/>
+              </p:cNvPicPr>
+              <p:nvPr/>
+            </p:nvPicPr>
+            <p:blipFill>
+              <a:blip r:embed="rId13">
+                <a:extLst>
+                  <a:ext uri="{BEBA8EAE-BF5A-486C-A8C5-ECC9F3942E4B}">
+                    <a14:imgProps xmlns:a14="http://schemas.microsoft.com/office/drawing/2010/main">
+                      <a14:imgLayer r:embed="rId14">
+                        <a14:imgEffect>
+                          <a14:backgroundRemoval t="0" b="89831" l="0" r="100000"/>
+                        </a14:imgEffect>
+                      </a14:imgLayer>
+                    </a14:imgProps>
+                  </a:ext>
+                  <a:ext uri="{28A0092B-C50C-407E-A947-70E740481C1C}">
+                    <a14:useLocalDpi xmlns:a14="http://schemas.microsoft.com/office/drawing/2010/main" val="0"/>
+                  </a:ext>
+                </a:extLst>
+              </a:blip>
+              <a:srcRect/>
+              <a:stretch>
+                <a:fillRect/>
+              </a:stretch>
+            </p:blipFill>
+            <p:spPr bwMode="auto">
+              <a:xfrm>
+                <a:off x="1926114" y="4391251"/>
+                <a:ext cx="581025" cy="561975"/>
+              </a:xfrm>
+              <a:prstGeom prst="rect">
+                <a:avLst/>
+              </a:prstGeom>
+              <a:noFill/>
+              <a:ln>
+                <a:noFill/>
+              </a:ln>
+              <a:extLst>
+                <a:ext uri="{909E8E84-426E-40DD-AFC4-6F175D3DCCD1}">
+                  <a14:hiddenFill xmlns:a14="http://schemas.microsoft.com/office/drawing/2010/main">
+                    <a:solidFill>
+                      <a:schemeClr val="accent1"/>
+                    </a:solidFill>
+                  </a14:hiddenFill>
+                </a:ext>
+                <a:ext uri="{91240B29-F687-4F45-9708-019B960494DF}">
+                  <a14:hiddenLine xmlns:a14="http://schemas.microsoft.com/office/drawing/2010/main" w="9525">
+                    <a:solidFill>
+                      <a:schemeClr val="tx1"/>
+                    </a:solidFill>
+                    <a:miter lim="800000"/>
+                    <a:headEnd/>
+                    <a:tailEnd/>
+                  </a14:hiddenLine>
+                </a:ext>
+              </a:extLst>
+            </p:spPr>
+          </p:pic>
+          <p:pic>
+            <p:nvPicPr>
+              <p:cNvPr id="1029" name="Picture 5"/>
+              <p:cNvPicPr>
+                <a:picLocks noChangeAspect="1" noChangeArrowheads="1"/>
+              </p:cNvPicPr>
+              <p:nvPr/>
+            </p:nvPicPr>
+            <p:blipFill>
+              <a:blip r:embed="rId15">
+                <a:extLst>
+                  <a:ext uri="{BEBA8EAE-BF5A-486C-A8C5-ECC9F3942E4B}">
+                    <a14:imgProps xmlns:a14="http://schemas.microsoft.com/office/drawing/2010/main">
+                      <a14:imgLayer r:embed="rId16">
+                        <a14:imgEffect>
+                          <a14:backgroundRemoval t="0" b="100000" l="1852" r="100000"/>
+                        </a14:imgEffect>
+                      </a14:imgLayer>
+                    </a14:imgProps>
+                  </a:ext>
+                  <a:ext uri="{28A0092B-C50C-407E-A947-70E740481C1C}">
+                    <a14:useLocalDpi xmlns:a14="http://schemas.microsoft.com/office/drawing/2010/main" val="0"/>
+                  </a:ext>
+                </a:extLst>
+              </a:blip>
+              <a:srcRect/>
+              <a:stretch>
+                <a:fillRect/>
+              </a:stretch>
+            </p:blipFill>
+            <p:spPr bwMode="auto">
+              <a:xfrm>
+                <a:off x="1935704" y="5295618"/>
+                <a:ext cx="514350" cy="533400"/>
+              </a:xfrm>
+              <a:prstGeom prst="rect">
+                <a:avLst/>
+              </a:prstGeom>
+              <a:noFill/>
+              <a:ln>
+                <a:noFill/>
+              </a:ln>
+              <a:extLst>
+                <a:ext uri="{909E8E84-426E-40DD-AFC4-6F175D3DCCD1}">
+                  <a14:hiddenFill xmlns:a14="http://schemas.microsoft.com/office/drawing/2010/main">
+                    <a:solidFill>
+                      <a:schemeClr val="accent1"/>
+                    </a:solidFill>
+                  </a14:hiddenFill>
+                </a:ext>
+                <a:ext uri="{91240B29-F687-4F45-9708-019B960494DF}">
+                  <a14:hiddenLine xmlns:a14="http://schemas.microsoft.com/office/drawing/2010/main" w="9525">
+                    <a:solidFill>
+                      <a:schemeClr val="tx1"/>
+                    </a:solidFill>
+                    <a:miter lim="800000"/>
+                    <a:headEnd/>
+                    <a:tailEnd/>
+                  </a14:hiddenLine>
+                </a:ext>
+              </a:extLst>
+            </p:spPr>
+          </p:pic>
+        </p:grpSp>
+      </p:grpSp>
+    </p:spTree>
+    <p:extLst>
+      <p:ext uri="{BB962C8B-B14F-4D97-AF65-F5344CB8AC3E}">
+        <p14:creationId xmlns:p14="http://schemas.microsoft.com/office/powerpoint/2010/main" val="2404637620"/>
+      </p:ext>
+    </p:extLst>
+  </p:cSld>
+  <p:clrMapOvr>
+    <a:masterClrMapping/>
+  </p:clrMapOvr>
+  <mc:AlternateContent xmlns:mc="http://schemas.openxmlformats.org/markup-compatibility/2006" xmlns:p14="http://schemas.microsoft.com/office/powerpoint/2010/main">
+    <mc:Choice Requires="p14">
+      <p:transition spd="med" p14:dur="700">
+        <p:fade/>
+      </p:transition>
+    </mc:Choice>
+    <mc:Fallback xmlns="">
+      <p:transition spd="med">
+        <p:fade/>
+      </p:transition>
+    </mc:Fallback>
+  </mc:AlternateContent>
+  <p:timing>
+    <p:tnLst>
+      <p:par>
+        <p:cTn id="1" dur="indefinite" restart="never" nodeType="tmRoot"/>
+      </p:par>
+    </p:tnLst>
+  </p:timing>
+</p:sld>
+</file>
+
+<file path=ppt/slides/slide8.xml><?xml version="1.0" encoding="utf-8"?>
+<p:sld xmlns:a="http://schemas.openxmlformats.org/drawingml/2006/main" xmlns:r="http://schemas.openxmlformats.org/officeDocument/2006/relationships" xmlns:p="http://schemas.openxmlformats.org/presentationml/2006/main">
+  <p:cSld>
+    <p:spTree>
+      <p:nvGrpSpPr>
+        <p:cNvPr id="1" name=""/>
+        <p:cNvGrpSpPr/>
+        <p:nvPr/>
+      </p:nvGrpSpPr>
+      <p:grpSpPr>
+        <a:xfrm>
+          <a:off x="0" y="0"/>
+          <a:ext cx="0" cy="0"/>
+          <a:chOff x="0" y="0"/>
+          <a:chExt cx="0" cy="0"/>
+        </a:xfrm>
+      </p:grpSpPr>
+      <p:pic>
+        <p:nvPicPr>
+          <p:cNvPr id="5" name="Imagem 4"/>
+          <p:cNvPicPr>
+            <a:picLocks noChangeAspect="1"/>
+          </p:cNvPicPr>
+          <p:nvPr/>
+        </p:nvPicPr>
+        <p:blipFill>
+          <a:blip r:embed="rId2">
+            <a:extLst>
+              <a:ext uri="{BEBA8EAE-BF5A-486C-A8C5-ECC9F3942E4B}">
+                <a14:imgProps xmlns:a14="http://schemas.microsoft.com/office/drawing/2010/main">
+                  <a14:imgLayer r:embed="rId3">
+                    <a14:imgEffect>
+                      <a14:brightnessContrast bright="-50000" contrast="30000"/>
+                    </a14:imgEffect>
+                  </a14:imgLayer>
+                </a14:imgProps>
+              </a:ext>
+              <a:ext uri="{28A0092B-C50C-407E-A947-70E740481C1C}">
+                <a14:useLocalDpi xmlns:a14="http://schemas.microsoft.com/office/drawing/2010/main" val="0"/>
+              </a:ext>
+            </a:extLst>
+          </a:blip>
+          <a:stretch>
+            <a:fillRect/>
+          </a:stretch>
+        </p:blipFill>
+        <p:spPr>
+          <a:xfrm>
+            <a:off x="0" y="0"/>
             <a:ext cx="9144000" cy="6858000"/>
           </a:xfrm>
           <a:prstGeom prst="rect">
@@ -17941,7 +21085,7 @@
 </p:sld>
 </file>
 
-<file path=ppt/slides/slide8.xml><?xml version="1.0" encoding="utf-8"?>
+<file path=ppt/slides/slide9.xml><?xml version="1.0" encoding="utf-8"?>
 <p:sld xmlns:a="http://schemas.openxmlformats.org/drawingml/2006/main" xmlns:r="http://schemas.openxmlformats.org/officeDocument/2006/relationships" xmlns:p="http://schemas.openxmlformats.org/presentationml/2006/main">
   <p:cSld>
     <p:spTree>
@@ -18816,1061 +21960,6 @@
     <p:extLst>
       <p:ext uri="{BB962C8B-B14F-4D97-AF65-F5344CB8AC3E}">
         <p14:creationId xmlns:p14="http://schemas.microsoft.com/office/powerpoint/2010/main" val="1876973143"/>
-      </p:ext>
-    </p:extLst>
-  </p:cSld>
-  <p:clrMapOvr>
-    <a:masterClrMapping/>
-  </p:clrMapOvr>
-  <mc:AlternateContent xmlns:mc="http://schemas.openxmlformats.org/markup-compatibility/2006" xmlns:p14="http://schemas.microsoft.com/office/powerpoint/2010/main">
-    <mc:Choice Requires="p14">
-      <p:transition spd="med" p14:dur="700">
-        <p:fade/>
-      </p:transition>
-    </mc:Choice>
-    <mc:Fallback xmlns="">
-      <p:transition spd="med">
-        <p:fade/>
-      </p:transition>
-    </mc:Fallback>
-  </mc:AlternateContent>
-  <p:timing>
-    <p:tnLst>
-      <p:par>
-        <p:cTn id="1" dur="indefinite" restart="never" nodeType="tmRoot"/>
-      </p:par>
-    </p:tnLst>
-  </p:timing>
-</p:sld>
-</file>
-
-<file path=ppt/slides/slide9.xml><?xml version="1.0" encoding="utf-8"?>
-<p:sld xmlns:a="http://schemas.openxmlformats.org/drawingml/2006/main" xmlns:r="http://schemas.openxmlformats.org/officeDocument/2006/relationships" xmlns:p="http://schemas.openxmlformats.org/presentationml/2006/main">
-  <p:cSld>
-    <p:spTree>
-      <p:nvGrpSpPr>
-        <p:cNvPr id="1" name=""/>
-        <p:cNvGrpSpPr/>
-        <p:nvPr/>
-      </p:nvGrpSpPr>
-      <p:grpSpPr>
-        <a:xfrm>
-          <a:off x="0" y="0"/>
-          <a:ext cx="0" cy="0"/>
-          <a:chOff x="0" y="0"/>
-          <a:chExt cx="0" cy="0"/>
-        </a:xfrm>
-      </p:grpSpPr>
-      <p:pic>
-        <p:nvPicPr>
-          <p:cNvPr id="5" name="Imagem 4"/>
-          <p:cNvPicPr>
-            <a:picLocks noChangeAspect="1"/>
-          </p:cNvPicPr>
-          <p:nvPr/>
-        </p:nvPicPr>
-        <p:blipFill>
-          <a:blip r:embed="rId2">
-            <a:extLst>
-              <a:ext uri="{BEBA8EAE-BF5A-486C-A8C5-ECC9F3942E4B}">
-                <a14:imgProps xmlns:a14="http://schemas.microsoft.com/office/drawing/2010/main">
-                  <a14:imgLayer r:embed="rId3">
-                    <a14:imgEffect>
-                      <a14:brightnessContrast bright="-50000" contrast="30000"/>
-                    </a14:imgEffect>
-                  </a14:imgLayer>
-                </a14:imgProps>
-              </a:ext>
-              <a:ext uri="{28A0092B-C50C-407E-A947-70E740481C1C}">
-                <a14:useLocalDpi xmlns:a14="http://schemas.microsoft.com/office/drawing/2010/main" val="0"/>
-              </a:ext>
-            </a:extLst>
-          </a:blip>
-          <a:stretch>
-            <a:fillRect/>
-          </a:stretch>
-        </p:blipFill>
-        <p:spPr>
-          <a:xfrm>
-            <a:off x="0" y="0"/>
-            <a:ext cx="9144000" cy="6845942"/>
-          </a:xfrm>
-          <a:prstGeom prst="rect">
-            <a:avLst/>
-          </a:prstGeom>
-        </p:spPr>
-      </p:pic>
-      <p:grpSp>
-        <p:nvGrpSpPr>
-          <p:cNvPr id="43" name="Grupo 42"/>
-          <p:cNvGrpSpPr/>
-          <p:nvPr/>
-        </p:nvGrpSpPr>
-        <p:grpSpPr>
-          <a:xfrm>
-            <a:off x="3662475" y="4094252"/>
-            <a:ext cx="1819580" cy="342860"/>
-            <a:chOff x="3662475" y="3789036"/>
-            <a:chExt cx="1819580" cy="342860"/>
-          </a:xfrm>
-        </p:grpSpPr>
-        <p:pic>
-          <p:nvPicPr>
-            <p:cNvPr id="44" name="Imagem 43"/>
-            <p:cNvPicPr>
-              <a:picLocks noChangeAspect="1"/>
-            </p:cNvPicPr>
-            <p:nvPr/>
-          </p:nvPicPr>
-          <p:blipFill>
-            <a:blip r:embed="rId4">
-              <a:extLst>
-                <a:ext uri="{28A0092B-C50C-407E-A947-70E740481C1C}">
-                  <a14:useLocalDpi xmlns:a14="http://schemas.microsoft.com/office/drawing/2010/main" val="0"/>
-                </a:ext>
-              </a:extLst>
-            </a:blip>
-            <a:stretch>
-              <a:fillRect/>
-            </a:stretch>
-          </p:blipFill>
-          <p:spPr>
-            <a:xfrm>
-              <a:off x="5139198" y="3789036"/>
-              <a:ext cx="342857" cy="342857"/>
-            </a:xfrm>
-            <a:prstGeom prst="rect">
-              <a:avLst/>
-            </a:prstGeom>
-          </p:spPr>
-        </p:pic>
-        <p:pic>
-          <p:nvPicPr>
-            <p:cNvPr id="45" name="Imagem 44"/>
-            <p:cNvPicPr>
-              <a:picLocks noChangeAspect="1"/>
-            </p:cNvPicPr>
-            <p:nvPr/>
-          </p:nvPicPr>
-          <p:blipFill>
-            <a:blip r:embed="rId5">
-              <a:extLst>
-                <a:ext uri="{28A0092B-C50C-407E-A947-70E740481C1C}">
-                  <a14:useLocalDpi xmlns:a14="http://schemas.microsoft.com/office/drawing/2010/main" val="0"/>
-                </a:ext>
-              </a:extLst>
-            </a:blip>
-            <a:stretch>
-              <a:fillRect/>
-            </a:stretch>
-          </p:blipFill>
-          <p:spPr>
-            <a:xfrm>
-              <a:off x="4646780" y="3789037"/>
-              <a:ext cx="342857" cy="342857"/>
-            </a:xfrm>
-            <a:prstGeom prst="rect">
-              <a:avLst/>
-            </a:prstGeom>
-          </p:spPr>
-        </p:pic>
-        <p:pic>
-          <p:nvPicPr>
-            <p:cNvPr id="46" name="Imagem 45"/>
-            <p:cNvPicPr>
-              <a:picLocks noChangeAspect="1"/>
-            </p:cNvPicPr>
-            <p:nvPr/>
-          </p:nvPicPr>
-          <p:blipFill>
-            <a:blip r:embed="rId6">
-              <a:extLst>
-                <a:ext uri="{28A0092B-C50C-407E-A947-70E740481C1C}">
-                  <a14:useLocalDpi xmlns:a14="http://schemas.microsoft.com/office/drawing/2010/main" val="0"/>
-                </a:ext>
-              </a:extLst>
-            </a:blip>
-            <a:stretch>
-              <a:fillRect/>
-            </a:stretch>
-          </p:blipFill>
-          <p:spPr>
-            <a:xfrm>
-              <a:off x="4154362" y="3789038"/>
-              <a:ext cx="342857" cy="342857"/>
-            </a:xfrm>
-            <a:prstGeom prst="rect">
-              <a:avLst/>
-            </a:prstGeom>
-          </p:spPr>
-        </p:pic>
-        <p:pic>
-          <p:nvPicPr>
-            <p:cNvPr id="47" name="Imagem 46"/>
-            <p:cNvPicPr>
-              <a:picLocks noChangeAspect="1"/>
-            </p:cNvPicPr>
-            <p:nvPr/>
-          </p:nvPicPr>
-          <p:blipFill>
-            <a:blip r:embed="rId7">
-              <a:extLst>
-                <a:ext uri="{28A0092B-C50C-407E-A947-70E740481C1C}">
-                  <a14:useLocalDpi xmlns:a14="http://schemas.microsoft.com/office/drawing/2010/main" val="0"/>
-                </a:ext>
-              </a:extLst>
-            </a:blip>
-            <a:stretch>
-              <a:fillRect/>
-            </a:stretch>
-          </p:blipFill>
-          <p:spPr>
-            <a:xfrm>
-              <a:off x="3662475" y="3789039"/>
-              <a:ext cx="342857" cy="342857"/>
-            </a:xfrm>
-            <a:prstGeom prst="rect">
-              <a:avLst/>
-            </a:prstGeom>
-          </p:spPr>
-        </p:pic>
-      </p:grpSp>
-      <p:sp>
-        <p:nvSpPr>
-          <p:cNvPr id="18" name="CaixaDeTexto 17"/>
-          <p:cNvSpPr txBox="1"/>
-          <p:nvPr/>
-        </p:nvSpPr>
-        <p:spPr>
-          <a:xfrm rot="19008857">
-            <a:off x="3121" y="720379"/>
-            <a:ext cx="1983662" cy="553998"/>
-          </a:xfrm>
-          <a:prstGeom prst="rect">
-            <a:avLst/>
-          </a:prstGeom>
-          <a:noFill/>
-        </p:spPr>
-        <p:txBody>
-          <a:bodyPr wrap="square" rtlCol="0">
-            <a:spAutoFit/>
-          </a:bodyPr>
-          <a:lstStyle/>
-          <a:p>
-            <a:r>
-              <a:rPr lang="pt-BR" sz="3000" dirty="0" smtClean="0">
-                <a:solidFill>
-                  <a:srgbClr val="FFFF00"/>
-                </a:solidFill>
-                <a:latin typeface="SAF" pitchFamily="50" charset="0"/>
-              </a:rPr>
-              <a:t>OHH</a:t>
-            </a:r>
-            <a:r>
-              <a:rPr lang="pt-BR" sz="3000" dirty="0" smtClean="0">
-                <a:solidFill>
-                  <a:schemeClr val="bg1">
-                    <a:lumMod val="50000"/>
-                    <a:lumOff val="50000"/>
-                  </a:schemeClr>
-                </a:solidFill>
-                <a:latin typeface="SAF" pitchFamily="50" charset="0"/>
-              </a:rPr>
-              <a:t>MAN!</a:t>
-            </a:r>
-          </a:p>
-        </p:txBody>
-      </p:sp>
-      <p:sp>
-        <p:nvSpPr>
-          <p:cNvPr id="29" name="CaixaDeTexto 28"/>
-          <p:cNvSpPr txBox="1"/>
-          <p:nvPr/>
-        </p:nvSpPr>
-        <p:spPr>
-          <a:xfrm>
-            <a:off x="7372338" y="6247064"/>
-            <a:ext cx="1760876" cy="600164"/>
-          </a:xfrm>
-          <a:prstGeom prst="rect">
-            <a:avLst/>
-          </a:prstGeom>
-          <a:noFill/>
-        </p:spPr>
-        <p:txBody>
-          <a:bodyPr wrap="square" rtlCol="0">
-            <a:spAutoFit/>
-          </a:bodyPr>
-          <a:lstStyle/>
-          <a:p>
-            <a:pPr algn="ctr">
-              <a:lnSpc>
-                <a:spcPct val="110000"/>
-              </a:lnSpc>
-            </a:pPr>
-            <a:r>
-              <a:rPr lang="pt-BR" sz="3000" dirty="0" smtClean="0">
-                <a:solidFill>
-                  <a:schemeClr val="bg1">
-                    <a:lumMod val="50000"/>
-                    <a:lumOff val="50000"/>
-                  </a:schemeClr>
-                </a:solidFill>
-                <a:latin typeface="SAF" pitchFamily="50" charset="0"/>
-              </a:rPr>
-              <a:t>Go</a:t>
-            </a:r>
-            <a:r>
-              <a:rPr lang="pt-BR" sz="3000" dirty="0" smtClean="0">
-                <a:solidFill>
-                  <a:schemeClr val="bg1">
-                    <a:lumMod val="50000"/>
-                    <a:lumOff val="50000"/>
-                  </a:schemeClr>
-                </a:solidFill>
-                <a:latin typeface="Adobe Gothic Std B" pitchFamily="34" charset="-128"/>
-                <a:ea typeface="Adobe Gothic Std B" pitchFamily="34" charset="-128"/>
-              </a:rPr>
-              <a:t>-</a:t>
-            </a:r>
-            <a:r>
-              <a:rPr lang="pt-BR" sz="3000" dirty="0" err="1" smtClean="0">
-                <a:solidFill>
-                  <a:schemeClr val="bg1">
-                    <a:lumMod val="50000"/>
-                    <a:lumOff val="50000"/>
-                  </a:schemeClr>
-                </a:solidFill>
-                <a:latin typeface="SAF" pitchFamily="50" charset="0"/>
-              </a:rPr>
-              <a:t>Ohh</a:t>
-            </a:r>
-            <a:r>
-              <a:rPr lang="pt-BR" sz="3000" dirty="0" smtClean="0">
-                <a:solidFill>
-                  <a:schemeClr val="bg1">
-                    <a:lumMod val="50000"/>
-                    <a:lumOff val="50000"/>
-                  </a:schemeClr>
-                </a:solidFill>
-                <a:latin typeface="SAF" pitchFamily="50" charset="0"/>
-              </a:rPr>
-              <a:t>!</a:t>
-            </a:r>
-            <a:endParaRPr lang="pt-BR" sz="3000" dirty="0">
-              <a:solidFill>
-                <a:schemeClr val="bg1">
-                  <a:lumMod val="50000"/>
-                  <a:lumOff val="50000"/>
-                </a:schemeClr>
-              </a:solidFill>
-              <a:latin typeface="SAF" pitchFamily="50" charset="0"/>
-            </a:endParaRPr>
-          </a:p>
-        </p:txBody>
-      </p:sp>
-      <p:sp>
-        <p:nvSpPr>
-          <p:cNvPr id="36" name="Elipse 35"/>
-          <p:cNvSpPr/>
-          <p:nvPr/>
-        </p:nvSpPr>
-        <p:spPr>
-          <a:xfrm>
-            <a:off x="336420" y="1412776"/>
-            <a:ext cx="216000" cy="216000"/>
-          </a:xfrm>
-          <a:prstGeom prst="ellipse">
-            <a:avLst/>
-          </a:prstGeom>
-          <a:solidFill>
-            <a:srgbClr val="FFFF00"/>
-          </a:solidFill>
-          <a:ln>
-            <a:noFill/>
-          </a:ln>
-        </p:spPr>
-        <p:style>
-          <a:lnRef idx="2">
-            <a:schemeClr val="accent1">
-              <a:shade val="50000"/>
-            </a:schemeClr>
-          </a:lnRef>
-          <a:fillRef idx="1">
-            <a:schemeClr val="accent1"/>
-          </a:fillRef>
-          <a:effectRef idx="0">
-            <a:schemeClr val="accent1"/>
-          </a:effectRef>
-          <a:fontRef idx="minor">
-            <a:schemeClr val="lt1"/>
-          </a:fontRef>
-        </p:style>
-        <p:txBody>
-          <a:bodyPr rtlCol="0" anchor="ctr"/>
-          <a:lstStyle/>
-          <a:p>
-            <a:pPr algn="ctr"/>
-            <a:endParaRPr lang="pt-BR">
-              <a:solidFill>
-                <a:srgbClr val="FFFF66"/>
-              </a:solidFill>
-            </a:endParaRPr>
-          </a:p>
-        </p:txBody>
-      </p:sp>
-      <p:grpSp>
-        <p:nvGrpSpPr>
-          <p:cNvPr id="25" name="Grupo 24"/>
-          <p:cNvGrpSpPr/>
-          <p:nvPr/>
-        </p:nvGrpSpPr>
-        <p:grpSpPr>
-          <a:xfrm>
-            <a:off x="115200" y="6381328"/>
-            <a:ext cx="1216440" cy="331637"/>
-            <a:chOff x="115200" y="6381328"/>
-            <a:chExt cx="1216440" cy="331637"/>
-          </a:xfrm>
-        </p:grpSpPr>
-        <p:pic>
-          <p:nvPicPr>
-            <p:cNvPr id="26" name="Picture 2" descr="C:\Users\Juliane\workspace\html5games\cocos2d\No-Boo\assets\coracao_vazio.png"/>
-            <p:cNvPicPr>
-              <a:picLocks noChangeAspect="1" noChangeArrowheads="1"/>
-            </p:cNvPicPr>
-            <p:nvPr/>
-          </p:nvPicPr>
-          <p:blipFill>
-            <a:blip r:embed="rId8">
-              <a:extLst>
-                <a:ext uri="{28A0092B-C50C-407E-A947-70E740481C1C}">
-                  <a14:useLocalDpi xmlns:a14="http://schemas.microsoft.com/office/drawing/2010/main" val="0"/>
-                </a:ext>
-              </a:extLst>
-            </a:blip>
-            <a:srcRect/>
-            <a:stretch>
-              <a:fillRect/>
-            </a:stretch>
-          </p:blipFill>
-          <p:spPr bwMode="auto">
-            <a:xfrm>
-              <a:off x="115200" y="6381328"/>
-              <a:ext cx="342000" cy="331228"/>
-            </a:xfrm>
-            <a:prstGeom prst="rect">
-              <a:avLst/>
-            </a:prstGeom>
-            <a:noFill/>
-            <a:extLst>
-              <a:ext uri="{909E8E84-426E-40DD-AFC4-6F175D3DCCD1}">
-                <a14:hiddenFill xmlns:a14="http://schemas.microsoft.com/office/drawing/2010/main">
-                  <a:solidFill>
-                    <a:srgbClr val="FFFFFF"/>
-                  </a:solidFill>
-                </a14:hiddenFill>
-              </a:ext>
-            </a:extLst>
-          </p:spPr>
-        </p:pic>
-        <p:pic>
-          <p:nvPicPr>
-            <p:cNvPr id="27" name="Picture 2" descr="C:\Users\Juliane\workspace\html5games\cocos2d\No-Boo\assets\coracao_vazio.png"/>
-            <p:cNvPicPr>
-              <a:picLocks noChangeAspect="1" noChangeArrowheads="1"/>
-            </p:cNvPicPr>
-            <p:nvPr/>
-          </p:nvPicPr>
-          <p:blipFill>
-            <a:blip r:embed="rId8">
-              <a:extLst>
-                <a:ext uri="{28A0092B-C50C-407E-A947-70E740481C1C}">
-                  <a14:useLocalDpi xmlns:a14="http://schemas.microsoft.com/office/drawing/2010/main" val="0"/>
-                </a:ext>
-              </a:extLst>
-            </a:blip>
-            <a:srcRect/>
-            <a:stretch>
-              <a:fillRect/>
-            </a:stretch>
-          </p:blipFill>
-          <p:spPr bwMode="auto">
-            <a:xfrm>
-              <a:off x="552420" y="6381328"/>
-              <a:ext cx="342000" cy="331228"/>
-            </a:xfrm>
-            <a:prstGeom prst="rect">
-              <a:avLst/>
-            </a:prstGeom>
-            <a:noFill/>
-            <a:extLst>
-              <a:ext uri="{909E8E84-426E-40DD-AFC4-6F175D3DCCD1}">
-                <a14:hiddenFill xmlns:a14="http://schemas.microsoft.com/office/drawing/2010/main">
-                  <a:solidFill>
-                    <a:srgbClr val="FFFFFF"/>
-                  </a:solidFill>
-                </a14:hiddenFill>
-              </a:ext>
-            </a:extLst>
-          </p:spPr>
-        </p:pic>
-        <p:pic>
-          <p:nvPicPr>
-            <p:cNvPr id="37" name="Picture 2" descr="C:\Users\Juliane\workspace\html5games\cocos2d\No-Boo\assets\coracao_vazio.png"/>
-            <p:cNvPicPr>
-              <a:picLocks noChangeAspect="1" noChangeArrowheads="1"/>
-            </p:cNvPicPr>
-            <p:nvPr/>
-          </p:nvPicPr>
-          <p:blipFill>
-            <a:blip r:embed="rId8">
-              <a:extLst>
-                <a:ext uri="{28A0092B-C50C-407E-A947-70E740481C1C}">
-                  <a14:useLocalDpi xmlns:a14="http://schemas.microsoft.com/office/drawing/2010/main" val="0"/>
-                </a:ext>
-              </a:extLst>
-            </a:blip>
-            <a:srcRect/>
-            <a:stretch>
-              <a:fillRect/>
-            </a:stretch>
-          </p:blipFill>
-          <p:spPr bwMode="auto">
-            <a:xfrm>
-              <a:off x="989640" y="6381737"/>
-              <a:ext cx="342000" cy="331228"/>
-            </a:xfrm>
-            <a:prstGeom prst="rect">
-              <a:avLst/>
-            </a:prstGeom>
-            <a:noFill/>
-            <a:extLst>
-              <a:ext uri="{909E8E84-426E-40DD-AFC4-6F175D3DCCD1}">
-                <a14:hiddenFill xmlns:a14="http://schemas.microsoft.com/office/drawing/2010/main">
-                  <a:solidFill>
-                    <a:srgbClr val="FFFFFF"/>
-                  </a:solidFill>
-                </a14:hiddenFill>
-              </a:ext>
-            </a:extLst>
-          </p:spPr>
-        </p:pic>
-      </p:grpSp>
-      <p:grpSp>
-        <p:nvGrpSpPr>
-          <p:cNvPr id="2" name="Grupo 1"/>
-          <p:cNvGrpSpPr/>
-          <p:nvPr/>
-        </p:nvGrpSpPr>
-        <p:grpSpPr>
-          <a:xfrm>
-            <a:off x="457200" y="1878124"/>
-            <a:ext cx="8229600" cy="2171535"/>
-            <a:chOff x="457200" y="1878124"/>
-            <a:chExt cx="8229600" cy="2171535"/>
-          </a:xfrm>
-        </p:grpSpPr>
-        <p:sp>
-          <p:nvSpPr>
-            <p:cNvPr id="20" name="Título 5"/>
-            <p:cNvSpPr txBox="1">
-              <a:spLocks/>
-            </p:cNvSpPr>
-            <p:nvPr/>
-          </p:nvSpPr>
-          <p:spPr>
-            <a:xfrm>
-              <a:off x="457200" y="1878124"/>
-              <a:ext cx="8229600" cy="2171535"/>
-            </a:xfrm>
-            <a:prstGeom prst="rect">
-              <a:avLst/>
-            </a:prstGeom>
-          </p:spPr>
-          <p:txBody>
-            <a:bodyPr vert="horz" lIns="91440" tIns="45720" rIns="91440" bIns="45720" rtlCol="0" anchor="ctr">
-              <a:normAutofit lnSpcReduction="10000"/>
-            </a:bodyPr>
-            <a:lstStyle>
-              <a:defPPr>
-                <a:defRPr lang="pt-BR"/>
-              </a:defPPr>
-              <a:lvl1pPr marL="0" algn="l" defTabSz="914400" rtl="0" eaLnBrk="1" latinLnBrk="0" hangingPunct="1">
-                <a:defRPr sz="1800" kern="1200">
-                  <a:solidFill>
-                    <a:schemeClr val="tx1"/>
-                  </a:solidFill>
-                  <a:latin typeface="+mn-lt"/>
-                  <a:ea typeface="+mn-ea"/>
-                  <a:cs typeface="+mn-cs"/>
-                </a:defRPr>
-              </a:lvl1pPr>
-              <a:lvl2pPr marL="457200" algn="l" defTabSz="914400" rtl="0" eaLnBrk="1" latinLnBrk="0" hangingPunct="1">
-                <a:defRPr sz="1800" kern="1200">
-                  <a:solidFill>
-                    <a:schemeClr val="tx1"/>
-                  </a:solidFill>
-                  <a:latin typeface="+mn-lt"/>
-                  <a:ea typeface="+mn-ea"/>
-                  <a:cs typeface="+mn-cs"/>
-                </a:defRPr>
-              </a:lvl2pPr>
-              <a:lvl3pPr marL="914400" algn="l" defTabSz="914400" rtl="0" eaLnBrk="1" latinLnBrk="0" hangingPunct="1">
-                <a:defRPr sz="1800" kern="1200">
-                  <a:solidFill>
-                    <a:schemeClr val="tx1"/>
-                  </a:solidFill>
-                  <a:latin typeface="+mn-lt"/>
-                  <a:ea typeface="+mn-ea"/>
-                  <a:cs typeface="+mn-cs"/>
-                </a:defRPr>
-              </a:lvl3pPr>
-              <a:lvl4pPr marL="1371600" algn="l" defTabSz="914400" rtl="0" eaLnBrk="1" latinLnBrk="0" hangingPunct="1">
-                <a:defRPr sz="1800" kern="1200">
-                  <a:solidFill>
-                    <a:schemeClr val="tx1"/>
-                  </a:solidFill>
-                  <a:latin typeface="+mn-lt"/>
-                  <a:ea typeface="+mn-ea"/>
-                  <a:cs typeface="+mn-cs"/>
-                </a:defRPr>
-              </a:lvl4pPr>
-              <a:lvl5pPr marL="1828800" algn="l" defTabSz="914400" rtl="0" eaLnBrk="1" latinLnBrk="0" hangingPunct="1">
-                <a:defRPr sz="1800" kern="1200">
-                  <a:solidFill>
-                    <a:schemeClr val="tx1"/>
-                  </a:solidFill>
-                  <a:latin typeface="+mn-lt"/>
-                  <a:ea typeface="+mn-ea"/>
-                  <a:cs typeface="+mn-cs"/>
-                </a:defRPr>
-              </a:lvl5pPr>
-              <a:lvl6pPr marL="2286000" algn="l" defTabSz="914400" rtl="0" eaLnBrk="1" latinLnBrk="0" hangingPunct="1">
-                <a:defRPr sz="1800" kern="1200">
-                  <a:solidFill>
-                    <a:schemeClr val="tx1"/>
-                  </a:solidFill>
-                  <a:latin typeface="+mn-lt"/>
-                  <a:ea typeface="+mn-ea"/>
-                  <a:cs typeface="+mn-cs"/>
-                </a:defRPr>
-              </a:lvl6pPr>
-              <a:lvl7pPr marL="2743200" algn="l" defTabSz="914400" rtl="0" eaLnBrk="1" latinLnBrk="0" hangingPunct="1">
-                <a:defRPr sz="1800" kern="1200">
-                  <a:solidFill>
-                    <a:schemeClr val="tx1"/>
-                  </a:solidFill>
-                  <a:latin typeface="+mn-lt"/>
-                  <a:ea typeface="+mn-ea"/>
-                  <a:cs typeface="+mn-cs"/>
-                </a:defRPr>
-              </a:lvl7pPr>
-              <a:lvl8pPr marL="3200400" algn="l" defTabSz="914400" rtl="0" eaLnBrk="1" latinLnBrk="0" hangingPunct="1">
-                <a:defRPr sz="1800" kern="1200">
-                  <a:solidFill>
-                    <a:schemeClr val="tx1"/>
-                  </a:solidFill>
-                  <a:latin typeface="+mn-lt"/>
-                  <a:ea typeface="+mn-ea"/>
-                  <a:cs typeface="+mn-cs"/>
-                </a:defRPr>
-              </a:lvl8pPr>
-              <a:lvl9pPr marL="3657600" algn="l" defTabSz="914400" rtl="0" eaLnBrk="1" latinLnBrk="0" hangingPunct="1">
-                <a:defRPr sz="1800" kern="1200">
-                  <a:solidFill>
-                    <a:schemeClr val="tx1"/>
-                  </a:solidFill>
-                  <a:latin typeface="+mn-lt"/>
-                  <a:ea typeface="+mn-ea"/>
-                  <a:cs typeface="+mn-cs"/>
-                </a:defRPr>
-              </a:lvl9pPr>
-            </a:lstStyle>
-            <a:p>
-              <a:pPr algn="ctr"/>
-              <a:r>
-                <a:rPr lang="pt-BR" sz="7000" dirty="0" err="1" smtClean="0">
-                  <a:solidFill>
-                    <a:srgbClr val="FFFF00"/>
-                  </a:solidFill>
-                  <a:latin typeface="SAF" pitchFamily="50" charset="0"/>
-                </a:rPr>
-                <a:t>ÔôÔH</a:t>
-              </a:r>
-              <a:r>
-                <a:rPr lang="pt-BR" sz="7000" dirty="0" smtClean="0">
-                  <a:solidFill>
-                    <a:srgbClr val="FFFF00"/>
-                  </a:solidFill>
-                  <a:latin typeface="SAF" pitchFamily="50" charset="0"/>
-                </a:rPr>
-                <a:t>... O</a:t>
-              </a:r>
-              <a:r>
-                <a:rPr lang="pt-BR" sz="7000" dirty="0">
-                  <a:solidFill>
-                    <a:srgbClr val="FFFF00"/>
-                  </a:solidFill>
-                  <a:latin typeface="SAF" pitchFamily="50" charset="0"/>
-                </a:rPr>
-                <a:t>(</a:t>
-              </a:r>
-              <a:endParaRPr lang="pt-BR" sz="7000" dirty="0" smtClean="0">
-                <a:solidFill>
-                  <a:srgbClr val="FFFF00"/>
-                </a:solidFill>
-                <a:latin typeface="SAF" pitchFamily="50" charset="0"/>
-              </a:endParaRPr>
-            </a:p>
-            <a:p>
-              <a:pPr algn="ctr"/>
-              <a:r>
-                <a:rPr lang="pt-BR" sz="7000" dirty="0" err="1" smtClean="0">
-                  <a:solidFill>
-                    <a:srgbClr val="FFD44B"/>
-                  </a:solidFill>
-                  <a:latin typeface="SAF" pitchFamily="50" charset="0"/>
-                </a:rPr>
-                <a:t>Try</a:t>
-              </a:r>
-              <a:r>
-                <a:rPr lang="pt-BR" sz="7000" dirty="0" smtClean="0">
-                  <a:solidFill>
-                    <a:srgbClr val="FFD44B"/>
-                  </a:solidFill>
-                  <a:latin typeface="SAF" pitchFamily="50" charset="0"/>
-                </a:rPr>
-                <a:t> </a:t>
-              </a:r>
-              <a:r>
-                <a:rPr lang="pt-BR" sz="7000" dirty="0" err="1" smtClean="0">
-                  <a:solidFill>
-                    <a:srgbClr val="FFD44B"/>
-                  </a:solidFill>
-                  <a:latin typeface="SAF" pitchFamily="50" charset="0"/>
-                </a:rPr>
-                <a:t>again</a:t>
-              </a:r>
-              <a:r>
-                <a:rPr lang="pt-BR" sz="7000" dirty="0" smtClean="0">
-                  <a:solidFill>
-                    <a:srgbClr val="FFD44B"/>
-                  </a:solidFill>
-                  <a:latin typeface="SAF" pitchFamily="50" charset="0"/>
-                </a:rPr>
-                <a:t>!</a:t>
-              </a:r>
-              <a:endParaRPr lang="pt-BR" sz="7000" dirty="0">
-                <a:solidFill>
-                  <a:srgbClr val="FFD44B"/>
-                </a:solidFill>
-                <a:latin typeface="SAF" pitchFamily="50" charset="0"/>
-              </a:endParaRPr>
-            </a:p>
-          </p:txBody>
-        </p:sp>
-        <p:sp>
-          <p:nvSpPr>
-            <p:cNvPr id="33" name="Elipse 32"/>
-            <p:cNvSpPr/>
-            <p:nvPr/>
-          </p:nvSpPr>
-          <p:spPr>
-            <a:xfrm>
-              <a:off x="2483768" y="2204864"/>
-              <a:ext cx="360040" cy="446705"/>
-            </a:xfrm>
-            <a:prstGeom prst="ellipse">
-              <a:avLst/>
-            </a:prstGeom>
-            <a:solidFill>
-              <a:srgbClr val="FFFF00"/>
-            </a:solidFill>
-            <a:ln>
-              <a:noFill/>
-            </a:ln>
-          </p:spPr>
-          <p:style>
-            <a:lnRef idx="2">
-              <a:schemeClr val="accent1">
-                <a:shade val="50000"/>
-              </a:schemeClr>
-            </a:lnRef>
-            <a:fillRef idx="1">
-              <a:schemeClr val="accent1"/>
-            </a:fillRef>
-            <a:effectRef idx="0">
-              <a:schemeClr val="accent1"/>
-            </a:effectRef>
-            <a:fontRef idx="minor">
-              <a:schemeClr val="lt1"/>
-            </a:fontRef>
-          </p:style>
-          <p:txBody>
-            <a:bodyPr rtlCol="0" anchor="ctr"/>
-            <a:lstStyle/>
-            <a:p>
-              <a:pPr algn="ctr"/>
-              <a:r>
-                <a:rPr lang="pt-BR" dirty="0" smtClean="0">
-                  <a:solidFill>
-                    <a:srgbClr val="FFFF66"/>
-                  </a:solidFill>
-                </a:rPr>
-                <a:t>V</a:t>
-              </a:r>
-              <a:endParaRPr lang="pt-BR" dirty="0">
-                <a:solidFill>
-                  <a:srgbClr val="FFFF66"/>
-                </a:solidFill>
-              </a:endParaRPr>
-            </a:p>
-          </p:txBody>
-        </p:sp>
-        <p:sp>
-          <p:nvSpPr>
-            <p:cNvPr id="34" name="Elipse 33"/>
-            <p:cNvSpPr/>
-            <p:nvPr/>
-          </p:nvSpPr>
-          <p:spPr>
-            <a:xfrm>
-              <a:off x="3096641" y="2204864"/>
-              <a:ext cx="360040" cy="446705"/>
-            </a:xfrm>
-            <a:prstGeom prst="ellipse">
-              <a:avLst/>
-            </a:prstGeom>
-            <a:solidFill>
-              <a:srgbClr val="FFFF00"/>
-            </a:solidFill>
-            <a:ln>
-              <a:noFill/>
-            </a:ln>
-          </p:spPr>
-          <p:style>
-            <a:lnRef idx="2">
-              <a:schemeClr val="accent1">
-                <a:shade val="50000"/>
-              </a:schemeClr>
-            </a:lnRef>
-            <a:fillRef idx="1">
-              <a:schemeClr val="accent1"/>
-            </a:fillRef>
-            <a:effectRef idx="0">
-              <a:schemeClr val="accent1"/>
-            </a:effectRef>
-            <a:fontRef idx="minor">
-              <a:schemeClr val="lt1"/>
-            </a:fontRef>
-          </p:style>
-          <p:txBody>
-            <a:bodyPr rtlCol="0" anchor="ctr"/>
-            <a:lstStyle/>
-            <a:p>
-              <a:pPr algn="ctr"/>
-              <a:endParaRPr lang="pt-BR">
-                <a:solidFill>
-                  <a:srgbClr val="FFFF66"/>
-                </a:solidFill>
-              </a:endParaRPr>
-            </a:p>
-          </p:txBody>
-        </p:sp>
-        <p:sp>
-          <p:nvSpPr>
-            <p:cNvPr id="35" name="Elipse 34"/>
-            <p:cNvSpPr/>
-            <p:nvPr/>
-          </p:nvSpPr>
-          <p:spPr>
-            <a:xfrm>
-              <a:off x="3707904" y="2236395"/>
-              <a:ext cx="360040" cy="446705"/>
-            </a:xfrm>
-            <a:prstGeom prst="ellipse">
-              <a:avLst/>
-            </a:prstGeom>
-            <a:solidFill>
-              <a:srgbClr val="FFFF00"/>
-            </a:solidFill>
-            <a:ln>
-              <a:noFill/>
-            </a:ln>
-          </p:spPr>
-          <p:style>
-            <a:lnRef idx="2">
-              <a:schemeClr val="accent1">
-                <a:shade val="50000"/>
-              </a:schemeClr>
-            </a:lnRef>
-            <a:fillRef idx="1">
-              <a:schemeClr val="accent1"/>
-            </a:fillRef>
-            <a:effectRef idx="0">
-              <a:schemeClr val="accent1"/>
-            </a:effectRef>
-            <a:fontRef idx="minor">
-              <a:schemeClr val="lt1"/>
-            </a:fontRef>
-          </p:style>
-          <p:txBody>
-            <a:bodyPr rtlCol="0" anchor="ctr"/>
-            <a:lstStyle/>
-            <a:p>
-              <a:pPr algn="ctr"/>
-              <a:endParaRPr lang="pt-BR">
-                <a:solidFill>
-                  <a:srgbClr val="FFFF66"/>
-                </a:solidFill>
-              </a:endParaRPr>
-            </a:p>
-          </p:txBody>
-        </p:sp>
-        <p:sp>
-          <p:nvSpPr>
-            <p:cNvPr id="48" name="Multiplicar 47"/>
-            <p:cNvSpPr/>
-            <p:nvPr/>
-          </p:nvSpPr>
-          <p:spPr>
-            <a:xfrm>
-              <a:off x="2751590" y="2228915"/>
-              <a:ext cx="252000" cy="252000"/>
-            </a:xfrm>
-            <a:prstGeom prst="mathMultiply">
-              <a:avLst/>
-            </a:prstGeom>
-            <a:solidFill>
-              <a:srgbClr val="FF0000"/>
-            </a:solidFill>
-            <a:ln>
-              <a:noFill/>
-            </a:ln>
-          </p:spPr>
-          <p:style>
-            <a:lnRef idx="2">
-              <a:schemeClr val="accent1">
-                <a:shade val="50000"/>
-              </a:schemeClr>
-            </a:lnRef>
-            <a:fillRef idx="1">
-              <a:schemeClr val="accent1"/>
-            </a:fillRef>
-            <a:effectRef idx="0">
-              <a:schemeClr val="accent1"/>
-            </a:effectRef>
-            <a:fontRef idx="minor">
-              <a:schemeClr val="lt1"/>
-            </a:fontRef>
-          </p:style>
-          <p:txBody>
-            <a:bodyPr rtlCol="0" anchor="ctr"/>
-            <a:lstStyle/>
-            <a:p>
-              <a:pPr algn="ctr"/>
-              <a:endParaRPr lang="pt-BR" dirty="0"/>
-            </a:p>
-          </p:txBody>
-        </p:sp>
-        <p:sp>
-          <p:nvSpPr>
-            <p:cNvPr id="49" name="Multiplicar 48"/>
-            <p:cNvSpPr/>
-            <p:nvPr/>
-          </p:nvSpPr>
-          <p:spPr>
-            <a:xfrm>
-              <a:off x="3368935" y="2228915"/>
-              <a:ext cx="252000" cy="252000"/>
-            </a:xfrm>
-            <a:prstGeom prst="mathMultiply">
-              <a:avLst/>
-            </a:prstGeom>
-            <a:solidFill>
-              <a:srgbClr val="FF0000"/>
-            </a:solidFill>
-            <a:ln>
-              <a:noFill/>
-            </a:ln>
-          </p:spPr>
-          <p:style>
-            <a:lnRef idx="2">
-              <a:schemeClr val="accent1">
-                <a:shade val="50000"/>
-              </a:schemeClr>
-            </a:lnRef>
-            <a:fillRef idx="1">
-              <a:schemeClr val="accent1"/>
-            </a:fillRef>
-            <a:effectRef idx="0">
-              <a:schemeClr val="accent1"/>
-            </a:effectRef>
-            <a:fontRef idx="minor">
-              <a:schemeClr val="lt1"/>
-            </a:fontRef>
-          </p:style>
-          <p:txBody>
-            <a:bodyPr rtlCol="0" anchor="ctr"/>
-            <a:lstStyle/>
-            <a:p>
-              <a:pPr algn="ctr"/>
-              <a:endParaRPr lang="pt-BR" dirty="0"/>
-            </a:p>
-          </p:txBody>
-        </p:sp>
-        <p:sp>
-          <p:nvSpPr>
-            <p:cNvPr id="50" name="Multiplicar 49"/>
-            <p:cNvSpPr/>
-            <p:nvPr/>
-          </p:nvSpPr>
-          <p:spPr>
-            <a:xfrm>
-              <a:off x="3975726" y="2204864"/>
-              <a:ext cx="252000" cy="252000"/>
-            </a:xfrm>
-            <a:prstGeom prst="mathMultiply">
-              <a:avLst/>
-            </a:prstGeom>
-            <a:solidFill>
-              <a:srgbClr val="FF0000"/>
-            </a:solidFill>
-            <a:ln>
-              <a:noFill/>
-            </a:ln>
-          </p:spPr>
-          <p:style>
-            <a:lnRef idx="2">
-              <a:schemeClr val="accent1">
-                <a:shade val="50000"/>
-              </a:schemeClr>
-            </a:lnRef>
-            <a:fillRef idx="1">
-              <a:schemeClr val="accent1"/>
-            </a:fillRef>
-            <a:effectRef idx="0">
-              <a:schemeClr val="accent1"/>
-            </a:effectRef>
-            <a:fontRef idx="minor">
-              <a:schemeClr val="lt1"/>
-            </a:fontRef>
-          </p:style>
-          <p:txBody>
-            <a:bodyPr rtlCol="0" anchor="ctr"/>
-            <a:lstStyle/>
-            <a:p>
-              <a:pPr algn="ctr"/>
-              <a:endParaRPr lang="pt-BR" dirty="0"/>
-            </a:p>
-          </p:txBody>
-        </p:sp>
-      </p:grpSp>
-    </p:spTree>
-    <p:extLst>
-      <p:ext uri="{BB962C8B-B14F-4D97-AF65-F5344CB8AC3E}">
-        <p14:creationId xmlns:p14="http://schemas.microsoft.com/office/powerpoint/2010/main" val="1188581568"/>
       </p:ext>
     </p:extLst>
   </p:cSld>

--- a/phaser/ohhman/assets/screenshots/screenshots.pptx
+++ b/phaser/ohhman/assets/screenshots/screenshots.pptx
@@ -15,17 +15,18 @@
     <p:sldId id="280" r:id="rId9"/>
     <p:sldId id="282" r:id="rId10"/>
     <p:sldId id="285" r:id="rId11"/>
-    <p:sldId id="301" r:id="rId12"/>
-    <p:sldId id="302" r:id="rId13"/>
-    <p:sldId id="305" r:id="rId14"/>
-    <p:sldId id="298" r:id="rId15"/>
-    <p:sldId id="297" r:id="rId16"/>
-    <p:sldId id="303" r:id="rId17"/>
-    <p:sldId id="295" r:id="rId18"/>
-    <p:sldId id="307" r:id="rId19"/>
-    <p:sldId id="296" r:id="rId20"/>
-    <p:sldId id="294" r:id="rId21"/>
-    <p:sldId id="293" r:id="rId22"/>
+    <p:sldId id="308" r:id="rId12"/>
+    <p:sldId id="301" r:id="rId13"/>
+    <p:sldId id="302" r:id="rId14"/>
+    <p:sldId id="305" r:id="rId15"/>
+    <p:sldId id="298" r:id="rId16"/>
+    <p:sldId id="297" r:id="rId17"/>
+    <p:sldId id="303" r:id="rId18"/>
+    <p:sldId id="295" r:id="rId19"/>
+    <p:sldId id="307" r:id="rId20"/>
+    <p:sldId id="296" r:id="rId21"/>
+    <p:sldId id="294" r:id="rId22"/>
+    <p:sldId id="293" r:id="rId23"/>
   </p:sldIdLst>
   <p:sldSz cx="9144000" cy="6858000" type="screen4x3"/>
   <p:notesSz cx="6858000" cy="9144000"/>
@@ -308,7 +309,7 @@
           <a:p>
             <a:fld id="{93945A38-A22D-409E-8801-20D8F8211029}" type="datetimeFigureOut">
               <a:rPr lang="pt-BR" smtClean="0"/>
-              <a:t>11/04/2014</a:t>
+              <a:t>24/04/2014</a:t>
             </a:fld>
             <a:endParaRPr lang="pt-BR"/>
           </a:p>
@@ -478,7 +479,7 @@
           <a:p>
             <a:fld id="{93945A38-A22D-409E-8801-20D8F8211029}" type="datetimeFigureOut">
               <a:rPr lang="pt-BR" smtClean="0"/>
-              <a:t>11/04/2014</a:t>
+              <a:t>24/04/2014</a:t>
             </a:fld>
             <a:endParaRPr lang="pt-BR"/>
           </a:p>
@@ -658,7 +659,7 @@
           <a:p>
             <a:fld id="{93945A38-A22D-409E-8801-20D8F8211029}" type="datetimeFigureOut">
               <a:rPr lang="pt-BR" smtClean="0"/>
-              <a:t>11/04/2014</a:t>
+              <a:t>24/04/2014</a:t>
             </a:fld>
             <a:endParaRPr lang="pt-BR"/>
           </a:p>
@@ -828,7 +829,7 @@
           <a:p>
             <a:fld id="{93945A38-A22D-409E-8801-20D8F8211029}" type="datetimeFigureOut">
               <a:rPr lang="pt-BR" smtClean="0"/>
-              <a:t>11/04/2014</a:t>
+              <a:t>24/04/2014</a:t>
             </a:fld>
             <a:endParaRPr lang="pt-BR"/>
           </a:p>
@@ -1074,7 +1075,7 @@
           <a:p>
             <a:fld id="{93945A38-A22D-409E-8801-20D8F8211029}" type="datetimeFigureOut">
               <a:rPr lang="pt-BR" smtClean="0"/>
-              <a:t>11/04/2014</a:t>
+              <a:t>24/04/2014</a:t>
             </a:fld>
             <a:endParaRPr lang="pt-BR"/>
           </a:p>
@@ -1362,7 +1363,7 @@
           <a:p>
             <a:fld id="{93945A38-A22D-409E-8801-20D8F8211029}" type="datetimeFigureOut">
               <a:rPr lang="pt-BR" smtClean="0"/>
-              <a:t>11/04/2014</a:t>
+              <a:t>24/04/2014</a:t>
             </a:fld>
             <a:endParaRPr lang="pt-BR"/>
           </a:p>
@@ -1784,7 +1785,7 @@
           <a:p>
             <a:fld id="{93945A38-A22D-409E-8801-20D8F8211029}" type="datetimeFigureOut">
               <a:rPr lang="pt-BR" smtClean="0"/>
-              <a:t>11/04/2014</a:t>
+              <a:t>24/04/2014</a:t>
             </a:fld>
             <a:endParaRPr lang="pt-BR"/>
           </a:p>
@@ -1902,7 +1903,7 @@
           <a:p>
             <a:fld id="{93945A38-A22D-409E-8801-20D8F8211029}" type="datetimeFigureOut">
               <a:rPr lang="pt-BR" smtClean="0"/>
-              <a:t>11/04/2014</a:t>
+              <a:t>24/04/2014</a:t>
             </a:fld>
             <a:endParaRPr lang="pt-BR"/>
           </a:p>
@@ -1997,7 +1998,7 @@
           <a:p>
             <a:fld id="{93945A38-A22D-409E-8801-20D8F8211029}" type="datetimeFigureOut">
               <a:rPr lang="pt-BR" smtClean="0"/>
-              <a:t>11/04/2014</a:t>
+              <a:t>24/04/2014</a:t>
             </a:fld>
             <a:endParaRPr lang="pt-BR"/>
           </a:p>
@@ -2274,7 +2275,7 @@
           <a:p>
             <a:fld id="{93945A38-A22D-409E-8801-20D8F8211029}" type="datetimeFigureOut">
               <a:rPr lang="pt-BR" smtClean="0"/>
-              <a:t>11/04/2014</a:t>
+              <a:t>24/04/2014</a:t>
             </a:fld>
             <a:endParaRPr lang="pt-BR"/>
           </a:p>
@@ -2527,7 +2528,7 @@
           <a:p>
             <a:fld id="{93945A38-A22D-409E-8801-20D8F8211029}" type="datetimeFigureOut">
               <a:rPr lang="pt-BR" smtClean="0"/>
-              <a:t>11/04/2014</a:t>
+              <a:t>24/04/2014</a:t>
             </a:fld>
             <a:endParaRPr lang="pt-BR"/>
           </a:p>
@@ -2740,7 +2741,7 @@
           <a:p>
             <a:fld id="{93945A38-A22D-409E-8801-20D8F8211029}" type="datetimeFigureOut">
               <a:rPr lang="pt-BR" smtClean="0"/>
-              <a:t>11/04/2014</a:t>
+              <a:t>24/04/2014</a:t>
             </a:fld>
             <a:endParaRPr lang="pt-BR"/>
           </a:p>
@@ -4572,6 +4573,512 @@
       </p:grpSpPr>
       <p:pic>
         <p:nvPicPr>
+          <p:cNvPr id="1026" name="Picture 2"/>
+          <p:cNvPicPr>
+            <a:picLocks noChangeAspect="1" noChangeArrowheads="1"/>
+          </p:cNvPicPr>
+          <p:nvPr/>
+        </p:nvPicPr>
+        <p:blipFill>
+          <a:blip r:embed="rId2">
+            <a:extLst>
+              <a:ext uri="{28A0092B-C50C-407E-A947-70E740481C1C}">
+                <a14:useLocalDpi xmlns:a14="http://schemas.microsoft.com/office/drawing/2010/main" val="0"/>
+              </a:ext>
+            </a:extLst>
+          </a:blip>
+          <a:srcRect/>
+          <a:stretch>
+            <a:fillRect/>
+          </a:stretch>
+        </p:blipFill>
+        <p:spPr bwMode="auto">
+          <a:xfrm>
+            <a:off x="3619500" y="2476500"/>
+            <a:ext cx="1905000" cy="1905000"/>
+          </a:xfrm>
+          <a:prstGeom prst="rect">
+            <a:avLst/>
+          </a:prstGeom>
+          <a:noFill/>
+          <a:ln>
+            <a:noFill/>
+          </a:ln>
+          <a:extLst>
+            <a:ext uri="{909E8E84-426E-40DD-AFC4-6F175D3DCCD1}">
+              <a14:hiddenFill xmlns:a14="http://schemas.microsoft.com/office/drawing/2010/main">
+                <a:solidFill>
+                  <a:schemeClr val="accent1"/>
+                </a:solidFill>
+              </a14:hiddenFill>
+            </a:ext>
+            <a:ext uri="{91240B29-F687-4F45-9708-019B960494DF}">
+              <a14:hiddenLine xmlns:a14="http://schemas.microsoft.com/office/drawing/2010/main" w="9525">
+                <a:solidFill>
+                  <a:schemeClr val="tx1"/>
+                </a:solidFill>
+                <a:miter lim="800000"/>
+                <a:headEnd/>
+                <a:tailEnd/>
+              </a14:hiddenLine>
+            </a:ext>
+          </a:extLst>
+        </p:spPr>
+      </p:pic>
+      <p:sp>
+        <p:nvSpPr>
+          <p:cNvPr id="14" name="Título 5"/>
+          <p:cNvSpPr txBox="1">
+            <a:spLocks/>
+          </p:cNvSpPr>
+          <p:nvPr/>
+        </p:nvSpPr>
+        <p:spPr>
+          <a:xfrm>
+            <a:off x="3619500" y="3055312"/>
+            <a:ext cx="1905000" cy="576065"/>
+          </a:xfrm>
+          <a:prstGeom prst="rect">
+            <a:avLst/>
+          </a:prstGeom>
+        </p:spPr>
+        <p:txBody>
+          <a:bodyPr vert="horz" lIns="91440" tIns="45720" rIns="91440" bIns="45720" rtlCol="0" anchor="ctr">
+            <a:noAutofit/>
+          </a:bodyPr>
+          <a:lstStyle>
+            <a:defPPr>
+              <a:defRPr lang="pt-BR"/>
+            </a:defPPr>
+            <a:lvl1pPr marL="0" algn="l" defTabSz="914400" rtl="0" eaLnBrk="1" latinLnBrk="0" hangingPunct="1">
+              <a:defRPr sz="1800" kern="1200">
+                <a:solidFill>
+                  <a:schemeClr val="tx1"/>
+                </a:solidFill>
+                <a:latin typeface="+mn-lt"/>
+                <a:ea typeface="+mn-ea"/>
+                <a:cs typeface="+mn-cs"/>
+              </a:defRPr>
+            </a:lvl1pPr>
+            <a:lvl2pPr marL="457200" algn="l" defTabSz="914400" rtl="0" eaLnBrk="1" latinLnBrk="0" hangingPunct="1">
+              <a:defRPr sz="1800" kern="1200">
+                <a:solidFill>
+                  <a:schemeClr val="tx1"/>
+                </a:solidFill>
+                <a:latin typeface="+mn-lt"/>
+                <a:ea typeface="+mn-ea"/>
+                <a:cs typeface="+mn-cs"/>
+              </a:defRPr>
+            </a:lvl2pPr>
+            <a:lvl3pPr marL="914400" algn="l" defTabSz="914400" rtl="0" eaLnBrk="1" latinLnBrk="0" hangingPunct="1">
+              <a:defRPr sz="1800" kern="1200">
+                <a:solidFill>
+                  <a:schemeClr val="tx1"/>
+                </a:solidFill>
+                <a:latin typeface="+mn-lt"/>
+                <a:ea typeface="+mn-ea"/>
+                <a:cs typeface="+mn-cs"/>
+              </a:defRPr>
+            </a:lvl3pPr>
+            <a:lvl4pPr marL="1371600" algn="l" defTabSz="914400" rtl="0" eaLnBrk="1" latinLnBrk="0" hangingPunct="1">
+              <a:defRPr sz="1800" kern="1200">
+                <a:solidFill>
+                  <a:schemeClr val="tx1"/>
+                </a:solidFill>
+                <a:latin typeface="+mn-lt"/>
+                <a:ea typeface="+mn-ea"/>
+                <a:cs typeface="+mn-cs"/>
+              </a:defRPr>
+            </a:lvl4pPr>
+            <a:lvl5pPr marL="1828800" algn="l" defTabSz="914400" rtl="0" eaLnBrk="1" latinLnBrk="0" hangingPunct="1">
+              <a:defRPr sz="1800" kern="1200">
+                <a:solidFill>
+                  <a:schemeClr val="tx1"/>
+                </a:solidFill>
+                <a:latin typeface="+mn-lt"/>
+                <a:ea typeface="+mn-ea"/>
+                <a:cs typeface="+mn-cs"/>
+              </a:defRPr>
+            </a:lvl5pPr>
+            <a:lvl6pPr marL="2286000" algn="l" defTabSz="914400" rtl="0" eaLnBrk="1" latinLnBrk="0" hangingPunct="1">
+              <a:defRPr sz="1800" kern="1200">
+                <a:solidFill>
+                  <a:schemeClr val="tx1"/>
+                </a:solidFill>
+                <a:latin typeface="+mn-lt"/>
+                <a:ea typeface="+mn-ea"/>
+                <a:cs typeface="+mn-cs"/>
+              </a:defRPr>
+            </a:lvl6pPr>
+            <a:lvl7pPr marL="2743200" algn="l" defTabSz="914400" rtl="0" eaLnBrk="1" latinLnBrk="0" hangingPunct="1">
+              <a:defRPr sz="1800" kern="1200">
+                <a:solidFill>
+                  <a:schemeClr val="tx1"/>
+                </a:solidFill>
+                <a:latin typeface="+mn-lt"/>
+                <a:ea typeface="+mn-ea"/>
+                <a:cs typeface="+mn-cs"/>
+              </a:defRPr>
+            </a:lvl7pPr>
+            <a:lvl8pPr marL="3200400" algn="l" defTabSz="914400" rtl="0" eaLnBrk="1" latinLnBrk="0" hangingPunct="1">
+              <a:defRPr sz="1800" kern="1200">
+                <a:solidFill>
+                  <a:schemeClr val="tx1"/>
+                </a:solidFill>
+                <a:latin typeface="+mn-lt"/>
+                <a:ea typeface="+mn-ea"/>
+                <a:cs typeface="+mn-cs"/>
+              </a:defRPr>
+            </a:lvl8pPr>
+            <a:lvl9pPr marL="3657600" algn="l" defTabSz="914400" rtl="0" eaLnBrk="1" latinLnBrk="0" hangingPunct="1">
+              <a:defRPr sz="1800" kern="1200">
+                <a:solidFill>
+                  <a:schemeClr val="tx1"/>
+                </a:solidFill>
+                <a:latin typeface="+mn-lt"/>
+                <a:ea typeface="+mn-ea"/>
+                <a:cs typeface="+mn-cs"/>
+              </a:defRPr>
+            </a:lvl9pPr>
+          </a:lstStyle>
+          <a:p>
+            <a:pPr algn="ctr"/>
+            <a:r>
+              <a:rPr lang="pt-BR" sz="2700" dirty="0" err="1" smtClean="0">
+                <a:solidFill>
+                  <a:srgbClr val="FFFF00"/>
+                </a:solidFill>
+                <a:latin typeface="SAF" pitchFamily="50" charset="0"/>
+              </a:rPr>
+              <a:t>OHH</a:t>
+            </a:r>
+            <a:r>
+              <a:rPr lang="pt-BR" sz="2700" dirty="0" err="1" smtClean="0">
+                <a:solidFill>
+                  <a:schemeClr val="bg1">
+                    <a:lumMod val="50000"/>
+                    <a:lumOff val="50000"/>
+                  </a:schemeClr>
+                </a:solidFill>
+                <a:latin typeface="SAF" pitchFamily="50" charset="0"/>
+              </a:rPr>
+              <a:t>Man</a:t>
+            </a:r>
+            <a:r>
+              <a:rPr lang="pt-BR" sz="2700" dirty="0" smtClean="0">
+                <a:solidFill>
+                  <a:schemeClr val="bg1">
+                    <a:lumMod val="50000"/>
+                    <a:lumOff val="50000"/>
+                  </a:schemeClr>
+                </a:solidFill>
+                <a:latin typeface="SAF" pitchFamily="50" charset="0"/>
+              </a:rPr>
+              <a:t>!</a:t>
+            </a:r>
+            <a:endParaRPr lang="pt-BR" sz="2700" dirty="0">
+              <a:solidFill>
+                <a:schemeClr val="bg1">
+                  <a:lumMod val="50000"/>
+                  <a:lumOff val="50000"/>
+                </a:schemeClr>
+              </a:solidFill>
+              <a:latin typeface="SAF" pitchFamily="50" charset="0"/>
+            </a:endParaRPr>
+          </a:p>
+        </p:txBody>
+      </p:sp>
+      <p:grpSp>
+        <p:nvGrpSpPr>
+          <p:cNvPr id="4" name="Grupo 3"/>
+          <p:cNvGrpSpPr/>
+          <p:nvPr/>
+        </p:nvGrpSpPr>
+        <p:grpSpPr>
+          <a:xfrm>
+            <a:off x="3960252" y="3669957"/>
+            <a:ext cx="1223496" cy="234000"/>
+            <a:chOff x="3843240" y="3629013"/>
+            <a:chExt cx="1223496" cy="234000"/>
+          </a:xfrm>
+        </p:grpSpPr>
+        <p:pic>
+          <p:nvPicPr>
+            <p:cNvPr id="20" name="Imagem 19"/>
+            <p:cNvPicPr>
+              <a:picLocks noChangeAspect="1"/>
+            </p:cNvPicPr>
+            <p:nvPr/>
+          </p:nvPicPr>
+          <p:blipFill>
+            <a:blip r:embed="rId3">
+              <a:extLst>
+                <a:ext uri="{28A0092B-C50C-407E-A947-70E740481C1C}">
+                  <a14:useLocalDpi xmlns:a14="http://schemas.microsoft.com/office/drawing/2010/main" val="0"/>
+                </a:ext>
+              </a:extLst>
+            </a:blip>
+            <a:stretch>
+              <a:fillRect/>
+            </a:stretch>
+          </p:blipFill>
+          <p:spPr>
+            <a:xfrm>
+              <a:off x="3843240" y="3629013"/>
+              <a:ext cx="234000" cy="234000"/>
+            </a:xfrm>
+            <a:prstGeom prst="rect">
+              <a:avLst/>
+            </a:prstGeom>
+          </p:spPr>
+        </p:pic>
+        <p:pic>
+          <p:nvPicPr>
+            <p:cNvPr id="21" name="Imagem 20"/>
+            <p:cNvPicPr>
+              <a:picLocks noChangeAspect="1"/>
+            </p:cNvPicPr>
+            <p:nvPr/>
+          </p:nvPicPr>
+          <p:blipFill>
+            <a:blip r:embed="rId4">
+              <a:extLst>
+                <a:ext uri="{28A0092B-C50C-407E-A947-70E740481C1C}">
+                  <a14:useLocalDpi xmlns:a14="http://schemas.microsoft.com/office/drawing/2010/main" val="0"/>
+                </a:ext>
+              </a:extLst>
+            </a:blip>
+            <a:stretch>
+              <a:fillRect/>
+            </a:stretch>
+          </p:blipFill>
+          <p:spPr>
+            <a:xfrm>
+              <a:off x="4173072" y="3629013"/>
+              <a:ext cx="234000" cy="234000"/>
+            </a:xfrm>
+            <a:prstGeom prst="rect">
+              <a:avLst/>
+            </a:prstGeom>
+          </p:spPr>
+        </p:pic>
+        <p:pic>
+          <p:nvPicPr>
+            <p:cNvPr id="22" name="Imagem 21"/>
+            <p:cNvPicPr>
+              <a:picLocks noChangeAspect="1"/>
+            </p:cNvPicPr>
+            <p:nvPr/>
+          </p:nvPicPr>
+          <p:blipFill>
+            <a:blip r:embed="rId5">
+              <a:extLst>
+                <a:ext uri="{28A0092B-C50C-407E-A947-70E740481C1C}">
+                  <a14:useLocalDpi xmlns:a14="http://schemas.microsoft.com/office/drawing/2010/main" val="0"/>
+                </a:ext>
+              </a:extLst>
+            </a:blip>
+            <a:stretch>
+              <a:fillRect/>
+            </a:stretch>
+          </p:blipFill>
+          <p:spPr>
+            <a:xfrm>
+              <a:off x="4502904" y="3629013"/>
+              <a:ext cx="234000" cy="234000"/>
+            </a:xfrm>
+            <a:prstGeom prst="rect">
+              <a:avLst/>
+            </a:prstGeom>
+          </p:spPr>
+        </p:pic>
+        <p:pic>
+          <p:nvPicPr>
+            <p:cNvPr id="23" name="Imagem 22"/>
+            <p:cNvPicPr>
+              <a:picLocks noChangeAspect="1"/>
+            </p:cNvPicPr>
+            <p:nvPr/>
+          </p:nvPicPr>
+          <p:blipFill>
+            <a:blip r:embed="rId6">
+              <a:extLst>
+                <a:ext uri="{28A0092B-C50C-407E-A947-70E740481C1C}">
+                  <a14:useLocalDpi xmlns:a14="http://schemas.microsoft.com/office/drawing/2010/main" val="0"/>
+                </a:ext>
+              </a:extLst>
+            </a:blip>
+            <a:stretch>
+              <a:fillRect/>
+            </a:stretch>
+          </p:blipFill>
+          <p:spPr>
+            <a:xfrm>
+              <a:off x="4832736" y="3629013"/>
+              <a:ext cx="234000" cy="234000"/>
+            </a:xfrm>
+            <a:prstGeom prst="rect">
+              <a:avLst/>
+            </a:prstGeom>
+          </p:spPr>
+        </p:pic>
+      </p:grpSp>
+      <p:grpSp>
+        <p:nvGrpSpPr>
+          <p:cNvPr id="3" name="Grupo 2"/>
+          <p:cNvGrpSpPr/>
+          <p:nvPr/>
+        </p:nvGrpSpPr>
+        <p:grpSpPr>
+          <a:xfrm>
+            <a:off x="4240326" y="2911296"/>
+            <a:ext cx="663349" cy="180000"/>
+            <a:chOff x="4215375" y="2816951"/>
+            <a:chExt cx="663349" cy="180000"/>
+          </a:xfrm>
+        </p:grpSpPr>
+        <p:pic>
+          <p:nvPicPr>
+            <p:cNvPr id="16" name="Imagem 15"/>
+            <p:cNvPicPr>
+              <a:picLocks noChangeAspect="1"/>
+            </p:cNvPicPr>
+            <p:nvPr/>
+          </p:nvPicPr>
+          <p:blipFill>
+            <a:blip r:embed="rId7">
+              <a:extLst>
+                <a:ext uri="{28A0092B-C50C-407E-A947-70E740481C1C}">
+                  <a14:useLocalDpi xmlns:a14="http://schemas.microsoft.com/office/drawing/2010/main" val="0"/>
+                </a:ext>
+              </a:extLst>
+            </a:blip>
+            <a:stretch>
+              <a:fillRect/>
+            </a:stretch>
+          </p:blipFill>
+          <p:spPr>
+            <a:xfrm>
+              <a:off x="4215375" y="2816951"/>
+              <a:ext cx="185625" cy="180000"/>
+            </a:xfrm>
+            <a:prstGeom prst="rect">
+              <a:avLst/>
+            </a:prstGeom>
+          </p:spPr>
+        </p:pic>
+        <p:pic>
+          <p:nvPicPr>
+            <p:cNvPr id="34" name="Imagem 33"/>
+            <p:cNvPicPr>
+              <a:picLocks noChangeAspect="1"/>
+            </p:cNvPicPr>
+            <p:nvPr/>
+          </p:nvPicPr>
+          <p:blipFill>
+            <a:blip r:embed="rId7">
+              <a:extLst>
+                <a:ext uri="{28A0092B-C50C-407E-A947-70E740481C1C}">
+                  <a14:useLocalDpi xmlns:a14="http://schemas.microsoft.com/office/drawing/2010/main" val="0"/>
+                </a:ext>
+              </a:extLst>
+            </a:blip>
+            <a:stretch>
+              <a:fillRect/>
+            </a:stretch>
+          </p:blipFill>
+          <p:spPr>
+            <a:xfrm>
+              <a:off x="4454237" y="2816951"/>
+              <a:ext cx="185625" cy="180000"/>
+            </a:xfrm>
+            <a:prstGeom prst="rect">
+              <a:avLst/>
+            </a:prstGeom>
+          </p:spPr>
+        </p:pic>
+        <p:pic>
+          <p:nvPicPr>
+            <p:cNvPr id="35" name="Imagem 34"/>
+            <p:cNvPicPr>
+              <a:picLocks noChangeAspect="1"/>
+            </p:cNvPicPr>
+            <p:nvPr/>
+          </p:nvPicPr>
+          <p:blipFill>
+            <a:blip r:embed="rId7">
+              <a:extLst>
+                <a:ext uri="{28A0092B-C50C-407E-A947-70E740481C1C}">
+                  <a14:useLocalDpi xmlns:a14="http://schemas.microsoft.com/office/drawing/2010/main" val="0"/>
+                </a:ext>
+              </a:extLst>
+            </a:blip>
+            <a:stretch>
+              <a:fillRect/>
+            </a:stretch>
+          </p:blipFill>
+          <p:spPr>
+            <a:xfrm>
+              <a:off x="4693099" y="2816951"/>
+              <a:ext cx="185625" cy="180000"/>
+            </a:xfrm>
+            <a:prstGeom prst="rect">
+              <a:avLst/>
+            </a:prstGeom>
+          </p:spPr>
+        </p:pic>
+      </p:grpSp>
+    </p:spTree>
+    <p:extLst>
+      <p:ext uri="{BB962C8B-B14F-4D97-AF65-F5344CB8AC3E}">
+        <p14:creationId xmlns:p14="http://schemas.microsoft.com/office/powerpoint/2010/main" val="4228403384"/>
+      </p:ext>
+    </p:extLst>
+  </p:cSld>
+  <p:clrMapOvr>
+    <a:masterClrMapping/>
+  </p:clrMapOvr>
+  <mc:AlternateContent xmlns:mc="http://schemas.openxmlformats.org/markup-compatibility/2006" xmlns:p14="http://schemas.microsoft.com/office/powerpoint/2010/main">
+    <mc:Choice Requires="p14">
+      <p:transition spd="med" p14:dur="700">
+        <p:fade/>
+      </p:transition>
+    </mc:Choice>
+    <mc:Fallback xmlns="">
+      <p:transition spd="med">
+        <p:fade/>
+      </p:transition>
+    </mc:Fallback>
+  </mc:AlternateContent>
+  <p:timing>
+    <p:tnLst>
+      <p:par>
+        <p:cTn id="1" dur="indefinite" restart="never" nodeType="tmRoot"/>
+      </p:par>
+    </p:tnLst>
+  </p:timing>
+</p:sld>
+</file>
+
+<file path=ppt/slides/slide12.xml><?xml version="1.0" encoding="utf-8"?>
+<p:sld xmlns:a="http://schemas.openxmlformats.org/drawingml/2006/main" xmlns:r="http://schemas.openxmlformats.org/officeDocument/2006/relationships" xmlns:p="http://schemas.openxmlformats.org/presentationml/2006/main">
+  <p:cSld>
+    <p:spTree>
+      <p:nvGrpSpPr>
+        <p:cNvPr id="1" name=""/>
+        <p:cNvGrpSpPr/>
+        <p:nvPr/>
+      </p:nvGrpSpPr>
+      <p:grpSpPr>
+        <a:xfrm>
+          <a:off x="0" y="0"/>
+          <a:ext cx="0" cy="0"/>
+          <a:chOff x="0" y="0"/>
+          <a:chExt cx="0" cy="0"/>
+        </a:xfrm>
+      </p:grpSpPr>
+      <p:pic>
+        <p:nvPicPr>
           <p:cNvPr id="2" name="Imagem 1"/>
           <p:cNvPicPr>
             <a:picLocks noChangeAspect="1"/>
@@ -4930,7 +5437,7 @@
 </p:sld>
 </file>
 
-<file path=ppt/slides/slide12.xml><?xml version="1.0" encoding="utf-8"?>
+<file path=ppt/slides/slide13.xml><?xml version="1.0" encoding="utf-8"?>
 <p:sld xmlns:a="http://schemas.openxmlformats.org/drawingml/2006/main" xmlns:r="http://schemas.openxmlformats.org/officeDocument/2006/relationships" xmlns:p="http://schemas.openxmlformats.org/presentationml/2006/main">
   <p:cSld>
     <p:spTree>
@@ -5562,7 +6069,7 @@
 </p:sld>
 </file>
 
-<file path=ppt/slides/slide13.xml><?xml version="1.0" encoding="utf-8"?>
+<file path=ppt/slides/slide14.xml><?xml version="1.0" encoding="utf-8"?>
 <p:sld xmlns:a="http://schemas.openxmlformats.org/drawingml/2006/main" xmlns:r="http://schemas.openxmlformats.org/officeDocument/2006/relationships" xmlns:p="http://schemas.openxmlformats.org/presentationml/2006/main">
   <p:cSld>
     <p:spTree>
@@ -6025,1358 +6532,6 @@
     <p:extLst>
       <p:ext uri="{BB962C8B-B14F-4D97-AF65-F5344CB8AC3E}">
         <p14:creationId xmlns:p14="http://schemas.microsoft.com/office/powerpoint/2010/main" val="2053533236"/>
-      </p:ext>
-    </p:extLst>
-  </p:cSld>
-  <p:clrMapOvr>
-    <a:masterClrMapping/>
-  </p:clrMapOvr>
-  <mc:AlternateContent xmlns:mc="http://schemas.openxmlformats.org/markup-compatibility/2006" xmlns:p14="http://schemas.microsoft.com/office/powerpoint/2010/main">
-    <mc:Choice Requires="p14">
-      <p:transition spd="med" p14:dur="700">
-        <p:fade/>
-      </p:transition>
-    </mc:Choice>
-    <mc:Fallback xmlns="">
-      <p:transition spd="med">
-        <p:fade/>
-      </p:transition>
-    </mc:Fallback>
-  </mc:AlternateContent>
-  <p:timing>
-    <p:tnLst>
-      <p:par>
-        <p:cTn id="1" dur="indefinite" restart="never" nodeType="tmRoot"/>
-      </p:par>
-    </p:tnLst>
-  </p:timing>
-</p:sld>
-</file>
-
-<file path=ppt/slides/slide14.xml><?xml version="1.0" encoding="utf-8"?>
-<p:sld xmlns:a="http://schemas.openxmlformats.org/drawingml/2006/main" xmlns:r="http://schemas.openxmlformats.org/officeDocument/2006/relationships" xmlns:p="http://schemas.openxmlformats.org/presentationml/2006/main">
-  <p:cSld>
-    <p:spTree>
-      <p:nvGrpSpPr>
-        <p:cNvPr id="1" name=""/>
-        <p:cNvGrpSpPr/>
-        <p:nvPr/>
-      </p:nvGrpSpPr>
-      <p:grpSpPr>
-        <a:xfrm>
-          <a:off x="0" y="0"/>
-          <a:ext cx="0" cy="0"/>
-          <a:chOff x="0" y="0"/>
-          <a:chExt cx="0" cy="0"/>
-        </a:xfrm>
-      </p:grpSpPr>
-      <p:pic>
-        <p:nvPicPr>
-          <p:cNvPr id="2" name="Imagem 1"/>
-          <p:cNvPicPr>
-            <a:picLocks noChangeAspect="1"/>
-          </p:cNvPicPr>
-          <p:nvPr/>
-        </p:nvPicPr>
-        <p:blipFill>
-          <a:blip r:embed="rId2">
-            <a:extLst>
-              <a:ext uri="{BEBA8EAE-BF5A-486C-A8C5-ECC9F3942E4B}">
-                <a14:imgProps xmlns:a14="http://schemas.microsoft.com/office/drawing/2010/main">
-                  <a14:imgLayer r:embed="rId3">
-                    <a14:imgEffect>
-                      <a14:brightnessContrast bright="-50000" contrast="30000"/>
-                    </a14:imgEffect>
-                  </a14:imgLayer>
-                </a14:imgProps>
-              </a:ext>
-              <a:ext uri="{28A0092B-C50C-407E-A947-70E740481C1C}">
-                <a14:useLocalDpi xmlns:a14="http://schemas.microsoft.com/office/drawing/2010/main" val="0"/>
-              </a:ext>
-            </a:extLst>
-          </a:blip>
-          <a:stretch>
-            <a:fillRect/>
-          </a:stretch>
-        </p:blipFill>
-        <p:spPr>
-          <a:xfrm>
-            <a:off x="762000" y="571500"/>
-            <a:ext cx="7620000" cy="5715000"/>
-          </a:xfrm>
-          <a:prstGeom prst="rect">
-            <a:avLst/>
-          </a:prstGeom>
-        </p:spPr>
-      </p:pic>
-      <p:sp>
-        <p:nvSpPr>
-          <p:cNvPr id="3" name="CaixaDeTexto 2"/>
-          <p:cNvSpPr txBox="1"/>
-          <p:nvPr/>
-        </p:nvSpPr>
-        <p:spPr>
-          <a:xfrm rot="19008857">
-            <a:off x="528713" y="1084187"/>
-            <a:ext cx="1983662" cy="553998"/>
-          </a:xfrm>
-          <a:prstGeom prst="rect">
-            <a:avLst/>
-          </a:prstGeom>
-          <a:noFill/>
-        </p:spPr>
-        <p:txBody>
-          <a:bodyPr wrap="square" rtlCol="0">
-            <a:spAutoFit/>
-          </a:bodyPr>
-          <a:lstStyle/>
-          <a:p>
-            <a:r>
-              <a:rPr lang="pt-BR" sz="3000" dirty="0" smtClean="0">
-                <a:solidFill>
-                  <a:srgbClr val="FFFF00"/>
-                </a:solidFill>
-                <a:latin typeface="SAF" pitchFamily="50" charset="0"/>
-              </a:rPr>
-              <a:t>OHH</a:t>
-            </a:r>
-            <a:r>
-              <a:rPr lang="pt-BR" sz="3000" dirty="0" smtClean="0">
-                <a:solidFill>
-                  <a:schemeClr val="bg1">
-                    <a:lumMod val="50000"/>
-                    <a:lumOff val="50000"/>
-                  </a:schemeClr>
-                </a:solidFill>
-                <a:latin typeface="SAF" pitchFamily="50" charset="0"/>
-              </a:rPr>
-              <a:t>MAN!</a:t>
-            </a:r>
-          </a:p>
-        </p:txBody>
-      </p:sp>
-      <p:sp>
-        <p:nvSpPr>
-          <p:cNvPr id="4" name="CaixaDeTexto 3"/>
-          <p:cNvSpPr txBox="1"/>
-          <p:nvPr/>
-        </p:nvSpPr>
-        <p:spPr>
-          <a:xfrm>
-            <a:off x="6621124" y="5686336"/>
-            <a:ext cx="1760876" cy="600164"/>
-          </a:xfrm>
-          <a:prstGeom prst="rect">
-            <a:avLst/>
-          </a:prstGeom>
-          <a:noFill/>
-        </p:spPr>
-        <p:txBody>
-          <a:bodyPr wrap="square" rtlCol="0">
-            <a:spAutoFit/>
-          </a:bodyPr>
-          <a:lstStyle/>
-          <a:p>
-            <a:pPr algn="ctr">
-              <a:lnSpc>
-                <a:spcPct val="110000"/>
-              </a:lnSpc>
-            </a:pPr>
-            <a:r>
-              <a:rPr lang="pt-BR" sz="3000" dirty="0" smtClean="0">
-                <a:solidFill>
-                  <a:schemeClr val="bg1">
-                    <a:lumMod val="50000"/>
-                    <a:lumOff val="50000"/>
-                  </a:schemeClr>
-                </a:solidFill>
-                <a:latin typeface="SAF" pitchFamily="50" charset="0"/>
-              </a:rPr>
-              <a:t>Go</a:t>
-            </a:r>
-            <a:r>
-              <a:rPr lang="pt-BR" sz="3000" dirty="0" smtClean="0">
-                <a:solidFill>
-                  <a:schemeClr val="bg1">
-                    <a:lumMod val="50000"/>
-                    <a:lumOff val="50000"/>
-                  </a:schemeClr>
-                </a:solidFill>
-                <a:latin typeface="Adobe Gothic Std B" pitchFamily="34" charset="-128"/>
-                <a:ea typeface="Adobe Gothic Std B" pitchFamily="34" charset="-128"/>
-              </a:rPr>
-              <a:t>-</a:t>
-            </a:r>
-            <a:r>
-              <a:rPr lang="pt-BR" sz="3000" dirty="0" err="1" smtClean="0">
-                <a:solidFill>
-                  <a:schemeClr val="bg1">
-                    <a:lumMod val="50000"/>
-                    <a:lumOff val="50000"/>
-                  </a:schemeClr>
-                </a:solidFill>
-                <a:latin typeface="SAF" pitchFamily="50" charset="0"/>
-              </a:rPr>
-              <a:t>Ohh</a:t>
-            </a:r>
-            <a:r>
-              <a:rPr lang="pt-BR" sz="3000" dirty="0" smtClean="0">
-                <a:solidFill>
-                  <a:schemeClr val="bg1">
-                    <a:lumMod val="50000"/>
-                    <a:lumOff val="50000"/>
-                  </a:schemeClr>
-                </a:solidFill>
-                <a:latin typeface="SAF" pitchFamily="50" charset="0"/>
-              </a:rPr>
-              <a:t>!</a:t>
-            </a:r>
-            <a:endParaRPr lang="pt-BR" sz="3000" dirty="0">
-              <a:solidFill>
-                <a:schemeClr val="bg1">
-                  <a:lumMod val="50000"/>
-                  <a:lumOff val="50000"/>
-                </a:schemeClr>
-              </a:solidFill>
-              <a:latin typeface="SAF" pitchFamily="50" charset="0"/>
-            </a:endParaRPr>
-          </a:p>
-        </p:txBody>
-      </p:sp>
-      <p:sp>
-        <p:nvSpPr>
-          <p:cNvPr id="9" name="Elipse 8"/>
-          <p:cNvSpPr/>
-          <p:nvPr/>
-        </p:nvSpPr>
-        <p:spPr>
-          <a:xfrm>
-            <a:off x="842237" y="1765314"/>
-            <a:ext cx="216000" cy="216000"/>
-          </a:xfrm>
-          <a:prstGeom prst="ellipse">
-            <a:avLst/>
-          </a:prstGeom>
-          <a:solidFill>
-            <a:srgbClr val="FFFF00"/>
-          </a:solidFill>
-          <a:ln>
-            <a:noFill/>
-          </a:ln>
-        </p:spPr>
-        <p:style>
-          <a:lnRef idx="2">
-            <a:schemeClr val="accent1">
-              <a:shade val="50000"/>
-            </a:schemeClr>
-          </a:lnRef>
-          <a:fillRef idx="1">
-            <a:schemeClr val="accent1"/>
-          </a:fillRef>
-          <a:effectRef idx="0">
-            <a:schemeClr val="accent1"/>
-          </a:effectRef>
-          <a:fontRef idx="minor">
-            <a:schemeClr val="lt1"/>
-          </a:fontRef>
-        </p:style>
-        <p:txBody>
-          <a:bodyPr rtlCol="0" anchor="ctr"/>
-          <a:lstStyle/>
-          <a:p>
-            <a:pPr algn="ctr"/>
-            <a:endParaRPr lang="pt-BR">
-              <a:solidFill>
-                <a:srgbClr val="FFFF66"/>
-              </a:solidFill>
-            </a:endParaRPr>
-          </a:p>
-        </p:txBody>
-      </p:sp>
-      <p:grpSp>
-        <p:nvGrpSpPr>
-          <p:cNvPr id="10" name="Grupo 9"/>
-          <p:cNvGrpSpPr/>
-          <p:nvPr/>
-        </p:nvGrpSpPr>
-        <p:grpSpPr>
-          <a:xfrm>
-            <a:off x="912324" y="5821008"/>
-            <a:ext cx="1216440" cy="331637"/>
-            <a:chOff x="115200" y="6381328"/>
-            <a:chExt cx="1216440" cy="331637"/>
-          </a:xfrm>
-        </p:grpSpPr>
-        <p:pic>
-          <p:nvPicPr>
-            <p:cNvPr id="11" name="Imagem 10"/>
-            <p:cNvPicPr>
-              <a:picLocks noChangeAspect="1"/>
-            </p:cNvPicPr>
-            <p:nvPr/>
-          </p:nvPicPr>
-          <p:blipFill>
-            <a:blip r:embed="rId4">
-              <a:extLst>
-                <a:ext uri="{28A0092B-C50C-407E-A947-70E740481C1C}">
-                  <a14:useLocalDpi xmlns:a14="http://schemas.microsoft.com/office/drawing/2010/main" val="0"/>
-                </a:ext>
-              </a:extLst>
-            </a:blip>
-            <a:stretch>
-              <a:fillRect/>
-            </a:stretch>
-          </p:blipFill>
-          <p:spPr>
-            <a:xfrm>
-              <a:off x="115200" y="6381328"/>
-              <a:ext cx="342000" cy="331637"/>
-            </a:xfrm>
-            <a:prstGeom prst="rect">
-              <a:avLst/>
-            </a:prstGeom>
-          </p:spPr>
-        </p:pic>
-        <p:pic>
-          <p:nvPicPr>
-            <p:cNvPr id="12" name="Imagem 11"/>
-            <p:cNvPicPr>
-              <a:picLocks noChangeAspect="1"/>
-            </p:cNvPicPr>
-            <p:nvPr/>
-          </p:nvPicPr>
-          <p:blipFill>
-            <a:blip r:embed="rId4">
-              <a:extLst>
-                <a:ext uri="{28A0092B-C50C-407E-A947-70E740481C1C}">
-                  <a14:useLocalDpi xmlns:a14="http://schemas.microsoft.com/office/drawing/2010/main" val="0"/>
-                </a:ext>
-              </a:extLst>
-            </a:blip>
-            <a:stretch>
-              <a:fillRect/>
-            </a:stretch>
-          </p:blipFill>
-          <p:spPr>
-            <a:xfrm>
-              <a:off x="552420" y="6381328"/>
-              <a:ext cx="342000" cy="331637"/>
-            </a:xfrm>
-            <a:prstGeom prst="rect">
-              <a:avLst/>
-            </a:prstGeom>
-          </p:spPr>
-        </p:pic>
-        <p:pic>
-          <p:nvPicPr>
-            <p:cNvPr id="13" name="Imagem 12"/>
-            <p:cNvPicPr>
-              <a:picLocks noChangeAspect="1"/>
-            </p:cNvPicPr>
-            <p:nvPr/>
-          </p:nvPicPr>
-          <p:blipFill>
-            <a:blip r:embed="rId4">
-              <a:extLst>
-                <a:ext uri="{28A0092B-C50C-407E-A947-70E740481C1C}">
-                  <a14:useLocalDpi xmlns:a14="http://schemas.microsoft.com/office/drawing/2010/main" val="0"/>
-                </a:ext>
-              </a:extLst>
-            </a:blip>
-            <a:stretch>
-              <a:fillRect/>
-            </a:stretch>
-          </p:blipFill>
-          <p:spPr>
-            <a:xfrm>
-              <a:off x="989640" y="6381328"/>
-              <a:ext cx="342000" cy="331637"/>
-            </a:xfrm>
-            <a:prstGeom prst="rect">
-              <a:avLst/>
-            </a:prstGeom>
-          </p:spPr>
-        </p:pic>
-      </p:grpSp>
-      <p:sp>
-        <p:nvSpPr>
-          <p:cNvPr id="14" name="Título 5"/>
-          <p:cNvSpPr txBox="1">
-            <a:spLocks/>
-          </p:cNvSpPr>
-          <p:nvPr/>
-        </p:nvSpPr>
-        <p:spPr>
-          <a:xfrm>
-            <a:off x="457200" y="632433"/>
-            <a:ext cx="8229600" cy="1582311"/>
-          </a:xfrm>
-          <a:prstGeom prst="rect">
-            <a:avLst/>
-          </a:prstGeom>
-        </p:spPr>
-        <p:txBody>
-          <a:bodyPr vert="horz" lIns="91440" tIns="45720" rIns="91440" bIns="45720" rtlCol="0" anchor="ctr">
-            <a:normAutofit/>
-          </a:bodyPr>
-          <a:lstStyle>
-            <a:defPPr>
-              <a:defRPr lang="pt-BR"/>
-            </a:defPPr>
-            <a:lvl1pPr marL="0" algn="l" defTabSz="914400" rtl="0" eaLnBrk="1" latinLnBrk="0" hangingPunct="1">
-              <a:defRPr sz="1800" kern="1200">
-                <a:solidFill>
-                  <a:schemeClr val="tx1"/>
-                </a:solidFill>
-                <a:latin typeface="+mn-lt"/>
-                <a:ea typeface="+mn-ea"/>
-                <a:cs typeface="+mn-cs"/>
-              </a:defRPr>
-            </a:lvl1pPr>
-            <a:lvl2pPr marL="457200" algn="l" defTabSz="914400" rtl="0" eaLnBrk="1" latinLnBrk="0" hangingPunct="1">
-              <a:defRPr sz="1800" kern="1200">
-                <a:solidFill>
-                  <a:schemeClr val="tx1"/>
-                </a:solidFill>
-                <a:latin typeface="+mn-lt"/>
-                <a:ea typeface="+mn-ea"/>
-                <a:cs typeface="+mn-cs"/>
-              </a:defRPr>
-            </a:lvl2pPr>
-            <a:lvl3pPr marL="914400" algn="l" defTabSz="914400" rtl="0" eaLnBrk="1" latinLnBrk="0" hangingPunct="1">
-              <a:defRPr sz="1800" kern="1200">
-                <a:solidFill>
-                  <a:schemeClr val="tx1"/>
-                </a:solidFill>
-                <a:latin typeface="+mn-lt"/>
-                <a:ea typeface="+mn-ea"/>
-                <a:cs typeface="+mn-cs"/>
-              </a:defRPr>
-            </a:lvl3pPr>
-            <a:lvl4pPr marL="1371600" algn="l" defTabSz="914400" rtl="0" eaLnBrk="1" latinLnBrk="0" hangingPunct="1">
-              <a:defRPr sz="1800" kern="1200">
-                <a:solidFill>
-                  <a:schemeClr val="tx1"/>
-                </a:solidFill>
-                <a:latin typeface="+mn-lt"/>
-                <a:ea typeface="+mn-ea"/>
-                <a:cs typeface="+mn-cs"/>
-              </a:defRPr>
-            </a:lvl4pPr>
-            <a:lvl5pPr marL="1828800" algn="l" defTabSz="914400" rtl="0" eaLnBrk="1" latinLnBrk="0" hangingPunct="1">
-              <a:defRPr sz="1800" kern="1200">
-                <a:solidFill>
-                  <a:schemeClr val="tx1"/>
-                </a:solidFill>
-                <a:latin typeface="+mn-lt"/>
-                <a:ea typeface="+mn-ea"/>
-                <a:cs typeface="+mn-cs"/>
-              </a:defRPr>
-            </a:lvl5pPr>
-            <a:lvl6pPr marL="2286000" algn="l" defTabSz="914400" rtl="0" eaLnBrk="1" latinLnBrk="0" hangingPunct="1">
-              <a:defRPr sz="1800" kern="1200">
-                <a:solidFill>
-                  <a:schemeClr val="tx1"/>
-                </a:solidFill>
-                <a:latin typeface="+mn-lt"/>
-                <a:ea typeface="+mn-ea"/>
-                <a:cs typeface="+mn-cs"/>
-              </a:defRPr>
-            </a:lvl6pPr>
-            <a:lvl7pPr marL="2743200" algn="l" defTabSz="914400" rtl="0" eaLnBrk="1" latinLnBrk="0" hangingPunct="1">
-              <a:defRPr sz="1800" kern="1200">
-                <a:solidFill>
-                  <a:schemeClr val="tx1"/>
-                </a:solidFill>
-                <a:latin typeface="+mn-lt"/>
-                <a:ea typeface="+mn-ea"/>
-                <a:cs typeface="+mn-cs"/>
-              </a:defRPr>
-            </a:lvl7pPr>
-            <a:lvl8pPr marL="3200400" algn="l" defTabSz="914400" rtl="0" eaLnBrk="1" latinLnBrk="0" hangingPunct="1">
-              <a:defRPr sz="1800" kern="1200">
-                <a:solidFill>
-                  <a:schemeClr val="tx1"/>
-                </a:solidFill>
-                <a:latin typeface="+mn-lt"/>
-                <a:ea typeface="+mn-ea"/>
-                <a:cs typeface="+mn-cs"/>
-              </a:defRPr>
-            </a:lvl8pPr>
-            <a:lvl9pPr marL="3657600" algn="l" defTabSz="914400" rtl="0" eaLnBrk="1" latinLnBrk="0" hangingPunct="1">
-              <a:defRPr sz="1800" kern="1200">
-                <a:solidFill>
-                  <a:schemeClr val="tx1"/>
-                </a:solidFill>
-                <a:latin typeface="+mn-lt"/>
-                <a:ea typeface="+mn-ea"/>
-                <a:cs typeface="+mn-cs"/>
-              </a:defRPr>
-            </a:lvl9pPr>
-          </a:lstStyle>
-          <a:p>
-            <a:pPr algn="ctr"/>
-            <a:r>
-              <a:rPr lang="pt-BR" sz="7000" dirty="0" smtClean="0">
-                <a:solidFill>
-                  <a:srgbClr val="FFFF00"/>
-                </a:solidFill>
-                <a:latin typeface="SAF" pitchFamily="50" charset="0"/>
-              </a:rPr>
-              <a:t>OHH</a:t>
-            </a:r>
-            <a:r>
-              <a:rPr lang="pt-BR" sz="7000" dirty="0" smtClean="0">
-                <a:solidFill>
-                  <a:schemeClr val="bg1">
-                    <a:lumMod val="50000"/>
-                    <a:lumOff val="50000"/>
-                  </a:schemeClr>
-                </a:solidFill>
-                <a:latin typeface="SAF" pitchFamily="50" charset="0"/>
-              </a:rPr>
-              <a:t>Man</a:t>
-            </a:r>
-            <a:endParaRPr lang="pt-BR" sz="7000" dirty="0">
-              <a:solidFill>
-                <a:schemeClr val="bg1">
-                  <a:lumMod val="50000"/>
-                  <a:lumOff val="50000"/>
-                </a:schemeClr>
-              </a:solidFill>
-              <a:latin typeface="SAF" pitchFamily="50" charset="0"/>
-            </a:endParaRPr>
-          </a:p>
-        </p:txBody>
-      </p:sp>
-      <p:grpSp>
-        <p:nvGrpSpPr>
-          <p:cNvPr id="15" name="Grupo 14"/>
-          <p:cNvGrpSpPr/>
-          <p:nvPr/>
-        </p:nvGrpSpPr>
-        <p:grpSpPr>
-          <a:xfrm>
-            <a:off x="2103726" y="1028807"/>
-            <a:ext cx="342857" cy="789562"/>
-            <a:chOff x="2267744" y="1027966"/>
-            <a:chExt cx="342857" cy="789562"/>
-          </a:xfrm>
-        </p:grpSpPr>
-        <p:pic>
-          <p:nvPicPr>
-            <p:cNvPr id="16" name="Imagem 15"/>
-            <p:cNvPicPr>
-              <a:picLocks noChangeAspect="1"/>
-            </p:cNvPicPr>
-            <p:nvPr/>
-          </p:nvPicPr>
-          <p:blipFill>
-            <a:blip r:embed="rId5">
-              <a:extLst>
-                <a:ext uri="{28A0092B-C50C-407E-A947-70E740481C1C}">
-                  <a14:useLocalDpi xmlns:a14="http://schemas.microsoft.com/office/drawing/2010/main" val="0"/>
-                </a:ext>
-              </a:extLst>
-            </a:blip>
-            <a:stretch>
-              <a:fillRect/>
-            </a:stretch>
-          </p:blipFill>
-          <p:spPr>
-            <a:xfrm>
-              <a:off x="2267744" y="1027966"/>
-              <a:ext cx="342857" cy="342857"/>
-            </a:xfrm>
-            <a:prstGeom prst="rect">
-              <a:avLst/>
-            </a:prstGeom>
-          </p:spPr>
-        </p:pic>
-        <p:pic>
-          <p:nvPicPr>
-            <p:cNvPr id="17" name="Imagem 16"/>
-            <p:cNvPicPr>
-              <a:picLocks noChangeAspect="1"/>
-            </p:cNvPicPr>
-            <p:nvPr/>
-          </p:nvPicPr>
-          <p:blipFill>
-            <a:blip r:embed="rId6">
-              <a:extLst>
-                <a:ext uri="{28A0092B-C50C-407E-A947-70E740481C1C}">
-                  <a14:useLocalDpi xmlns:a14="http://schemas.microsoft.com/office/drawing/2010/main" val="0"/>
-                </a:ext>
-              </a:extLst>
-            </a:blip>
-            <a:stretch>
-              <a:fillRect/>
-            </a:stretch>
-          </p:blipFill>
-          <p:spPr>
-            <a:xfrm>
-              <a:off x="2267744" y="1474671"/>
-              <a:ext cx="342857" cy="342857"/>
-            </a:xfrm>
-            <a:prstGeom prst="rect">
-              <a:avLst/>
-            </a:prstGeom>
-          </p:spPr>
-        </p:pic>
-      </p:grpSp>
-      <p:grpSp>
-        <p:nvGrpSpPr>
-          <p:cNvPr id="18" name="Grupo 17"/>
-          <p:cNvGrpSpPr/>
-          <p:nvPr/>
-        </p:nvGrpSpPr>
-        <p:grpSpPr>
-          <a:xfrm>
-            <a:off x="6682048" y="1028807"/>
-            <a:ext cx="342857" cy="789562"/>
-            <a:chOff x="1763688" y="1027965"/>
-            <a:chExt cx="342857" cy="789562"/>
-          </a:xfrm>
-        </p:grpSpPr>
-        <p:pic>
-          <p:nvPicPr>
-            <p:cNvPr id="19" name="Imagem 18"/>
-            <p:cNvPicPr>
-              <a:picLocks noChangeAspect="1"/>
-            </p:cNvPicPr>
-            <p:nvPr/>
-          </p:nvPicPr>
-          <p:blipFill>
-            <a:blip r:embed="rId7">
-              <a:extLst>
-                <a:ext uri="{28A0092B-C50C-407E-A947-70E740481C1C}">
-                  <a14:useLocalDpi xmlns:a14="http://schemas.microsoft.com/office/drawing/2010/main" val="0"/>
-                </a:ext>
-              </a:extLst>
-            </a:blip>
-            <a:stretch>
-              <a:fillRect/>
-            </a:stretch>
-          </p:blipFill>
-          <p:spPr>
-            <a:xfrm>
-              <a:off x="1763688" y="1027965"/>
-              <a:ext cx="342857" cy="342857"/>
-            </a:xfrm>
-            <a:prstGeom prst="rect">
-              <a:avLst/>
-            </a:prstGeom>
-          </p:spPr>
-        </p:pic>
-        <p:pic>
-          <p:nvPicPr>
-            <p:cNvPr id="20" name="Imagem 19"/>
-            <p:cNvPicPr>
-              <a:picLocks noChangeAspect="1"/>
-            </p:cNvPicPr>
-            <p:nvPr/>
-          </p:nvPicPr>
-          <p:blipFill>
-            <a:blip r:embed="rId8">
-              <a:extLst>
-                <a:ext uri="{28A0092B-C50C-407E-A947-70E740481C1C}">
-                  <a14:useLocalDpi xmlns:a14="http://schemas.microsoft.com/office/drawing/2010/main" val="0"/>
-                </a:ext>
-              </a:extLst>
-            </a:blip>
-            <a:stretch>
-              <a:fillRect/>
-            </a:stretch>
-          </p:blipFill>
-          <p:spPr>
-            <a:xfrm>
-              <a:off x="1763688" y="1474670"/>
-              <a:ext cx="342857" cy="342857"/>
-            </a:xfrm>
-            <a:prstGeom prst="rect">
-              <a:avLst/>
-            </a:prstGeom>
-          </p:spPr>
-        </p:pic>
-      </p:grpSp>
-      <p:grpSp>
-        <p:nvGrpSpPr>
-          <p:cNvPr id="37" name="Grupo 36"/>
-          <p:cNvGrpSpPr/>
-          <p:nvPr/>
-        </p:nvGrpSpPr>
-        <p:grpSpPr>
-          <a:xfrm>
-            <a:off x="3168000" y="3216253"/>
-            <a:ext cx="2808000" cy="720000"/>
-            <a:chOff x="3582320" y="3565094"/>
-            <a:chExt cx="2808000" cy="720000"/>
-          </a:xfrm>
-        </p:grpSpPr>
-        <p:sp>
-          <p:nvSpPr>
-            <p:cNvPr id="38" name="Retângulo de cantos arredondados 37"/>
-            <p:cNvSpPr/>
-            <p:nvPr/>
-          </p:nvSpPr>
-          <p:spPr>
-            <a:xfrm>
-              <a:off x="3582320" y="3565094"/>
-              <a:ext cx="2808000" cy="720000"/>
-            </a:xfrm>
-            <a:prstGeom prst="roundRect">
-              <a:avLst/>
-            </a:prstGeom>
-            <a:solidFill>
-              <a:srgbClr val="FFD44B"/>
-            </a:solidFill>
-            <a:ln/>
-            <a:scene3d>
-              <a:camera prst="orthographicFront">
-                <a:rot lat="0" lon="0" rev="0"/>
-              </a:camera>
-              <a:lightRig rig="threePt" dir="t">
-                <a:rot lat="0" lon="0" rev="1200000"/>
-              </a:lightRig>
-            </a:scene3d>
-            <a:sp3d>
-              <a:bevelT w="165100" prst="coolSlant"/>
-            </a:sp3d>
-          </p:spPr>
-          <p:style>
-            <a:lnRef idx="0">
-              <a:schemeClr val="accent6"/>
-            </a:lnRef>
-            <a:fillRef idx="3">
-              <a:schemeClr val="accent6"/>
-            </a:fillRef>
-            <a:effectRef idx="3">
-              <a:schemeClr val="accent6"/>
-            </a:effectRef>
-            <a:fontRef idx="minor">
-              <a:schemeClr val="lt1"/>
-            </a:fontRef>
-          </p:style>
-          <p:txBody>
-            <a:bodyPr rtlCol="0" anchor="ctr"/>
-            <a:lstStyle/>
-            <a:p>
-              <a:pPr algn="ctr"/>
-              <a:endParaRPr lang="pt-BR"/>
-            </a:p>
-          </p:txBody>
-        </p:sp>
-        <p:sp>
-          <p:nvSpPr>
-            <p:cNvPr id="39" name="Retângulo de cantos arredondados 38"/>
-            <p:cNvSpPr/>
-            <p:nvPr/>
-          </p:nvSpPr>
-          <p:spPr>
-            <a:xfrm>
-              <a:off x="3762320" y="3610094"/>
-              <a:ext cx="2448000" cy="630000"/>
-            </a:xfrm>
-            <a:prstGeom prst="roundRect">
-              <a:avLst/>
-            </a:prstGeom>
-            <a:ln/>
-            <a:scene3d>
-              <a:camera prst="orthographicFront"/>
-              <a:lightRig rig="threePt" dir="t"/>
-            </a:scene3d>
-            <a:sp3d>
-              <a:bevelT w="165100" prst="coolSlant"/>
-            </a:sp3d>
-          </p:spPr>
-          <p:style>
-            <a:lnRef idx="1">
-              <a:schemeClr val="dk1"/>
-            </a:lnRef>
-            <a:fillRef idx="3">
-              <a:schemeClr val="dk1"/>
-            </a:fillRef>
-            <a:effectRef idx="2">
-              <a:schemeClr val="dk1"/>
-            </a:effectRef>
-            <a:fontRef idx="minor">
-              <a:schemeClr val="lt1"/>
-            </a:fontRef>
-          </p:style>
-          <p:txBody>
-            <a:bodyPr rtlCol="0" anchor="ctr"/>
-            <a:lstStyle/>
-            <a:p>
-              <a:pPr algn="ctr"/>
-              <a:endParaRPr lang="pt-BR"/>
-            </a:p>
-          </p:txBody>
-        </p:sp>
-        <p:sp>
-          <p:nvSpPr>
-            <p:cNvPr id="40" name="CaixaDeTexto 39"/>
-            <p:cNvSpPr txBox="1"/>
-            <p:nvPr/>
-          </p:nvSpPr>
-          <p:spPr>
-            <a:xfrm>
-              <a:off x="3722897" y="3571151"/>
-              <a:ext cx="2526847" cy="707886"/>
-            </a:xfrm>
-            <a:prstGeom prst="rect">
-              <a:avLst/>
-            </a:prstGeom>
-            <a:noFill/>
-            <a:scene3d>
-              <a:camera prst="orthographicFront"/>
-              <a:lightRig rig="threePt" dir="t"/>
-            </a:scene3d>
-            <a:sp3d>
-              <a:bevelT w="165100" prst="coolSlant"/>
-            </a:sp3d>
-          </p:spPr>
-          <p:txBody>
-            <a:bodyPr wrap="none" rtlCol="0">
-              <a:spAutoFit/>
-            </a:bodyPr>
-            <a:lstStyle/>
-            <a:p>
-              <a:pPr algn="ctr"/>
-              <a:r>
-                <a:rPr lang="pt-BR" sz="4000" dirty="0" smtClean="0">
-                  <a:latin typeface="Andy" panose="03080602030302030203" pitchFamily="66" charset="0"/>
-                </a:rPr>
-                <a:t>High Scores</a:t>
-              </a:r>
-              <a:endParaRPr lang="pt-BR" sz="4000" dirty="0">
-                <a:latin typeface="Andy" panose="03080602030302030203" pitchFamily="66" charset="0"/>
-              </a:endParaRPr>
-            </a:p>
-          </p:txBody>
-        </p:sp>
-      </p:grpSp>
-      <p:grpSp>
-        <p:nvGrpSpPr>
-          <p:cNvPr id="41" name="Grupo 40"/>
-          <p:cNvGrpSpPr/>
-          <p:nvPr/>
-        </p:nvGrpSpPr>
-        <p:grpSpPr>
-          <a:xfrm>
-            <a:off x="3168000" y="2204864"/>
-            <a:ext cx="2808000" cy="720000"/>
-            <a:chOff x="3582320" y="3565094"/>
-            <a:chExt cx="2808000" cy="720000"/>
-          </a:xfrm>
-        </p:grpSpPr>
-        <p:sp>
-          <p:nvSpPr>
-            <p:cNvPr id="42" name="Retângulo de cantos arredondados 41"/>
-            <p:cNvSpPr/>
-            <p:nvPr/>
-          </p:nvSpPr>
-          <p:spPr>
-            <a:xfrm>
-              <a:off x="3582320" y="3565094"/>
-              <a:ext cx="2808000" cy="720000"/>
-            </a:xfrm>
-            <a:prstGeom prst="roundRect">
-              <a:avLst/>
-            </a:prstGeom>
-            <a:solidFill>
-              <a:srgbClr val="FFD44B"/>
-            </a:solidFill>
-            <a:ln/>
-            <a:scene3d>
-              <a:camera prst="orthographicFront">
-                <a:rot lat="0" lon="0" rev="0"/>
-              </a:camera>
-              <a:lightRig rig="threePt" dir="t">
-                <a:rot lat="0" lon="0" rev="1200000"/>
-              </a:lightRig>
-            </a:scene3d>
-            <a:sp3d>
-              <a:bevelT w="165100" prst="coolSlant"/>
-            </a:sp3d>
-          </p:spPr>
-          <p:style>
-            <a:lnRef idx="0">
-              <a:schemeClr val="accent6"/>
-            </a:lnRef>
-            <a:fillRef idx="3">
-              <a:schemeClr val="accent6"/>
-            </a:fillRef>
-            <a:effectRef idx="3">
-              <a:schemeClr val="accent6"/>
-            </a:effectRef>
-            <a:fontRef idx="minor">
-              <a:schemeClr val="lt1"/>
-            </a:fontRef>
-          </p:style>
-          <p:txBody>
-            <a:bodyPr rtlCol="0" anchor="ctr"/>
-            <a:lstStyle/>
-            <a:p>
-              <a:pPr algn="ctr"/>
-              <a:endParaRPr lang="pt-BR"/>
-            </a:p>
-          </p:txBody>
-        </p:sp>
-        <p:sp>
-          <p:nvSpPr>
-            <p:cNvPr id="43" name="Retângulo de cantos arredondados 42"/>
-            <p:cNvSpPr/>
-            <p:nvPr/>
-          </p:nvSpPr>
-          <p:spPr>
-            <a:xfrm>
-              <a:off x="3762320" y="3610094"/>
-              <a:ext cx="2448000" cy="630000"/>
-            </a:xfrm>
-            <a:prstGeom prst="roundRect">
-              <a:avLst/>
-            </a:prstGeom>
-            <a:ln/>
-            <a:scene3d>
-              <a:camera prst="orthographicFront"/>
-              <a:lightRig rig="threePt" dir="t"/>
-            </a:scene3d>
-            <a:sp3d>
-              <a:bevelT w="165100" prst="coolSlant"/>
-            </a:sp3d>
-          </p:spPr>
-          <p:style>
-            <a:lnRef idx="1">
-              <a:schemeClr val="dk1"/>
-            </a:lnRef>
-            <a:fillRef idx="3">
-              <a:schemeClr val="dk1"/>
-            </a:fillRef>
-            <a:effectRef idx="2">
-              <a:schemeClr val="dk1"/>
-            </a:effectRef>
-            <a:fontRef idx="minor">
-              <a:schemeClr val="lt1"/>
-            </a:fontRef>
-          </p:style>
-          <p:txBody>
-            <a:bodyPr rtlCol="0" anchor="ctr"/>
-            <a:lstStyle/>
-            <a:p>
-              <a:pPr algn="ctr"/>
-              <a:endParaRPr lang="pt-BR"/>
-            </a:p>
-          </p:txBody>
-        </p:sp>
-        <p:sp>
-          <p:nvSpPr>
-            <p:cNvPr id="44" name="CaixaDeTexto 43"/>
-            <p:cNvSpPr txBox="1"/>
-            <p:nvPr/>
-          </p:nvSpPr>
-          <p:spPr>
-            <a:xfrm>
-              <a:off x="4509972" y="3571151"/>
-              <a:ext cx="952697" cy="707886"/>
-            </a:xfrm>
-            <a:prstGeom prst="rect">
-              <a:avLst/>
-            </a:prstGeom>
-            <a:noFill/>
-            <a:scene3d>
-              <a:camera prst="orthographicFront"/>
-              <a:lightRig rig="threePt" dir="t"/>
-            </a:scene3d>
-            <a:sp3d>
-              <a:bevelT w="165100" prst="coolSlant"/>
-            </a:sp3d>
-          </p:spPr>
-          <p:txBody>
-            <a:bodyPr wrap="none" rtlCol="0">
-              <a:spAutoFit/>
-            </a:bodyPr>
-            <a:lstStyle/>
-            <a:p>
-              <a:pPr algn="ctr"/>
-              <a:r>
-                <a:rPr lang="pt-BR" sz="4000" dirty="0" smtClean="0">
-                  <a:latin typeface="Andy" panose="03080602030302030203" pitchFamily="66" charset="0"/>
-                </a:rPr>
-                <a:t>Play</a:t>
-              </a:r>
-              <a:endParaRPr lang="pt-BR" sz="4000" dirty="0">
-                <a:latin typeface="Andy" panose="03080602030302030203" pitchFamily="66" charset="0"/>
-              </a:endParaRPr>
-            </a:p>
-          </p:txBody>
-        </p:sp>
-      </p:grpSp>
-      <p:grpSp>
-        <p:nvGrpSpPr>
-          <p:cNvPr id="45" name="Grupo 44"/>
-          <p:cNvGrpSpPr/>
-          <p:nvPr/>
-        </p:nvGrpSpPr>
-        <p:grpSpPr>
-          <a:xfrm>
-            <a:off x="3168000" y="4227642"/>
-            <a:ext cx="2808000" cy="720000"/>
-            <a:chOff x="3582320" y="3565094"/>
-            <a:chExt cx="2808000" cy="720000"/>
-          </a:xfrm>
-        </p:grpSpPr>
-        <p:sp>
-          <p:nvSpPr>
-            <p:cNvPr id="46" name="Retângulo de cantos arredondados 45"/>
-            <p:cNvSpPr/>
-            <p:nvPr/>
-          </p:nvSpPr>
-          <p:spPr>
-            <a:xfrm>
-              <a:off x="3582320" y="3565094"/>
-              <a:ext cx="2808000" cy="720000"/>
-            </a:xfrm>
-            <a:prstGeom prst="roundRect">
-              <a:avLst/>
-            </a:prstGeom>
-            <a:solidFill>
-              <a:srgbClr val="FFD44B"/>
-            </a:solidFill>
-            <a:ln/>
-            <a:scene3d>
-              <a:camera prst="orthographicFront">
-                <a:rot lat="0" lon="0" rev="0"/>
-              </a:camera>
-              <a:lightRig rig="threePt" dir="t">
-                <a:rot lat="0" lon="0" rev="1200000"/>
-              </a:lightRig>
-            </a:scene3d>
-            <a:sp3d>
-              <a:bevelT w="165100" prst="coolSlant"/>
-            </a:sp3d>
-          </p:spPr>
-          <p:style>
-            <a:lnRef idx="0">
-              <a:schemeClr val="accent6"/>
-            </a:lnRef>
-            <a:fillRef idx="3">
-              <a:schemeClr val="accent6"/>
-            </a:fillRef>
-            <a:effectRef idx="3">
-              <a:schemeClr val="accent6"/>
-            </a:effectRef>
-            <a:fontRef idx="minor">
-              <a:schemeClr val="lt1"/>
-            </a:fontRef>
-          </p:style>
-          <p:txBody>
-            <a:bodyPr rtlCol="0" anchor="ctr"/>
-            <a:lstStyle/>
-            <a:p>
-              <a:pPr algn="ctr"/>
-              <a:endParaRPr lang="pt-BR"/>
-            </a:p>
-          </p:txBody>
-        </p:sp>
-        <p:sp>
-          <p:nvSpPr>
-            <p:cNvPr id="47" name="Retângulo de cantos arredondados 46"/>
-            <p:cNvSpPr/>
-            <p:nvPr/>
-          </p:nvSpPr>
-          <p:spPr>
-            <a:xfrm>
-              <a:off x="3762320" y="3610094"/>
-              <a:ext cx="2448000" cy="630000"/>
-            </a:xfrm>
-            <a:prstGeom prst="roundRect">
-              <a:avLst/>
-            </a:prstGeom>
-            <a:ln/>
-            <a:scene3d>
-              <a:camera prst="orthographicFront"/>
-              <a:lightRig rig="threePt" dir="t"/>
-            </a:scene3d>
-            <a:sp3d>
-              <a:bevelT w="165100" prst="coolSlant"/>
-            </a:sp3d>
-          </p:spPr>
-          <p:style>
-            <a:lnRef idx="1">
-              <a:schemeClr val="dk1"/>
-            </a:lnRef>
-            <a:fillRef idx="3">
-              <a:schemeClr val="dk1"/>
-            </a:fillRef>
-            <a:effectRef idx="2">
-              <a:schemeClr val="dk1"/>
-            </a:effectRef>
-            <a:fontRef idx="minor">
-              <a:schemeClr val="lt1"/>
-            </a:fontRef>
-          </p:style>
-          <p:txBody>
-            <a:bodyPr rtlCol="0" anchor="ctr"/>
-            <a:lstStyle/>
-            <a:p>
-              <a:pPr algn="ctr"/>
-              <a:endParaRPr lang="pt-BR"/>
-            </a:p>
-          </p:txBody>
-        </p:sp>
-        <p:sp>
-          <p:nvSpPr>
-            <p:cNvPr id="48" name="CaixaDeTexto 47"/>
-            <p:cNvSpPr txBox="1"/>
-            <p:nvPr/>
-          </p:nvSpPr>
-          <p:spPr>
-            <a:xfrm>
-              <a:off x="3777399" y="3571151"/>
-              <a:ext cx="2417842" cy="707886"/>
-            </a:xfrm>
-            <a:prstGeom prst="rect">
-              <a:avLst/>
-            </a:prstGeom>
-            <a:noFill/>
-            <a:scene3d>
-              <a:camera prst="orthographicFront"/>
-              <a:lightRig rig="threePt" dir="t"/>
-            </a:scene3d>
-            <a:sp3d>
-              <a:bevelT w="165100" prst="coolSlant"/>
-            </a:sp3d>
-          </p:spPr>
-          <p:txBody>
-            <a:bodyPr wrap="none" rtlCol="0">
-              <a:spAutoFit/>
-            </a:bodyPr>
-            <a:lstStyle/>
-            <a:p>
-              <a:pPr algn="ctr"/>
-              <a:r>
-                <a:rPr lang="pt-BR" sz="4000" dirty="0" smtClean="0">
-                  <a:latin typeface="Andy" panose="03080602030302030203" pitchFamily="66" charset="0"/>
-                </a:rPr>
-                <a:t>How to Play</a:t>
-              </a:r>
-              <a:endParaRPr lang="pt-BR" sz="4000" dirty="0">
-                <a:latin typeface="Andy" panose="03080602030302030203" pitchFamily="66" charset="0"/>
-              </a:endParaRPr>
-            </a:p>
-          </p:txBody>
-        </p:sp>
-      </p:grpSp>
-      <p:grpSp>
-        <p:nvGrpSpPr>
-          <p:cNvPr id="49" name="Grupo 48"/>
-          <p:cNvGrpSpPr/>
-          <p:nvPr/>
-        </p:nvGrpSpPr>
-        <p:grpSpPr>
-          <a:xfrm>
-            <a:off x="3168000" y="5239032"/>
-            <a:ext cx="2808000" cy="720000"/>
-            <a:chOff x="3582320" y="3565094"/>
-            <a:chExt cx="2808000" cy="720000"/>
-          </a:xfrm>
-        </p:grpSpPr>
-        <p:sp>
-          <p:nvSpPr>
-            <p:cNvPr id="50" name="Retângulo de cantos arredondados 49"/>
-            <p:cNvSpPr/>
-            <p:nvPr/>
-          </p:nvSpPr>
-          <p:spPr>
-            <a:xfrm>
-              <a:off x="3582320" y="3565094"/>
-              <a:ext cx="2808000" cy="720000"/>
-            </a:xfrm>
-            <a:prstGeom prst="roundRect">
-              <a:avLst/>
-            </a:prstGeom>
-            <a:solidFill>
-              <a:srgbClr val="FFD44B"/>
-            </a:solidFill>
-            <a:ln/>
-            <a:scene3d>
-              <a:camera prst="orthographicFront">
-                <a:rot lat="0" lon="0" rev="0"/>
-              </a:camera>
-              <a:lightRig rig="threePt" dir="t">
-                <a:rot lat="0" lon="0" rev="1200000"/>
-              </a:lightRig>
-            </a:scene3d>
-            <a:sp3d>
-              <a:bevelT w="165100" prst="coolSlant"/>
-            </a:sp3d>
-          </p:spPr>
-          <p:style>
-            <a:lnRef idx="0">
-              <a:schemeClr val="accent6"/>
-            </a:lnRef>
-            <a:fillRef idx="3">
-              <a:schemeClr val="accent6"/>
-            </a:fillRef>
-            <a:effectRef idx="3">
-              <a:schemeClr val="accent6"/>
-            </a:effectRef>
-            <a:fontRef idx="minor">
-              <a:schemeClr val="lt1"/>
-            </a:fontRef>
-          </p:style>
-          <p:txBody>
-            <a:bodyPr rtlCol="0" anchor="ctr"/>
-            <a:lstStyle/>
-            <a:p>
-              <a:pPr algn="ctr"/>
-              <a:endParaRPr lang="pt-BR"/>
-            </a:p>
-          </p:txBody>
-        </p:sp>
-        <p:sp>
-          <p:nvSpPr>
-            <p:cNvPr id="51" name="Retângulo de cantos arredondados 50"/>
-            <p:cNvSpPr/>
-            <p:nvPr/>
-          </p:nvSpPr>
-          <p:spPr>
-            <a:xfrm>
-              <a:off x="3762320" y="3610094"/>
-              <a:ext cx="2448000" cy="630000"/>
-            </a:xfrm>
-            <a:prstGeom prst="roundRect">
-              <a:avLst/>
-            </a:prstGeom>
-            <a:ln/>
-            <a:scene3d>
-              <a:camera prst="orthographicFront"/>
-              <a:lightRig rig="threePt" dir="t"/>
-            </a:scene3d>
-            <a:sp3d>
-              <a:bevelT w="165100" prst="coolSlant"/>
-            </a:sp3d>
-          </p:spPr>
-          <p:style>
-            <a:lnRef idx="1">
-              <a:schemeClr val="dk1"/>
-            </a:lnRef>
-            <a:fillRef idx="3">
-              <a:schemeClr val="dk1"/>
-            </a:fillRef>
-            <a:effectRef idx="2">
-              <a:schemeClr val="dk1"/>
-            </a:effectRef>
-            <a:fontRef idx="minor">
-              <a:schemeClr val="lt1"/>
-            </a:fontRef>
-          </p:style>
-          <p:txBody>
-            <a:bodyPr rtlCol="0" anchor="ctr"/>
-            <a:lstStyle/>
-            <a:p>
-              <a:pPr algn="ctr"/>
-              <a:endParaRPr lang="pt-BR"/>
-            </a:p>
-          </p:txBody>
-        </p:sp>
-        <p:sp>
-          <p:nvSpPr>
-            <p:cNvPr id="52" name="CaixaDeTexto 51"/>
-            <p:cNvSpPr txBox="1"/>
-            <p:nvPr/>
-          </p:nvSpPr>
-          <p:spPr>
-            <a:xfrm>
-              <a:off x="4200336" y="3571151"/>
-              <a:ext cx="1571969" cy="707886"/>
-            </a:xfrm>
-            <a:prstGeom prst="rect">
-              <a:avLst/>
-            </a:prstGeom>
-            <a:noFill/>
-            <a:scene3d>
-              <a:camera prst="orthographicFront"/>
-              <a:lightRig rig="threePt" dir="t"/>
-            </a:scene3d>
-            <a:sp3d>
-              <a:bevelT w="165100" prst="coolSlant"/>
-            </a:sp3d>
-          </p:spPr>
-          <p:txBody>
-            <a:bodyPr wrap="none" rtlCol="0">
-              <a:spAutoFit/>
-            </a:bodyPr>
-            <a:lstStyle/>
-            <a:p>
-              <a:pPr algn="ctr"/>
-              <a:r>
-                <a:rPr lang="pt-BR" sz="4000" dirty="0" smtClean="0">
-                  <a:latin typeface="Andy" panose="03080602030302030203" pitchFamily="66" charset="0"/>
-                </a:rPr>
-                <a:t>Credits</a:t>
-              </a:r>
-              <a:endParaRPr lang="pt-BR" sz="4000" dirty="0">
-                <a:latin typeface="Andy" panose="03080602030302030203" pitchFamily="66" charset="0"/>
-              </a:endParaRPr>
-            </a:p>
-          </p:txBody>
-        </p:sp>
-      </p:grpSp>
-      <p:sp>
-        <p:nvSpPr>
-          <p:cNvPr id="33" name="Elipse 32"/>
-          <p:cNvSpPr/>
-          <p:nvPr/>
-        </p:nvSpPr>
-        <p:spPr>
-          <a:xfrm>
-            <a:off x="2771800" y="1186587"/>
-            <a:ext cx="360040" cy="446705"/>
-          </a:xfrm>
-          <a:prstGeom prst="ellipse">
-            <a:avLst/>
-          </a:prstGeom>
-          <a:solidFill>
-            <a:srgbClr val="FFFF00"/>
-          </a:solidFill>
-          <a:ln>
-            <a:noFill/>
-          </a:ln>
-        </p:spPr>
-        <p:style>
-          <a:lnRef idx="2">
-            <a:schemeClr val="accent1">
-              <a:shade val="50000"/>
-            </a:schemeClr>
-          </a:lnRef>
-          <a:fillRef idx="1">
-            <a:schemeClr val="accent1"/>
-          </a:fillRef>
-          <a:effectRef idx="0">
-            <a:schemeClr val="accent1"/>
-          </a:effectRef>
-          <a:fontRef idx="minor">
-            <a:schemeClr val="lt1"/>
-          </a:fontRef>
-        </p:style>
-        <p:txBody>
-          <a:bodyPr rtlCol="0" anchor="ctr"/>
-          <a:lstStyle/>
-          <a:p>
-            <a:pPr algn="ctr"/>
-            <a:endParaRPr lang="pt-BR">
-              <a:solidFill>
-                <a:srgbClr val="FFFF66"/>
-              </a:solidFill>
-            </a:endParaRPr>
-          </a:p>
-        </p:txBody>
-      </p:sp>
-    </p:spTree>
-    <p:extLst>
-      <p:ext uri="{BB962C8B-B14F-4D97-AF65-F5344CB8AC3E}">
-        <p14:creationId xmlns:p14="http://schemas.microsoft.com/office/powerpoint/2010/main" val="803478671"/>
       </p:ext>
     </p:extLst>
   </p:cSld>
@@ -7752,7 +6907,7 @@
       </p:grpSp>
       <p:sp>
         <p:nvSpPr>
-          <p:cNvPr id="30" name="Título 5"/>
+          <p:cNvPr id="14" name="Título 5"/>
           <p:cNvSpPr txBox="1">
             <a:spLocks/>
           </p:cNvSpPr>
@@ -7903,7 +7058,7 @@
       </p:sp>
       <p:grpSp>
         <p:nvGrpSpPr>
-          <p:cNvPr id="31" name="Grupo 30"/>
+          <p:cNvPr id="15" name="Grupo 14"/>
           <p:cNvGrpSpPr/>
           <p:nvPr/>
         </p:nvGrpSpPr>
@@ -7917,7 +7072,7 @@
         </p:grpSpPr>
         <p:pic>
           <p:nvPicPr>
-            <p:cNvPr id="32" name="Imagem 31"/>
+            <p:cNvPr id="16" name="Imagem 15"/>
             <p:cNvPicPr>
               <a:picLocks noChangeAspect="1"/>
             </p:cNvPicPr>
@@ -7947,7 +7102,7 @@
         </p:pic>
         <p:pic>
           <p:nvPicPr>
-            <p:cNvPr id="33" name="Imagem 32"/>
+            <p:cNvPr id="17" name="Imagem 16"/>
             <p:cNvPicPr>
               <a:picLocks noChangeAspect="1"/>
             </p:cNvPicPr>
@@ -7978,7 +7133,7 @@
       </p:grpSp>
       <p:grpSp>
         <p:nvGrpSpPr>
-          <p:cNvPr id="34" name="Grupo 33"/>
+          <p:cNvPr id="18" name="Grupo 17"/>
           <p:cNvGrpSpPr/>
           <p:nvPr/>
         </p:nvGrpSpPr>
@@ -7992,7 +7147,7 @@
         </p:grpSpPr>
         <p:pic>
           <p:nvPicPr>
-            <p:cNvPr id="35" name="Imagem 34"/>
+            <p:cNvPr id="19" name="Imagem 18"/>
             <p:cNvPicPr>
               <a:picLocks noChangeAspect="1"/>
             </p:cNvPicPr>
@@ -8022,7 +7177,7 @@
         </p:pic>
         <p:pic>
           <p:nvPicPr>
-            <p:cNvPr id="36" name="Imagem 35"/>
+            <p:cNvPr id="20" name="Imagem 19"/>
             <p:cNvPicPr>
               <a:picLocks noChangeAspect="1"/>
             </p:cNvPicPr>
@@ -8092,7 +7247,7 @@
               </a:lightRig>
             </a:scene3d>
             <a:sp3d>
-              <a:bevelT w="152400" h="50800" prst="softRound"/>
+              <a:bevelT w="165100" prst="coolSlant"/>
             </a:sp3d>
           </p:spPr>
           <p:style>
@@ -8132,39 +7287,24 @@
             <a:prstGeom prst="roundRect">
               <a:avLst/>
             </a:prstGeom>
-            <a:solidFill>
-              <a:schemeClr val="bg1">
-                <a:lumMod val="75000"/>
-                <a:lumOff val="25000"/>
-              </a:schemeClr>
-            </a:solidFill>
-            <a:ln>
-              <a:solidFill>
-                <a:schemeClr val="bg1">
-                  <a:lumMod val="75000"/>
-                  <a:lumOff val="25000"/>
-                </a:schemeClr>
-              </a:solidFill>
-            </a:ln>
+            <a:ln/>
             <a:scene3d>
               <a:camera prst="orthographicFront"/>
               <a:lightRig rig="threePt" dir="t"/>
             </a:scene3d>
             <a:sp3d>
-              <a:bevelT w="152400" h="50800" prst="softRound"/>
+              <a:bevelT w="165100" prst="coolSlant"/>
             </a:sp3d>
           </p:spPr>
           <p:style>
-            <a:lnRef idx="2">
-              <a:schemeClr val="accent1">
-                <a:shade val="50000"/>
-              </a:schemeClr>
+            <a:lnRef idx="1">
+              <a:schemeClr val="dk1"/>
             </a:lnRef>
-            <a:fillRef idx="1">
-              <a:schemeClr val="accent1"/>
+            <a:fillRef idx="3">
+              <a:schemeClr val="dk1"/>
             </a:fillRef>
-            <a:effectRef idx="0">
-              <a:schemeClr val="accent1"/>
+            <a:effectRef idx="2">
+              <a:schemeClr val="dk1"/>
             </a:effectRef>
             <a:fontRef idx="minor">
               <a:schemeClr val="lt1"/>
@@ -8199,7 +7339,7 @@
               <a:lightRig rig="threePt" dir="t"/>
             </a:scene3d>
             <a:sp3d>
-              <a:bevelT w="152400" h="50800" prst="softRound"/>
+              <a:bevelT w="165100" prst="coolSlant"/>
             </a:sp3d>
           </p:spPr>
           <p:txBody>
@@ -8263,7 +7403,7 @@
               </a:lightRig>
             </a:scene3d>
             <a:sp3d>
-              <a:bevelT w="152400" h="50800" prst="softRound"/>
+              <a:bevelT w="165100" prst="coolSlant"/>
             </a:sp3d>
           </p:spPr>
           <p:style>
@@ -8303,39 +7443,24 @@
             <a:prstGeom prst="roundRect">
               <a:avLst/>
             </a:prstGeom>
-            <a:solidFill>
-              <a:schemeClr val="bg1">
-                <a:lumMod val="75000"/>
-                <a:lumOff val="25000"/>
-              </a:schemeClr>
-            </a:solidFill>
-            <a:ln>
-              <a:solidFill>
-                <a:schemeClr val="bg1">
-                  <a:lumMod val="75000"/>
-                  <a:lumOff val="25000"/>
-                </a:schemeClr>
-              </a:solidFill>
-            </a:ln>
+            <a:ln/>
             <a:scene3d>
               <a:camera prst="orthographicFront"/>
               <a:lightRig rig="threePt" dir="t"/>
             </a:scene3d>
             <a:sp3d>
-              <a:bevelT w="152400" h="50800" prst="softRound"/>
+              <a:bevelT w="165100" prst="coolSlant"/>
             </a:sp3d>
           </p:spPr>
           <p:style>
-            <a:lnRef idx="2">
-              <a:schemeClr val="accent1">
-                <a:shade val="50000"/>
-              </a:schemeClr>
+            <a:lnRef idx="1">
+              <a:schemeClr val="dk1"/>
             </a:lnRef>
-            <a:fillRef idx="1">
-              <a:schemeClr val="accent1"/>
+            <a:fillRef idx="3">
+              <a:schemeClr val="dk1"/>
             </a:fillRef>
-            <a:effectRef idx="0">
-              <a:schemeClr val="accent1"/>
+            <a:effectRef idx="2">
+              <a:schemeClr val="dk1"/>
             </a:effectRef>
             <a:fontRef idx="minor">
               <a:schemeClr val="lt1"/>
@@ -8370,7 +7495,7 @@
               <a:lightRig rig="threePt" dir="t"/>
             </a:scene3d>
             <a:sp3d>
-              <a:bevelT w="152400" h="50800" prst="softRound"/>
+              <a:bevelT w="165100" prst="coolSlant"/>
             </a:sp3d>
           </p:spPr>
           <p:txBody>
@@ -8434,7 +7559,7 @@
               </a:lightRig>
             </a:scene3d>
             <a:sp3d>
-              <a:bevelT w="152400" h="50800" prst="softRound"/>
+              <a:bevelT w="165100" prst="coolSlant"/>
             </a:sp3d>
           </p:spPr>
           <p:style>
@@ -8474,39 +7599,24 @@
             <a:prstGeom prst="roundRect">
               <a:avLst/>
             </a:prstGeom>
-            <a:solidFill>
-              <a:schemeClr val="bg1">
-                <a:lumMod val="75000"/>
-                <a:lumOff val="25000"/>
-              </a:schemeClr>
-            </a:solidFill>
-            <a:ln>
-              <a:solidFill>
-                <a:schemeClr val="bg1">
-                  <a:lumMod val="75000"/>
-                  <a:lumOff val="25000"/>
-                </a:schemeClr>
-              </a:solidFill>
-            </a:ln>
+            <a:ln/>
             <a:scene3d>
               <a:camera prst="orthographicFront"/>
               <a:lightRig rig="threePt" dir="t"/>
             </a:scene3d>
             <a:sp3d>
-              <a:bevelT w="152400" h="50800" prst="softRound"/>
+              <a:bevelT w="165100" prst="coolSlant"/>
             </a:sp3d>
           </p:spPr>
           <p:style>
-            <a:lnRef idx="2">
-              <a:schemeClr val="accent1">
-                <a:shade val="50000"/>
-              </a:schemeClr>
+            <a:lnRef idx="1">
+              <a:schemeClr val="dk1"/>
             </a:lnRef>
-            <a:fillRef idx="1">
-              <a:schemeClr val="accent1"/>
+            <a:fillRef idx="3">
+              <a:schemeClr val="dk1"/>
             </a:fillRef>
-            <a:effectRef idx="0">
-              <a:schemeClr val="accent1"/>
+            <a:effectRef idx="2">
+              <a:schemeClr val="dk1"/>
             </a:effectRef>
             <a:fontRef idx="minor">
               <a:schemeClr val="lt1"/>
@@ -8541,7 +7651,7 @@
               <a:lightRig rig="threePt" dir="t"/>
             </a:scene3d>
             <a:sp3d>
-              <a:bevelT w="152400" h="50800" prst="softRound"/>
+              <a:bevelT w="165100" prst="coolSlant"/>
             </a:sp3d>
           </p:spPr>
           <p:txBody>
@@ -8605,7 +7715,7 @@
               </a:lightRig>
             </a:scene3d>
             <a:sp3d>
-              <a:bevelT w="152400" h="50800" prst="softRound"/>
+              <a:bevelT w="165100" prst="coolSlant"/>
             </a:sp3d>
           </p:spPr>
           <p:style>
@@ -8645,39 +7755,24 @@
             <a:prstGeom prst="roundRect">
               <a:avLst/>
             </a:prstGeom>
-            <a:solidFill>
-              <a:schemeClr val="bg1">
-                <a:lumMod val="75000"/>
-                <a:lumOff val="25000"/>
-              </a:schemeClr>
-            </a:solidFill>
-            <a:ln>
-              <a:solidFill>
-                <a:schemeClr val="bg1">
-                  <a:lumMod val="75000"/>
-                  <a:lumOff val="25000"/>
-                </a:schemeClr>
-              </a:solidFill>
-            </a:ln>
+            <a:ln/>
             <a:scene3d>
               <a:camera prst="orthographicFront"/>
               <a:lightRig rig="threePt" dir="t"/>
             </a:scene3d>
             <a:sp3d>
-              <a:bevelT w="152400" h="50800" prst="softRound"/>
+              <a:bevelT w="165100" prst="coolSlant"/>
             </a:sp3d>
           </p:spPr>
           <p:style>
-            <a:lnRef idx="2">
-              <a:schemeClr val="accent1">
-                <a:shade val="50000"/>
-              </a:schemeClr>
+            <a:lnRef idx="1">
+              <a:schemeClr val="dk1"/>
             </a:lnRef>
-            <a:fillRef idx="1">
-              <a:schemeClr val="accent1"/>
+            <a:fillRef idx="3">
+              <a:schemeClr val="dk1"/>
             </a:fillRef>
-            <a:effectRef idx="0">
-              <a:schemeClr val="accent1"/>
+            <a:effectRef idx="2">
+              <a:schemeClr val="dk1"/>
             </a:effectRef>
             <a:fontRef idx="minor">
               <a:schemeClr val="lt1"/>
@@ -8712,7 +7807,7 @@
               <a:lightRig rig="threePt" dir="t"/>
             </a:scene3d>
             <a:sp3d>
-              <a:bevelT w="152400" h="50800" prst="softRound"/>
+              <a:bevelT w="165100" prst="coolSlant"/>
             </a:sp3d>
           </p:spPr>
           <p:txBody>
@@ -8737,7 +7832,7 @@
       </p:grpSp>
       <p:sp>
         <p:nvSpPr>
-          <p:cNvPr id="53" name="Elipse 52"/>
+          <p:cNvPr id="33" name="Elipse 32"/>
           <p:cNvSpPr/>
           <p:nvPr/>
         </p:nvSpPr>
@@ -8788,7 +7883,7 @@
     </p:spTree>
     <p:extLst>
       <p:ext uri="{BB962C8B-B14F-4D97-AF65-F5344CB8AC3E}">
-        <p14:creationId xmlns:p14="http://schemas.microsoft.com/office/powerpoint/2010/main" val="2525009817"/>
+        <p14:creationId xmlns:p14="http://schemas.microsoft.com/office/powerpoint/2010/main" val="803478671"/>
       </p:ext>
     </p:extLst>
   </p:cSld>
@@ -8875,6 +7970,52 @@
       </p:pic>
       <p:sp>
         <p:nvSpPr>
+          <p:cNvPr id="3" name="CaixaDeTexto 2"/>
+          <p:cNvSpPr txBox="1"/>
+          <p:nvPr/>
+        </p:nvSpPr>
+        <p:spPr>
+          <a:xfrm rot="19008857">
+            <a:off x="528713" y="1084187"/>
+            <a:ext cx="1983662" cy="553998"/>
+          </a:xfrm>
+          <a:prstGeom prst="rect">
+            <a:avLst/>
+          </a:prstGeom>
+          <a:noFill/>
+        </p:spPr>
+        <p:txBody>
+          <a:bodyPr wrap="square" rtlCol="0">
+            <a:spAutoFit/>
+          </a:bodyPr>
+          <a:lstStyle/>
+          <a:p>
+            <a:r>
+              <a:rPr lang="pt-BR" sz="3000" dirty="0" smtClean="0">
+                <a:solidFill>
+                  <a:srgbClr val="FFFF00"/>
+                </a:solidFill>
+                <a:latin typeface="SAF" pitchFamily="50" charset="0"/>
+              </a:rPr>
+              <a:t>OHH</a:t>
+            </a:r>
+            <a:r>
+              <a:rPr lang="pt-BR" sz="3000" dirty="0" smtClean="0">
+                <a:solidFill>
+                  <a:schemeClr val="bg1">
+                    <a:lumMod val="50000"/>
+                    <a:lumOff val="50000"/>
+                  </a:schemeClr>
+                </a:solidFill>
+                <a:latin typeface="SAF" pitchFamily="50" charset="0"/>
+              </a:rPr>
+              <a:t>MAN!</a:t>
+            </a:r>
+          </a:p>
+        </p:txBody>
+      </p:sp>
+      <p:sp>
+        <p:nvSpPr>
           <p:cNvPr id="4" name="CaixaDeTexto 3"/>
           <p:cNvSpPr txBox="1"/>
           <p:nvPr/>
@@ -9011,267 +8152,23 @@
           </a:p>
         </p:txBody>
       </p:sp>
-      <p:sp>
-        <p:nvSpPr>
-          <p:cNvPr id="10" name="Título 5"/>
-          <p:cNvSpPr txBox="1">
-            <a:spLocks/>
-          </p:cNvSpPr>
-          <p:nvPr/>
-        </p:nvSpPr>
-        <p:spPr>
-          <a:xfrm>
-            <a:off x="457200" y="766569"/>
-            <a:ext cx="8229600" cy="1078255"/>
-          </a:xfrm>
-          <a:prstGeom prst="rect">
-            <a:avLst/>
-          </a:prstGeom>
-        </p:spPr>
-        <p:txBody>
-          <a:bodyPr vert="horz" lIns="91440" tIns="45720" rIns="91440" bIns="45720" rtlCol="0" anchor="ctr">
-            <a:normAutofit lnSpcReduction="10000"/>
-          </a:bodyPr>
-          <a:lstStyle>
-            <a:defPPr>
-              <a:defRPr lang="pt-BR"/>
-            </a:defPPr>
-            <a:lvl1pPr marL="0" algn="l" defTabSz="914400" rtl="0" eaLnBrk="1" latinLnBrk="0" hangingPunct="1">
-              <a:defRPr sz="1800" kern="1200">
-                <a:solidFill>
-                  <a:schemeClr val="tx1"/>
-                </a:solidFill>
-                <a:latin typeface="+mn-lt"/>
-                <a:ea typeface="+mn-ea"/>
-                <a:cs typeface="+mn-cs"/>
-              </a:defRPr>
-            </a:lvl1pPr>
-            <a:lvl2pPr marL="457200" algn="l" defTabSz="914400" rtl="0" eaLnBrk="1" latinLnBrk="0" hangingPunct="1">
-              <a:defRPr sz="1800" kern="1200">
-                <a:solidFill>
-                  <a:schemeClr val="tx1"/>
-                </a:solidFill>
-                <a:latin typeface="+mn-lt"/>
-                <a:ea typeface="+mn-ea"/>
-                <a:cs typeface="+mn-cs"/>
-              </a:defRPr>
-            </a:lvl2pPr>
-            <a:lvl3pPr marL="914400" algn="l" defTabSz="914400" rtl="0" eaLnBrk="1" latinLnBrk="0" hangingPunct="1">
-              <a:defRPr sz="1800" kern="1200">
-                <a:solidFill>
-                  <a:schemeClr val="tx1"/>
-                </a:solidFill>
-                <a:latin typeface="+mn-lt"/>
-                <a:ea typeface="+mn-ea"/>
-                <a:cs typeface="+mn-cs"/>
-              </a:defRPr>
-            </a:lvl3pPr>
-            <a:lvl4pPr marL="1371600" algn="l" defTabSz="914400" rtl="0" eaLnBrk="1" latinLnBrk="0" hangingPunct="1">
-              <a:defRPr sz="1800" kern="1200">
-                <a:solidFill>
-                  <a:schemeClr val="tx1"/>
-                </a:solidFill>
-                <a:latin typeface="+mn-lt"/>
-                <a:ea typeface="+mn-ea"/>
-                <a:cs typeface="+mn-cs"/>
-              </a:defRPr>
-            </a:lvl4pPr>
-            <a:lvl5pPr marL="1828800" algn="l" defTabSz="914400" rtl="0" eaLnBrk="1" latinLnBrk="0" hangingPunct="1">
-              <a:defRPr sz="1800" kern="1200">
-                <a:solidFill>
-                  <a:schemeClr val="tx1"/>
-                </a:solidFill>
-                <a:latin typeface="+mn-lt"/>
-                <a:ea typeface="+mn-ea"/>
-                <a:cs typeface="+mn-cs"/>
-              </a:defRPr>
-            </a:lvl5pPr>
-            <a:lvl6pPr marL="2286000" algn="l" defTabSz="914400" rtl="0" eaLnBrk="1" latinLnBrk="0" hangingPunct="1">
-              <a:defRPr sz="1800" kern="1200">
-                <a:solidFill>
-                  <a:schemeClr val="tx1"/>
-                </a:solidFill>
-                <a:latin typeface="+mn-lt"/>
-                <a:ea typeface="+mn-ea"/>
-                <a:cs typeface="+mn-cs"/>
-              </a:defRPr>
-            </a:lvl6pPr>
-            <a:lvl7pPr marL="2743200" algn="l" defTabSz="914400" rtl="0" eaLnBrk="1" latinLnBrk="0" hangingPunct="1">
-              <a:defRPr sz="1800" kern="1200">
-                <a:solidFill>
-                  <a:schemeClr val="tx1"/>
-                </a:solidFill>
-                <a:latin typeface="+mn-lt"/>
-                <a:ea typeface="+mn-ea"/>
-                <a:cs typeface="+mn-cs"/>
-              </a:defRPr>
-            </a:lvl7pPr>
-            <a:lvl8pPr marL="3200400" algn="l" defTabSz="914400" rtl="0" eaLnBrk="1" latinLnBrk="0" hangingPunct="1">
-              <a:defRPr sz="1800" kern="1200">
-                <a:solidFill>
-                  <a:schemeClr val="tx1"/>
-                </a:solidFill>
-                <a:latin typeface="+mn-lt"/>
-                <a:ea typeface="+mn-ea"/>
-                <a:cs typeface="+mn-cs"/>
-              </a:defRPr>
-            </a:lvl8pPr>
-            <a:lvl9pPr marL="3657600" algn="l" defTabSz="914400" rtl="0" eaLnBrk="1" latinLnBrk="0" hangingPunct="1">
-              <a:defRPr sz="1800" kern="1200">
-                <a:solidFill>
-                  <a:schemeClr val="tx1"/>
-                </a:solidFill>
-                <a:latin typeface="+mn-lt"/>
-                <a:ea typeface="+mn-ea"/>
-                <a:cs typeface="+mn-cs"/>
-              </a:defRPr>
-            </a:lvl9pPr>
-          </a:lstStyle>
-          <a:p>
-            <a:pPr algn="ctr"/>
-            <a:r>
-              <a:rPr lang="pt-BR" sz="7000" dirty="0" smtClean="0">
-                <a:solidFill>
-                  <a:srgbClr val="FFFF00"/>
-                </a:solidFill>
-                <a:latin typeface="SAF" pitchFamily="50" charset="0"/>
-              </a:rPr>
-              <a:t>High </a:t>
-            </a:r>
-            <a:r>
-              <a:rPr lang="pt-BR" sz="7000" dirty="0" err="1" smtClean="0">
-                <a:solidFill>
-                  <a:srgbClr val="FFFF00"/>
-                </a:solidFill>
-                <a:latin typeface="SAF" pitchFamily="50" charset="0"/>
-              </a:rPr>
-              <a:t>scoreS</a:t>
-            </a:r>
-            <a:endParaRPr lang="pt-BR" sz="7000" dirty="0">
-              <a:solidFill>
-                <a:srgbClr val="FFFF00"/>
-              </a:solidFill>
-              <a:latin typeface="SAF" pitchFamily="50" charset="0"/>
-            </a:endParaRPr>
-          </a:p>
-        </p:txBody>
-      </p:sp>
       <p:grpSp>
         <p:nvGrpSpPr>
-          <p:cNvPr id="11" name="Grupo 10"/>
+          <p:cNvPr id="10" name="Grupo 9"/>
           <p:cNvGrpSpPr/>
           <p:nvPr/>
         </p:nvGrpSpPr>
         <p:grpSpPr>
           <a:xfrm>
-            <a:off x="2435409" y="1860279"/>
-            <a:ext cx="4273182" cy="938719"/>
-            <a:chOff x="2468002" y="1913051"/>
-            <a:chExt cx="4273182" cy="938719"/>
-          </a:xfrm>
-        </p:grpSpPr>
-        <p:sp>
-          <p:nvSpPr>
-            <p:cNvPr id="12" name="CaixaDeTexto 11"/>
-            <p:cNvSpPr txBox="1"/>
-            <p:nvPr/>
-          </p:nvSpPr>
-          <p:spPr>
-            <a:xfrm>
-              <a:off x="2468002" y="1913051"/>
-              <a:ext cx="2088232" cy="938719"/>
-            </a:xfrm>
-            <a:prstGeom prst="rect">
-              <a:avLst/>
-            </a:prstGeom>
-            <a:noFill/>
-          </p:spPr>
-          <p:txBody>
-            <a:bodyPr wrap="square" rtlCol="0">
-              <a:spAutoFit/>
-            </a:bodyPr>
-            <a:lstStyle/>
-            <a:p>
-              <a:pPr algn="ctr">
-                <a:lnSpc>
-                  <a:spcPct val="110000"/>
-                </a:lnSpc>
-              </a:pPr>
-              <a:r>
-                <a:rPr lang="pt-BR" sz="5000" dirty="0" err="1" smtClean="0">
-                  <a:solidFill>
-                    <a:srgbClr val="FFD44B"/>
-                  </a:solidFill>
-                  <a:latin typeface="Andy" panose="03080602030302030203" pitchFamily="66" charset="0"/>
-                </a:rPr>
-                <a:t>Name</a:t>
-              </a:r>
-              <a:endParaRPr lang="pt-BR" sz="5000" dirty="0">
-                <a:solidFill>
-                  <a:srgbClr val="FFD44B"/>
-                </a:solidFill>
-                <a:latin typeface="Andy" panose="03080602030302030203" pitchFamily="66" charset="0"/>
-              </a:endParaRPr>
-            </a:p>
-          </p:txBody>
-        </p:sp>
-        <p:sp>
-          <p:nvSpPr>
-            <p:cNvPr id="13" name="CaixaDeTexto 12"/>
-            <p:cNvSpPr txBox="1"/>
-            <p:nvPr/>
-          </p:nvSpPr>
-          <p:spPr>
-            <a:xfrm>
-              <a:off x="5014903" y="1913051"/>
-              <a:ext cx="1726281" cy="938719"/>
-            </a:xfrm>
-            <a:prstGeom prst="rect">
-              <a:avLst/>
-            </a:prstGeom>
-            <a:noFill/>
-          </p:spPr>
-          <p:txBody>
-            <a:bodyPr wrap="square" rtlCol="0">
-              <a:spAutoFit/>
-            </a:bodyPr>
-            <a:lstStyle/>
-            <a:p>
-              <a:pPr algn="ctr">
-                <a:lnSpc>
-                  <a:spcPct val="110000"/>
-                </a:lnSpc>
-              </a:pPr>
-              <a:r>
-                <a:rPr lang="pt-BR" sz="5000" dirty="0" smtClean="0">
-                  <a:solidFill>
-                    <a:srgbClr val="FFD44B"/>
-                  </a:solidFill>
-                  <a:latin typeface="Andy" panose="03080602030302030203" pitchFamily="66" charset="0"/>
-                </a:rPr>
-                <a:t>Score</a:t>
-              </a:r>
-            </a:p>
-          </p:txBody>
-        </p:sp>
-      </p:grpSp>
-      <p:grpSp>
-        <p:nvGrpSpPr>
-          <p:cNvPr id="17" name="Grupo 16"/>
-          <p:cNvGrpSpPr/>
-          <p:nvPr/>
-        </p:nvGrpSpPr>
-        <p:grpSpPr>
-          <a:xfrm>
-            <a:off x="7447365" y="820210"/>
-            <a:ext cx="342857" cy="789562"/>
-            <a:chOff x="1763688" y="1027965"/>
-            <a:chExt cx="342857" cy="789562"/>
+            <a:off x="912324" y="5821008"/>
+            <a:ext cx="1216440" cy="331637"/>
+            <a:chOff x="115200" y="6381328"/>
+            <a:chExt cx="1216440" cy="331637"/>
           </a:xfrm>
         </p:grpSpPr>
         <p:pic>
           <p:nvPicPr>
-            <p:cNvPr id="18" name="Imagem 17"/>
+            <p:cNvPr id="11" name="Imagem 10"/>
             <p:cNvPicPr>
               <a:picLocks noChangeAspect="1"/>
             </p:cNvPicPr>
@@ -9291,8 +8188,8 @@
           </p:blipFill>
           <p:spPr>
             <a:xfrm>
-              <a:off x="1763688" y="1027965"/>
-              <a:ext cx="342857" cy="342857"/>
+              <a:off x="115200" y="6381328"/>
+              <a:ext cx="342000" cy="331637"/>
             </a:xfrm>
             <a:prstGeom prst="rect">
               <a:avLst/>
@@ -9301,7 +8198,233 @@
         </p:pic>
         <p:pic>
           <p:nvPicPr>
-            <p:cNvPr id="19" name="Imagem 18"/>
+            <p:cNvPr id="12" name="Imagem 11"/>
+            <p:cNvPicPr>
+              <a:picLocks noChangeAspect="1"/>
+            </p:cNvPicPr>
+            <p:nvPr/>
+          </p:nvPicPr>
+          <p:blipFill>
+            <a:blip r:embed="rId4">
+              <a:extLst>
+                <a:ext uri="{28A0092B-C50C-407E-A947-70E740481C1C}">
+                  <a14:useLocalDpi xmlns:a14="http://schemas.microsoft.com/office/drawing/2010/main" val="0"/>
+                </a:ext>
+              </a:extLst>
+            </a:blip>
+            <a:stretch>
+              <a:fillRect/>
+            </a:stretch>
+          </p:blipFill>
+          <p:spPr>
+            <a:xfrm>
+              <a:off x="552420" y="6381328"/>
+              <a:ext cx="342000" cy="331637"/>
+            </a:xfrm>
+            <a:prstGeom prst="rect">
+              <a:avLst/>
+            </a:prstGeom>
+          </p:spPr>
+        </p:pic>
+        <p:pic>
+          <p:nvPicPr>
+            <p:cNvPr id="13" name="Imagem 12"/>
+            <p:cNvPicPr>
+              <a:picLocks noChangeAspect="1"/>
+            </p:cNvPicPr>
+            <p:nvPr/>
+          </p:nvPicPr>
+          <p:blipFill>
+            <a:blip r:embed="rId4">
+              <a:extLst>
+                <a:ext uri="{28A0092B-C50C-407E-A947-70E740481C1C}">
+                  <a14:useLocalDpi xmlns:a14="http://schemas.microsoft.com/office/drawing/2010/main" val="0"/>
+                </a:ext>
+              </a:extLst>
+            </a:blip>
+            <a:stretch>
+              <a:fillRect/>
+            </a:stretch>
+          </p:blipFill>
+          <p:spPr>
+            <a:xfrm>
+              <a:off x="989640" y="6381328"/>
+              <a:ext cx="342000" cy="331637"/>
+            </a:xfrm>
+            <a:prstGeom prst="rect">
+              <a:avLst/>
+            </a:prstGeom>
+          </p:spPr>
+        </p:pic>
+      </p:grpSp>
+      <p:sp>
+        <p:nvSpPr>
+          <p:cNvPr id="30" name="Título 5"/>
+          <p:cNvSpPr txBox="1">
+            <a:spLocks/>
+          </p:cNvSpPr>
+          <p:nvPr/>
+        </p:nvSpPr>
+        <p:spPr>
+          <a:xfrm>
+            <a:off x="457200" y="632433"/>
+            <a:ext cx="8229600" cy="1582311"/>
+          </a:xfrm>
+          <a:prstGeom prst="rect">
+            <a:avLst/>
+          </a:prstGeom>
+        </p:spPr>
+        <p:txBody>
+          <a:bodyPr vert="horz" lIns="91440" tIns="45720" rIns="91440" bIns="45720" rtlCol="0" anchor="ctr">
+            <a:normAutofit/>
+          </a:bodyPr>
+          <a:lstStyle>
+            <a:defPPr>
+              <a:defRPr lang="pt-BR"/>
+            </a:defPPr>
+            <a:lvl1pPr marL="0" algn="l" defTabSz="914400" rtl="0" eaLnBrk="1" latinLnBrk="0" hangingPunct="1">
+              <a:defRPr sz="1800" kern="1200">
+                <a:solidFill>
+                  <a:schemeClr val="tx1"/>
+                </a:solidFill>
+                <a:latin typeface="+mn-lt"/>
+                <a:ea typeface="+mn-ea"/>
+                <a:cs typeface="+mn-cs"/>
+              </a:defRPr>
+            </a:lvl1pPr>
+            <a:lvl2pPr marL="457200" algn="l" defTabSz="914400" rtl="0" eaLnBrk="1" latinLnBrk="0" hangingPunct="1">
+              <a:defRPr sz="1800" kern="1200">
+                <a:solidFill>
+                  <a:schemeClr val="tx1"/>
+                </a:solidFill>
+                <a:latin typeface="+mn-lt"/>
+                <a:ea typeface="+mn-ea"/>
+                <a:cs typeface="+mn-cs"/>
+              </a:defRPr>
+            </a:lvl2pPr>
+            <a:lvl3pPr marL="914400" algn="l" defTabSz="914400" rtl="0" eaLnBrk="1" latinLnBrk="0" hangingPunct="1">
+              <a:defRPr sz="1800" kern="1200">
+                <a:solidFill>
+                  <a:schemeClr val="tx1"/>
+                </a:solidFill>
+                <a:latin typeface="+mn-lt"/>
+                <a:ea typeface="+mn-ea"/>
+                <a:cs typeface="+mn-cs"/>
+              </a:defRPr>
+            </a:lvl3pPr>
+            <a:lvl4pPr marL="1371600" algn="l" defTabSz="914400" rtl="0" eaLnBrk="1" latinLnBrk="0" hangingPunct="1">
+              <a:defRPr sz="1800" kern="1200">
+                <a:solidFill>
+                  <a:schemeClr val="tx1"/>
+                </a:solidFill>
+                <a:latin typeface="+mn-lt"/>
+                <a:ea typeface="+mn-ea"/>
+                <a:cs typeface="+mn-cs"/>
+              </a:defRPr>
+            </a:lvl4pPr>
+            <a:lvl5pPr marL="1828800" algn="l" defTabSz="914400" rtl="0" eaLnBrk="1" latinLnBrk="0" hangingPunct="1">
+              <a:defRPr sz="1800" kern="1200">
+                <a:solidFill>
+                  <a:schemeClr val="tx1"/>
+                </a:solidFill>
+                <a:latin typeface="+mn-lt"/>
+                <a:ea typeface="+mn-ea"/>
+                <a:cs typeface="+mn-cs"/>
+              </a:defRPr>
+            </a:lvl5pPr>
+            <a:lvl6pPr marL="2286000" algn="l" defTabSz="914400" rtl="0" eaLnBrk="1" latinLnBrk="0" hangingPunct="1">
+              <a:defRPr sz="1800" kern="1200">
+                <a:solidFill>
+                  <a:schemeClr val="tx1"/>
+                </a:solidFill>
+                <a:latin typeface="+mn-lt"/>
+                <a:ea typeface="+mn-ea"/>
+                <a:cs typeface="+mn-cs"/>
+              </a:defRPr>
+            </a:lvl6pPr>
+            <a:lvl7pPr marL="2743200" algn="l" defTabSz="914400" rtl="0" eaLnBrk="1" latinLnBrk="0" hangingPunct="1">
+              <a:defRPr sz="1800" kern="1200">
+                <a:solidFill>
+                  <a:schemeClr val="tx1"/>
+                </a:solidFill>
+                <a:latin typeface="+mn-lt"/>
+                <a:ea typeface="+mn-ea"/>
+                <a:cs typeface="+mn-cs"/>
+              </a:defRPr>
+            </a:lvl7pPr>
+            <a:lvl8pPr marL="3200400" algn="l" defTabSz="914400" rtl="0" eaLnBrk="1" latinLnBrk="0" hangingPunct="1">
+              <a:defRPr sz="1800" kern="1200">
+                <a:solidFill>
+                  <a:schemeClr val="tx1"/>
+                </a:solidFill>
+                <a:latin typeface="+mn-lt"/>
+                <a:ea typeface="+mn-ea"/>
+                <a:cs typeface="+mn-cs"/>
+              </a:defRPr>
+            </a:lvl8pPr>
+            <a:lvl9pPr marL="3657600" algn="l" defTabSz="914400" rtl="0" eaLnBrk="1" latinLnBrk="0" hangingPunct="1">
+              <a:defRPr sz="1800" kern="1200">
+                <a:solidFill>
+                  <a:schemeClr val="tx1"/>
+                </a:solidFill>
+                <a:latin typeface="+mn-lt"/>
+                <a:ea typeface="+mn-ea"/>
+                <a:cs typeface="+mn-cs"/>
+              </a:defRPr>
+            </a:lvl9pPr>
+          </a:lstStyle>
+          <a:p>
+            <a:pPr algn="ctr"/>
+            <a:r>
+              <a:rPr lang="pt-BR" sz="7000" dirty="0" smtClean="0">
+                <a:solidFill>
+                  <a:srgbClr val="FFFF00"/>
+                </a:solidFill>
+                <a:latin typeface="SAF" pitchFamily="50" charset="0"/>
+              </a:rPr>
+              <a:t>OHH</a:t>
+            </a:r>
+            <a:r>
+              <a:rPr lang="pt-BR" sz="7000" dirty="0" smtClean="0">
+                <a:solidFill>
+                  <a:schemeClr val="bg1">
+                    <a:lumMod val="50000"/>
+                    <a:lumOff val="50000"/>
+                  </a:schemeClr>
+                </a:solidFill>
+                <a:latin typeface="SAF" pitchFamily="50" charset="0"/>
+              </a:rPr>
+              <a:t>Man</a:t>
+            </a:r>
+            <a:endParaRPr lang="pt-BR" sz="7000" dirty="0">
+              <a:solidFill>
+                <a:schemeClr val="bg1">
+                  <a:lumMod val="50000"/>
+                  <a:lumOff val="50000"/>
+                </a:schemeClr>
+              </a:solidFill>
+              <a:latin typeface="SAF" pitchFamily="50" charset="0"/>
+            </a:endParaRPr>
+          </a:p>
+        </p:txBody>
+      </p:sp>
+      <p:grpSp>
+        <p:nvGrpSpPr>
+          <p:cNvPr id="31" name="Grupo 30"/>
+          <p:cNvGrpSpPr/>
+          <p:nvPr/>
+        </p:nvGrpSpPr>
+        <p:grpSpPr>
+          <a:xfrm>
+            <a:off x="2103726" y="1028807"/>
+            <a:ext cx="342857" cy="789562"/>
+            <a:chOff x="2267744" y="1027966"/>
+            <a:chExt cx="342857" cy="789562"/>
+          </a:xfrm>
+        </p:grpSpPr>
+        <p:pic>
+          <p:nvPicPr>
+            <p:cNvPr id="32" name="Imagem 31"/>
             <p:cNvPicPr>
               <a:picLocks noChangeAspect="1"/>
             </p:cNvPicPr>
@@ -9321,7 +8444,7 @@
           </p:blipFill>
           <p:spPr>
             <a:xfrm>
-              <a:off x="1763688" y="1474670"/>
+              <a:off x="2267744" y="1027966"/>
               <a:ext cx="342857" cy="342857"/>
             </a:xfrm>
             <a:prstGeom prst="rect">
@@ -9329,70 +8452,9 @@
             </a:prstGeom>
           </p:spPr>
         </p:pic>
-      </p:grpSp>
-      <p:sp>
-        <p:nvSpPr>
-          <p:cNvPr id="3" name="CaixaDeTexto 2"/>
-          <p:cNvSpPr txBox="1"/>
-          <p:nvPr/>
-        </p:nvSpPr>
-        <p:spPr>
-          <a:xfrm rot="19008857">
-            <a:off x="528713" y="1084187"/>
-            <a:ext cx="1983662" cy="553998"/>
-          </a:xfrm>
-          <a:prstGeom prst="rect">
-            <a:avLst/>
-          </a:prstGeom>
-          <a:noFill/>
-        </p:spPr>
-        <p:txBody>
-          <a:bodyPr wrap="square" rtlCol="0">
-            <a:spAutoFit/>
-          </a:bodyPr>
-          <a:lstStyle/>
-          <a:p>
-            <a:r>
-              <a:rPr lang="pt-BR" sz="3000" dirty="0" smtClean="0">
-                <a:solidFill>
-                  <a:srgbClr val="FFFF00"/>
-                </a:solidFill>
-                <a:latin typeface="SAF" pitchFamily="50" charset="0"/>
-              </a:rPr>
-              <a:t>OHH</a:t>
-            </a:r>
-            <a:r>
-              <a:rPr lang="pt-BR" sz="3000" dirty="0" smtClean="0">
-                <a:solidFill>
-                  <a:schemeClr val="bg1">
-                    <a:lumMod val="50000"/>
-                    <a:lumOff val="50000"/>
-                  </a:schemeClr>
-                </a:solidFill>
-                <a:latin typeface="SAF" pitchFamily="50" charset="0"/>
-              </a:rPr>
-              <a:t>MAN!</a:t>
-            </a:r>
-          </a:p>
-        </p:txBody>
-      </p:sp>
-      <p:grpSp>
-        <p:nvGrpSpPr>
-          <p:cNvPr id="24" name="Grupo 23"/>
-          <p:cNvGrpSpPr/>
-          <p:nvPr/>
-        </p:nvGrpSpPr>
-        <p:grpSpPr>
-          <a:xfrm>
-            <a:off x="912324" y="5821008"/>
-            <a:ext cx="1216440" cy="331637"/>
-            <a:chOff x="115200" y="6381328"/>
-            <a:chExt cx="1216440" cy="331637"/>
-          </a:xfrm>
-        </p:grpSpPr>
         <p:pic>
           <p:nvPicPr>
-            <p:cNvPr id="25" name="Imagem 24"/>
+            <p:cNvPr id="33" name="Imagem 32"/>
             <p:cNvPicPr>
               <a:picLocks noChangeAspect="1"/>
             </p:cNvPicPr>
@@ -9412,24 +8474,39 @@
           </p:blipFill>
           <p:spPr>
             <a:xfrm>
-              <a:off x="115200" y="6381328"/>
-              <a:ext cx="342000" cy="331637"/>
+              <a:off x="2267744" y="1474671"/>
+              <a:ext cx="342857" cy="342857"/>
             </a:xfrm>
             <a:prstGeom prst="rect">
               <a:avLst/>
             </a:prstGeom>
           </p:spPr>
         </p:pic>
+      </p:grpSp>
+      <p:grpSp>
+        <p:nvGrpSpPr>
+          <p:cNvPr id="34" name="Grupo 33"/>
+          <p:cNvGrpSpPr/>
+          <p:nvPr/>
+        </p:nvGrpSpPr>
+        <p:grpSpPr>
+          <a:xfrm>
+            <a:off x="6682048" y="1028807"/>
+            <a:ext cx="342857" cy="789562"/>
+            <a:chOff x="1763688" y="1027965"/>
+            <a:chExt cx="342857" cy="789562"/>
+          </a:xfrm>
+        </p:grpSpPr>
         <p:pic>
           <p:nvPicPr>
-            <p:cNvPr id="26" name="Imagem 25"/>
+            <p:cNvPr id="35" name="Imagem 34"/>
             <p:cNvPicPr>
               <a:picLocks noChangeAspect="1"/>
             </p:cNvPicPr>
             <p:nvPr/>
           </p:nvPicPr>
           <p:blipFill>
-            <a:blip r:embed="rId6">
+            <a:blip r:embed="rId7">
               <a:extLst>
                 <a:ext uri="{28A0092B-C50C-407E-A947-70E740481C1C}">
                   <a14:useLocalDpi xmlns:a14="http://schemas.microsoft.com/office/drawing/2010/main" val="0"/>
@@ -9442,8 +8519,8 @@
           </p:blipFill>
           <p:spPr>
             <a:xfrm>
-              <a:off x="552420" y="6381328"/>
-              <a:ext cx="342000" cy="331637"/>
+              <a:off x="1763688" y="1027965"/>
+              <a:ext cx="342857" cy="342857"/>
             </a:xfrm>
             <a:prstGeom prst="rect">
               <a:avLst/>
@@ -9452,14 +8529,14 @@
         </p:pic>
         <p:pic>
           <p:nvPicPr>
-            <p:cNvPr id="27" name="Imagem 26"/>
+            <p:cNvPr id="36" name="Imagem 35"/>
             <p:cNvPicPr>
               <a:picLocks noChangeAspect="1"/>
             </p:cNvPicPr>
             <p:nvPr/>
           </p:nvPicPr>
           <p:blipFill>
-            <a:blip r:embed="rId6">
+            <a:blip r:embed="rId8">
               <a:extLst>
                 <a:ext uri="{28A0092B-C50C-407E-A947-70E740481C1C}">
                   <a14:useLocalDpi xmlns:a14="http://schemas.microsoft.com/office/drawing/2010/main" val="0"/>
@@ -9472,8 +8549,8 @@
           </p:blipFill>
           <p:spPr>
             <a:xfrm>
-              <a:off x="989640" y="6381328"/>
-              <a:ext cx="342000" cy="331637"/>
+              <a:off x="1763688" y="1474670"/>
+              <a:ext cx="342857" cy="342857"/>
             </a:xfrm>
             <a:prstGeom prst="rect">
               <a:avLst/>
@@ -9481,10 +8558,744 @@
           </p:spPr>
         </p:pic>
       </p:grpSp>
+      <p:grpSp>
+        <p:nvGrpSpPr>
+          <p:cNvPr id="37" name="Grupo 36"/>
+          <p:cNvGrpSpPr/>
+          <p:nvPr/>
+        </p:nvGrpSpPr>
+        <p:grpSpPr>
+          <a:xfrm>
+            <a:off x="3168000" y="3216253"/>
+            <a:ext cx="2808000" cy="720000"/>
+            <a:chOff x="3582320" y="3565094"/>
+            <a:chExt cx="2808000" cy="720000"/>
+          </a:xfrm>
+        </p:grpSpPr>
+        <p:sp>
+          <p:nvSpPr>
+            <p:cNvPr id="38" name="Retângulo de cantos arredondados 37"/>
+            <p:cNvSpPr/>
+            <p:nvPr/>
+          </p:nvSpPr>
+          <p:spPr>
+            <a:xfrm>
+              <a:off x="3582320" y="3565094"/>
+              <a:ext cx="2808000" cy="720000"/>
+            </a:xfrm>
+            <a:prstGeom prst="roundRect">
+              <a:avLst/>
+            </a:prstGeom>
+            <a:solidFill>
+              <a:srgbClr val="FFD44B"/>
+            </a:solidFill>
+            <a:ln/>
+            <a:scene3d>
+              <a:camera prst="orthographicFront">
+                <a:rot lat="0" lon="0" rev="0"/>
+              </a:camera>
+              <a:lightRig rig="threePt" dir="t">
+                <a:rot lat="0" lon="0" rev="1200000"/>
+              </a:lightRig>
+            </a:scene3d>
+            <a:sp3d>
+              <a:bevelT w="152400" h="50800" prst="softRound"/>
+            </a:sp3d>
+          </p:spPr>
+          <p:style>
+            <a:lnRef idx="0">
+              <a:schemeClr val="accent6"/>
+            </a:lnRef>
+            <a:fillRef idx="3">
+              <a:schemeClr val="accent6"/>
+            </a:fillRef>
+            <a:effectRef idx="3">
+              <a:schemeClr val="accent6"/>
+            </a:effectRef>
+            <a:fontRef idx="minor">
+              <a:schemeClr val="lt1"/>
+            </a:fontRef>
+          </p:style>
+          <p:txBody>
+            <a:bodyPr rtlCol="0" anchor="ctr"/>
+            <a:lstStyle/>
+            <a:p>
+              <a:pPr algn="ctr"/>
+              <a:endParaRPr lang="pt-BR"/>
+            </a:p>
+          </p:txBody>
+        </p:sp>
+        <p:sp>
+          <p:nvSpPr>
+            <p:cNvPr id="39" name="Retângulo de cantos arredondados 38"/>
+            <p:cNvSpPr/>
+            <p:nvPr/>
+          </p:nvSpPr>
+          <p:spPr>
+            <a:xfrm>
+              <a:off x="3762320" y="3610094"/>
+              <a:ext cx="2448000" cy="630000"/>
+            </a:xfrm>
+            <a:prstGeom prst="roundRect">
+              <a:avLst/>
+            </a:prstGeom>
+            <a:solidFill>
+              <a:schemeClr val="bg1">
+                <a:lumMod val="75000"/>
+                <a:lumOff val="25000"/>
+              </a:schemeClr>
+            </a:solidFill>
+            <a:ln>
+              <a:solidFill>
+                <a:schemeClr val="bg1">
+                  <a:lumMod val="75000"/>
+                  <a:lumOff val="25000"/>
+                </a:schemeClr>
+              </a:solidFill>
+            </a:ln>
+            <a:scene3d>
+              <a:camera prst="orthographicFront"/>
+              <a:lightRig rig="threePt" dir="t"/>
+            </a:scene3d>
+            <a:sp3d>
+              <a:bevelT w="152400" h="50800" prst="softRound"/>
+            </a:sp3d>
+          </p:spPr>
+          <p:style>
+            <a:lnRef idx="2">
+              <a:schemeClr val="accent1">
+                <a:shade val="50000"/>
+              </a:schemeClr>
+            </a:lnRef>
+            <a:fillRef idx="1">
+              <a:schemeClr val="accent1"/>
+            </a:fillRef>
+            <a:effectRef idx="0">
+              <a:schemeClr val="accent1"/>
+            </a:effectRef>
+            <a:fontRef idx="minor">
+              <a:schemeClr val="lt1"/>
+            </a:fontRef>
+          </p:style>
+          <p:txBody>
+            <a:bodyPr rtlCol="0" anchor="ctr"/>
+            <a:lstStyle/>
+            <a:p>
+              <a:pPr algn="ctr"/>
+              <a:endParaRPr lang="pt-BR"/>
+            </a:p>
+          </p:txBody>
+        </p:sp>
+        <p:sp>
+          <p:nvSpPr>
+            <p:cNvPr id="40" name="CaixaDeTexto 39"/>
+            <p:cNvSpPr txBox="1"/>
+            <p:nvPr/>
+          </p:nvSpPr>
+          <p:spPr>
+            <a:xfrm>
+              <a:off x="3722897" y="3571151"/>
+              <a:ext cx="2526847" cy="707886"/>
+            </a:xfrm>
+            <a:prstGeom prst="rect">
+              <a:avLst/>
+            </a:prstGeom>
+            <a:noFill/>
+            <a:scene3d>
+              <a:camera prst="orthographicFront"/>
+              <a:lightRig rig="threePt" dir="t"/>
+            </a:scene3d>
+            <a:sp3d>
+              <a:bevelT w="152400" h="50800" prst="softRound"/>
+            </a:sp3d>
+          </p:spPr>
+          <p:txBody>
+            <a:bodyPr wrap="none" rtlCol="0">
+              <a:spAutoFit/>
+            </a:bodyPr>
+            <a:lstStyle/>
+            <a:p>
+              <a:pPr algn="ctr"/>
+              <a:r>
+                <a:rPr lang="pt-BR" sz="4000" dirty="0" smtClean="0">
+                  <a:latin typeface="Andy" panose="03080602030302030203" pitchFamily="66" charset="0"/>
+                </a:rPr>
+                <a:t>High Scores</a:t>
+              </a:r>
+              <a:endParaRPr lang="pt-BR" sz="4000" dirty="0">
+                <a:latin typeface="Andy" panose="03080602030302030203" pitchFamily="66" charset="0"/>
+              </a:endParaRPr>
+            </a:p>
+          </p:txBody>
+        </p:sp>
+      </p:grpSp>
+      <p:grpSp>
+        <p:nvGrpSpPr>
+          <p:cNvPr id="41" name="Grupo 40"/>
+          <p:cNvGrpSpPr/>
+          <p:nvPr/>
+        </p:nvGrpSpPr>
+        <p:grpSpPr>
+          <a:xfrm>
+            <a:off x="3168000" y="2204864"/>
+            <a:ext cx="2808000" cy="720000"/>
+            <a:chOff x="3582320" y="3565094"/>
+            <a:chExt cx="2808000" cy="720000"/>
+          </a:xfrm>
+        </p:grpSpPr>
+        <p:sp>
+          <p:nvSpPr>
+            <p:cNvPr id="42" name="Retângulo de cantos arredondados 41"/>
+            <p:cNvSpPr/>
+            <p:nvPr/>
+          </p:nvSpPr>
+          <p:spPr>
+            <a:xfrm>
+              <a:off x="3582320" y="3565094"/>
+              <a:ext cx="2808000" cy="720000"/>
+            </a:xfrm>
+            <a:prstGeom prst="roundRect">
+              <a:avLst/>
+            </a:prstGeom>
+            <a:solidFill>
+              <a:srgbClr val="FFD44B"/>
+            </a:solidFill>
+            <a:ln/>
+            <a:scene3d>
+              <a:camera prst="orthographicFront">
+                <a:rot lat="0" lon="0" rev="0"/>
+              </a:camera>
+              <a:lightRig rig="threePt" dir="t">
+                <a:rot lat="0" lon="0" rev="1200000"/>
+              </a:lightRig>
+            </a:scene3d>
+            <a:sp3d>
+              <a:bevelT w="152400" h="50800" prst="softRound"/>
+            </a:sp3d>
+          </p:spPr>
+          <p:style>
+            <a:lnRef idx="0">
+              <a:schemeClr val="accent6"/>
+            </a:lnRef>
+            <a:fillRef idx="3">
+              <a:schemeClr val="accent6"/>
+            </a:fillRef>
+            <a:effectRef idx="3">
+              <a:schemeClr val="accent6"/>
+            </a:effectRef>
+            <a:fontRef idx="minor">
+              <a:schemeClr val="lt1"/>
+            </a:fontRef>
+          </p:style>
+          <p:txBody>
+            <a:bodyPr rtlCol="0" anchor="ctr"/>
+            <a:lstStyle/>
+            <a:p>
+              <a:pPr algn="ctr"/>
+              <a:endParaRPr lang="pt-BR"/>
+            </a:p>
+          </p:txBody>
+        </p:sp>
+        <p:sp>
+          <p:nvSpPr>
+            <p:cNvPr id="43" name="Retângulo de cantos arredondados 42"/>
+            <p:cNvSpPr/>
+            <p:nvPr/>
+          </p:nvSpPr>
+          <p:spPr>
+            <a:xfrm>
+              <a:off x="3762320" y="3610094"/>
+              <a:ext cx="2448000" cy="630000"/>
+            </a:xfrm>
+            <a:prstGeom prst="roundRect">
+              <a:avLst/>
+            </a:prstGeom>
+            <a:solidFill>
+              <a:schemeClr val="bg1">
+                <a:lumMod val="75000"/>
+                <a:lumOff val="25000"/>
+              </a:schemeClr>
+            </a:solidFill>
+            <a:ln>
+              <a:solidFill>
+                <a:schemeClr val="bg1">
+                  <a:lumMod val="75000"/>
+                  <a:lumOff val="25000"/>
+                </a:schemeClr>
+              </a:solidFill>
+            </a:ln>
+            <a:scene3d>
+              <a:camera prst="orthographicFront"/>
+              <a:lightRig rig="threePt" dir="t"/>
+            </a:scene3d>
+            <a:sp3d>
+              <a:bevelT w="152400" h="50800" prst="softRound"/>
+            </a:sp3d>
+          </p:spPr>
+          <p:style>
+            <a:lnRef idx="2">
+              <a:schemeClr val="accent1">
+                <a:shade val="50000"/>
+              </a:schemeClr>
+            </a:lnRef>
+            <a:fillRef idx="1">
+              <a:schemeClr val="accent1"/>
+            </a:fillRef>
+            <a:effectRef idx="0">
+              <a:schemeClr val="accent1"/>
+            </a:effectRef>
+            <a:fontRef idx="minor">
+              <a:schemeClr val="lt1"/>
+            </a:fontRef>
+          </p:style>
+          <p:txBody>
+            <a:bodyPr rtlCol="0" anchor="ctr"/>
+            <a:lstStyle/>
+            <a:p>
+              <a:pPr algn="ctr"/>
+              <a:endParaRPr lang="pt-BR"/>
+            </a:p>
+          </p:txBody>
+        </p:sp>
+        <p:sp>
+          <p:nvSpPr>
+            <p:cNvPr id="44" name="CaixaDeTexto 43"/>
+            <p:cNvSpPr txBox="1"/>
+            <p:nvPr/>
+          </p:nvSpPr>
+          <p:spPr>
+            <a:xfrm>
+              <a:off x="4509972" y="3571151"/>
+              <a:ext cx="952697" cy="707886"/>
+            </a:xfrm>
+            <a:prstGeom prst="rect">
+              <a:avLst/>
+            </a:prstGeom>
+            <a:noFill/>
+            <a:scene3d>
+              <a:camera prst="orthographicFront"/>
+              <a:lightRig rig="threePt" dir="t"/>
+            </a:scene3d>
+            <a:sp3d>
+              <a:bevelT w="152400" h="50800" prst="softRound"/>
+            </a:sp3d>
+          </p:spPr>
+          <p:txBody>
+            <a:bodyPr wrap="none" rtlCol="0">
+              <a:spAutoFit/>
+            </a:bodyPr>
+            <a:lstStyle/>
+            <a:p>
+              <a:pPr algn="ctr"/>
+              <a:r>
+                <a:rPr lang="pt-BR" sz="4000" dirty="0" smtClean="0">
+                  <a:latin typeface="Andy" panose="03080602030302030203" pitchFamily="66" charset="0"/>
+                </a:rPr>
+                <a:t>Play</a:t>
+              </a:r>
+              <a:endParaRPr lang="pt-BR" sz="4000" dirty="0">
+                <a:latin typeface="Andy" panose="03080602030302030203" pitchFamily="66" charset="0"/>
+              </a:endParaRPr>
+            </a:p>
+          </p:txBody>
+        </p:sp>
+      </p:grpSp>
+      <p:grpSp>
+        <p:nvGrpSpPr>
+          <p:cNvPr id="45" name="Grupo 44"/>
+          <p:cNvGrpSpPr/>
+          <p:nvPr/>
+        </p:nvGrpSpPr>
+        <p:grpSpPr>
+          <a:xfrm>
+            <a:off x="3168000" y="4227642"/>
+            <a:ext cx="2808000" cy="720000"/>
+            <a:chOff x="3582320" y="3565094"/>
+            <a:chExt cx="2808000" cy="720000"/>
+          </a:xfrm>
+        </p:grpSpPr>
+        <p:sp>
+          <p:nvSpPr>
+            <p:cNvPr id="46" name="Retângulo de cantos arredondados 45"/>
+            <p:cNvSpPr/>
+            <p:nvPr/>
+          </p:nvSpPr>
+          <p:spPr>
+            <a:xfrm>
+              <a:off x="3582320" y="3565094"/>
+              <a:ext cx="2808000" cy="720000"/>
+            </a:xfrm>
+            <a:prstGeom prst="roundRect">
+              <a:avLst/>
+            </a:prstGeom>
+            <a:solidFill>
+              <a:srgbClr val="FFD44B"/>
+            </a:solidFill>
+            <a:ln/>
+            <a:scene3d>
+              <a:camera prst="orthographicFront">
+                <a:rot lat="0" lon="0" rev="0"/>
+              </a:camera>
+              <a:lightRig rig="threePt" dir="t">
+                <a:rot lat="0" lon="0" rev="1200000"/>
+              </a:lightRig>
+            </a:scene3d>
+            <a:sp3d>
+              <a:bevelT w="152400" h="50800" prst="softRound"/>
+            </a:sp3d>
+          </p:spPr>
+          <p:style>
+            <a:lnRef idx="0">
+              <a:schemeClr val="accent6"/>
+            </a:lnRef>
+            <a:fillRef idx="3">
+              <a:schemeClr val="accent6"/>
+            </a:fillRef>
+            <a:effectRef idx="3">
+              <a:schemeClr val="accent6"/>
+            </a:effectRef>
+            <a:fontRef idx="minor">
+              <a:schemeClr val="lt1"/>
+            </a:fontRef>
+          </p:style>
+          <p:txBody>
+            <a:bodyPr rtlCol="0" anchor="ctr"/>
+            <a:lstStyle/>
+            <a:p>
+              <a:pPr algn="ctr"/>
+              <a:endParaRPr lang="pt-BR"/>
+            </a:p>
+          </p:txBody>
+        </p:sp>
+        <p:sp>
+          <p:nvSpPr>
+            <p:cNvPr id="47" name="Retângulo de cantos arredondados 46"/>
+            <p:cNvSpPr/>
+            <p:nvPr/>
+          </p:nvSpPr>
+          <p:spPr>
+            <a:xfrm>
+              <a:off x="3762320" y="3610094"/>
+              <a:ext cx="2448000" cy="630000"/>
+            </a:xfrm>
+            <a:prstGeom prst="roundRect">
+              <a:avLst/>
+            </a:prstGeom>
+            <a:solidFill>
+              <a:schemeClr val="bg1">
+                <a:lumMod val="75000"/>
+                <a:lumOff val="25000"/>
+              </a:schemeClr>
+            </a:solidFill>
+            <a:ln>
+              <a:solidFill>
+                <a:schemeClr val="bg1">
+                  <a:lumMod val="75000"/>
+                  <a:lumOff val="25000"/>
+                </a:schemeClr>
+              </a:solidFill>
+            </a:ln>
+            <a:scene3d>
+              <a:camera prst="orthographicFront"/>
+              <a:lightRig rig="threePt" dir="t"/>
+            </a:scene3d>
+            <a:sp3d>
+              <a:bevelT w="152400" h="50800" prst="softRound"/>
+            </a:sp3d>
+          </p:spPr>
+          <p:style>
+            <a:lnRef idx="2">
+              <a:schemeClr val="accent1">
+                <a:shade val="50000"/>
+              </a:schemeClr>
+            </a:lnRef>
+            <a:fillRef idx="1">
+              <a:schemeClr val="accent1"/>
+            </a:fillRef>
+            <a:effectRef idx="0">
+              <a:schemeClr val="accent1"/>
+            </a:effectRef>
+            <a:fontRef idx="minor">
+              <a:schemeClr val="lt1"/>
+            </a:fontRef>
+          </p:style>
+          <p:txBody>
+            <a:bodyPr rtlCol="0" anchor="ctr"/>
+            <a:lstStyle/>
+            <a:p>
+              <a:pPr algn="ctr"/>
+              <a:endParaRPr lang="pt-BR"/>
+            </a:p>
+          </p:txBody>
+        </p:sp>
+        <p:sp>
+          <p:nvSpPr>
+            <p:cNvPr id="48" name="CaixaDeTexto 47"/>
+            <p:cNvSpPr txBox="1"/>
+            <p:nvPr/>
+          </p:nvSpPr>
+          <p:spPr>
+            <a:xfrm>
+              <a:off x="3777399" y="3571151"/>
+              <a:ext cx="2417842" cy="707886"/>
+            </a:xfrm>
+            <a:prstGeom prst="rect">
+              <a:avLst/>
+            </a:prstGeom>
+            <a:noFill/>
+            <a:scene3d>
+              <a:camera prst="orthographicFront"/>
+              <a:lightRig rig="threePt" dir="t"/>
+            </a:scene3d>
+            <a:sp3d>
+              <a:bevelT w="152400" h="50800" prst="softRound"/>
+            </a:sp3d>
+          </p:spPr>
+          <p:txBody>
+            <a:bodyPr wrap="none" rtlCol="0">
+              <a:spAutoFit/>
+            </a:bodyPr>
+            <a:lstStyle/>
+            <a:p>
+              <a:pPr algn="ctr"/>
+              <a:r>
+                <a:rPr lang="pt-BR" sz="4000" dirty="0" smtClean="0">
+                  <a:latin typeface="Andy" panose="03080602030302030203" pitchFamily="66" charset="0"/>
+                </a:rPr>
+                <a:t>How to Play</a:t>
+              </a:r>
+              <a:endParaRPr lang="pt-BR" sz="4000" dirty="0">
+                <a:latin typeface="Andy" panose="03080602030302030203" pitchFamily="66" charset="0"/>
+              </a:endParaRPr>
+            </a:p>
+          </p:txBody>
+        </p:sp>
+      </p:grpSp>
+      <p:grpSp>
+        <p:nvGrpSpPr>
+          <p:cNvPr id="49" name="Grupo 48"/>
+          <p:cNvGrpSpPr/>
+          <p:nvPr/>
+        </p:nvGrpSpPr>
+        <p:grpSpPr>
+          <a:xfrm>
+            <a:off x="3168000" y="5239032"/>
+            <a:ext cx="2808000" cy="720000"/>
+            <a:chOff x="3582320" y="3565094"/>
+            <a:chExt cx="2808000" cy="720000"/>
+          </a:xfrm>
+        </p:grpSpPr>
+        <p:sp>
+          <p:nvSpPr>
+            <p:cNvPr id="50" name="Retângulo de cantos arredondados 49"/>
+            <p:cNvSpPr/>
+            <p:nvPr/>
+          </p:nvSpPr>
+          <p:spPr>
+            <a:xfrm>
+              <a:off x="3582320" y="3565094"/>
+              <a:ext cx="2808000" cy="720000"/>
+            </a:xfrm>
+            <a:prstGeom prst="roundRect">
+              <a:avLst/>
+            </a:prstGeom>
+            <a:solidFill>
+              <a:srgbClr val="FFD44B"/>
+            </a:solidFill>
+            <a:ln/>
+            <a:scene3d>
+              <a:camera prst="orthographicFront">
+                <a:rot lat="0" lon="0" rev="0"/>
+              </a:camera>
+              <a:lightRig rig="threePt" dir="t">
+                <a:rot lat="0" lon="0" rev="1200000"/>
+              </a:lightRig>
+            </a:scene3d>
+            <a:sp3d>
+              <a:bevelT w="152400" h="50800" prst="softRound"/>
+            </a:sp3d>
+          </p:spPr>
+          <p:style>
+            <a:lnRef idx="0">
+              <a:schemeClr val="accent6"/>
+            </a:lnRef>
+            <a:fillRef idx="3">
+              <a:schemeClr val="accent6"/>
+            </a:fillRef>
+            <a:effectRef idx="3">
+              <a:schemeClr val="accent6"/>
+            </a:effectRef>
+            <a:fontRef idx="minor">
+              <a:schemeClr val="lt1"/>
+            </a:fontRef>
+          </p:style>
+          <p:txBody>
+            <a:bodyPr rtlCol="0" anchor="ctr"/>
+            <a:lstStyle/>
+            <a:p>
+              <a:pPr algn="ctr"/>
+              <a:endParaRPr lang="pt-BR"/>
+            </a:p>
+          </p:txBody>
+        </p:sp>
+        <p:sp>
+          <p:nvSpPr>
+            <p:cNvPr id="51" name="Retângulo de cantos arredondados 50"/>
+            <p:cNvSpPr/>
+            <p:nvPr/>
+          </p:nvSpPr>
+          <p:spPr>
+            <a:xfrm>
+              <a:off x="3762320" y="3610094"/>
+              <a:ext cx="2448000" cy="630000"/>
+            </a:xfrm>
+            <a:prstGeom prst="roundRect">
+              <a:avLst/>
+            </a:prstGeom>
+            <a:solidFill>
+              <a:schemeClr val="bg1">
+                <a:lumMod val="75000"/>
+                <a:lumOff val="25000"/>
+              </a:schemeClr>
+            </a:solidFill>
+            <a:ln>
+              <a:solidFill>
+                <a:schemeClr val="bg1">
+                  <a:lumMod val="75000"/>
+                  <a:lumOff val="25000"/>
+                </a:schemeClr>
+              </a:solidFill>
+            </a:ln>
+            <a:scene3d>
+              <a:camera prst="orthographicFront"/>
+              <a:lightRig rig="threePt" dir="t"/>
+            </a:scene3d>
+            <a:sp3d>
+              <a:bevelT w="152400" h="50800" prst="softRound"/>
+            </a:sp3d>
+          </p:spPr>
+          <p:style>
+            <a:lnRef idx="2">
+              <a:schemeClr val="accent1">
+                <a:shade val="50000"/>
+              </a:schemeClr>
+            </a:lnRef>
+            <a:fillRef idx="1">
+              <a:schemeClr val="accent1"/>
+            </a:fillRef>
+            <a:effectRef idx="0">
+              <a:schemeClr val="accent1"/>
+            </a:effectRef>
+            <a:fontRef idx="minor">
+              <a:schemeClr val="lt1"/>
+            </a:fontRef>
+          </p:style>
+          <p:txBody>
+            <a:bodyPr rtlCol="0" anchor="ctr"/>
+            <a:lstStyle/>
+            <a:p>
+              <a:pPr algn="ctr"/>
+              <a:endParaRPr lang="pt-BR"/>
+            </a:p>
+          </p:txBody>
+        </p:sp>
+        <p:sp>
+          <p:nvSpPr>
+            <p:cNvPr id="52" name="CaixaDeTexto 51"/>
+            <p:cNvSpPr txBox="1"/>
+            <p:nvPr/>
+          </p:nvSpPr>
+          <p:spPr>
+            <a:xfrm>
+              <a:off x="4200336" y="3571151"/>
+              <a:ext cx="1571969" cy="707886"/>
+            </a:xfrm>
+            <a:prstGeom prst="rect">
+              <a:avLst/>
+            </a:prstGeom>
+            <a:noFill/>
+            <a:scene3d>
+              <a:camera prst="orthographicFront"/>
+              <a:lightRig rig="threePt" dir="t"/>
+            </a:scene3d>
+            <a:sp3d>
+              <a:bevelT w="152400" h="50800" prst="softRound"/>
+            </a:sp3d>
+          </p:spPr>
+          <p:txBody>
+            <a:bodyPr wrap="none" rtlCol="0">
+              <a:spAutoFit/>
+            </a:bodyPr>
+            <a:lstStyle/>
+            <a:p>
+              <a:pPr algn="ctr"/>
+              <a:r>
+                <a:rPr lang="pt-BR" sz="4000" dirty="0" smtClean="0">
+                  <a:latin typeface="Andy" panose="03080602030302030203" pitchFamily="66" charset="0"/>
+                </a:rPr>
+                <a:t>Credits</a:t>
+              </a:r>
+              <a:endParaRPr lang="pt-BR" sz="4000" dirty="0">
+                <a:latin typeface="Andy" panose="03080602030302030203" pitchFamily="66" charset="0"/>
+              </a:endParaRPr>
+            </a:p>
+          </p:txBody>
+        </p:sp>
+      </p:grpSp>
+      <p:sp>
+        <p:nvSpPr>
+          <p:cNvPr id="53" name="Elipse 52"/>
+          <p:cNvSpPr/>
+          <p:nvPr/>
+        </p:nvSpPr>
+        <p:spPr>
+          <a:xfrm>
+            <a:off x="2771800" y="1186587"/>
+            <a:ext cx="360040" cy="446705"/>
+          </a:xfrm>
+          <a:prstGeom prst="ellipse">
+            <a:avLst/>
+          </a:prstGeom>
+          <a:solidFill>
+            <a:srgbClr val="FFFF00"/>
+          </a:solidFill>
+          <a:ln>
+            <a:noFill/>
+          </a:ln>
+        </p:spPr>
+        <p:style>
+          <a:lnRef idx="2">
+            <a:schemeClr val="accent1">
+              <a:shade val="50000"/>
+            </a:schemeClr>
+          </a:lnRef>
+          <a:fillRef idx="1">
+            <a:schemeClr val="accent1"/>
+          </a:fillRef>
+          <a:effectRef idx="0">
+            <a:schemeClr val="accent1"/>
+          </a:effectRef>
+          <a:fontRef idx="minor">
+            <a:schemeClr val="lt1"/>
+          </a:fontRef>
+        </p:style>
+        <p:txBody>
+          <a:bodyPr rtlCol="0" anchor="ctr"/>
+          <a:lstStyle/>
+          <a:p>
+            <a:pPr algn="ctr"/>
+            <a:endParaRPr lang="pt-BR">
+              <a:solidFill>
+                <a:srgbClr val="FFFF66"/>
+              </a:solidFill>
+            </a:endParaRPr>
+          </a:p>
+        </p:txBody>
+      </p:sp>
     </p:spTree>
     <p:extLst>
       <p:ext uri="{BB962C8B-B14F-4D97-AF65-F5344CB8AC3E}">
-        <p14:creationId xmlns:p14="http://schemas.microsoft.com/office/powerpoint/2010/main" val="4237261110"/>
+        <p14:creationId xmlns:p14="http://schemas.microsoft.com/office/powerpoint/2010/main" val="2525009817"/>
       </p:ext>
     </p:extLst>
   </p:cSld>
@@ -9861,6 +9672,702 @@
         <p:grpSpPr>
           <a:xfrm>
             <a:off x="2435409" y="1860279"/>
+            <a:ext cx="4273182" cy="938719"/>
+            <a:chOff x="2468002" y="1913051"/>
+            <a:chExt cx="4273182" cy="938719"/>
+          </a:xfrm>
+        </p:grpSpPr>
+        <p:sp>
+          <p:nvSpPr>
+            <p:cNvPr id="12" name="CaixaDeTexto 11"/>
+            <p:cNvSpPr txBox="1"/>
+            <p:nvPr/>
+          </p:nvSpPr>
+          <p:spPr>
+            <a:xfrm>
+              <a:off x="2468002" y="1913051"/>
+              <a:ext cx="2088232" cy="938719"/>
+            </a:xfrm>
+            <a:prstGeom prst="rect">
+              <a:avLst/>
+            </a:prstGeom>
+            <a:noFill/>
+          </p:spPr>
+          <p:txBody>
+            <a:bodyPr wrap="square" rtlCol="0">
+              <a:spAutoFit/>
+            </a:bodyPr>
+            <a:lstStyle/>
+            <a:p>
+              <a:pPr algn="ctr">
+                <a:lnSpc>
+                  <a:spcPct val="110000"/>
+                </a:lnSpc>
+              </a:pPr>
+              <a:r>
+                <a:rPr lang="pt-BR" sz="5000" dirty="0" err="1" smtClean="0">
+                  <a:solidFill>
+                    <a:srgbClr val="FFD44B"/>
+                  </a:solidFill>
+                  <a:latin typeface="Andy" panose="03080602030302030203" pitchFamily="66" charset="0"/>
+                </a:rPr>
+                <a:t>Name</a:t>
+              </a:r>
+              <a:endParaRPr lang="pt-BR" sz="5000" dirty="0">
+                <a:solidFill>
+                  <a:srgbClr val="FFD44B"/>
+                </a:solidFill>
+                <a:latin typeface="Andy" panose="03080602030302030203" pitchFamily="66" charset="0"/>
+              </a:endParaRPr>
+            </a:p>
+          </p:txBody>
+        </p:sp>
+        <p:sp>
+          <p:nvSpPr>
+            <p:cNvPr id="13" name="CaixaDeTexto 12"/>
+            <p:cNvSpPr txBox="1"/>
+            <p:nvPr/>
+          </p:nvSpPr>
+          <p:spPr>
+            <a:xfrm>
+              <a:off x="5014903" y="1913051"/>
+              <a:ext cx="1726281" cy="938719"/>
+            </a:xfrm>
+            <a:prstGeom prst="rect">
+              <a:avLst/>
+            </a:prstGeom>
+            <a:noFill/>
+          </p:spPr>
+          <p:txBody>
+            <a:bodyPr wrap="square" rtlCol="0">
+              <a:spAutoFit/>
+            </a:bodyPr>
+            <a:lstStyle/>
+            <a:p>
+              <a:pPr algn="ctr">
+                <a:lnSpc>
+                  <a:spcPct val="110000"/>
+                </a:lnSpc>
+              </a:pPr>
+              <a:r>
+                <a:rPr lang="pt-BR" sz="5000" dirty="0" smtClean="0">
+                  <a:solidFill>
+                    <a:srgbClr val="FFD44B"/>
+                  </a:solidFill>
+                  <a:latin typeface="Andy" panose="03080602030302030203" pitchFamily="66" charset="0"/>
+                </a:rPr>
+                <a:t>Score</a:t>
+              </a:r>
+            </a:p>
+          </p:txBody>
+        </p:sp>
+      </p:grpSp>
+      <p:grpSp>
+        <p:nvGrpSpPr>
+          <p:cNvPr id="17" name="Grupo 16"/>
+          <p:cNvGrpSpPr/>
+          <p:nvPr/>
+        </p:nvGrpSpPr>
+        <p:grpSpPr>
+          <a:xfrm>
+            <a:off x="7447365" y="820210"/>
+            <a:ext cx="342857" cy="789562"/>
+            <a:chOff x="1763688" y="1027965"/>
+            <a:chExt cx="342857" cy="789562"/>
+          </a:xfrm>
+        </p:grpSpPr>
+        <p:pic>
+          <p:nvPicPr>
+            <p:cNvPr id="18" name="Imagem 17"/>
+            <p:cNvPicPr>
+              <a:picLocks noChangeAspect="1"/>
+            </p:cNvPicPr>
+            <p:nvPr/>
+          </p:nvPicPr>
+          <p:blipFill>
+            <a:blip r:embed="rId4">
+              <a:extLst>
+                <a:ext uri="{28A0092B-C50C-407E-A947-70E740481C1C}">
+                  <a14:useLocalDpi xmlns:a14="http://schemas.microsoft.com/office/drawing/2010/main" val="0"/>
+                </a:ext>
+              </a:extLst>
+            </a:blip>
+            <a:stretch>
+              <a:fillRect/>
+            </a:stretch>
+          </p:blipFill>
+          <p:spPr>
+            <a:xfrm>
+              <a:off x="1763688" y="1027965"/>
+              <a:ext cx="342857" cy="342857"/>
+            </a:xfrm>
+            <a:prstGeom prst="rect">
+              <a:avLst/>
+            </a:prstGeom>
+          </p:spPr>
+        </p:pic>
+        <p:pic>
+          <p:nvPicPr>
+            <p:cNvPr id="19" name="Imagem 18"/>
+            <p:cNvPicPr>
+              <a:picLocks noChangeAspect="1"/>
+            </p:cNvPicPr>
+            <p:nvPr/>
+          </p:nvPicPr>
+          <p:blipFill>
+            <a:blip r:embed="rId5">
+              <a:extLst>
+                <a:ext uri="{28A0092B-C50C-407E-A947-70E740481C1C}">
+                  <a14:useLocalDpi xmlns:a14="http://schemas.microsoft.com/office/drawing/2010/main" val="0"/>
+                </a:ext>
+              </a:extLst>
+            </a:blip>
+            <a:stretch>
+              <a:fillRect/>
+            </a:stretch>
+          </p:blipFill>
+          <p:spPr>
+            <a:xfrm>
+              <a:off x="1763688" y="1474670"/>
+              <a:ext cx="342857" cy="342857"/>
+            </a:xfrm>
+            <a:prstGeom prst="rect">
+              <a:avLst/>
+            </a:prstGeom>
+          </p:spPr>
+        </p:pic>
+      </p:grpSp>
+      <p:sp>
+        <p:nvSpPr>
+          <p:cNvPr id="3" name="CaixaDeTexto 2"/>
+          <p:cNvSpPr txBox="1"/>
+          <p:nvPr/>
+        </p:nvSpPr>
+        <p:spPr>
+          <a:xfrm rot="19008857">
+            <a:off x="528713" y="1084187"/>
+            <a:ext cx="1983662" cy="553998"/>
+          </a:xfrm>
+          <a:prstGeom prst="rect">
+            <a:avLst/>
+          </a:prstGeom>
+          <a:noFill/>
+        </p:spPr>
+        <p:txBody>
+          <a:bodyPr wrap="square" rtlCol="0">
+            <a:spAutoFit/>
+          </a:bodyPr>
+          <a:lstStyle/>
+          <a:p>
+            <a:r>
+              <a:rPr lang="pt-BR" sz="3000" dirty="0" smtClean="0">
+                <a:solidFill>
+                  <a:srgbClr val="FFFF00"/>
+                </a:solidFill>
+                <a:latin typeface="SAF" pitchFamily="50" charset="0"/>
+              </a:rPr>
+              <a:t>OHH</a:t>
+            </a:r>
+            <a:r>
+              <a:rPr lang="pt-BR" sz="3000" dirty="0" smtClean="0">
+                <a:solidFill>
+                  <a:schemeClr val="bg1">
+                    <a:lumMod val="50000"/>
+                    <a:lumOff val="50000"/>
+                  </a:schemeClr>
+                </a:solidFill>
+                <a:latin typeface="SAF" pitchFamily="50" charset="0"/>
+              </a:rPr>
+              <a:t>MAN!</a:t>
+            </a:r>
+          </a:p>
+        </p:txBody>
+      </p:sp>
+      <p:grpSp>
+        <p:nvGrpSpPr>
+          <p:cNvPr id="24" name="Grupo 23"/>
+          <p:cNvGrpSpPr/>
+          <p:nvPr/>
+        </p:nvGrpSpPr>
+        <p:grpSpPr>
+          <a:xfrm>
+            <a:off x="912324" y="5821008"/>
+            <a:ext cx="1216440" cy="331637"/>
+            <a:chOff x="115200" y="6381328"/>
+            <a:chExt cx="1216440" cy="331637"/>
+          </a:xfrm>
+        </p:grpSpPr>
+        <p:pic>
+          <p:nvPicPr>
+            <p:cNvPr id="25" name="Imagem 24"/>
+            <p:cNvPicPr>
+              <a:picLocks noChangeAspect="1"/>
+            </p:cNvPicPr>
+            <p:nvPr/>
+          </p:nvPicPr>
+          <p:blipFill>
+            <a:blip r:embed="rId6">
+              <a:extLst>
+                <a:ext uri="{28A0092B-C50C-407E-A947-70E740481C1C}">
+                  <a14:useLocalDpi xmlns:a14="http://schemas.microsoft.com/office/drawing/2010/main" val="0"/>
+                </a:ext>
+              </a:extLst>
+            </a:blip>
+            <a:stretch>
+              <a:fillRect/>
+            </a:stretch>
+          </p:blipFill>
+          <p:spPr>
+            <a:xfrm>
+              <a:off x="115200" y="6381328"/>
+              <a:ext cx="342000" cy="331637"/>
+            </a:xfrm>
+            <a:prstGeom prst="rect">
+              <a:avLst/>
+            </a:prstGeom>
+          </p:spPr>
+        </p:pic>
+        <p:pic>
+          <p:nvPicPr>
+            <p:cNvPr id="26" name="Imagem 25"/>
+            <p:cNvPicPr>
+              <a:picLocks noChangeAspect="1"/>
+            </p:cNvPicPr>
+            <p:nvPr/>
+          </p:nvPicPr>
+          <p:blipFill>
+            <a:blip r:embed="rId6">
+              <a:extLst>
+                <a:ext uri="{28A0092B-C50C-407E-A947-70E740481C1C}">
+                  <a14:useLocalDpi xmlns:a14="http://schemas.microsoft.com/office/drawing/2010/main" val="0"/>
+                </a:ext>
+              </a:extLst>
+            </a:blip>
+            <a:stretch>
+              <a:fillRect/>
+            </a:stretch>
+          </p:blipFill>
+          <p:spPr>
+            <a:xfrm>
+              <a:off x="552420" y="6381328"/>
+              <a:ext cx="342000" cy="331637"/>
+            </a:xfrm>
+            <a:prstGeom prst="rect">
+              <a:avLst/>
+            </a:prstGeom>
+          </p:spPr>
+        </p:pic>
+        <p:pic>
+          <p:nvPicPr>
+            <p:cNvPr id="27" name="Imagem 26"/>
+            <p:cNvPicPr>
+              <a:picLocks noChangeAspect="1"/>
+            </p:cNvPicPr>
+            <p:nvPr/>
+          </p:nvPicPr>
+          <p:blipFill>
+            <a:blip r:embed="rId6">
+              <a:extLst>
+                <a:ext uri="{28A0092B-C50C-407E-A947-70E740481C1C}">
+                  <a14:useLocalDpi xmlns:a14="http://schemas.microsoft.com/office/drawing/2010/main" val="0"/>
+                </a:ext>
+              </a:extLst>
+            </a:blip>
+            <a:stretch>
+              <a:fillRect/>
+            </a:stretch>
+          </p:blipFill>
+          <p:spPr>
+            <a:xfrm>
+              <a:off x="989640" y="6381328"/>
+              <a:ext cx="342000" cy="331637"/>
+            </a:xfrm>
+            <a:prstGeom prst="rect">
+              <a:avLst/>
+            </a:prstGeom>
+          </p:spPr>
+        </p:pic>
+      </p:grpSp>
+    </p:spTree>
+    <p:extLst>
+      <p:ext uri="{BB962C8B-B14F-4D97-AF65-F5344CB8AC3E}">
+        <p14:creationId xmlns:p14="http://schemas.microsoft.com/office/powerpoint/2010/main" val="4237261110"/>
+      </p:ext>
+    </p:extLst>
+  </p:cSld>
+  <p:clrMapOvr>
+    <a:masterClrMapping/>
+  </p:clrMapOvr>
+  <mc:AlternateContent xmlns:mc="http://schemas.openxmlformats.org/markup-compatibility/2006" xmlns:p14="http://schemas.microsoft.com/office/powerpoint/2010/main">
+    <mc:Choice Requires="p14">
+      <p:transition spd="med" p14:dur="700">
+        <p:fade/>
+      </p:transition>
+    </mc:Choice>
+    <mc:Fallback xmlns="">
+      <p:transition spd="med">
+        <p:fade/>
+      </p:transition>
+    </mc:Fallback>
+  </mc:AlternateContent>
+  <p:timing>
+    <p:tnLst>
+      <p:par>
+        <p:cTn id="1" dur="indefinite" restart="never" nodeType="tmRoot"/>
+      </p:par>
+    </p:tnLst>
+  </p:timing>
+</p:sld>
+</file>
+
+<file path=ppt/slides/slide18.xml><?xml version="1.0" encoding="utf-8"?>
+<p:sld xmlns:a="http://schemas.openxmlformats.org/drawingml/2006/main" xmlns:r="http://schemas.openxmlformats.org/officeDocument/2006/relationships" xmlns:p="http://schemas.openxmlformats.org/presentationml/2006/main">
+  <p:cSld>
+    <p:spTree>
+      <p:nvGrpSpPr>
+        <p:cNvPr id="1" name=""/>
+        <p:cNvGrpSpPr/>
+        <p:nvPr/>
+      </p:nvGrpSpPr>
+      <p:grpSpPr>
+        <a:xfrm>
+          <a:off x="0" y="0"/>
+          <a:ext cx="0" cy="0"/>
+          <a:chOff x="0" y="0"/>
+          <a:chExt cx="0" cy="0"/>
+        </a:xfrm>
+      </p:grpSpPr>
+      <p:pic>
+        <p:nvPicPr>
+          <p:cNvPr id="2" name="Imagem 1"/>
+          <p:cNvPicPr>
+            <a:picLocks noChangeAspect="1"/>
+          </p:cNvPicPr>
+          <p:nvPr/>
+        </p:nvPicPr>
+        <p:blipFill>
+          <a:blip r:embed="rId2">
+            <a:extLst>
+              <a:ext uri="{BEBA8EAE-BF5A-486C-A8C5-ECC9F3942E4B}">
+                <a14:imgProps xmlns:a14="http://schemas.microsoft.com/office/drawing/2010/main">
+                  <a14:imgLayer r:embed="rId3">
+                    <a14:imgEffect>
+                      <a14:brightnessContrast bright="-50000" contrast="30000"/>
+                    </a14:imgEffect>
+                  </a14:imgLayer>
+                </a14:imgProps>
+              </a:ext>
+              <a:ext uri="{28A0092B-C50C-407E-A947-70E740481C1C}">
+                <a14:useLocalDpi xmlns:a14="http://schemas.microsoft.com/office/drawing/2010/main" val="0"/>
+              </a:ext>
+            </a:extLst>
+          </a:blip>
+          <a:stretch>
+            <a:fillRect/>
+          </a:stretch>
+        </p:blipFill>
+        <p:spPr>
+          <a:xfrm>
+            <a:off x="762000" y="571500"/>
+            <a:ext cx="7620000" cy="5715000"/>
+          </a:xfrm>
+          <a:prstGeom prst="rect">
+            <a:avLst/>
+          </a:prstGeom>
+        </p:spPr>
+      </p:pic>
+      <p:sp>
+        <p:nvSpPr>
+          <p:cNvPr id="4" name="CaixaDeTexto 3"/>
+          <p:cNvSpPr txBox="1"/>
+          <p:nvPr/>
+        </p:nvSpPr>
+        <p:spPr>
+          <a:xfrm>
+            <a:off x="6621124" y="5686336"/>
+            <a:ext cx="1760876" cy="600164"/>
+          </a:xfrm>
+          <a:prstGeom prst="rect">
+            <a:avLst/>
+          </a:prstGeom>
+          <a:noFill/>
+        </p:spPr>
+        <p:txBody>
+          <a:bodyPr wrap="square" rtlCol="0">
+            <a:spAutoFit/>
+          </a:bodyPr>
+          <a:lstStyle/>
+          <a:p>
+            <a:pPr algn="ctr">
+              <a:lnSpc>
+                <a:spcPct val="110000"/>
+              </a:lnSpc>
+            </a:pPr>
+            <a:r>
+              <a:rPr lang="pt-BR" sz="3000" dirty="0" smtClean="0">
+                <a:solidFill>
+                  <a:schemeClr val="bg1">
+                    <a:lumMod val="50000"/>
+                    <a:lumOff val="50000"/>
+                  </a:schemeClr>
+                </a:solidFill>
+                <a:latin typeface="SAF" pitchFamily="50" charset="0"/>
+              </a:rPr>
+              <a:t>Go</a:t>
+            </a:r>
+            <a:r>
+              <a:rPr lang="pt-BR" sz="3000" dirty="0" smtClean="0">
+                <a:solidFill>
+                  <a:schemeClr val="bg1">
+                    <a:lumMod val="50000"/>
+                    <a:lumOff val="50000"/>
+                  </a:schemeClr>
+                </a:solidFill>
+                <a:latin typeface="Adobe Gothic Std B" pitchFamily="34" charset="-128"/>
+                <a:ea typeface="Adobe Gothic Std B" pitchFamily="34" charset="-128"/>
+              </a:rPr>
+              <a:t>-</a:t>
+            </a:r>
+            <a:r>
+              <a:rPr lang="pt-BR" sz="3000" dirty="0" err="1" smtClean="0">
+                <a:solidFill>
+                  <a:schemeClr val="bg1">
+                    <a:lumMod val="50000"/>
+                    <a:lumOff val="50000"/>
+                  </a:schemeClr>
+                </a:solidFill>
+                <a:latin typeface="SAF" pitchFamily="50" charset="0"/>
+              </a:rPr>
+              <a:t>Ohh</a:t>
+            </a:r>
+            <a:r>
+              <a:rPr lang="pt-BR" sz="3000" dirty="0" smtClean="0">
+                <a:solidFill>
+                  <a:schemeClr val="bg1">
+                    <a:lumMod val="50000"/>
+                    <a:lumOff val="50000"/>
+                  </a:schemeClr>
+                </a:solidFill>
+                <a:latin typeface="SAF" pitchFamily="50" charset="0"/>
+              </a:rPr>
+              <a:t>!</a:t>
+            </a:r>
+            <a:endParaRPr lang="pt-BR" sz="3000" dirty="0">
+              <a:solidFill>
+                <a:schemeClr val="bg1">
+                  <a:lumMod val="50000"/>
+                  <a:lumOff val="50000"/>
+                </a:schemeClr>
+              </a:solidFill>
+              <a:latin typeface="SAF" pitchFamily="50" charset="0"/>
+            </a:endParaRPr>
+          </a:p>
+        </p:txBody>
+      </p:sp>
+      <p:sp>
+        <p:nvSpPr>
+          <p:cNvPr id="9" name="Elipse 8"/>
+          <p:cNvSpPr/>
+          <p:nvPr/>
+        </p:nvSpPr>
+        <p:spPr>
+          <a:xfrm>
+            <a:off x="842237" y="1765314"/>
+            <a:ext cx="216000" cy="216000"/>
+          </a:xfrm>
+          <a:prstGeom prst="ellipse">
+            <a:avLst/>
+          </a:prstGeom>
+          <a:solidFill>
+            <a:srgbClr val="FFFF00"/>
+          </a:solidFill>
+          <a:ln>
+            <a:noFill/>
+          </a:ln>
+        </p:spPr>
+        <p:style>
+          <a:lnRef idx="2">
+            <a:schemeClr val="accent1">
+              <a:shade val="50000"/>
+            </a:schemeClr>
+          </a:lnRef>
+          <a:fillRef idx="1">
+            <a:schemeClr val="accent1"/>
+          </a:fillRef>
+          <a:effectRef idx="0">
+            <a:schemeClr val="accent1"/>
+          </a:effectRef>
+          <a:fontRef idx="minor">
+            <a:schemeClr val="lt1"/>
+          </a:fontRef>
+        </p:style>
+        <p:txBody>
+          <a:bodyPr rtlCol="0" anchor="ctr"/>
+          <a:lstStyle/>
+          <a:p>
+            <a:pPr algn="ctr"/>
+            <a:endParaRPr lang="pt-BR">
+              <a:solidFill>
+                <a:srgbClr val="FFFF66"/>
+              </a:solidFill>
+            </a:endParaRPr>
+          </a:p>
+        </p:txBody>
+      </p:sp>
+      <p:sp>
+        <p:nvSpPr>
+          <p:cNvPr id="10" name="Título 5"/>
+          <p:cNvSpPr txBox="1">
+            <a:spLocks/>
+          </p:cNvSpPr>
+          <p:nvPr/>
+        </p:nvSpPr>
+        <p:spPr>
+          <a:xfrm>
+            <a:off x="457200" y="766569"/>
+            <a:ext cx="8229600" cy="1078255"/>
+          </a:xfrm>
+          <a:prstGeom prst="rect">
+            <a:avLst/>
+          </a:prstGeom>
+        </p:spPr>
+        <p:txBody>
+          <a:bodyPr vert="horz" lIns="91440" tIns="45720" rIns="91440" bIns="45720" rtlCol="0" anchor="ctr">
+            <a:normAutofit lnSpcReduction="10000"/>
+          </a:bodyPr>
+          <a:lstStyle>
+            <a:defPPr>
+              <a:defRPr lang="pt-BR"/>
+            </a:defPPr>
+            <a:lvl1pPr marL="0" algn="l" defTabSz="914400" rtl="0" eaLnBrk="1" latinLnBrk="0" hangingPunct="1">
+              <a:defRPr sz="1800" kern="1200">
+                <a:solidFill>
+                  <a:schemeClr val="tx1"/>
+                </a:solidFill>
+                <a:latin typeface="+mn-lt"/>
+                <a:ea typeface="+mn-ea"/>
+                <a:cs typeface="+mn-cs"/>
+              </a:defRPr>
+            </a:lvl1pPr>
+            <a:lvl2pPr marL="457200" algn="l" defTabSz="914400" rtl="0" eaLnBrk="1" latinLnBrk="0" hangingPunct="1">
+              <a:defRPr sz="1800" kern="1200">
+                <a:solidFill>
+                  <a:schemeClr val="tx1"/>
+                </a:solidFill>
+                <a:latin typeface="+mn-lt"/>
+                <a:ea typeface="+mn-ea"/>
+                <a:cs typeface="+mn-cs"/>
+              </a:defRPr>
+            </a:lvl2pPr>
+            <a:lvl3pPr marL="914400" algn="l" defTabSz="914400" rtl="0" eaLnBrk="1" latinLnBrk="0" hangingPunct="1">
+              <a:defRPr sz="1800" kern="1200">
+                <a:solidFill>
+                  <a:schemeClr val="tx1"/>
+                </a:solidFill>
+                <a:latin typeface="+mn-lt"/>
+                <a:ea typeface="+mn-ea"/>
+                <a:cs typeface="+mn-cs"/>
+              </a:defRPr>
+            </a:lvl3pPr>
+            <a:lvl4pPr marL="1371600" algn="l" defTabSz="914400" rtl="0" eaLnBrk="1" latinLnBrk="0" hangingPunct="1">
+              <a:defRPr sz="1800" kern="1200">
+                <a:solidFill>
+                  <a:schemeClr val="tx1"/>
+                </a:solidFill>
+                <a:latin typeface="+mn-lt"/>
+                <a:ea typeface="+mn-ea"/>
+                <a:cs typeface="+mn-cs"/>
+              </a:defRPr>
+            </a:lvl4pPr>
+            <a:lvl5pPr marL="1828800" algn="l" defTabSz="914400" rtl="0" eaLnBrk="1" latinLnBrk="0" hangingPunct="1">
+              <a:defRPr sz="1800" kern="1200">
+                <a:solidFill>
+                  <a:schemeClr val="tx1"/>
+                </a:solidFill>
+                <a:latin typeface="+mn-lt"/>
+                <a:ea typeface="+mn-ea"/>
+                <a:cs typeface="+mn-cs"/>
+              </a:defRPr>
+            </a:lvl5pPr>
+            <a:lvl6pPr marL="2286000" algn="l" defTabSz="914400" rtl="0" eaLnBrk="1" latinLnBrk="0" hangingPunct="1">
+              <a:defRPr sz="1800" kern="1200">
+                <a:solidFill>
+                  <a:schemeClr val="tx1"/>
+                </a:solidFill>
+                <a:latin typeface="+mn-lt"/>
+                <a:ea typeface="+mn-ea"/>
+                <a:cs typeface="+mn-cs"/>
+              </a:defRPr>
+            </a:lvl6pPr>
+            <a:lvl7pPr marL="2743200" algn="l" defTabSz="914400" rtl="0" eaLnBrk="1" latinLnBrk="0" hangingPunct="1">
+              <a:defRPr sz="1800" kern="1200">
+                <a:solidFill>
+                  <a:schemeClr val="tx1"/>
+                </a:solidFill>
+                <a:latin typeface="+mn-lt"/>
+                <a:ea typeface="+mn-ea"/>
+                <a:cs typeface="+mn-cs"/>
+              </a:defRPr>
+            </a:lvl7pPr>
+            <a:lvl8pPr marL="3200400" algn="l" defTabSz="914400" rtl="0" eaLnBrk="1" latinLnBrk="0" hangingPunct="1">
+              <a:defRPr sz="1800" kern="1200">
+                <a:solidFill>
+                  <a:schemeClr val="tx1"/>
+                </a:solidFill>
+                <a:latin typeface="+mn-lt"/>
+                <a:ea typeface="+mn-ea"/>
+                <a:cs typeface="+mn-cs"/>
+              </a:defRPr>
+            </a:lvl8pPr>
+            <a:lvl9pPr marL="3657600" algn="l" defTabSz="914400" rtl="0" eaLnBrk="1" latinLnBrk="0" hangingPunct="1">
+              <a:defRPr sz="1800" kern="1200">
+                <a:solidFill>
+                  <a:schemeClr val="tx1"/>
+                </a:solidFill>
+                <a:latin typeface="+mn-lt"/>
+                <a:ea typeface="+mn-ea"/>
+                <a:cs typeface="+mn-cs"/>
+              </a:defRPr>
+            </a:lvl9pPr>
+          </a:lstStyle>
+          <a:p>
+            <a:pPr algn="ctr"/>
+            <a:r>
+              <a:rPr lang="pt-BR" sz="7000" dirty="0" smtClean="0">
+                <a:solidFill>
+                  <a:srgbClr val="FFFF00"/>
+                </a:solidFill>
+                <a:latin typeface="SAF" pitchFamily="50" charset="0"/>
+              </a:rPr>
+              <a:t>High </a:t>
+            </a:r>
+            <a:r>
+              <a:rPr lang="pt-BR" sz="7000" dirty="0" err="1" smtClean="0">
+                <a:solidFill>
+                  <a:srgbClr val="FFFF00"/>
+                </a:solidFill>
+                <a:latin typeface="SAF" pitchFamily="50" charset="0"/>
+              </a:rPr>
+              <a:t>scoreS</a:t>
+            </a:r>
+            <a:endParaRPr lang="pt-BR" sz="7000" dirty="0">
+              <a:solidFill>
+                <a:srgbClr val="FFFF00"/>
+              </a:solidFill>
+              <a:latin typeface="SAF" pitchFamily="50" charset="0"/>
+            </a:endParaRPr>
+          </a:p>
+        </p:txBody>
+      </p:sp>
+      <p:grpSp>
+        <p:nvGrpSpPr>
+          <p:cNvPr id="11" name="Grupo 10"/>
+          <p:cNvGrpSpPr/>
+          <p:nvPr/>
+        </p:nvGrpSpPr>
+        <p:grpSpPr>
+          <a:xfrm>
+            <a:off x="2435409" y="1860279"/>
             <a:ext cx="4273182" cy="4305025"/>
             <a:chOff x="2468002" y="1913051"/>
             <a:chExt cx="4273182" cy="4305025"/>
@@ -10342,7 +10849,7 @@
 </p:sld>
 </file>
 
-<file path=ppt/slides/slide18.xml><?xml version="1.0" encoding="utf-8"?>
+<file path=ppt/slides/slide19.xml><?xml version="1.0" encoding="utf-8"?>
 <p:sld xmlns:a="http://schemas.openxmlformats.org/drawingml/2006/main" xmlns:r="http://schemas.openxmlformats.org/officeDocument/2006/relationships" xmlns:p="http://schemas.openxmlformats.org/presentationml/2006/main">
   <p:cSld>
     <p:spTree>
@@ -11348,7 +11855,548 @@
 </p:sld>
 </file>
 
-<file path=ppt/slides/slide19.xml><?xml version="1.0" encoding="utf-8"?>
+<file path=ppt/slides/slide2.xml><?xml version="1.0" encoding="utf-8"?>
+<p:sld xmlns:a="http://schemas.openxmlformats.org/drawingml/2006/main" xmlns:r="http://schemas.openxmlformats.org/officeDocument/2006/relationships" xmlns:p="http://schemas.openxmlformats.org/presentationml/2006/main">
+  <p:cSld>
+    <p:spTree>
+      <p:nvGrpSpPr>
+        <p:cNvPr id="1" name=""/>
+        <p:cNvGrpSpPr/>
+        <p:nvPr/>
+      </p:nvGrpSpPr>
+      <p:grpSpPr>
+        <a:xfrm>
+          <a:off x="0" y="0"/>
+          <a:ext cx="0" cy="0"/>
+          <a:chOff x="0" y="0"/>
+          <a:chExt cx="0" cy="0"/>
+        </a:xfrm>
+      </p:grpSpPr>
+      <p:pic>
+        <p:nvPicPr>
+          <p:cNvPr id="10" name="Imagem 9"/>
+          <p:cNvPicPr>
+            <a:picLocks noChangeAspect="1"/>
+          </p:cNvPicPr>
+          <p:nvPr/>
+        </p:nvPicPr>
+        <p:blipFill>
+          <a:blip r:embed="rId2">
+            <a:extLst>
+              <a:ext uri="{BEBA8EAE-BF5A-486C-A8C5-ECC9F3942E4B}">
+                <a14:imgProps xmlns:a14="http://schemas.microsoft.com/office/drawing/2010/main">
+                  <a14:imgLayer r:embed="rId3">
+                    <a14:imgEffect>
+                      <a14:brightnessContrast bright="-50000" contrast="30000"/>
+                    </a14:imgEffect>
+                  </a14:imgLayer>
+                </a14:imgProps>
+              </a:ext>
+              <a:ext uri="{28A0092B-C50C-407E-A947-70E740481C1C}">
+                <a14:useLocalDpi xmlns:a14="http://schemas.microsoft.com/office/drawing/2010/main" val="0"/>
+              </a:ext>
+            </a:extLst>
+          </a:blip>
+          <a:stretch>
+            <a:fillRect/>
+          </a:stretch>
+        </p:blipFill>
+        <p:spPr>
+          <a:xfrm>
+            <a:off x="0" y="0"/>
+            <a:ext cx="9144000" cy="6858000"/>
+          </a:xfrm>
+          <a:prstGeom prst="rect">
+            <a:avLst/>
+          </a:prstGeom>
+        </p:spPr>
+      </p:pic>
+      <p:grpSp>
+        <p:nvGrpSpPr>
+          <p:cNvPr id="12" name="Grupo 11"/>
+          <p:cNvGrpSpPr/>
+          <p:nvPr/>
+        </p:nvGrpSpPr>
+        <p:grpSpPr>
+          <a:xfrm>
+            <a:off x="3963780" y="1839157"/>
+            <a:ext cx="1216440" cy="331637"/>
+            <a:chOff x="115200" y="6381328"/>
+            <a:chExt cx="1216440" cy="331637"/>
+          </a:xfrm>
+        </p:grpSpPr>
+        <p:pic>
+          <p:nvPicPr>
+            <p:cNvPr id="13" name="Imagem 12"/>
+            <p:cNvPicPr>
+              <a:picLocks noChangeAspect="1"/>
+            </p:cNvPicPr>
+            <p:nvPr/>
+          </p:nvPicPr>
+          <p:blipFill>
+            <a:blip r:embed="rId4">
+              <a:extLst>
+                <a:ext uri="{28A0092B-C50C-407E-A947-70E740481C1C}">
+                  <a14:useLocalDpi xmlns:a14="http://schemas.microsoft.com/office/drawing/2010/main" val="0"/>
+                </a:ext>
+              </a:extLst>
+            </a:blip>
+            <a:stretch>
+              <a:fillRect/>
+            </a:stretch>
+          </p:blipFill>
+          <p:spPr>
+            <a:xfrm>
+              <a:off x="115200" y="6381328"/>
+              <a:ext cx="342000" cy="331637"/>
+            </a:xfrm>
+            <a:prstGeom prst="rect">
+              <a:avLst/>
+            </a:prstGeom>
+          </p:spPr>
+        </p:pic>
+        <p:pic>
+          <p:nvPicPr>
+            <p:cNvPr id="14" name="Imagem 13"/>
+            <p:cNvPicPr>
+              <a:picLocks noChangeAspect="1"/>
+            </p:cNvPicPr>
+            <p:nvPr/>
+          </p:nvPicPr>
+          <p:blipFill>
+            <a:blip r:embed="rId4">
+              <a:extLst>
+                <a:ext uri="{28A0092B-C50C-407E-A947-70E740481C1C}">
+                  <a14:useLocalDpi xmlns:a14="http://schemas.microsoft.com/office/drawing/2010/main" val="0"/>
+                </a:ext>
+              </a:extLst>
+            </a:blip>
+            <a:stretch>
+              <a:fillRect/>
+            </a:stretch>
+          </p:blipFill>
+          <p:spPr>
+            <a:xfrm>
+              <a:off x="552420" y="6381328"/>
+              <a:ext cx="342000" cy="331637"/>
+            </a:xfrm>
+            <a:prstGeom prst="rect">
+              <a:avLst/>
+            </a:prstGeom>
+          </p:spPr>
+        </p:pic>
+        <p:pic>
+          <p:nvPicPr>
+            <p:cNvPr id="15" name="Imagem 14"/>
+            <p:cNvPicPr>
+              <a:picLocks noChangeAspect="1"/>
+            </p:cNvPicPr>
+            <p:nvPr/>
+          </p:nvPicPr>
+          <p:blipFill>
+            <a:blip r:embed="rId4">
+              <a:extLst>
+                <a:ext uri="{28A0092B-C50C-407E-A947-70E740481C1C}">
+                  <a14:useLocalDpi xmlns:a14="http://schemas.microsoft.com/office/drawing/2010/main" val="0"/>
+                </a:ext>
+              </a:extLst>
+            </a:blip>
+            <a:stretch>
+              <a:fillRect/>
+            </a:stretch>
+          </p:blipFill>
+          <p:spPr>
+            <a:xfrm>
+              <a:off x="989640" y="6381328"/>
+              <a:ext cx="342000" cy="331637"/>
+            </a:xfrm>
+            <a:prstGeom prst="rect">
+              <a:avLst/>
+            </a:prstGeom>
+          </p:spPr>
+        </p:pic>
+      </p:grpSp>
+      <p:sp>
+        <p:nvSpPr>
+          <p:cNvPr id="52" name="Título 5"/>
+          <p:cNvSpPr txBox="1">
+            <a:spLocks/>
+          </p:cNvSpPr>
+          <p:nvPr/>
+        </p:nvSpPr>
+        <p:spPr>
+          <a:xfrm>
+            <a:off x="457200" y="2170794"/>
+            <a:ext cx="8229600" cy="1582311"/>
+          </a:xfrm>
+          <a:prstGeom prst="rect">
+            <a:avLst/>
+          </a:prstGeom>
+        </p:spPr>
+        <p:txBody>
+          <a:bodyPr vert="horz" lIns="91440" tIns="45720" rIns="91440" bIns="45720" rtlCol="0" anchor="ctr">
+            <a:noAutofit/>
+          </a:bodyPr>
+          <a:lstStyle>
+            <a:defPPr>
+              <a:defRPr lang="pt-BR"/>
+            </a:defPPr>
+            <a:lvl1pPr marL="0" algn="l" defTabSz="914400" rtl="0" eaLnBrk="1" latinLnBrk="0" hangingPunct="1">
+              <a:defRPr sz="1800" kern="1200">
+                <a:solidFill>
+                  <a:schemeClr val="tx1"/>
+                </a:solidFill>
+                <a:latin typeface="+mn-lt"/>
+                <a:ea typeface="+mn-ea"/>
+                <a:cs typeface="+mn-cs"/>
+              </a:defRPr>
+            </a:lvl1pPr>
+            <a:lvl2pPr marL="457200" algn="l" defTabSz="914400" rtl="0" eaLnBrk="1" latinLnBrk="0" hangingPunct="1">
+              <a:defRPr sz="1800" kern="1200">
+                <a:solidFill>
+                  <a:schemeClr val="tx1"/>
+                </a:solidFill>
+                <a:latin typeface="+mn-lt"/>
+                <a:ea typeface="+mn-ea"/>
+                <a:cs typeface="+mn-cs"/>
+              </a:defRPr>
+            </a:lvl2pPr>
+            <a:lvl3pPr marL="914400" algn="l" defTabSz="914400" rtl="0" eaLnBrk="1" latinLnBrk="0" hangingPunct="1">
+              <a:defRPr sz="1800" kern="1200">
+                <a:solidFill>
+                  <a:schemeClr val="tx1"/>
+                </a:solidFill>
+                <a:latin typeface="+mn-lt"/>
+                <a:ea typeface="+mn-ea"/>
+                <a:cs typeface="+mn-cs"/>
+              </a:defRPr>
+            </a:lvl3pPr>
+            <a:lvl4pPr marL="1371600" algn="l" defTabSz="914400" rtl="0" eaLnBrk="1" latinLnBrk="0" hangingPunct="1">
+              <a:defRPr sz="1800" kern="1200">
+                <a:solidFill>
+                  <a:schemeClr val="tx1"/>
+                </a:solidFill>
+                <a:latin typeface="+mn-lt"/>
+                <a:ea typeface="+mn-ea"/>
+                <a:cs typeface="+mn-cs"/>
+              </a:defRPr>
+            </a:lvl4pPr>
+            <a:lvl5pPr marL="1828800" algn="l" defTabSz="914400" rtl="0" eaLnBrk="1" latinLnBrk="0" hangingPunct="1">
+              <a:defRPr sz="1800" kern="1200">
+                <a:solidFill>
+                  <a:schemeClr val="tx1"/>
+                </a:solidFill>
+                <a:latin typeface="+mn-lt"/>
+                <a:ea typeface="+mn-ea"/>
+                <a:cs typeface="+mn-cs"/>
+              </a:defRPr>
+            </a:lvl5pPr>
+            <a:lvl6pPr marL="2286000" algn="l" defTabSz="914400" rtl="0" eaLnBrk="1" latinLnBrk="0" hangingPunct="1">
+              <a:defRPr sz="1800" kern="1200">
+                <a:solidFill>
+                  <a:schemeClr val="tx1"/>
+                </a:solidFill>
+                <a:latin typeface="+mn-lt"/>
+                <a:ea typeface="+mn-ea"/>
+                <a:cs typeface="+mn-cs"/>
+              </a:defRPr>
+            </a:lvl6pPr>
+            <a:lvl7pPr marL="2743200" algn="l" defTabSz="914400" rtl="0" eaLnBrk="1" latinLnBrk="0" hangingPunct="1">
+              <a:defRPr sz="1800" kern="1200">
+                <a:solidFill>
+                  <a:schemeClr val="tx1"/>
+                </a:solidFill>
+                <a:latin typeface="+mn-lt"/>
+                <a:ea typeface="+mn-ea"/>
+                <a:cs typeface="+mn-cs"/>
+              </a:defRPr>
+            </a:lvl7pPr>
+            <a:lvl8pPr marL="3200400" algn="l" defTabSz="914400" rtl="0" eaLnBrk="1" latinLnBrk="0" hangingPunct="1">
+              <a:defRPr sz="1800" kern="1200">
+                <a:solidFill>
+                  <a:schemeClr val="tx1"/>
+                </a:solidFill>
+                <a:latin typeface="+mn-lt"/>
+                <a:ea typeface="+mn-ea"/>
+                <a:cs typeface="+mn-cs"/>
+              </a:defRPr>
+            </a:lvl8pPr>
+            <a:lvl9pPr marL="3657600" algn="l" defTabSz="914400" rtl="0" eaLnBrk="1" latinLnBrk="0" hangingPunct="1">
+              <a:defRPr sz="1800" kern="1200">
+                <a:solidFill>
+                  <a:schemeClr val="tx1"/>
+                </a:solidFill>
+                <a:latin typeface="+mn-lt"/>
+                <a:ea typeface="+mn-ea"/>
+                <a:cs typeface="+mn-cs"/>
+              </a:defRPr>
+            </a:lvl9pPr>
+          </a:lstStyle>
+          <a:p>
+            <a:pPr algn="ctr"/>
+            <a:r>
+              <a:rPr lang="pt-BR" sz="10000" dirty="0" err="1" smtClean="0">
+                <a:solidFill>
+                  <a:srgbClr val="FFFF00"/>
+                </a:solidFill>
+                <a:latin typeface="SAF" pitchFamily="50" charset="0"/>
+              </a:rPr>
+              <a:t>OHH</a:t>
+            </a:r>
+            <a:r>
+              <a:rPr lang="pt-BR" sz="10000" dirty="0" err="1" smtClean="0">
+                <a:solidFill>
+                  <a:schemeClr val="bg1">
+                    <a:lumMod val="50000"/>
+                    <a:lumOff val="50000"/>
+                  </a:schemeClr>
+                </a:solidFill>
+                <a:latin typeface="SAF" pitchFamily="50" charset="0"/>
+              </a:rPr>
+              <a:t>Man</a:t>
+            </a:r>
+            <a:r>
+              <a:rPr lang="pt-BR" sz="10000" dirty="0" smtClean="0">
+                <a:solidFill>
+                  <a:schemeClr val="bg1">
+                    <a:lumMod val="50000"/>
+                    <a:lumOff val="50000"/>
+                  </a:schemeClr>
+                </a:solidFill>
+                <a:latin typeface="SAF" pitchFamily="50" charset="0"/>
+              </a:rPr>
+              <a:t>!</a:t>
+            </a:r>
+            <a:endParaRPr lang="pt-BR" sz="10000" dirty="0">
+              <a:solidFill>
+                <a:schemeClr val="bg1">
+                  <a:lumMod val="50000"/>
+                  <a:lumOff val="50000"/>
+                </a:schemeClr>
+              </a:solidFill>
+              <a:latin typeface="SAF" pitchFamily="50" charset="0"/>
+            </a:endParaRPr>
+          </a:p>
+        </p:txBody>
+      </p:sp>
+      <p:grpSp>
+        <p:nvGrpSpPr>
+          <p:cNvPr id="3" name="Grupo 2"/>
+          <p:cNvGrpSpPr/>
+          <p:nvPr/>
+        </p:nvGrpSpPr>
+        <p:grpSpPr>
+          <a:xfrm>
+            <a:off x="3059900" y="4185152"/>
+            <a:ext cx="3024200" cy="612000"/>
+            <a:chOff x="2879880" y="4077152"/>
+            <a:chExt cx="3024200" cy="612000"/>
+          </a:xfrm>
+        </p:grpSpPr>
+        <p:pic>
+          <p:nvPicPr>
+            <p:cNvPr id="54" name="Imagem 53"/>
+            <p:cNvPicPr>
+              <a:picLocks noChangeAspect="1"/>
+            </p:cNvPicPr>
+            <p:nvPr/>
+          </p:nvPicPr>
+          <p:blipFill>
+            <a:blip r:embed="rId5">
+              <a:extLst>
+                <a:ext uri="{28A0092B-C50C-407E-A947-70E740481C1C}">
+                  <a14:useLocalDpi xmlns:a14="http://schemas.microsoft.com/office/drawing/2010/main" val="0"/>
+                </a:ext>
+              </a:extLst>
+            </a:blip>
+            <a:stretch>
+              <a:fillRect/>
+            </a:stretch>
+          </p:blipFill>
+          <p:spPr>
+            <a:xfrm>
+              <a:off x="2879880" y="4077152"/>
+              <a:ext cx="612000" cy="612000"/>
+            </a:xfrm>
+            <a:prstGeom prst="rect">
+              <a:avLst/>
+            </a:prstGeom>
+          </p:spPr>
+        </p:pic>
+        <p:pic>
+          <p:nvPicPr>
+            <p:cNvPr id="55" name="Imagem 54"/>
+            <p:cNvPicPr>
+              <a:picLocks noChangeAspect="1"/>
+            </p:cNvPicPr>
+            <p:nvPr/>
+          </p:nvPicPr>
+          <p:blipFill>
+            <a:blip r:embed="rId6">
+              <a:extLst>
+                <a:ext uri="{28A0092B-C50C-407E-A947-70E740481C1C}">
+                  <a14:useLocalDpi xmlns:a14="http://schemas.microsoft.com/office/drawing/2010/main" val="0"/>
+                </a:ext>
+              </a:extLst>
+            </a:blip>
+            <a:stretch>
+              <a:fillRect/>
+            </a:stretch>
+          </p:blipFill>
+          <p:spPr>
+            <a:xfrm>
+              <a:off x="3683947" y="4077152"/>
+              <a:ext cx="612000" cy="612000"/>
+            </a:xfrm>
+            <a:prstGeom prst="rect">
+              <a:avLst/>
+            </a:prstGeom>
+          </p:spPr>
+        </p:pic>
+        <p:pic>
+          <p:nvPicPr>
+            <p:cNvPr id="57" name="Imagem 56"/>
+            <p:cNvPicPr>
+              <a:picLocks noChangeAspect="1"/>
+            </p:cNvPicPr>
+            <p:nvPr/>
+          </p:nvPicPr>
+          <p:blipFill>
+            <a:blip r:embed="rId7">
+              <a:extLst>
+                <a:ext uri="{28A0092B-C50C-407E-A947-70E740481C1C}">
+                  <a14:useLocalDpi xmlns:a14="http://schemas.microsoft.com/office/drawing/2010/main" val="0"/>
+                </a:ext>
+              </a:extLst>
+            </a:blip>
+            <a:stretch>
+              <a:fillRect/>
+            </a:stretch>
+          </p:blipFill>
+          <p:spPr>
+            <a:xfrm>
+              <a:off x="4488014" y="4077152"/>
+              <a:ext cx="612000" cy="612000"/>
+            </a:xfrm>
+            <a:prstGeom prst="rect">
+              <a:avLst/>
+            </a:prstGeom>
+          </p:spPr>
+        </p:pic>
+        <p:pic>
+          <p:nvPicPr>
+            <p:cNvPr id="58" name="Imagem 57"/>
+            <p:cNvPicPr>
+              <a:picLocks noChangeAspect="1"/>
+            </p:cNvPicPr>
+            <p:nvPr/>
+          </p:nvPicPr>
+          <p:blipFill>
+            <a:blip r:embed="rId8">
+              <a:extLst>
+                <a:ext uri="{28A0092B-C50C-407E-A947-70E740481C1C}">
+                  <a14:useLocalDpi xmlns:a14="http://schemas.microsoft.com/office/drawing/2010/main" val="0"/>
+                </a:ext>
+              </a:extLst>
+            </a:blip>
+            <a:stretch>
+              <a:fillRect/>
+            </a:stretch>
+          </p:blipFill>
+          <p:spPr>
+            <a:xfrm>
+              <a:off x="5292080" y="4077152"/>
+              <a:ext cx="612000" cy="612000"/>
+            </a:xfrm>
+            <a:prstGeom prst="rect">
+              <a:avLst/>
+            </a:prstGeom>
+          </p:spPr>
+        </p:pic>
+      </p:grpSp>
+      <p:sp>
+        <p:nvSpPr>
+          <p:cNvPr id="59" name="Elipse 58"/>
+          <p:cNvSpPr/>
+          <p:nvPr/>
+        </p:nvSpPr>
+        <p:spPr>
+          <a:xfrm>
+            <a:off x="1763688" y="2694263"/>
+            <a:ext cx="504056" cy="446705"/>
+          </a:xfrm>
+          <a:prstGeom prst="ellipse">
+            <a:avLst/>
+          </a:prstGeom>
+          <a:solidFill>
+            <a:srgbClr val="FFFF00"/>
+          </a:solidFill>
+          <a:ln>
+            <a:noFill/>
+          </a:ln>
+        </p:spPr>
+        <p:style>
+          <a:lnRef idx="2">
+            <a:schemeClr val="accent1">
+              <a:shade val="50000"/>
+            </a:schemeClr>
+          </a:lnRef>
+          <a:fillRef idx="1">
+            <a:schemeClr val="accent1"/>
+          </a:fillRef>
+          <a:effectRef idx="0">
+            <a:schemeClr val="accent1"/>
+          </a:effectRef>
+          <a:fontRef idx="minor">
+            <a:schemeClr val="lt1"/>
+          </a:fontRef>
+        </p:style>
+        <p:txBody>
+          <a:bodyPr rtlCol="0" anchor="ctr"/>
+          <a:lstStyle/>
+          <a:p>
+            <a:pPr algn="ctr"/>
+            <a:endParaRPr lang="pt-BR">
+              <a:solidFill>
+                <a:srgbClr val="FFFF66"/>
+              </a:solidFill>
+            </a:endParaRPr>
+          </a:p>
+        </p:txBody>
+      </p:sp>
+    </p:spTree>
+    <p:extLst>
+      <p:ext uri="{BB962C8B-B14F-4D97-AF65-F5344CB8AC3E}">
+        <p14:creationId xmlns:p14="http://schemas.microsoft.com/office/powerpoint/2010/main" val="2607063290"/>
+      </p:ext>
+    </p:extLst>
+  </p:cSld>
+  <p:clrMapOvr>
+    <a:masterClrMapping/>
+  </p:clrMapOvr>
+  <mc:AlternateContent xmlns:mc="http://schemas.openxmlformats.org/markup-compatibility/2006" xmlns:p14="http://schemas.microsoft.com/office/powerpoint/2010/main">
+    <mc:Choice Requires="p14">
+      <p:transition spd="med" p14:dur="700">
+        <p:fade/>
+      </p:transition>
+    </mc:Choice>
+    <mc:Fallback xmlns="">
+      <p:transition spd="med">
+        <p:fade/>
+      </p:transition>
+    </mc:Fallback>
+  </mc:AlternateContent>
+  <p:timing>
+    <p:tnLst>
+      <p:par>
+        <p:cTn id="1" dur="indefinite" restart="never" nodeType="tmRoot"/>
+      </p:par>
+    </p:tnLst>
+  </p:timing>
+</p:sld>
+</file>
+
+<file path=ppt/slides/slide20.xml><?xml version="1.0" encoding="utf-8"?>
 <p:sld xmlns:a="http://schemas.openxmlformats.org/drawingml/2006/main" xmlns:r="http://schemas.openxmlformats.org/officeDocument/2006/relationships" xmlns:p="http://schemas.openxmlformats.org/presentationml/2006/main">
   <p:cSld>
     <p:spTree>
@@ -12325,548 +13373,7 @@
 </p:sld>
 </file>
 
-<file path=ppt/slides/slide2.xml><?xml version="1.0" encoding="utf-8"?>
-<p:sld xmlns:a="http://schemas.openxmlformats.org/drawingml/2006/main" xmlns:r="http://schemas.openxmlformats.org/officeDocument/2006/relationships" xmlns:p="http://schemas.openxmlformats.org/presentationml/2006/main">
-  <p:cSld>
-    <p:spTree>
-      <p:nvGrpSpPr>
-        <p:cNvPr id="1" name=""/>
-        <p:cNvGrpSpPr/>
-        <p:nvPr/>
-      </p:nvGrpSpPr>
-      <p:grpSpPr>
-        <a:xfrm>
-          <a:off x="0" y="0"/>
-          <a:ext cx="0" cy="0"/>
-          <a:chOff x="0" y="0"/>
-          <a:chExt cx="0" cy="0"/>
-        </a:xfrm>
-      </p:grpSpPr>
-      <p:pic>
-        <p:nvPicPr>
-          <p:cNvPr id="10" name="Imagem 9"/>
-          <p:cNvPicPr>
-            <a:picLocks noChangeAspect="1"/>
-          </p:cNvPicPr>
-          <p:nvPr/>
-        </p:nvPicPr>
-        <p:blipFill>
-          <a:blip r:embed="rId2">
-            <a:extLst>
-              <a:ext uri="{BEBA8EAE-BF5A-486C-A8C5-ECC9F3942E4B}">
-                <a14:imgProps xmlns:a14="http://schemas.microsoft.com/office/drawing/2010/main">
-                  <a14:imgLayer r:embed="rId3">
-                    <a14:imgEffect>
-                      <a14:brightnessContrast bright="-50000" contrast="30000"/>
-                    </a14:imgEffect>
-                  </a14:imgLayer>
-                </a14:imgProps>
-              </a:ext>
-              <a:ext uri="{28A0092B-C50C-407E-A947-70E740481C1C}">
-                <a14:useLocalDpi xmlns:a14="http://schemas.microsoft.com/office/drawing/2010/main" val="0"/>
-              </a:ext>
-            </a:extLst>
-          </a:blip>
-          <a:stretch>
-            <a:fillRect/>
-          </a:stretch>
-        </p:blipFill>
-        <p:spPr>
-          <a:xfrm>
-            <a:off x="0" y="0"/>
-            <a:ext cx="9144000" cy="6858000"/>
-          </a:xfrm>
-          <a:prstGeom prst="rect">
-            <a:avLst/>
-          </a:prstGeom>
-        </p:spPr>
-      </p:pic>
-      <p:grpSp>
-        <p:nvGrpSpPr>
-          <p:cNvPr id="12" name="Grupo 11"/>
-          <p:cNvGrpSpPr/>
-          <p:nvPr/>
-        </p:nvGrpSpPr>
-        <p:grpSpPr>
-          <a:xfrm>
-            <a:off x="3963780" y="1839157"/>
-            <a:ext cx="1216440" cy="331637"/>
-            <a:chOff x="115200" y="6381328"/>
-            <a:chExt cx="1216440" cy="331637"/>
-          </a:xfrm>
-        </p:grpSpPr>
-        <p:pic>
-          <p:nvPicPr>
-            <p:cNvPr id="13" name="Imagem 12"/>
-            <p:cNvPicPr>
-              <a:picLocks noChangeAspect="1"/>
-            </p:cNvPicPr>
-            <p:nvPr/>
-          </p:nvPicPr>
-          <p:blipFill>
-            <a:blip r:embed="rId4">
-              <a:extLst>
-                <a:ext uri="{28A0092B-C50C-407E-A947-70E740481C1C}">
-                  <a14:useLocalDpi xmlns:a14="http://schemas.microsoft.com/office/drawing/2010/main" val="0"/>
-                </a:ext>
-              </a:extLst>
-            </a:blip>
-            <a:stretch>
-              <a:fillRect/>
-            </a:stretch>
-          </p:blipFill>
-          <p:spPr>
-            <a:xfrm>
-              <a:off x="115200" y="6381328"/>
-              <a:ext cx="342000" cy="331637"/>
-            </a:xfrm>
-            <a:prstGeom prst="rect">
-              <a:avLst/>
-            </a:prstGeom>
-          </p:spPr>
-        </p:pic>
-        <p:pic>
-          <p:nvPicPr>
-            <p:cNvPr id="14" name="Imagem 13"/>
-            <p:cNvPicPr>
-              <a:picLocks noChangeAspect="1"/>
-            </p:cNvPicPr>
-            <p:nvPr/>
-          </p:nvPicPr>
-          <p:blipFill>
-            <a:blip r:embed="rId4">
-              <a:extLst>
-                <a:ext uri="{28A0092B-C50C-407E-A947-70E740481C1C}">
-                  <a14:useLocalDpi xmlns:a14="http://schemas.microsoft.com/office/drawing/2010/main" val="0"/>
-                </a:ext>
-              </a:extLst>
-            </a:blip>
-            <a:stretch>
-              <a:fillRect/>
-            </a:stretch>
-          </p:blipFill>
-          <p:spPr>
-            <a:xfrm>
-              <a:off x="552420" y="6381328"/>
-              <a:ext cx="342000" cy="331637"/>
-            </a:xfrm>
-            <a:prstGeom prst="rect">
-              <a:avLst/>
-            </a:prstGeom>
-          </p:spPr>
-        </p:pic>
-        <p:pic>
-          <p:nvPicPr>
-            <p:cNvPr id="15" name="Imagem 14"/>
-            <p:cNvPicPr>
-              <a:picLocks noChangeAspect="1"/>
-            </p:cNvPicPr>
-            <p:nvPr/>
-          </p:nvPicPr>
-          <p:blipFill>
-            <a:blip r:embed="rId4">
-              <a:extLst>
-                <a:ext uri="{28A0092B-C50C-407E-A947-70E740481C1C}">
-                  <a14:useLocalDpi xmlns:a14="http://schemas.microsoft.com/office/drawing/2010/main" val="0"/>
-                </a:ext>
-              </a:extLst>
-            </a:blip>
-            <a:stretch>
-              <a:fillRect/>
-            </a:stretch>
-          </p:blipFill>
-          <p:spPr>
-            <a:xfrm>
-              <a:off x="989640" y="6381328"/>
-              <a:ext cx="342000" cy="331637"/>
-            </a:xfrm>
-            <a:prstGeom prst="rect">
-              <a:avLst/>
-            </a:prstGeom>
-          </p:spPr>
-        </p:pic>
-      </p:grpSp>
-      <p:sp>
-        <p:nvSpPr>
-          <p:cNvPr id="52" name="Título 5"/>
-          <p:cNvSpPr txBox="1">
-            <a:spLocks/>
-          </p:cNvSpPr>
-          <p:nvPr/>
-        </p:nvSpPr>
-        <p:spPr>
-          <a:xfrm>
-            <a:off x="457200" y="2170794"/>
-            <a:ext cx="8229600" cy="1582311"/>
-          </a:xfrm>
-          <a:prstGeom prst="rect">
-            <a:avLst/>
-          </a:prstGeom>
-        </p:spPr>
-        <p:txBody>
-          <a:bodyPr vert="horz" lIns="91440" tIns="45720" rIns="91440" bIns="45720" rtlCol="0" anchor="ctr">
-            <a:noAutofit/>
-          </a:bodyPr>
-          <a:lstStyle>
-            <a:defPPr>
-              <a:defRPr lang="pt-BR"/>
-            </a:defPPr>
-            <a:lvl1pPr marL="0" algn="l" defTabSz="914400" rtl="0" eaLnBrk="1" latinLnBrk="0" hangingPunct="1">
-              <a:defRPr sz="1800" kern="1200">
-                <a:solidFill>
-                  <a:schemeClr val="tx1"/>
-                </a:solidFill>
-                <a:latin typeface="+mn-lt"/>
-                <a:ea typeface="+mn-ea"/>
-                <a:cs typeface="+mn-cs"/>
-              </a:defRPr>
-            </a:lvl1pPr>
-            <a:lvl2pPr marL="457200" algn="l" defTabSz="914400" rtl="0" eaLnBrk="1" latinLnBrk="0" hangingPunct="1">
-              <a:defRPr sz="1800" kern="1200">
-                <a:solidFill>
-                  <a:schemeClr val="tx1"/>
-                </a:solidFill>
-                <a:latin typeface="+mn-lt"/>
-                <a:ea typeface="+mn-ea"/>
-                <a:cs typeface="+mn-cs"/>
-              </a:defRPr>
-            </a:lvl2pPr>
-            <a:lvl3pPr marL="914400" algn="l" defTabSz="914400" rtl="0" eaLnBrk="1" latinLnBrk="0" hangingPunct="1">
-              <a:defRPr sz="1800" kern="1200">
-                <a:solidFill>
-                  <a:schemeClr val="tx1"/>
-                </a:solidFill>
-                <a:latin typeface="+mn-lt"/>
-                <a:ea typeface="+mn-ea"/>
-                <a:cs typeface="+mn-cs"/>
-              </a:defRPr>
-            </a:lvl3pPr>
-            <a:lvl4pPr marL="1371600" algn="l" defTabSz="914400" rtl="0" eaLnBrk="1" latinLnBrk="0" hangingPunct="1">
-              <a:defRPr sz="1800" kern="1200">
-                <a:solidFill>
-                  <a:schemeClr val="tx1"/>
-                </a:solidFill>
-                <a:latin typeface="+mn-lt"/>
-                <a:ea typeface="+mn-ea"/>
-                <a:cs typeface="+mn-cs"/>
-              </a:defRPr>
-            </a:lvl4pPr>
-            <a:lvl5pPr marL="1828800" algn="l" defTabSz="914400" rtl="0" eaLnBrk="1" latinLnBrk="0" hangingPunct="1">
-              <a:defRPr sz="1800" kern="1200">
-                <a:solidFill>
-                  <a:schemeClr val="tx1"/>
-                </a:solidFill>
-                <a:latin typeface="+mn-lt"/>
-                <a:ea typeface="+mn-ea"/>
-                <a:cs typeface="+mn-cs"/>
-              </a:defRPr>
-            </a:lvl5pPr>
-            <a:lvl6pPr marL="2286000" algn="l" defTabSz="914400" rtl="0" eaLnBrk="1" latinLnBrk="0" hangingPunct="1">
-              <a:defRPr sz="1800" kern="1200">
-                <a:solidFill>
-                  <a:schemeClr val="tx1"/>
-                </a:solidFill>
-                <a:latin typeface="+mn-lt"/>
-                <a:ea typeface="+mn-ea"/>
-                <a:cs typeface="+mn-cs"/>
-              </a:defRPr>
-            </a:lvl6pPr>
-            <a:lvl7pPr marL="2743200" algn="l" defTabSz="914400" rtl="0" eaLnBrk="1" latinLnBrk="0" hangingPunct="1">
-              <a:defRPr sz="1800" kern="1200">
-                <a:solidFill>
-                  <a:schemeClr val="tx1"/>
-                </a:solidFill>
-                <a:latin typeface="+mn-lt"/>
-                <a:ea typeface="+mn-ea"/>
-                <a:cs typeface="+mn-cs"/>
-              </a:defRPr>
-            </a:lvl7pPr>
-            <a:lvl8pPr marL="3200400" algn="l" defTabSz="914400" rtl="0" eaLnBrk="1" latinLnBrk="0" hangingPunct="1">
-              <a:defRPr sz="1800" kern="1200">
-                <a:solidFill>
-                  <a:schemeClr val="tx1"/>
-                </a:solidFill>
-                <a:latin typeface="+mn-lt"/>
-                <a:ea typeface="+mn-ea"/>
-                <a:cs typeface="+mn-cs"/>
-              </a:defRPr>
-            </a:lvl8pPr>
-            <a:lvl9pPr marL="3657600" algn="l" defTabSz="914400" rtl="0" eaLnBrk="1" latinLnBrk="0" hangingPunct="1">
-              <a:defRPr sz="1800" kern="1200">
-                <a:solidFill>
-                  <a:schemeClr val="tx1"/>
-                </a:solidFill>
-                <a:latin typeface="+mn-lt"/>
-                <a:ea typeface="+mn-ea"/>
-                <a:cs typeface="+mn-cs"/>
-              </a:defRPr>
-            </a:lvl9pPr>
-          </a:lstStyle>
-          <a:p>
-            <a:pPr algn="ctr"/>
-            <a:r>
-              <a:rPr lang="pt-BR" sz="10000" dirty="0" err="1" smtClean="0">
-                <a:solidFill>
-                  <a:srgbClr val="FFFF00"/>
-                </a:solidFill>
-                <a:latin typeface="SAF" pitchFamily="50" charset="0"/>
-              </a:rPr>
-              <a:t>OHH</a:t>
-            </a:r>
-            <a:r>
-              <a:rPr lang="pt-BR" sz="10000" dirty="0" err="1" smtClean="0">
-                <a:solidFill>
-                  <a:schemeClr val="bg1">
-                    <a:lumMod val="50000"/>
-                    <a:lumOff val="50000"/>
-                  </a:schemeClr>
-                </a:solidFill>
-                <a:latin typeface="SAF" pitchFamily="50" charset="0"/>
-              </a:rPr>
-              <a:t>Man</a:t>
-            </a:r>
-            <a:r>
-              <a:rPr lang="pt-BR" sz="10000" dirty="0" smtClean="0">
-                <a:solidFill>
-                  <a:schemeClr val="bg1">
-                    <a:lumMod val="50000"/>
-                    <a:lumOff val="50000"/>
-                  </a:schemeClr>
-                </a:solidFill>
-                <a:latin typeface="SAF" pitchFamily="50" charset="0"/>
-              </a:rPr>
-              <a:t>!</a:t>
-            </a:r>
-            <a:endParaRPr lang="pt-BR" sz="10000" dirty="0">
-              <a:solidFill>
-                <a:schemeClr val="bg1">
-                  <a:lumMod val="50000"/>
-                  <a:lumOff val="50000"/>
-                </a:schemeClr>
-              </a:solidFill>
-              <a:latin typeface="SAF" pitchFamily="50" charset="0"/>
-            </a:endParaRPr>
-          </a:p>
-        </p:txBody>
-      </p:sp>
-      <p:grpSp>
-        <p:nvGrpSpPr>
-          <p:cNvPr id="3" name="Grupo 2"/>
-          <p:cNvGrpSpPr/>
-          <p:nvPr/>
-        </p:nvGrpSpPr>
-        <p:grpSpPr>
-          <a:xfrm>
-            <a:off x="3059900" y="4185152"/>
-            <a:ext cx="3024200" cy="612000"/>
-            <a:chOff x="2879880" y="4077152"/>
-            <a:chExt cx="3024200" cy="612000"/>
-          </a:xfrm>
-        </p:grpSpPr>
-        <p:pic>
-          <p:nvPicPr>
-            <p:cNvPr id="54" name="Imagem 53"/>
-            <p:cNvPicPr>
-              <a:picLocks noChangeAspect="1"/>
-            </p:cNvPicPr>
-            <p:nvPr/>
-          </p:nvPicPr>
-          <p:blipFill>
-            <a:blip r:embed="rId5">
-              <a:extLst>
-                <a:ext uri="{28A0092B-C50C-407E-A947-70E740481C1C}">
-                  <a14:useLocalDpi xmlns:a14="http://schemas.microsoft.com/office/drawing/2010/main" val="0"/>
-                </a:ext>
-              </a:extLst>
-            </a:blip>
-            <a:stretch>
-              <a:fillRect/>
-            </a:stretch>
-          </p:blipFill>
-          <p:spPr>
-            <a:xfrm>
-              <a:off x="2879880" y="4077152"/>
-              <a:ext cx="612000" cy="612000"/>
-            </a:xfrm>
-            <a:prstGeom prst="rect">
-              <a:avLst/>
-            </a:prstGeom>
-          </p:spPr>
-        </p:pic>
-        <p:pic>
-          <p:nvPicPr>
-            <p:cNvPr id="55" name="Imagem 54"/>
-            <p:cNvPicPr>
-              <a:picLocks noChangeAspect="1"/>
-            </p:cNvPicPr>
-            <p:nvPr/>
-          </p:nvPicPr>
-          <p:blipFill>
-            <a:blip r:embed="rId6">
-              <a:extLst>
-                <a:ext uri="{28A0092B-C50C-407E-A947-70E740481C1C}">
-                  <a14:useLocalDpi xmlns:a14="http://schemas.microsoft.com/office/drawing/2010/main" val="0"/>
-                </a:ext>
-              </a:extLst>
-            </a:blip>
-            <a:stretch>
-              <a:fillRect/>
-            </a:stretch>
-          </p:blipFill>
-          <p:spPr>
-            <a:xfrm>
-              <a:off x="3683947" y="4077152"/>
-              <a:ext cx="612000" cy="612000"/>
-            </a:xfrm>
-            <a:prstGeom prst="rect">
-              <a:avLst/>
-            </a:prstGeom>
-          </p:spPr>
-        </p:pic>
-        <p:pic>
-          <p:nvPicPr>
-            <p:cNvPr id="57" name="Imagem 56"/>
-            <p:cNvPicPr>
-              <a:picLocks noChangeAspect="1"/>
-            </p:cNvPicPr>
-            <p:nvPr/>
-          </p:nvPicPr>
-          <p:blipFill>
-            <a:blip r:embed="rId7">
-              <a:extLst>
-                <a:ext uri="{28A0092B-C50C-407E-A947-70E740481C1C}">
-                  <a14:useLocalDpi xmlns:a14="http://schemas.microsoft.com/office/drawing/2010/main" val="0"/>
-                </a:ext>
-              </a:extLst>
-            </a:blip>
-            <a:stretch>
-              <a:fillRect/>
-            </a:stretch>
-          </p:blipFill>
-          <p:spPr>
-            <a:xfrm>
-              <a:off x="4488014" y="4077152"/>
-              <a:ext cx="612000" cy="612000"/>
-            </a:xfrm>
-            <a:prstGeom prst="rect">
-              <a:avLst/>
-            </a:prstGeom>
-          </p:spPr>
-        </p:pic>
-        <p:pic>
-          <p:nvPicPr>
-            <p:cNvPr id="58" name="Imagem 57"/>
-            <p:cNvPicPr>
-              <a:picLocks noChangeAspect="1"/>
-            </p:cNvPicPr>
-            <p:nvPr/>
-          </p:nvPicPr>
-          <p:blipFill>
-            <a:blip r:embed="rId8">
-              <a:extLst>
-                <a:ext uri="{28A0092B-C50C-407E-A947-70E740481C1C}">
-                  <a14:useLocalDpi xmlns:a14="http://schemas.microsoft.com/office/drawing/2010/main" val="0"/>
-                </a:ext>
-              </a:extLst>
-            </a:blip>
-            <a:stretch>
-              <a:fillRect/>
-            </a:stretch>
-          </p:blipFill>
-          <p:spPr>
-            <a:xfrm>
-              <a:off x="5292080" y="4077152"/>
-              <a:ext cx="612000" cy="612000"/>
-            </a:xfrm>
-            <a:prstGeom prst="rect">
-              <a:avLst/>
-            </a:prstGeom>
-          </p:spPr>
-        </p:pic>
-      </p:grpSp>
-      <p:sp>
-        <p:nvSpPr>
-          <p:cNvPr id="59" name="Elipse 58"/>
-          <p:cNvSpPr/>
-          <p:nvPr/>
-        </p:nvSpPr>
-        <p:spPr>
-          <a:xfrm>
-            <a:off x="1763688" y="2694263"/>
-            <a:ext cx="504056" cy="446705"/>
-          </a:xfrm>
-          <a:prstGeom prst="ellipse">
-            <a:avLst/>
-          </a:prstGeom>
-          <a:solidFill>
-            <a:srgbClr val="FFFF00"/>
-          </a:solidFill>
-          <a:ln>
-            <a:noFill/>
-          </a:ln>
-        </p:spPr>
-        <p:style>
-          <a:lnRef idx="2">
-            <a:schemeClr val="accent1">
-              <a:shade val="50000"/>
-            </a:schemeClr>
-          </a:lnRef>
-          <a:fillRef idx="1">
-            <a:schemeClr val="accent1"/>
-          </a:fillRef>
-          <a:effectRef idx="0">
-            <a:schemeClr val="accent1"/>
-          </a:effectRef>
-          <a:fontRef idx="minor">
-            <a:schemeClr val="lt1"/>
-          </a:fontRef>
-        </p:style>
-        <p:txBody>
-          <a:bodyPr rtlCol="0" anchor="ctr"/>
-          <a:lstStyle/>
-          <a:p>
-            <a:pPr algn="ctr"/>
-            <a:endParaRPr lang="pt-BR">
-              <a:solidFill>
-                <a:srgbClr val="FFFF66"/>
-              </a:solidFill>
-            </a:endParaRPr>
-          </a:p>
-        </p:txBody>
-      </p:sp>
-    </p:spTree>
-    <p:extLst>
-      <p:ext uri="{BB962C8B-B14F-4D97-AF65-F5344CB8AC3E}">
-        <p14:creationId xmlns:p14="http://schemas.microsoft.com/office/powerpoint/2010/main" val="2607063290"/>
-      </p:ext>
-    </p:extLst>
-  </p:cSld>
-  <p:clrMapOvr>
-    <a:masterClrMapping/>
-  </p:clrMapOvr>
-  <mc:AlternateContent xmlns:mc="http://schemas.openxmlformats.org/markup-compatibility/2006" xmlns:p14="http://schemas.microsoft.com/office/powerpoint/2010/main">
-    <mc:Choice Requires="p14">
-      <p:transition spd="med" p14:dur="700">
-        <p:fade/>
-      </p:transition>
-    </mc:Choice>
-    <mc:Fallback xmlns="">
-      <p:transition spd="med">
-        <p:fade/>
-      </p:transition>
-    </mc:Fallback>
-  </mc:AlternateContent>
-  <p:timing>
-    <p:tnLst>
-      <p:par>
-        <p:cTn id="1" dur="indefinite" restart="never" nodeType="tmRoot"/>
-      </p:par>
-    </p:tnLst>
-  </p:timing>
-</p:sld>
-</file>
-
-<file path=ppt/slides/slide20.xml><?xml version="1.0" encoding="utf-8"?>
+<file path=ppt/slides/slide21.xml><?xml version="1.0" encoding="utf-8"?>
 <p:sld xmlns:a="http://schemas.openxmlformats.org/drawingml/2006/main" xmlns:r="http://schemas.openxmlformats.org/officeDocument/2006/relationships" xmlns:p="http://schemas.openxmlformats.org/presentationml/2006/main">
   <p:cSld>
     <p:spTree>
@@ -13758,7 +14265,7 @@
 </p:sld>
 </file>
 
-<file path=ppt/slides/slide21.xml><?xml version="1.0" encoding="utf-8"?>
+<file path=ppt/slides/slide22.xml><?xml version="1.0" encoding="utf-8"?>
 <p:sld xmlns:a="http://schemas.openxmlformats.org/drawingml/2006/main" xmlns:r="http://schemas.openxmlformats.org/officeDocument/2006/relationships" xmlns:p="http://schemas.openxmlformats.org/presentationml/2006/main">
   <p:cSld>
     <p:spTree>
